--- a/Nicaragua Infografia.pptx
+++ b/Nicaragua Infografia.pptx
@@ -2,13 +2,13 @@
 <file path=ppt/presentation.xml><?xml version="1.0" encoding="utf-8"?>
 <p:presentation xmlns:a="http://schemas.openxmlformats.org/drawingml/2006/main" xmlns:r="http://schemas.openxmlformats.org/officeDocument/2006/relationships" xmlns:p="http://schemas.openxmlformats.org/presentationml/2006/main" saveSubsetFonts="1">
   <p:sldMasterIdLst>
-    <p:sldMasterId id="2147483660" r:id="rId1"/>
+    <p:sldMasterId id="2147483672" r:id="rId1"/>
   </p:sldMasterIdLst>
   <p:sldIdLst>
-    <p:sldId id="256" r:id="rId2"/>
+    <p:sldId id="258" r:id="rId2"/>
     <p:sldId id="257" r:id="rId3"/>
   </p:sldIdLst>
-  <p:sldSz cx="9601200" cy="12801600" type="A3"/>
+  <p:sldSz cx="12801600" cy="9601200" type="A3"/>
   <p:notesSz cx="6858000" cy="9144000"/>
   <p:defaultTextStyle>
     <a:defPPr>
@@ -105,13 +105,18 @@
       </a:defRPr>
     </a:lvl9pPr>
   </p:defaultTextStyle>
+  <p:extLst>
+    <p:ext uri="{EFAFB233-063F-42B5-8137-9DF3F51BA10A}">
+      <p15:sldGuideLst xmlns:p15="http://schemas.microsoft.com/office/powerpoint/2012/main"/>
+    </p:ext>
+  </p:extLst>
 </p:presentation>
 </file>
 
 <file path=ppt/charts/chart1.xml><?xml version="1.0" encoding="utf-8"?>
 <c:chartSpace xmlns:c="http://schemas.openxmlformats.org/drawingml/2006/chart" xmlns:a="http://schemas.openxmlformats.org/drawingml/2006/main" xmlns:r="http://schemas.openxmlformats.org/officeDocument/2006/relationships" xmlns:c16r2="http://schemas.microsoft.com/office/drawing/2015/06/chart">
   <c:date1904 val="0"/>
-  <c:lang val="en-US"/>
+  <c:lang val="es-ES"/>
   <c:roundedCorners val="0"/>
   <mc:AlternateContent xmlns:mc="http://schemas.openxmlformats.org/markup-compatibility/2006">
     <mc:Choice xmlns:c14="http://schemas.microsoft.com/office/drawing/2007/8/2/chart" Requires="c14">
@@ -128,56 +133,25 @@
           <a:bodyPr rot="0" spcFirstLastPara="1" vertOverflow="ellipsis" vert="horz" wrap="square" anchor="ctr" anchorCtr="1"/>
           <a:lstStyle/>
           <a:p>
-            <a:pPr>
+            <a:pPr algn="l" rtl="0">
               <a:defRPr sz="1862" b="0" i="0" u="none" strike="noStrike" kern="1200" spc="0" baseline="0">
                 <a:solidFill>
-                  <a:schemeClr val="tx1">
-                    <a:lumMod val="65000"/>
-                    <a:lumOff val="35000"/>
-                  </a:schemeClr>
+                  <a:schemeClr val="bg1"/>
                 </a:solidFill>
-                <a:latin typeface="+mn-lt"/>
+                <a:latin typeface="Abadi" panose="020B0604020104020204" pitchFamily="34" charset="0"/>
                 <a:ea typeface="+mn-ea"/>
                 <a:cs typeface="+mn-cs"/>
               </a:defRPr>
             </a:pPr>
             <a:r>
-              <a:rPr lang="en-US" dirty="0" err="1"/>
-              <a:t>Familias</a:t>
+              <a:rPr lang="en-US">
+                <a:solidFill>
+                  <a:schemeClr val="bg1"/>
+                </a:solidFill>
+                <a:latin typeface="Abadi" panose="020B0604020104020204" pitchFamily="34" charset="0"/>
+              </a:rPr>
+              <a:t>FAMILIAS INCLUÍDAS</a:t>
             </a:r>
-            <a:r>
-              <a:rPr lang="en-US" baseline="0" dirty="0"/>
-              <a:t> </a:t>
-            </a:r>
-            <a:r>
-              <a:rPr lang="en-US" baseline="0" dirty="0" err="1"/>
-              <a:t>incluídas</a:t>
-            </a:r>
-            <a:r>
-              <a:rPr lang="en-US" baseline="0" dirty="0"/>
-              <a:t> </a:t>
-            </a:r>
-            <a:r>
-              <a:rPr lang="en-US" baseline="0" dirty="0" err="1"/>
-              <a:t>en</a:t>
-            </a:r>
-            <a:r>
-              <a:rPr lang="en-US" baseline="0" dirty="0"/>
-              <a:t> </a:t>
-            </a:r>
-            <a:r>
-              <a:rPr lang="en-US" baseline="0" dirty="0" err="1"/>
-              <a:t>el</a:t>
-            </a:r>
-            <a:r>
-              <a:rPr lang="en-US" baseline="0" dirty="0"/>
-              <a:t> </a:t>
-            </a:r>
-            <a:r>
-              <a:rPr lang="en-US" baseline="0" dirty="0" err="1"/>
-              <a:t>programa</a:t>
-            </a:r>
-            <a:endParaRPr lang="en-US" dirty="0"/>
           </a:p>
         </c:rich>
       </c:tx>
@@ -193,15 +167,12 @@
         <a:bodyPr rot="0" spcFirstLastPara="1" vertOverflow="ellipsis" vert="horz" wrap="square" anchor="ctr" anchorCtr="1"/>
         <a:lstStyle/>
         <a:p>
-          <a:pPr>
+          <a:pPr algn="l" rtl="0">
             <a:defRPr sz="1862" b="0" i="0" u="none" strike="noStrike" kern="1200" spc="0" baseline="0">
               <a:solidFill>
-                <a:schemeClr val="tx1">
-                  <a:lumMod val="65000"/>
-                  <a:lumOff val="35000"/>
-                </a:schemeClr>
+                <a:schemeClr val="bg1"/>
               </a:solidFill>
-              <a:latin typeface="+mn-lt"/>
+              <a:latin typeface="Abadi" panose="020B0604020104020204" pitchFamily="34" charset="0"/>
               <a:ea typeface="+mn-ea"/>
               <a:cs typeface="+mn-cs"/>
             </a:defRPr>
@@ -233,7 +204,7 @@
           </c:tx>
           <c:spPr>
             <a:solidFill>
-              <a:schemeClr val="accent1"/>
+              <a:srgbClr val="32A505"/>
             </a:solidFill>
             <a:ln>
               <a:noFill/>
@@ -319,10 +290,7 @@
             <a:pPr>
               <a:defRPr sz="1197" b="0" i="0" u="none" strike="noStrike" kern="1200" baseline="0">
                 <a:solidFill>
-                  <a:schemeClr val="tx1">
-                    <a:lumMod val="65000"/>
-                    <a:lumOff val="35000"/>
-                  </a:schemeClr>
+                  <a:schemeClr val="bg1"/>
                 </a:solidFill>
                 <a:latin typeface="+mn-lt"/>
                 <a:ea typeface="+mn-ea"/>
@@ -379,10 +347,7 @@
             <a:pPr>
               <a:defRPr sz="1197" b="0" i="0" u="none" strike="noStrike" kern="1200" baseline="0">
                 <a:solidFill>
-                  <a:schemeClr val="tx1">
-                    <a:lumMod val="65000"/>
-                    <a:lumOff val="35000"/>
-                  </a:schemeClr>
+                  <a:schemeClr val="bg1"/>
                 </a:solidFill>
                 <a:latin typeface="+mn-lt"/>
                 <a:ea typeface="+mn-ea"/>
@@ -427,7 +392,11 @@
     <a:lstStyle/>
     <a:p>
       <a:pPr>
-        <a:defRPr/>
+        <a:defRPr>
+          <a:solidFill>
+            <a:schemeClr val="bg1"/>
+          </a:solidFill>
+        </a:defRPr>
       </a:pPr>
       <a:endParaRPr lang="es-ES"/>
     </a:p>
@@ -985,7 +954,7 @@
 
 <file path=ppt/slideLayouts/slideLayout1.xml><?xml version="1.0" encoding="utf-8"?>
 <p:sldLayout xmlns:a="http://schemas.openxmlformats.org/drawingml/2006/main" xmlns:r="http://schemas.openxmlformats.org/officeDocument/2006/relationships" xmlns:p="http://schemas.openxmlformats.org/presentationml/2006/main" type="title" preserve="1">
-  <p:cSld name="Title Slide">
+  <p:cSld name="Diapositiva de título">
     <p:spTree>
       <p:nvGrpSpPr>
         <p:cNvPr id="1" name=""/>
@@ -1012,21 +981,21 @@
         </p:nvSpPr>
         <p:spPr>
           <a:xfrm>
-            <a:off x="720090" y="2095078"/>
-            <a:ext cx="8161020" cy="4456853"/>
+            <a:off x="960120" y="1571308"/>
+            <a:ext cx="10881360" cy="3342640"/>
           </a:xfrm>
         </p:spPr>
         <p:txBody>
           <a:bodyPr anchor="b"/>
           <a:lstStyle>
             <a:lvl1pPr algn="ctr">
-              <a:defRPr sz="6300"/>
+              <a:defRPr sz="8400"/>
             </a:lvl1pPr>
           </a:lstStyle>
           <a:p>
             <a:r>
-              <a:rPr lang="en-US"/>
-              <a:t>Click to edit Master title style</a:t>
+              <a:rPr lang="es-ES"/>
+              <a:t>Haga clic para modificar el estilo de título del patrón</a:t>
             </a:r>
             <a:endParaRPr lang="en-US" dirty="0"/>
           </a:p>
@@ -1044,8 +1013,8 @@
         </p:nvSpPr>
         <p:spPr>
           <a:xfrm>
-            <a:off x="1200150" y="6723804"/>
-            <a:ext cx="7200900" cy="3090756"/>
+            <a:off x="1600200" y="5042853"/>
+            <a:ext cx="9601200" cy="2318067"/>
           </a:xfrm>
         </p:spPr>
         <p:txBody>
@@ -1053,45 +1022,45 @@
           <a:lstStyle>
             <a:lvl1pPr marL="0" indent="0" algn="ctr">
               <a:buNone/>
+              <a:defRPr sz="3360"/>
+            </a:lvl1pPr>
+            <a:lvl2pPr marL="640080" indent="0" algn="ctr">
+              <a:buNone/>
+              <a:defRPr sz="2800"/>
+            </a:lvl2pPr>
+            <a:lvl3pPr marL="1280160" indent="0" algn="ctr">
+              <a:buNone/>
               <a:defRPr sz="2520"/>
-            </a:lvl1pPr>
-            <a:lvl2pPr marL="480060" indent="0" algn="ctr">
+            </a:lvl3pPr>
+            <a:lvl4pPr marL="1920240" indent="0" algn="ctr">
               <a:buNone/>
-              <a:defRPr sz="2100"/>
-            </a:lvl2pPr>
-            <a:lvl3pPr marL="960120" indent="0" algn="ctr">
+              <a:defRPr sz="2240"/>
+            </a:lvl4pPr>
+            <a:lvl5pPr marL="2560320" indent="0" algn="ctr">
               <a:buNone/>
-              <a:defRPr sz="1890"/>
-            </a:lvl3pPr>
-            <a:lvl4pPr marL="1440180" indent="0" algn="ctr">
+              <a:defRPr sz="2240"/>
+            </a:lvl5pPr>
+            <a:lvl6pPr marL="3200400" indent="0" algn="ctr">
               <a:buNone/>
-              <a:defRPr sz="1680"/>
-            </a:lvl4pPr>
-            <a:lvl5pPr marL="1920240" indent="0" algn="ctr">
+              <a:defRPr sz="2240"/>
+            </a:lvl6pPr>
+            <a:lvl7pPr marL="3840480" indent="0" algn="ctr">
               <a:buNone/>
-              <a:defRPr sz="1680"/>
-            </a:lvl5pPr>
-            <a:lvl6pPr marL="2400300" indent="0" algn="ctr">
+              <a:defRPr sz="2240"/>
+            </a:lvl7pPr>
+            <a:lvl8pPr marL="4480560" indent="0" algn="ctr">
               <a:buNone/>
-              <a:defRPr sz="1680"/>
-            </a:lvl6pPr>
-            <a:lvl7pPr marL="2880360" indent="0" algn="ctr">
+              <a:defRPr sz="2240"/>
+            </a:lvl8pPr>
+            <a:lvl9pPr marL="5120640" indent="0" algn="ctr">
               <a:buNone/>
-              <a:defRPr sz="1680"/>
-            </a:lvl7pPr>
-            <a:lvl8pPr marL="3360420" indent="0" algn="ctr">
-              <a:buNone/>
-              <a:defRPr sz="1680"/>
-            </a:lvl8pPr>
-            <a:lvl9pPr marL="3840480" indent="0" algn="ctr">
-              <a:buNone/>
-              <a:defRPr sz="1680"/>
+              <a:defRPr sz="2240"/>
             </a:lvl9pPr>
           </a:lstStyle>
           <a:p>
             <a:r>
-              <a:rPr lang="en-US"/>
-              <a:t>Click to edit Master subtitle style</a:t>
+              <a:rPr lang="es-ES"/>
+              <a:t>Haga clic para modificar el estilo de subtítulo del patrón</a:t>
             </a:r>
             <a:endParaRPr lang="en-US" dirty="0"/>
           </a:p>
@@ -1156,7 +1125,7 @@
           <a:p>
             <a:fld id="{AFF29D6C-17C6-483F-AAC9-ACEBBBC03CEC}" type="slidenum">
               <a:rPr lang="es-ES" smtClean="0"/>
-              <a:t>‹#›</a:t>
+              <a:t>‹Nº›</a:t>
             </a:fld>
             <a:endParaRPr lang="es-ES"/>
           </a:p>
@@ -1165,7 +1134,7 @@
     </p:spTree>
     <p:extLst>
       <p:ext uri="{BB962C8B-B14F-4D97-AF65-F5344CB8AC3E}">
-        <p14:creationId xmlns:p14="http://schemas.microsoft.com/office/powerpoint/2010/main" val="30336968"/>
+        <p14:creationId xmlns:p14="http://schemas.microsoft.com/office/powerpoint/2010/main" val="848386822"/>
       </p:ext>
     </p:extLst>
   </p:cSld>
@@ -1177,7 +1146,7 @@
 
 <file path=ppt/slideLayouts/slideLayout10.xml><?xml version="1.0" encoding="utf-8"?>
 <p:sldLayout xmlns:a="http://schemas.openxmlformats.org/drawingml/2006/main" xmlns:r="http://schemas.openxmlformats.org/officeDocument/2006/relationships" xmlns:p="http://schemas.openxmlformats.org/presentationml/2006/main" type="vertTx" preserve="1">
-  <p:cSld name="Title and Vertical Text">
+  <p:cSld name="Título y texto vertical">
     <p:spTree>
       <p:nvGrpSpPr>
         <p:cNvPr id="1" name=""/>
@@ -1208,8 +1177,8 @@
           <a:lstStyle/>
           <a:p>
             <a:r>
-              <a:rPr lang="en-US"/>
-              <a:t>Click to edit Master title style</a:t>
+              <a:rPr lang="es-ES"/>
+              <a:t>Haga clic para modificar el estilo de título del patrón</a:t>
             </a:r>
             <a:endParaRPr lang="en-US" dirty="0"/>
           </a:p>
@@ -1232,36 +1201,36 @@
           <a:p>
             <a:pPr lvl="0"/>
             <a:r>
-              <a:rPr lang="en-US"/>
-              <a:t>Click to edit Master text styles</a:t>
+              <a:rPr lang="es-ES"/>
+              <a:t>Haga clic para modificar los estilos de texto del patrón</a:t>
             </a:r>
           </a:p>
           <a:p>
             <a:pPr lvl="1"/>
             <a:r>
-              <a:rPr lang="en-US"/>
-              <a:t>Second level</a:t>
+              <a:rPr lang="es-ES"/>
+              <a:t>Segundo nivel</a:t>
             </a:r>
           </a:p>
           <a:p>
             <a:pPr lvl="2"/>
             <a:r>
-              <a:rPr lang="en-US"/>
-              <a:t>Third level</a:t>
+              <a:rPr lang="es-ES"/>
+              <a:t>Tercer nivel</a:t>
             </a:r>
           </a:p>
           <a:p>
             <a:pPr lvl="3"/>
             <a:r>
-              <a:rPr lang="en-US"/>
-              <a:t>Fourth level</a:t>
+              <a:rPr lang="es-ES"/>
+              <a:t>Cuarto nivel</a:t>
             </a:r>
           </a:p>
           <a:p>
             <a:pPr lvl="4"/>
             <a:r>
-              <a:rPr lang="en-US"/>
-              <a:t>Fifth level</a:t>
+              <a:rPr lang="es-ES"/>
+              <a:t>Quinto nivel</a:t>
             </a:r>
             <a:endParaRPr lang="en-US" dirty="0"/>
           </a:p>
@@ -1326,7 +1295,7 @@
           <a:p>
             <a:fld id="{AFF29D6C-17C6-483F-AAC9-ACEBBBC03CEC}" type="slidenum">
               <a:rPr lang="es-ES" smtClean="0"/>
-              <a:t>‹#›</a:t>
+              <a:t>‹Nº›</a:t>
             </a:fld>
             <a:endParaRPr lang="es-ES"/>
           </a:p>
@@ -1335,7 +1304,7 @@
     </p:spTree>
     <p:extLst>
       <p:ext uri="{BB962C8B-B14F-4D97-AF65-F5344CB8AC3E}">
-        <p14:creationId xmlns:p14="http://schemas.microsoft.com/office/powerpoint/2010/main" val="3759891212"/>
+        <p14:creationId xmlns:p14="http://schemas.microsoft.com/office/powerpoint/2010/main" val="1427390350"/>
       </p:ext>
     </p:extLst>
   </p:cSld>
@@ -1347,7 +1316,7 @@
 
 <file path=ppt/slideLayouts/slideLayout11.xml><?xml version="1.0" encoding="utf-8"?>
 <p:sldLayout xmlns:a="http://schemas.openxmlformats.org/drawingml/2006/main" xmlns:r="http://schemas.openxmlformats.org/officeDocument/2006/relationships" xmlns:p="http://schemas.openxmlformats.org/presentationml/2006/main" type="vertTitleAndTx" preserve="1">
-  <p:cSld name="Vertical Title and Text">
+  <p:cSld name="Título vertical y texto">
     <p:spTree>
       <p:nvGrpSpPr>
         <p:cNvPr id="1" name=""/>
@@ -1374,8 +1343,8 @@
         </p:nvSpPr>
         <p:spPr>
           <a:xfrm>
-            <a:off x="6870859" y="681567"/>
-            <a:ext cx="2070259" cy="10848764"/>
+            <a:off x="9161146" y="511175"/>
+            <a:ext cx="2760345" cy="8136573"/>
           </a:xfrm>
         </p:spPr>
         <p:txBody>
@@ -1383,8 +1352,8 @@
           <a:lstStyle/>
           <a:p>
             <a:r>
-              <a:rPr lang="en-US"/>
-              <a:t>Click to edit Master title style</a:t>
+              <a:rPr lang="es-ES"/>
+              <a:t>Haga clic para modificar el estilo de título del patrón</a:t>
             </a:r>
             <a:endParaRPr lang="en-US" dirty="0"/>
           </a:p>
@@ -1402,8 +1371,8 @@
         </p:nvSpPr>
         <p:spPr>
           <a:xfrm>
-            <a:off x="660083" y="681567"/>
-            <a:ext cx="6090761" cy="10848764"/>
+            <a:off x="880111" y="511175"/>
+            <a:ext cx="8121015" cy="8136573"/>
           </a:xfrm>
         </p:spPr>
         <p:txBody>
@@ -1412,36 +1381,36 @@
           <a:p>
             <a:pPr lvl="0"/>
             <a:r>
-              <a:rPr lang="en-US"/>
-              <a:t>Click to edit Master text styles</a:t>
+              <a:rPr lang="es-ES"/>
+              <a:t>Haga clic para modificar los estilos de texto del patrón</a:t>
             </a:r>
           </a:p>
           <a:p>
             <a:pPr lvl="1"/>
             <a:r>
-              <a:rPr lang="en-US"/>
-              <a:t>Second level</a:t>
+              <a:rPr lang="es-ES"/>
+              <a:t>Segundo nivel</a:t>
             </a:r>
           </a:p>
           <a:p>
             <a:pPr lvl="2"/>
             <a:r>
-              <a:rPr lang="en-US"/>
-              <a:t>Third level</a:t>
+              <a:rPr lang="es-ES"/>
+              <a:t>Tercer nivel</a:t>
             </a:r>
           </a:p>
           <a:p>
             <a:pPr lvl="3"/>
             <a:r>
-              <a:rPr lang="en-US"/>
-              <a:t>Fourth level</a:t>
+              <a:rPr lang="es-ES"/>
+              <a:t>Cuarto nivel</a:t>
             </a:r>
           </a:p>
           <a:p>
             <a:pPr lvl="4"/>
             <a:r>
-              <a:rPr lang="en-US"/>
-              <a:t>Fifth level</a:t>
+              <a:rPr lang="es-ES"/>
+              <a:t>Quinto nivel</a:t>
             </a:r>
             <a:endParaRPr lang="en-US" dirty="0"/>
           </a:p>
@@ -1506,7 +1475,7 @@
           <a:p>
             <a:fld id="{AFF29D6C-17C6-483F-AAC9-ACEBBBC03CEC}" type="slidenum">
               <a:rPr lang="es-ES" smtClean="0"/>
-              <a:t>‹#›</a:t>
+              <a:t>‹Nº›</a:t>
             </a:fld>
             <a:endParaRPr lang="es-ES"/>
           </a:p>
@@ -1515,7 +1484,7 @@
     </p:spTree>
     <p:extLst>
       <p:ext uri="{BB962C8B-B14F-4D97-AF65-F5344CB8AC3E}">
-        <p14:creationId xmlns:p14="http://schemas.microsoft.com/office/powerpoint/2010/main" val="2004655016"/>
+        <p14:creationId xmlns:p14="http://schemas.microsoft.com/office/powerpoint/2010/main" val="2129445812"/>
       </p:ext>
     </p:extLst>
   </p:cSld>
@@ -1527,7 +1496,7 @@
 
 <file path=ppt/slideLayouts/slideLayout2.xml><?xml version="1.0" encoding="utf-8"?>
 <p:sldLayout xmlns:a="http://schemas.openxmlformats.org/drawingml/2006/main" xmlns:r="http://schemas.openxmlformats.org/officeDocument/2006/relationships" xmlns:p="http://schemas.openxmlformats.org/presentationml/2006/main" type="obj" preserve="1">
-  <p:cSld name="Title and Content">
+  <p:cSld name="Título y objetos">
     <p:spTree>
       <p:nvGrpSpPr>
         <p:cNvPr id="1" name=""/>
@@ -1558,8 +1527,8 @@
           <a:lstStyle/>
           <a:p>
             <a:r>
-              <a:rPr lang="en-US"/>
-              <a:t>Click to edit Master title style</a:t>
+              <a:rPr lang="es-ES"/>
+              <a:t>Haga clic para modificar el estilo de título del patrón</a:t>
             </a:r>
             <a:endParaRPr lang="en-US" dirty="0"/>
           </a:p>
@@ -1582,36 +1551,36 @@
           <a:p>
             <a:pPr lvl="0"/>
             <a:r>
-              <a:rPr lang="en-US"/>
-              <a:t>Click to edit Master text styles</a:t>
+              <a:rPr lang="es-ES"/>
+              <a:t>Haga clic para modificar los estilos de texto del patrón</a:t>
             </a:r>
           </a:p>
           <a:p>
             <a:pPr lvl="1"/>
             <a:r>
-              <a:rPr lang="en-US"/>
-              <a:t>Second level</a:t>
+              <a:rPr lang="es-ES"/>
+              <a:t>Segundo nivel</a:t>
             </a:r>
           </a:p>
           <a:p>
             <a:pPr lvl="2"/>
             <a:r>
-              <a:rPr lang="en-US"/>
-              <a:t>Third level</a:t>
+              <a:rPr lang="es-ES"/>
+              <a:t>Tercer nivel</a:t>
             </a:r>
           </a:p>
           <a:p>
             <a:pPr lvl="3"/>
             <a:r>
-              <a:rPr lang="en-US"/>
-              <a:t>Fourth level</a:t>
+              <a:rPr lang="es-ES"/>
+              <a:t>Cuarto nivel</a:t>
             </a:r>
           </a:p>
           <a:p>
             <a:pPr lvl="4"/>
             <a:r>
-              <a:rPr lang="en-US"/>
-              <a:t>Fifth level</a:t>
+              <a:rPr lang="es-ES"/>
+              <a:t>Quinto nivel</a:t>
             </a:r>
             <a:endParaRPr lang="en-US" dirty="0"/>
           </a:p>
@@ -1676,7 +1645,7 @@
           <a:p>
             <a:fld id="{AFF29D6C-17C6-483F-AAC9-ACEBBBC03CEC}" type="slidenum">
               <a:rPr lang="es-ES" smtClean="0"/>
-              <a:t>‹#›</a:t>
+              <a:t>‹Nº›</a:t>
             </a:fld>
             <a:endParaRPr lang="es-ES"/>
           </a:p>
@@ -1685,7 +1654,7 @@
     </p:spTree>
     <p:extLst>
       <p:ext uri="{BB962C8B-B14F-4D97-AF65-F5344CB8AC3E}">
-        <p14:creationId xmlns:p14="http://schemas.microsoft.com/office/powerpoint/2010/main" val="2831341195"/>
+        <p14:creationId xmlns:p14="http://schemas.microsoft.com/office/powerpoint/2010/main" val="208771236"/>
       </p:ext>
     </p:extLst>
   </p:cSld>
@@ -1697,7 +1666,7 @@
 
 <file path=ppt/slideLayouts/slideLayout3.xml><?xml version="1.0" encoding="utf-8"?>
 <p:sldLayout xmlns:a="http://schemas.openxmlformats.org/drawingml/2006/main" xmlns:r="http://schemas.openxmlformats.org/officeDocument/2006/relationships" xmlns:p="http://schemas.openxmlformats.org/presentationml/2006/main" type="secHead" preserve="1">
-  <p:cSld name="Section Header">
+  <p:cSld name="Encabezado de sección">
     <p:spTree>
       <p:nvGrpSpPr>
         <p:cNvPr id="1" name=""/>
@@ -1724,21 +1693,21 @@
         </p:nvSpPr>
         <p:spPr>
           <a:xfrm>
-            <a:off x="655082" y="3191514"/>
-            <a:ext cx="8281035" cy="5325109"/>
+            <a:off x="873443" y="2393635"/>
+            <a:ext cx="11041380" cy="3993832"/>
           </a:xfrm>
         </p:spPr>
         <p:txBody>
           <a:bodyPr anchor="b"/>
           <a:lstStyle>
             <a:lvl1pPr>
-              <a:defRPr sz="6300"/>
+              <a:defRPr sz="8400"/>
             </a:lvl1pPr>
           </a:lstStyle>
           <a:p>
             <a:r>
-              <a:rPr lang="en-US"/>
-              <a:t>Click to edit Master title style</a:t>
+              <a:rPr lang="es-ES"/>
+              <a:t>Haga clic para modificar el estilo de título del patrón</a:t>
             </a:r>
             <a:endParaRPr lang="en-US" dirty="0"/>
           </a:p>
@@ -1756,8 +1725,8 @@
         </p:nvSpPr>
         <p:spPr>
           <a:xfrm>
-            <a:off x="655082" y="8567000"/>
-            <a:ext cx="8281035" cy="2800349"/>
+            <a:off x="873443" y="6425250"/>
+            <a:ext cx="11041380" cy="2100262"/>
           </a:xfrm>
         </p:spPr>
         <p:txBody>
@@ -1765,15 +1734,15 @@
           <a:lstStyle>
             <a:lvl1pPr marL="0" indent="0">
               <a:buNone/>
-              <a:defRPr sz="2520">
+              <a:defRPr sz="3360">
                 <a:solidFill>
                   <a:schemeClr val="tx1"/>
                 </a:solidFill>
               </a:defRPr>
             </a:lvl1pPr>
-            <a:lvl2pPr marL="480060" indent="0">
+            <a:lvl2pPr marL="640080" indent="0">
               <a:buNone/>
-              <a:defRPr sz="2100">
+              <a:defRPr sz="2800">
                 <a:solidFill>
                   <a:schemeClr val="tx1">
                     <a:tint val="75000"/>
@@ -1781,9 +1750,9 @@
                 </a:solidFill>
               </a:defRPr>
             </a:lvl2pPr>
-            <a:lvl3pPr marL="960120" indent="0">
+            <a:lvl3pPr marL="1280160" indent="0">
               <a:buNone/>
-              <a:defRPr sz="1890">
+              <a:defRPr sz="2520">
                 <a:solidFill>
                   <a:schemeClr val="tx1">
                     <a:tint val="75000"/>
@@ -1791,9 +1760,9 @@
                 </a:solidFill>
               </a:defRPr>
             </a:lvl3pPr>
-            <a:lvl4pPr marL="1440180" indent="0">
+            <a:lvl4pPr marL="1920240" indent="0">
               <a:buNone/>
-              <a:defRPr sz="1680">
+              <a:defRPr sz="2240">
                 <a:solidFill>
                   <a:schemeClr val="tx1">
                     <a:tint val="75000"/>
@@ -1801,9 +1770,9 @@
                 </a:solidFill>
               </a:defRPr>
             </a:lvl4pPr>
-            <a:lvl5pPr marL="1920240" indent="0">
+            <a:lvl5pPr marL="2560320" indent="0">
               <a:buNone/>
-              <a:defRPr sz="1680">
+              <a:defRPr sz="2240">
                 <a:solidFill>
                   <a:schemeClr val="tx1">
                     <a:tint val="75000"/>
@@ -1811,9 +1780,9 @@
                 </a:solidFill>
               </a:defRPr>
             </a:lvl5pPr>
-            <a:lvl6pPr marL="2400300" indent="0">
+            <a:lvl6pPr marL="3200400" indent="0">
               <a:buNone/>
-              <a:defRPr sz="1680">
+              <a:defRPr sz="2240">
                 <a:solidFill>
                   <a:schemeClr val="tx1">
                     <a:tint val="75000"/>
@@ -1821,9 +1790,9 @@
                 </a:solidFill>
               </a:defRPr>
             </a:lvl6pPr>
-            <a:lvl7pPr marL="2880360" indent="0">
+            <a:lvl7pPr marL="3840480" indent="0">
               <a:buNone/>
-              <a:defRPr sz="1680">
+              <a:defRPr sz="2240">
                 <a:solidFill>
                   <a:schemeClr val="tx1">
                     <a:tint val="75000"/>
@@ -1831,9 +1800,9 @@
                 </a:solidFill>
               </a:defRPr>
             </a:lvl7pPr>
-            <a:lvl8pPr marL="3360420" indent="0">
+            <a:lvl8pPr marL="4480560" indent="0">
               <a:buNone/>
-              <a:defRPr sz="1680">
+              <a:defRPr sz="2240">
                 <a:solidFill>
                   <a:schemeClr val="tx1">
                     <a:tint val="75000"/>
@@ -1841,9 +1810,9 @@
                 </a:solidFill>
               </a:defRPr>
             </a:lvl8pPr>
-            <a:lvl9pPr marL="3840480" indent="0">
+            <a:lvl9pPr marL="5120640" indent="0">
               <a:buNone/>
-              <a:defRPr sz="1680">
+              <a:defRPr sz="2240">
                 <a:solidFill>
                   <a:schemeClr val="tx1">
                     <a:tint val="75000"/>
@@ -1855,8 +1824,8 @@
           <a:p>
             <a:pPr lvl="0"/>
             <a:r>
-              <a:rPr lang="en-US"/>
-              <a:t>Click to edit Master text styles</a:t>
+              <a:rPr lang="es-ES"/>
+              <a:t>Haga clic para modificar los estilos de texto del patrón</a:t>
             </a:r>
           </a:p>
         </p:txBody>
@@ -1920,7 +1889,7 @@
           <a:p>
             <a:fld id="{AFF29D6C-17C6-483F-AAC9-ACEBBBC03CEC}" type="slidenum">
               <a:rPr lang="es-ES" smtClean="0"/>
-              <a:t>‹#›</a:t>
+              <a:t>‹Nº›</a:t>
             </a:fld>
             <a:endParaRPr lang="es-ES"/>
           </a:p>
@@ -1929,7 +1898,7 @@
     </p:spTree>
     <p:extLst>
       <p:ext uri="{BB962C8B-B14F-4D97-AF65-F5344CB8AC3E}">
-        <p14:creationId xmlns:p14="http://schemas.microsoft.com/office/powerpoint/2010/main" val="2750515876"/>
+        <p14:creationId xmlns:p14="http://schemas.microsoft.com/office/powerpoint/2010/main" val="2244260981"/>
       </p:ext>
     </p:extLst>
   </p:cSld>
@@ -1941,7 +1910,7 @@
 
 <file path=ppt/slideLayouts/slideLayout4.xml><?xml version="1.0" encoding="utf-8"?>
 <p:sldLayout xmlns:a="http://schemas.openxmlformats.org/drawingml/2006/main" xmlns:r="http://schemas.openxmlformats.org/officeDocument/2006/relationships" xmlns:p="http://schemas.openxmlformats.org/presentationml/2006/main" type="twoObj" preserve="1">
-  <p:cSld name="Two Content">
+  <p:cSld name="Dos objetos">
     <p:spTree>
       <p:nvGrpSpPr>
         <p:cNvPr id="1" name=""/>
@@ -1972,8 +1941,8 @@
           <a:lstStyle/>
           <a:p>
             <a:r>
-              <a:rPr lang="en-US"/>
-              <a:t>Click to edit Master title style</a:t>
+              <a:rPr lang="es-ES"/>
+              <a:t>Haga clic para modificar el estilo de título del patrón</a:t>
             </a:r>
             <a:endParaRPr lang="en-US" dirty="0"/>
           </a:p>
@@ -1991,8 +1960,8 @@
         </p:nvSpPr>
         <p:spPr>
           <a:xfrm>
-            <a:off x="660083" y="3407833"/>
-            <a:ext cx="4080510" cy="8122498"/>
+            <a:off x="880110" y="2555875"/>
+            <a:ext cx="5440680" cy="6091873"/>
           </a:xfrm>
         </p:spPr>
         <p:txBody>
@@ -2001,36 +1970,36 @@
           <a:p>
             <a:pPr lvl="0"/>
             <a:r>
-              <a:rPr lang="en-US"/>
-              <a:t>Click to edit Master text styles</a:t>
+              <a:rPr lang="es-ES"/>
+              <a:t>Haga clic para modificar los estilos de texto del patrón</a:t>
             </a:r>
           </a:p>
           <a:p>
             <a:pPr lvl="1"/>
             <a:r>
-              <a:rPr lang="en-US"/>
-              <a:t>Second level</a:t>
+              <a:rPr lang="es-ES"/>
+              <a:t>Segundo nivel</a:t>
             </a:r>
           </a:p>
           <a:p>
             <a:pPr lvl="2"/>
             <a:r>
-              <a:rPr lang="en-US"/>
-              <a:t>Third level</a:t>
+              <a:rPr lang="es-ES"/>
+              <a:t>Tercer nivel</a:t>
             </a:r>
           </a:p>
           <a:p>
             <a:pPr lvl="3"/>
             <a:r>
-              <a:rPr lang="en-US"/>
-              <a:t>Fourth level</a:t>
+              <a:rPr lang="es-ES"/>
+              <a:t>Cuarto nivel</a:t>
             </a:r>
           </a:p>
           <a:p>
             <a:pPr lvl="4"/>
             <a:r>
-              <a:rPr lang="en-US"/>
-              <a:t>Fifth level</a:t>
+              <a:rPr lang="es-ES"/>
+              <a:t>Quinto nivel</a:t>
             </a:r>
             <a:endParaRPr lang="en-US" dirty="0"/>
           </a:p>
@@ -2048,8 +2017,8 @@
         </p:nvSpPr>
         <p:spPr>
           <a:xfrm>
-            <a:off x="4860608" y="3407833"/>
-            <a:ext cx="4080510" cy="8122498"/>
+            <a:off x="6480810" y="2555875"/>
+            <a:ext cx="5440680" cy="6091873"/>
           </a:xfrm>
         </p:spPr>
         <p:txBody>
@@ -2058,36 +2027,36 @@
           <a:p>
             <a:pPr lvl="0"/>
             <a:r>
-              <a:rPr lang="en-US"/>
-              <a:t>Click to edit Master text styles</a:t>
+              <a:rPr lang="es-ES"/>
+              <a:t>Haga clic para modificar los estilos de texto del patrón</a:t>
             </a:r>
           </a:p>
           <a:p>
             <a:pPr lvl="1"/>
             <a:r>
-              <a:rPr lang="en-US"/>
-              <a:t>Second level</a:t>
+              <a:rPr lang="es-ES"/>
+              <a:t>Segundo nivel</a:t>
             </a:r>
           </a:p>
           <a:p>
             <a:pPr lvl="2"/>
             <a:r>
-              <a:rPr lang="en-US"/>
-              <a:t>Third level</a:t>
+              <a:rPr lang="es-ES"/>
+              <a:t>Tercer nivel</a:t>
             </a:r>
           </a:p>
           <a:p>
             <a:pPr lvl="3"/>
             <a:r>
-              <a:rPr lang="en-US"/>
-              <a:t>Fourth level</a:t>
+              <a:rPr lang="es-ES"/>
+              <a:t>Cuarto nivel</a:t>
             </a:r>
           </a:p>
           <a:p>
             <a:pPr lvl="4"/>
             <a:r>
-              <a:rPr lang="en-US"/>
-              <a:t>Fifth level</a:t>
+              <a:rPr lang="es-ES"/>
+              <a:t>Quinto nivel</a:t>
             </a:r>
             <a:endParaRPr lang="en-US" dirty="0"/>
           </a:p>
@@ -2152,7 +2121,7 @@
           <a:p>
             <a:fld id="{AFF29D6C-17C6-483F-AAC9-ACEBBBC03CEC}" type="slidenum">
               <a:rPr lang="es-ES" smtClean="0"/>
-              <a:t>‹#›</a:t>
+              <a:t>‹Nº›</a:t>
             </a:fld>
             <a:endParaRPr lang="es-ES"/>
           </a:p>
@@ -2161,7 +2130,7 @@
     </p:spTree>
     <p:extLst>
       <p:ext uri="{BB962C8B-B14F-4D97-AF65-F5344CB8AC3E}">
-        <p14:creationId xmlns:p14="http://schemas.microsoft.com/office/powerpoint/2010/main" val="584638143"/>
+        <p14:creationId xmlns:p14="http://schemas.microsoft.com/office/powerpoint/2010/main" val="3370124720"/>
       </p:ext>
     </p:extLst>
   </p:cSld>
@@ -2173,7 +2142,7 @@
 
 <file path=ppt/slideLayouts/slideLayout5.xml><?xml version="1.0" encoding="utf-8"?>
 <p:sldLayout xmlns:a="http://schemas.openxmlformats.org/drawingml/2006/main" xmlns:r="http://schemas.openxmlformats.org/officeDocument/2006/relationships" xmlns:p="http://schemas.openxmlformats.org/presentationml/2006/main" type="twoTxTwoObj" preserve="1">
-  <p:cSld name="Comparison">
+  <p:cSld name="Comparación">
     <p:spTree>
       <p:nvGrpSpPr>
         <p:cNvPr id="1" name=""/>
@@ -2200,8 +2169,8 @@
         </p:nvSpPr>
         <p:spPr>
           <a:xfrm>
-            <a:off x="661333" y="681570"/>
-            <a:ext cx="8281035" cy="2474384"/>
+            <a:off x="881777" y="511177"/>
+            <a:ext cx="11041380" cy="1855788"/>
           </a:xfrm>
         </p:spPr>
         <p:txBody>
@@ -2209,8 +2178,8 @@
           <a:lstStyle/>
           <a:p>
             <a:r>
-              <a:rPr lang="en-US"/>
-              <a:t>Click to edit Master title style</a:t>
+              <a:rPr lang="es-ES"/>
+              <a:t>Haga clic para modificar el estilo de título del patrón</a:t>
             </a:r>
             <a:endParaRPr lang="en-US" dirty="0"/>
           </a:p>
@@ -2228,8 +2197,8 @@
         </p:nvSpPr>
         <p:spPr>
           <a:xfrm>
-            <a:off x="661334" y="3138171"/>
-            <a:ext cx="4061757" cy="1537969"/>
+            <a:off x="881779" y="2353628"/>
+            <a:ext cx="5415676" cy="1153477"/>
           </a:xfrm>
         </p:spPr>
         <p:txBody>
@@ -2237,46 +2206,46 @@
           <a:lstStyle>
             <a:lvl1pPr marL="0" indent="0">
               <a:buNone/>
+              <a:defRPr sz="3360" b="1"/>
+            </a:lvl1pPr>
+            <a:lvl2pPr marL="640080" indent="0">
+              <a:buNone/>
+              <a:defRPr sz="2800" b="1"/>
+            </a:lvl2pPr>
+            <a:lvl3pPr marL="1280160" indent="0">
+              <a:buNone/>
               <a:defRPr sz="2520" b="1"/>
-            </a:lvl1pPr>
-            <a:lvl2pPr marL="480060" indent="0">
+            </a:lvl3pPr>
+            <a:lvl4pPr marL="1920240" indent="0">
               <a:buNone/>
-              <a:defRPr sz="2100" b="1"/>
-            </a:lvl2pPr>
-            <a:lvl3pPr marL="960120" indent="0">
+              <a:defRPr sz="2240" b="1"/>
+            </a:lvl4pPr>
+            <a:lvl5pPr marL="2560320" indent="0">
               <a:buNone/>
-              <a:defRPr sz="1890" b="1"/>
-            </a:lvl3pPr>
-            <a:lvl4pPr marL="1440180" indent="0">
+              <a:defRPr sz="2240" b="1"/>
+            </a:lvl5pPr>
+            <a:lvl6pPr marL="3200400" indent="0">
               <a:buNone/>
-              <a:defRPr sz="1680" b="1"/>
-            </a:lvl4pPr>
-            <a:lvl5pPr marL="1920240" indent="0">
+              <a:defRPr sz="2240" b="1"/>
+            </a:lvl6pPr>
+            <a:lvl7pPr marL="3840480" indent="0">
               <a:buNone/>
-              <a:defRPr sz="1680" b="1"/>
-            </a:lvl5pPr>
-            <a:lvl6pPr marL="2400300" indent="0">
+              <a:defRPr sz="2240" b="1"/>
+            </a:lvl7pPr>
+            <a:lvl8pPr marL="4480560" indent="0">
               <a:buNone/>
-              <a:defRPr sz="1680" b="1"/>
-            </a:lvl6pPr>
-            <a:lvl7pPr marL="2880360" indent="0">
+              <a:defRPr sz="2240" b="1"/>
+            </a:lvl8pPr>
+            <a:lvl9pPr marL="5120640" indent="0">
               <a:buNone/>
-              <a:defRPr sz="1680" b="1"/>
-            </a:lvl7pPr>
-            <a:lvl8pPr marL="3360420" indent="0">
-              <a:buNone/>
-              <a:defRPr sz="1680" b="1"/>
-            </a:lvl8pPr>
-            <a:lvl9pPr marL="3840480" indent="0">
-              <a:buNone/>
-              <a:defRPr sz="1680" b="1"/>
+              <a:defRPr sz="2240" b="1"/>
             </a:lvl9pPr>
           </a:lstStyle>
           <a:p>
             <a:pPr lvl="0"/>
             <a:r>
-              <a:rPr lang="en-US"/>
-              <a:t>Click to edit Master text styles</a:t>
+              <a:rPr lang="es-ES"/>
+              <a:t>Haga clic para modificar los estilos de texto del patrón</a:t>
             </a:r>
           </a:p>
         </p:txBody>
@@ -2293,8 +2262,8 @@
         </p:nvSpPr>
         <p:spPr>
           <a:xfrm>
-            <a:off x="661334" y="4676140"/>
-            <a:ext cx="4061757" cy="6877898"/>
+            <a:off x="881779" y="3507105"/>
+            <a:ext cx="5415676" cy="5158423"/>
           </a:xfrm>
         </p:spPr>
         <p:txBody>
@@ -2303,36 +2272,36 @@
           <a:p>
             <a:pPr lvl="0"/>
             <a:r>
-              <a:rPr lang="en-US"/>
-              <a:t>Click to edit Master text styles</a:t>
+              <a:rPr lang="es-ES"/>
+              <a:t>Haga clic para modificar los estilos de texto del patrón</a:t>
             </a:r>
           </a:p>
           <a:p>
             <a:pPr lvl="1"/>
             <a:r>
-              <a:rPr lang="en-US"/>
-              <a:t>Second level</a:t>
+              <a:rPr lang="es-ES"/>
+              <a:t>Segundo nivel</a:t>
             </a:r>
           </a:p>
           <a:p>
             <a:pPr lvl="2"/>
             <a:r>
-              <a:rPr lang="en-US"/>
-              <a:t>Third level</a:t>
+              <a:rPr lang="es-ES"/>
+              <a:t>Tercer nivel</a:t>
             </a:r>
           </a:p>
           <a:p>
             <a:pPr lvl="3"/>
             <a:r>
-              <a:rPr lang="en-US"/>
-              <a:t>Fourth level</a:t>
+              <a:rPr lang="es-ES"/>
+              <a:t>Cuarto nivel</a:t>
             </a:r>
           </a:p>
           <a:p>
             <a:pPr lvl="4"/>
             <a:r>
-              <a:rPr lang="en-US"/>
-              <a:t>Fifth level</a:t>
+              <a:rPr lang="es-ES"/>
+              <a:t>Quinto nivel</a:t>
             </a:r>
             <a:endParaRPr lang="en-US" dirty="0"/>
           </a:p>
@@ -2350,8 +2319,8 @@
         </p:nvSpPr>
         <p:spPr>
           <a:xfrm>
-            <a:off x="4860608" y="3138171"/>
-            <a:ext cx="4081761" cy="1537969"/>
+            <a:off x="6480811" y="2353628"/>
+            <a:ext cx="5442347" cy="1153477"/>
           </a:xfrm>
         </p:spPr>
         <p:txBody>
@@ -2359,46 +2328,46 @@
           <a:lstStyle>
             <a:lvl1pPr marL="0" indent="0">
               <a:buNone/>
+              <a:defRPr sz="3360" b="1"/>
+            </a:lvl1pPr>
+            <a:lvl2pPr marL="640080" indent="0">
+              <a:buNone/>
+              <a:defRPr sz="2800" b="1"/>
+            </a:lvl2pPr>
+            <a:lvl3pPr marL="1280160" indent="0">
+              <a:buNone/>
               <a:defRPr sz="2520" b="1"/>
-            </a:lvl1pPr>
-            <a:lvl2pPr marL="480060" indent="0">
+            </a:lvl3pPr>
+            <a:lvl4pPr marL="1920240" indent="0">
               <a:buNone/>
-              <a:defRPr sz="2100" b="1"/>
-            </a:lvl2pPr>
-            <a:lvl3pPr marL="960120" indent="0">
+              <a:defRPr sz="2240" b="1"/>
+            </a:lvl4pPr>
+            <a:lvl5pPr marL="2560320" indent="0">
               <a:buNone/>
-              <a:defRPr sz="1890" b="1"/>
-            </a:lvl3pPr>
-            <a:lvl4pPr marL="1440180" indent="0">
+              <a:defRPr sz="2240" b="1"/>
+            </a:lvl5pPr>
+            <a:lvl6pPr marL="3200400" indent="0">
               <a:buNone/>
-              <a:defRPr sz="1680" b="1"/>
-            </a:lvl4pPr>
-            <a:lvl5pPr marL="1920240" indent="0">
+              <a:defRPr sz="2240" b="1"/>
+            </a:lvl6pPr>
+            <a:lvl7pPr marL="3840480" indent="0">
               <a:buNone/>
-              <a:defRPr sz="1680" b="1"/>
-            </a:lvl5pPr>
-            <a:lvl6pPr marL="2400300" indent="0">
+              <a:defRPr sz="2240" b="1"/>
+            </a:lvl7pPr>
+            <a:lvl8pPr marL="4480560" indent="0">
               <a:buNone/>
-              <a:defRPr sz="1680" b="1"/>
-            </a:lvl6pPr>
-            <a:lvl7pPr marL="2880360" indent="0">
+              <a:defRPr sz="2240" b="1"/>
+            </a:lvl8pPr>
+            <a:lvl9pPr marL="5120640" indent="0">
               <a:buNone/>
-              <a:defRPr sz="1680" b="1"/>
-            </a:lvl7pPr>
-            <a:lvl8pPr marL="3360420" indent="0">
-              <a:buNone/>
-              <a:defRPr sz="1680" b="1"/>
-            </a:lvl8pPr>
-            <a:lvl9pPr marL="3840480" indent="0">
-              <a:buNone/>
-              <a:defRPr sz="1680" b="1"/>
+              <a:defRPr sz="2240" b="1"/>
             </a:lvl9pPr>
           </a:lstStyle>
           <a:p>
             <a:pPr lvl="0"/>
             <a:r>
-              <a:rPr lang="en-US"/>
-              <a:t>Click to edit Master text styles</a:t>
+              <a:rPr lang="es-ES"/>
+              <a:t>Haga clic para modificar los estilos de texto del patrón</a:t>
             </a:r>
           </a:p>
         </p:txBody>
@@ -2415,8 +2384,8 @@
         </p:nvSpPr>
         <p:spPr>
           <a:xfrm>
-            <a:off x="4860608" y="4676140"/>
-            <a:ext cx="4081761" cy="6877898"/>
+            <a:off x="6480811" y="3507105"/>
+            <a:ext cx="5442347" cy="5158423"/>
           </a:xfrm>
         </p:spPr>
         <p:txBody>
@@ -2425,36 +2394,36 @@
           <a:p>
             <a:pPr lvl="0"/>
             <a:r>
-              <a:rPr lang="en-US"/>
-              <a:t>Click to edit Master text styles</a:t>
+              <a:rPr lang="es-ES"/>
+              <a:t>Haga clic para modificar los estilos de texto del patrón</a:t>
             </a:r>
           </a:p>
           <a:p>
             <a:pPr lvl="1"/>
             <a:r>
-              <a:rPr lang="en-US"/>
-              <a:t>Second level</a:t>
+              <a:rPr lang="es-ES"/>
+              <a:t>Segundo nivel</a:t>
             </a:r>
           </a:p>
           <a:p>
             <a:pPr lvl="2"/>
             <a:r>
-              <a:rPr lang="en-US"/>
-              <a:t>Third level</a:t>
+              <a:rPr lang="es-ES"/>
+              <a:t>Tercer nivel</a:t>
             </a:r>
           </a:p>
           <a:p>
             <a:pPr lvl="3"/>
             <a:r>
-              <a:rPr lang="en-US"/>
-              <a:t>Fourth level</a:t>
+              <a:rPr lang="es-ES"/>
+              <a:t>Cuarto nivel</a:t>
             </a:r>
           </a:p>
           <a:p>
             <a:pPr lvl="4"/>
             <a:r>
-              <a:rPr lang="en-US"/>
-              <a:t>Fifth level</a:t>
+              <a:rPr lang="es-ES"/>
+              <a:t>Quinto nivel</a:t>
             </a:r>
             <a:endParaRPr lang="en-US" dirty="0"/>
           </a:p>
@@ -2519,7 +2488,7 @@
           <a:p>
             <a:fld id="{AFF29D6C-17C6-483F-AAC9-ACEBBBC03CEC}" type="slidenum">
               <a:rPr lang="es-ES" smtClean="0"/>
-              <a:t>‹#›</a:t>
+              <a:t>‹Nº›</a:t>
             </a:fld>
             <a:endParaRPr lang="es-ES"/>
           </a:p>
@@ -2528,7 +2497,7 @@
     </p:spTree>
     <p:extLst>
       <p:ext uri="{BB962C8B-B14F-4D97-AF65-F5344CB8AC3E}">
-        <p14:creationId xmlns:p14="http://schemas.microsoft.com/office/powerpoint/2010/main" val="3542221107"/>
+        <p14:creationId xmlns:p14="http://schemas.microsoft.com/office/powerpoint/2010/main" val="2359565250"/>
       </p:ext>
     </p:extLst>
   </p:cSld>
@@ -2540,7 +2509,7 @@
 
 <file path=ppt/slideLayouts/slideLayout6.xml><?xml version="1.0" encoding="utf-8"?>
 <p:sldLayout xmlns:a="http://schemas.openxmlformats.org/drawingml/2006/main" xmlns:r="http://schemas.openxmlformats.org/officeDocument/2006/relationships" xmlns:p="http://schemas.openxmlformats.org/presentationml/2006/main" type="titleOnly" preserve="1">
-  <p:cSld name="Title Only">
+  <p:cSld name="Solo el título">
     <p:spTree>
       <p:nvGrpSpPr>
         <p:cNvPr id="1" name=""/>
@@ -2571,8 +2540,8 @@
           <a:lstStyle/>
           <a:p>
             <a:r>
-              <a:rPr lang="en-US"/>
-              <a:t>Click to edit Master title style</a:t>
+              <a:rPr lang="es-ES"/>
+              <a:t>Haga clic para modificar el estilo de título del patrón</a:t>
             </a:r>
             <a:endParaRPr lang="en-US" dirty="0"/>
           </a:p>
@@ -2637,7 +2606,7 @@
           <a:p>
             <a:fld id="{AFF29D6C-17C6-483F-AAC9-ACEBBBC03CEC}" type="slidenum">
               <a:rPr lang="es-ES" smtClean="0"/>
-              <a:t>‹#›</a:t>
+              <a:t>‹Nº›</a:t>
             </a:fld>
             <a:endParaRPr lang="es-ES"/>
           </a:p>
@@ -2646,7 +2615,7 @@
     </p:spTree>
     <p:extLst>
       <p:ext uri="{BB962C8B-B14F-4D97-AF65-F5344CB8AC3E}">
-        <p14:creationId xmlns:p14="http://schemas.microsoft.com/office/powerpoint/2010/main" val="3275970962"/>
+        <p14:creationId xmlns:p14="http://schemas.microsoft.com/office/powerpoint/2010/main" val="1517752953"/>
       </p:ext>
     </p:extLst>
   </p:cSld>
@@ -2658,7 +2627,7 @@
 
 <file path=ppt/slideLayouts/slideLayout7.xml><?xml version="1.0" encoding="utf-8"?>
 <p:sldLayout xmlns:a="http://schemas.openxmlformats.org/drawingml/2006/main" xmlns:r="http://schemas.openxmlformats.org/officeDocument/2006/relationships" xmlns:p="http://schemas.openxmlformats.org/presentationml/2006/main" type="blank" preserve="1">
-  <p:cSld name="Blank">
+  <p:cSld name="En blanco">
     <p:spTree>
       <p:nvGrpSpPr>
         <p:cNvPr id="1" name=""/>
@@ -2732,7 +2701,7 @@
           <a:p>
             <a:fld id="{AFF29D6C-17C6-483F-AAC9-ACEBBBC03CEC}" type="slidenum">
               <a:rPr lang="es-ES" smtClean="0"/>
-              <a:t>‹#›</a:t>
+              <a:t>‹Nº›</a:t>
             </a:fld>
             <a:endParaRPr lang="es-ES"/>
           </a:p>
@@ -2741,7 +2710,7 @@
     </p:spTree>
     <p:extLst>
       <p:ext uri="{BB962C8B-B14F-4D97-AF65-F5344CB8AC3E}">
-        <p14:creationId xmlns:p14="http://schemas.microsoft.com/office/powerpoint/2010/main" val="3119978327"/>
+        <p14:creationId xmlns:p14="http://schemas.microsoft.com/office/powerpoint/2010/main" val="2499367885"/>
       </p:ext>
     </p:extLst>
   </p:cSld>
@@ -2753,7 +2722,7 @@
 
 <file path=ppt/slideLayouts/slideLayout8.xml><?xml version="1.0" encoding="utf-8"?>
 <p:sldLayout xmlns:a="http://schemas.openxmlformats.org/drawingml/2006/main" xmlns:r="http://schemas.openxmlformats.org/officeDocument/2006/relationships" xmlns:p="http://schemas.openxmlformats.org/presentationml/2006/main" type="objTx" preserve="1">
-  <p:cSld name="Content with Caption">
+  <p:cSld name="Contenido con título">
     <p:spTree>
       <p:nvGrpSpPr>
         <p:cNvPr id="1" name=""/>
@@ -2780,21 +2749,21 @@
         </p:nvSpPr>
         <p:spPr>
           <a:xfrm>
-            <a:off x="661333" y="853440"/>
-            <a:ext cx="3096637" cy="2987040"/>
+            <a:off x="881778" y="640080"/>
+            <a:ext cx="4128849" cy="2240280"/>
           </a:xfrm>
         </p:spPr>
         <p:txBody>
           <a:bodyPr anchor="b"/>
           <a:lstStyle>
             <a:lvl1pPr>
-              <a:defRPr sz="3360"/>
+              <a:defRPr sz="4480"/>
             </a:lvl1pPr>
           </a:lstStyle>
           <a:p>
             <a:r>
-              <a:rPr lang="en-US"/>
-              <a:t>Click to edit Master title style</a:t>
+              <a:rPr lang="es-ES"/>
+              <a:t>Haga clic para modificar el estilo de título del patrón</a:t>
             </a:r>
             <a:endParaRPr lang="en-US" dirty="0"/>
           </a:p>
@@ -2812,74 +2781,74 @@
         </p:nvSpPr>
         <p:spPr>
           <a:xfrm>
-            <a:off x="4081760" y="1843196"/>
-            <a:ext cx="4860608" cy="9097433"/>
+            <a:off x="5442347" y="1382397"/>
+            <a:ext cx="6480810" cy="6823075"/>
           </a:xfrm>
         </p:spPr>
         <p:txBody>
           <a:bodyPr/>
           <a:lstStyle>
             <a:lvl1pPr>
-              <a:defRPr sz="3360"/>
+              <a:defRPr sz="4480"/>
             </a:lvl1pPr>
             <a:lvl2pPr>
-              <a:defRPr sz="2940"/>
+              <a:defRPr sz="3920"/>
             </a:lvl2pPr>
             <a:lvl3pPr>
-              <a:defRPr sz="2520"/>
+              <a:defRPr sz="3360"/>
             </a:lvl3pPr>
             <a:lvl4pPr>
-              <a:defRPr sz="2100"/>
+              <a:defRPr sz="2800"/>
             </a:lvl4pPr>
             <a:lvl5pPr>
-              <a:defRPr sz="2100"/>
+              <a:defRPr sz="2800"/>
             </a:lvl5pPr>
             <a:lvl6pPr>
-              <a:defRPr sz="2100"/>
+              <a:defRPr sz="2800"/>
             </a:lvl6pPr>
             <a:lvl7pPr>
-              <a:defRPr sz="2100"/>
+              <a:defRPr sz="2800"/>
             </a:lvl7pPr>
             <a:lvl8pPr>
-              <a:defRPr sz="2100"/>
+              <a:defRPr sz="2800"/>
             </a:lvl8pPr>
             <a:lvl9pPr>
-              <a:defRPr sz="2100"/>
+              <a:defRPr sz="2800"/>
             </a:lvl9pPr>
           </a:lstStyle>
           <a:p>
             <a:pPr lvl="0"/>
             <a:r>
-              <a:rPr lang="en-US"/>
-              <a:t>Click to edit Master text styles</a:t>
+              <a:rPr lang="es-ES"/>
+              <a:t>Haga clic para modificar los estilos de texto del patrón</a:t>
             </a:r>
           </a:p>
           <a:p>
             <a:pPr lvl="1"/>
             <a:r>
-              <a:rPr lang="en-US"/>
-              <a:t>Second level</a:t>
+              <a:rPr lang="es-ES"/>
+              <a:t>Segundo nivel</a:t>
             </a:r>
           </a:p>
           <a:p>
             <a:pPr lvl="2"/>
             <a:r>
-              <a:rPr lang="en-US"/>
-              <a:t>Third level</a:t>
+              <a:rPr lang="es-ES"/>
+              <a:t>Tercer nivel</a:t>
             </a:r>
           </a:p>
           <a:p>
             <a:pPr lvl="3"/>
             <a:r>
-              <a:rPr lang="en-US"/>
-              <a:t>Fourth level</a:t>
+              <a:rPr lang="es-ES"/>
+              <a:t>Cuarto nivel</a:t>
             </a:r>
           </a:p>
           <a:p>
             <a:pPr lvl="4"/>
             <a:r>
-              <a:rPr lang="en-US"/>
-              <a:t>Fifth level</a:t>
+              <a:rPr lang="es-ES"/>
+              <a:t>Quinto nivel</a:t>
             </a:r>
             <a:endParaRPr lang="en-US" dirty="0"/>
           </a:p>
@@ -2897,8 +2866,8 @@
         </p:nvSpPr>
         <p:spPr>
           <a:xfrm>
-            <a:off x="661333" y="3840480"/>
-            <a:ext cx="3096637" cy="7114964"/>
+            <a:off x="881778" y="2880360"/>
+            <a:ext cx="4128849" cy="5336223"/>
           </a:xfrm>
         </p:spPr>
         <p:txBody>
@@ -2906,46 +2875,46 @@
           <a:lstStyle>
             <a:lvl1pPr marL="0" indent="0">
               <a:buNone/>
+              <a:defRPr sz="2240"/>
+            </a:lvl1pPr>
+            <a:lvl2pPr marL="640080" indent="0">
+              <a:buNone/>
+              <a:defRPr sz="1960"/>
+            </a:lvl2pPr>
+            <a:lvl3pPr marL="1280160" indent="0">
+              <a:buNone/>
               <a:defRPr sz="1680"/>
-            </a:lvl1pPr>
-            <a:lvl2pPr marL="480060" indent="0">
+            </a:lvl3pPr>
+            <a:lvl4pPr marL="1920240" indent="0">
               <a:buNone/>
-              <a:defRPr sz="1470"/>
-            </a:lvl2pPr>
-            <a:lvl3pPr marL="960120" indent="0">
+              <a:defRPr sz="1400"/>
+            </a:lvl4pPr>
+            <a:lvl5pPr marL="2560320" indent="0">
               <a:buNone/>
-              <a:defRPr sz="1260"/>
-            </a:lvl3pPr>
-            <a:lvl4pPr marL="1440180" indent="0">
+              <a:defRPr sz="1400"/>
+            </a:lvl5pPr>
+            <a:lvl6pPr marL="3200400" indent="0">
               <a:buNone/>
-              <a:defRPr sz="1050"/>
-            </a:lvl4pPr>
-            <a:lvl5pPr marL="1920240" indent="0">
+              <a:defRPr sz="1400"/>
+            </a:lvl6pPr>
+            <a:lvl7pPr marL="3840480" indent="0">
               <a:buNone/>
-              <a:defRPr sz="1050"/>
-            </a:lvl5pPr>
-            <a:lvl6pPr marL="2400300" indent="0">
+              <a:defRPr sz="1400"/>
+            </a:lvl7pPr>
+            <a:lvl8pPr marL="4480560" indent="0">
               <a:buNone/>
-              <a:defRPr sz="1050"/>
-            </a:lvl6pPr>
-            <a:lvl7pPr marL="2880360" indent="0">
+              <a:defRPr sz="1400"/>
+            </a:lvl8pPr>
+            <a:lvl9pPr marL="5120640" indent="0">
               <a:buNone/>
-              <a:defRPr sz="1050"/>
-            </a:lvl7pPr>
-            <a:lvl8pPr marL="3360420" indent="0">
-              <a:buNone/>
-              <a:defRPr sz="1050"/>
-            </a:lvl8pPr>
-            <a:lvl9pPr marL="3840480" indent="0">
-              <a:buNone/>
-              <a:defRPr sz="1050"/>
+              <a:defRPr sz="1400"/>
             </a:lvl9pPr>
           </a:lstStyle>
           <a:p>
             <a:pPr lvl="0"/>
             <a:r>
-              <a:rPr lang="en-US"/>
-              <a:t>Click to edit Master text styles</a:t>
+              <a:rPr lang="es-ES"/>
+              <a:t>Haga clic para modificar los estilos de texto del patrón</a:t>
             </a:r>
           </a:p>
         </p:txBody>
@@ -3009,7 +2978,7 @@
           <a:p>
             <a:fld id="{AFF29D6C-17C6-483F-AAC9-ACEBBBC03CEC}" type="slidenum">
               <a:rPr lang="es-ES" smtClean="0"/>
-              <a:t>‹#›</a:t>
+              <a:t>‹Nº›</a:t>
             </a:fld>
             <a:endParaRPr lang="es-ES"/>
           </a:p>
@@ -3018,7 +2987,7 @@
     </p:spTree>
     <p:extLst>
       <p:ext uri="{BB962C8B-B14F-4D97-AF65-F5344CB8AC3E}">
-        <p14:creationId xmlns:p14="http://schemas.microsoft.com/office/powerpoint/2010/main" val="1320102186"/>
+        <p14:creationId xmlns:p14="http://schemas.microsoft.com/office/powerpoint/2010/main" val="4028865416"/>
       </p:ext>
     </p:extLst>
   </p:cSld>
@@ -3030,7 +2999,7 @@
 
 <file path=ppt/slideLayouts/slideLayout9.xml><?xml version="1.0" encoding="utf-8"?>
 <p:sldLayout xmlns:a="http://schemas.openxmlformats.org/drawingml/2006/main" xmlns:r="http://schemas.openxmlformats.org/officeDocument/2006/relationships" xmlns:p="http://schemas.openxmlformats.org/presentationml/2006/main" type="picTx" preserve="1">
-  <p:cSld name="Picture with Caption">
+  <p:cSld name="Imagen con título">
     <p:spTree>
       <p:nvGrpSpPr>
         <p:cNvPr id="1" name=""/>
@@ -3057,21 +3026,21 @@
         </p:nvSpPr>
         <p:spPr>
           <a:xfrm>
-            <a:off x="661333" y="853440"/>
-            <a:ext cx="3096637" cy="2987040"/>
+            <a:off x="881778" y="640080"/>
+            <a:ext cx="4128849" cy="2240280"/>
           </a:xfrm>
         </p:spPr>
         <p:txBody>
           <a:bodyPr anchor="b"/>
           <a:lstStyle>
             <a:lvl1pPr>
-              <a:defRPr sz="3360"/>
+              <a:defRPr sz="4480"/>
             </a:lvl1pPr>
           </a:lstStyle>
           <a:p>
             <a:r>
-              <a:rPr lang="en-US"/>
-              <a:t>Click to edit Master title style</a:t>
+              <a:rPr lang="es-ES"/>
+              <a:t>Haga clic para modificar el estilo de título del patrón</a:t>
             </a:r>
             <a:endParaRPr lang="en-US" dirty="0"/>
           </a:p>
@@ -3089,8 +3058,8 @@
         </p:nvSpPr>
         <p:spPr>
           <a:xfrm>
-            <a:off x="4081760" y="1843196"/>
-            <a:ext cx="4860608" cy="9097433"/>
+            <a:off x="5442347" y="1382397"/>
+            <a:ext cx="6480810" cy="6823075"/>
           </a:xfrm>
         </p:spPr>
         <p:txBody>
@@ -3098,45 +3067,45 @@
           <a:lstStyle>
             <a:lvl1pPr marL="0" indent="0">
               <a:buNone/>
+              <a:defRPr sz="4480"/>
+            </a:lvl1pPr>
+            <a:lvl2pPr marL="640080" indent="0">
+              <a:buNone/>
+              <a:defRPr sz="3920"/>
+            </a:lvl2pPr>
+            <a:lvl3pPr marL="1280160" indent="0">
+              <a:buNone/>
               <a:defRPr sz="3360"/>
-            </a:lvl1pPr>
-            <a:lvl2pPr marL="480060" indent="0">
+            </a:lvl3pPr>
+            <a:lvl4pPr marL="1920240" indent="0">
               <a:buNone/>
-              <a:defRPr sz="2940"/>
-            </a:lvl2pPr>
-            <a:lvl3pPr marL="960120" indent="0">
+              <a:defRPr sz="2800"/>
+            </a:lvl4pPr>
+            <a:lvl5pPr marL="2560320" indent="0">
               <a:buNone/>
-              <a:defRPr sz="2520"/>
-            </a:lvl3pPr>
-            <a:lvl4pPr marL="1440180" indent="0">
+              <a:defRPr sz="2800"/>
+            </a:lvl5pPr>
+            <a:lvl6pPr marL="3200400" indent="0">
               <a:buNone/>
-              <a:defRPr sz="2100"/>
-            </a:lvl4pPr>
-            <a:lvl5pPr marL="1920240" indent="0">
+              <a:defRPr sz="2800"/>
+            </a:lvl6pPr>
+            <a:lvl7pPr marL="3840480" indent="0">
               <a:buNone/>
-              <a:defRPr sz="2100"/>
-            </a:lvl5pPr>
-            <a:lvl6pPr marL="2400300" indent="0">
+              <a:defRPr sz="2800"/>
+            </a:lvl7pPr>
+            <a:lvl8pPr marL="4480560" indent="0">
               <a:buNone/>
-              <a:defRPr sz="2100"/>
-            </a:lvl6pPr>
-            <a:lvl7pPr marL="2880360" indent="0">
+              <a:defRPr sz="2800"/>
+            </a:lvl8pPr>
+            <a:lvl9pPr marL="5120640" indent="0">
               <a:buNone/>
-              <a:defRPr sz="2100"/>
-            </a:lvl7pPr>
-            <a:lvl8pPr marL="3360420" indent="0">
-              <a:buNone/>
-              <a:defRPr sz="2100"/>
-            </a:lvl8pPr>
-            <a:lvl9pPr marL="3840480" indent="0">
-              <a:buNone/>
-              <a:defRPr sz="2100"/>
+              <a:defRPr sz="2800"/>
             </a:lvl9pPr>
           </a:lstStyle>
           <a:p>
             <a:r>
-              <a:rPr lang="en-US"/>
-              <a:t>Click icon to add picture</a:t>
+              <a:rPr lang="es-ES"/>
+              <a:t>Haga clic en el icono para agregar una imagen</a:t>
             </a:r>
             <a:endParaRPr lang="en-US" dirty="0"/>
           </a:p>
@@ -3154,8 +3123,8 @@
         </p:nvSpPr>
         <p:spPr>
           <a:xfrm>
-            <a:off x="661333" y="3840480"/>
-            <a:ext cx="3096637" cy="7114964"/>
+            <a:off x="881778" y="2880360"/>
+            <a:ext cx="4128849" cy="5336223"/>
           </a:xfrm>
         </p:spPr>
         <p:txBody>
@@ -3163,46 +3132,46 @@
           <a:lstStyle>
             <a:lvl1pPr marL="0" indent="0">
               <a:buNone/>
+              <a:defRPr sz="2240"/>
+            </a:lvl1pPr>
+            <a:lvl2pPr marL="640080" indent="0">
+              <a:buNone/>
+              <a:defRPr sz="1960"/>
+            </a:lvl2pPr>
+            <a:lvl3pPr marL="1280160" indent="0">
+              <a:buNone/>
               <a:defRPr sz="1680"/>
-            </a:lvl1pPr>
-            <a:lvl2pPr marL="480060" indent="0">
+            </a:lvl3pPr>
+            <a:lvl4pPr marL="1920240" indent="0">
               <a:buNone/>
-              <a:defRPr sz="1470"/>
-            </a:lvl2pPr>
-            <a:lvl3pPr marL="960120" indent="0">
+              <a:defRPr sz="1400"/>
+            </a:lvl4pPr>
+            <a:lvl5pPr marL="2560320" indent="0">
               <a:buNone/>
-              <a:defRPr sz="1260"/>
-            </a:lvl3pPr>
-            <a:lvl4pPr marL="1440180" indent="0">
+              <a:defRPr sz="1400"/>
+            </a:lvl5pPr>
+            <a:lvl6pPr marL="3200400" indent="0">
               <a:buNone/>
-              <a:defRPr sz="1050"/>
-            </a:lvl4pPr>
-            <a:lvl5pPr marL="1920240" indent="0">
+              <a:defRPr sz="1400"/>
+            </a:lvl6pPr>
+            <a:lvl7pPr marL="3840480" indent="0">
               <a:buNone/>
-              <a:defRPr sz="1050"/>
-            </a:lvl5pPr>
-            <a:lvl6pPr marL="2400300" indent="0">
+              <a:defRPr sz="1400"/>
+            </a:lvl7pPr>
+            <a:lvl8pPr marL="4480560" indent="0">
               <a:buNone/>
-              <a:defRPr sz="1050"/>
-            </a:lvl6pPr>
-            <a:lvl7pPr marL="2880360" indent="0">
+              <a:defRPr sz="1400"/>
+            </a:lvl8pPr>
+            <a:lvl9pPr marL="5120640" indent="0">
               <a:buNone/>
-              <a:defRPr sz="1050"/>
-            </a:lvl7pPr>
-            <a:lvl8pPr marL="3360420" indent="0">
-              <a:buNone/>
-              <a:defRPr sz="1050"/>
-            </a:lvl8pPr>
-            <a:lvl9pPr marL="3840480" indent="0">
-              <a:buNone/>
-              <a:defRPr sz="1050"/>
+              <a:defRPr sz="1400"/>
             </a:lvl9pPr>
           </a:lstStyle>
           <a:p>
             <a:pPr lvl="0"/>
             <a:r>
-              <a:rPr lang="en-US"/>
-              <a:t>Click to edit Master text styles</a:t>
+              <a:rPr lang="es-ES"/>
+              <a:t>Haga clic para modificar los estilos de texto del patrón</a:t>
             </a:r>
           </a:p>
         </p:txBody>
@@ -3266,7 +3235,7 @@
           <a:p>
             <a:fld id="{AFF29D6C-17C6-483F-AAC9-ACEBBBC03CEC}" type="slidenum">
               <a:rPr lang="es-ES" smtClean="0"/>
-              <a:t>‹#›</a:t>
+              <a:t>‹Nº›</a:t>
             </a:fld>
             <a:endParaRPr lang="es-ES"/>
           </a:p>
@@ -3275,7 +3244,7 @@
     </p:spTree>
     <p:extLst>
       <p:ext uri="{BB962C8B-B14F-4D97-AF65-F5344CB8AC3E}">
-        <p14:creationId xmlns:p14="http://schemas.microsoft.com/office/powerpoint/2010/main" val="679825633"/>
+        <p14:creationId xmlns:p14="http://schemas.microsoft.com/office/powerpoint/2010/main" val="2781187933"/>
       </p:ext>
     </p:extLst>
   </p:cSld>
@@ -3319,8 +3288,8 @@
         </p:nvSpPr>
         <p:spPr>
           <a:xfrm>
-            <a:off x="660083" y="681570"/>
-            <a:ext cx="8281035" cy="2474384"/>
+            <a:off x="880110" y="511177"/>
+            <a:ext cx="11041380" cy="1855788"/>
           </a:xfrm>
           <a:prstGeom prst="rect">
             <a:avLst/>
@@ -3333,8 +3302,8 @@
           <a:lstStyle/>
           <a:p>
             <a:r>
-              <a:rPr lang="en-US"/>
-              <a:t>Click to edit Master title style</a:t>
+              <a:rPr lang="es-ES"/>
+              <a:t>Haga clic para modificar el estilo de título del patrón</a:t>
             </a:r>
             <a:endParaRPr lang="en-US" dirty="0"/>
           </a:p>
@@ -3352,8 +3321,8 @@
         </p:nvSpPr>
         <p:spPr>
           <a:xfrm>
-            <a:off x="660083" y="3407833"/>
-            <a:ext cx="8281035" cy="8122498"/>
+            <a:off x="880110" y="2555875"/>
+            <a:ext cx="11041380" cy="6091873"/>
           </a:xfrm>
           <a:prstGeom prst="rect">
             <a:avLst/>
@@ -3367,36 +3336,36 @@
           <a:p>
             <a:pPr lvl="0"/>
             <a:r>
-              <a:rPr lang="en-US"/>
-              <a:t>Click to edit Master text styles</a:t>
+              <a:rPr lang="es-ES"/>
+              <a:t>Haga clic para modificar los estilos de texto del patrón</a:t>
             </a:r>
           </a:p>
           <a:p>
             <a:pPr lvl="1"/>
             <a:r>
-              <a:rPr lang="en-US"/>
-              <a:t>Second level</a:t>
+              <a:rPr lang="es-ES"/>
+              <a:t>Segundo nivel</a:t>
             </a:r>
           </a:p>
           <a:p>
             <a:pPr lvl="2"/>
             <a:r>
-              <a:rPr lang="en-US"/>
-              <a:t>Third level</a:t>
+              <a:rPr lang="es-ES"/>
+              <a:t>Tercer nivel</a:t>
             </a:r>
           </a:p>
           <a:p>
             <a:pPr lvl="3"/>
             <a:r>
-              <a:rPr lang="en-US"/>
-              <a:t>Fourth level</a:t>
+              <a:rPr lang="es-ES"/>
+              <a:t>Cuarto nivel</a:t>
             </a:r>
           </a:p>
           <a:p>
             <a:pPr lvl="4"/>
             <a:r>
-              <a:rPr lang="en-US"/>
-              <a:t>Fifth level</a:t>
+              <a:rPr lang="es-ES"/>
+              <a:t>Quinto nivel</a:t>
             </a:r>
             <a:endParaRPr lang="en-US" dirty="0"/>
           </a:p>
@@ -3414,8 +3383,8 @@
         </p:nvSpPr>
         <p:spPr>
           <a:xfrm>
-            <a:off x="660083" y="11865189"/>
-            <a:ext cx="2160270" cy="681567"/>
+            <a:off x="880110" y="8898892"/>
+            <a:ext cx="2880360" cy="511175"/>
           </a:xfrm>
           <a:prstGeom prst="rect">
             <a:avLst/>
@@ -3425,7 +3394,7 @@
           <a:bodyPr vert="horz" lIns="91440" tIns="45720" rIns="91440" bIns="45720" rtlCol="0" anchor="ctr"/>
           <a:lstStyle>
             <a:lvl1pPr algn="l">
-              <a:defRPr sz="1260">
+              <a:defRPr sz="1680">
                 <a:solidFill>
                   <a:schemeClr val="tx1">
                     <a:tint val="75000"/>
@@ -3455,8 +3424,8 @@
         </p:nvSpPr>
         <p:spPr>
           <a:xfrm>
-            <a:off x="3180398" y="11865189"/>
-            <a:ext cx="3240405" cy="681567"/>
+            <a:off x="4240530" y="8898892"/>
+            <a:ext cx="4320540" cy="511175"/>
           </a:xfrm>
           <a:prstGeom prst="rect">
             <a:avLst/>
@@ -3466,7 +3435,7 @@
           <a:bodyPr vert="horz" lIns="91440" tIns="45720" rIns="91440" bIns="45720" rtlCol="0" anchor="ctr"/>
           <a:lstStyle>
             <a:lvl1pPr algn="ctr">
-              <a:defRPr sz="1260">
+              <a:defRPr sz="1680">
                 <a:solidFill>
                   <a:schemeClr val="tx1">
                     <a:tint val="75000"/>
@@ -3492,8 +3461,8 @@
         </p:nvSpPr>
         <p:spPr>
           <a:xfrm>
-            <a:off x="6780848" y="11865189"/>
-            <a:ext cx="2160270" cy="681567"/>
+            <a:off x="9041130" y="8898892"/>
+            <a:ext cx="2880360" cy="511175"/>
           </a:xfrm>
           <a:prstGeom prst="rect">
             <a:avLst/>
@@ -3503,7 +3472,7 @@
           <a:bodyPr vert="horz" lIns="91440" tIns="45720" rIns="91440" bIns="45720" rtlCol="0" anchor="ctr"/>
           <a:lstStyle>
             <a:lvl1pPr algn="r">
-              <a:defRPr sz="1260">
+              <a:defRPr sz="1680">
                 <a:solidFill>
                   <a:schemeClr val="tx1">
                     <a:tint val="75000"/>
@@ -3515,7 +3484,7 @@
           <a:p>
             <a:fld id="{AFF29D6C-17C6-483F-AAC9-ACEBBBC03CEC}" type="slidenum">
               <a:rPr lang="es-ES" smtClean="0"/>
-              <a:t>‹#›</a:t>
+              <a:t>‹Nº›</a:t>
             </a:fld>
             <a:endParaRPr lang="es-ES"/>
           </a:p>
@@ -3524,27 +3493,27 @@
     </p:spTree>
     <p:extLst>
       <p:ext uri="{BB962C8B-B14F-4D97-AF65-F5344CB8AC3E}">
-        <p14:creationId xmlns:p14="http://schemas.microsoft.com/office/powerpoint/2010/main" val="2667655077"/>
+        <p14:creationId xmlns:p14="http://schemas.microsoft.com/office/powerpoint/2010/main" val="778987376"/>
       </p:ext>
     </p:extLst>
   </p:cSld>
   <p:clrMap bg1="lt1" tx1="dk1" bg2="lt2" tx2="dk2" accent1="accent1" accent2="accent2" accent3="accent3" accent4="accent4" accent5="accent5" accent6="accent6" hlink="hlink" folHlink="folHlink"/>
   <p:sldLayoutIdLst>
-    <p:sldLayoutId id="2147483661" r:id="rId1"/>
-    <p:sldLayoutId id="2147483662" r:id="rId2"/>
-    <p:sldLayoutId id="2147483663" r:id="rId3"/>
-    <p:sldLayoutId id="2147483664" r:id="rId4"/>
-    <p:sldLayoutId id="2147483665" r:id="rId5"/>
-    <p:sldLayoutId id="2147483666" r:id="rId6"/>
-    <p:sldLayoutId id="2147483667" r:id="rId7"/>
-    <p:sldLayoutId id="2147483668" r:id="rId8"/>
-    <p:sldLayoutId id="2147483669" r:id="rId9"/>
-    <p:sldLayoutId id="2147483670" r:id="rId10"/>
-    <p:sldLayoutId id="2147483671" r:id="rId11"/>
+    <p:sldLayoutId id="2147483673" r:id="rId1"/>
+    <p:sldLayoutId id="2147483674" r:id="rId2"/>
+    <p:sldLayoutId id="2147483675" r:id="rId3"/>
+    <p:sldLayoutId id="2147483676" r:id="rId4"/>
+    <p:sldLayoutId id="2147483677" r:id="rId5"/>
+    <p:sldLayoutId id="2147483678" r:id="rId6"/>
+    <p:sldLayoutId id="2147483679" r:id="rId7"/>
+    <p:sldLayoutId id="2147483680" r:id="rId8"/>
+    <p:sldLayoutId id="2147483681" r:id="rId9"/>
+    <p:sldLayoutId id="2147483682" r:id="rId10"/>
+    <p:sldLayoutId id="2147483683" r:id="rId11"/>
   </p:sldLayoutIdLst>
   <p:txStyles>
     <p:titleStyle>
-      <a:lvl1pPr algn="l" defTabSz="960120" rtl="0" eaLnBrk="1" latinLnBrk="0" hangingPunct="1">
+      <a:lvl1pPr algn="l" defTabSz="1280160" rtl="0" eaLnBrk="1" latinLnBrk="0" hangingPunct="1">
         <a:lnSpc>
           <a:spcPct val="90000"/>
         </a:lnSpc>
@@ -3552,7 +3521,7 @@
           <a:spcPct val="0"/>
         </a:spcBef>
         <a:buNone/>
-        <a:defRPr sz="4620" kern="1200">
+        <a:defRPr sz="6160" kern="1200">
           <a:solidFill>
             <a:schemeClr val="tx1"/>
           </a:solidFill>
@@ -3563,16 +3532,16 @@
       </a:lvl1pPr>
     </p:titleStyle>
     <p:bodyStyle>
-      <a:lvl1pPr marL="240030" indent="-240030" algn="l" defTabSz="960120" rtl="0" eaLnBrk="1" latinLnBrk="0" hangingPunct="1">
+      <a:lvl1pPr marL="320040" indent="-320040" algn="l" defTabSz="1280160" rtl="0" eaLnBrk="1" latinLnBrk="0" hangingPunct="1">
         <a:lnSpc>
           <a:spcPct val="90000"/>
         </a:lnSpc>
         <a:spcBef>
-          <a:spcPts val="1050"/>
+          <a:spcPts val="1400"/>
         </a:spcBef>
         <a:buFont typeface="Arial" panose="020B0604020202020204" pitchFamily="34" charset="0"/>
         <a:buChar char="•"/>
-        <a:defRPr sz="2940" kern="1200">
+        <a:defRPr sz="3920" kern="1200">
           <a:solidFill>
             <a:schemeClr val="tx1"/>
           </a:solidFill>
@@ -3581,12 +3550,48 @@
           <a:cs typeface="+mn-cs"/>
         </a:defRPr>
       </a:lvl1pPr>
-      <a:lvl2pPr marL="720090" indent="-240030" algn="l" defTabSz="960120" rtl="0" eaLnBrk="1" latinLnBrk="0" hangingPunct="1">
+      <a:lvl2pPr marL="960120" indent="-320040" algn="l" defTabSz="1280160" rtl="0" eaLnBrk="1" latinLnBrk="0" hangingPunct="1">
         <a:lnSpc>
           <a:spcPct val="90000"/>
         </a:lnSpc>
         <a:spcBef>
-          <a:spcPts val="525"/>
+          <a:spcPts val="700"/>
+        </a:spcBef>
+        <a:buFont typeface="Arial" panose="020B0604020202020204" pitchFamily="34" charset="0"/>
+        <a:buChar char="•"/>
+        <a:defRPr sz="3360" kern="1200">
+          <a:solidFill>
+            <a:schemeClr val="tx1"/>
+          </a:solidFill>
+          <a:latin typeface="+mn-lt"/>
+          <a:ea typeface="+mn-ea"/>
+          <a:cs typeface="+mn-cs"/>
+        </a:defRPr>
+      </a:lvl2pPr>
+      <a:lvl3pPr marL="1600200" indent="-320040" algn="l" defTabSz="1280160" rtl="0" eaLnBrk="1" latinLnBrk="0" hangingPunct="1">
+        <a:lnSpc>
+          <a:spcPct val="90000"/>
+        </a:lnSpc>
+        <a:spcBef>
+          <a:spcPts val="700"/>
+        </a:spcBef>
+        <a:buFont typeface="Arial" panose="020B0604020202020204" pitchFamily="34" charset="0"/>
+        <a:buChar char="•"/>
+        <a:defRPr sz="2800" kern="1200">
+          <a:solidFill>
+            <a:schemeClr val="tx1"/>
+          </a:solidFill>
+          <a:latin typeface="+mn-lt"/>
+          <a:ea typeface="+mn-ea"/>
+          <a:cs typeface="+mn-cs"/>
+        </a:defRPr>
+      </a:lvl3pPr>
+      <a:lvl4pPr marL="2240280" indent="-320040" algn="l" defTabSz="1280160" rtl="0" eaLnBrk="1" latinLnBrk="0" hangingPunct="1">
+        <a:lnSpc>
+          <a:spcPct val="90000"/>
+        </a:lnSpc>
+        <a:spcBef>
+          <a:spcPts val="700"/>
         </a:spcBef>
         <a:buFont typeface="Arial" panose="020B0604020202020204" pitchFamily="34" charset="0"/>
         <a:buChar char="•"/>
@@ -3598,53 +3603,17 @@
           <a:ea typeface="+mn-ea"/>
           <a:cs typeface="+mn-cs"/>
         </a:defRPr>
-      </a:lvl2pPr>
-      <a:lvl3pPr marL="1200150" indent="-240030" algn="l" defTabSz="960120" rtl="0" eaLnBrk="1" latinLnBrk="0" hangingPunct="1">
+      </a:lvl4pPr>
+      <a:lvl5pPr marL="2880360" indent="-320040" algn="l" defTabSz="1280160" rtl="0" eaLnBrk="1" latinLnBrk="0" hangingPunct="1">
         <a:lnSpc>
           <a:spcPct val="90000"/>
         </a:lnSpc>
         <a:spcBef>
-          <a:spcPts val="525"/>
+          <a:spcPts val="700"/>
         </a:spcBef>
         <a:buFont typeface="Arial" panose="020B0604020202020204" pitchFamily="34" charset="0"/>
         <a:buChar char="•"/>
-        <a:defRPr sz="2100" kern="1200">
-          <a:solidFill>
-            <a:schemeClr val="tx1"/>
-          </a:solidFill>
-          <a:latin typeface="+mn-lt"/>
-          <a:ea typeface="+mn-ea"/>
-          <a:cs typeface="+mn-cs"/>
-        </a:defRPr>
-      </a:lvl3pPr>
-      <a:lvl4pPr marL="1680210" indent="-240030" algn="l" defTabSz="960120" rtl="0" eaLnBrk="1" latinLnBrk="0" hangingPunct="1">
-        <a:lnSpc>
-          <a:spcPct val="90000"/>
-        </a:lnSpc>
-        <a:spcBef>
-          <a:spcPts val="525"/>
-        </a:spcBef>
-        <a:buFont typeface="Arial" panose="020B0604020202020204" pitchFamily="34" charset="0"/>
-        <a:buChar char="•"/>
-        <a:defRPr sz="1890" kern="1200">
-          <a:solidFill>
-            <a:schemeClr val="tx1"/>
-          </a:solidFill>
-          <a:latin typeface="+mn-lt"/>
-          <a:ea typeface="+mn-ea"/>
-          <a:cs typeface="+mn-cs"/>
-        </a:defRPr>
-      </a:lvl4pPr>
-      <a:lvl5pPr marL="2160270" indent="-240030" algn="l" defTabSz="960120" rtl="0" eaLnBrk="1" latinLnBrk="0" hangingPunct="1">
-        <a:lnSpc>
-          <a:spcPct val="90000"/>
-        </a:lnSpc>
-        <a:spcBef>
-          <a:spcPts val="525"/>
-        </a:spcBef>
-        <a:buFont typeface="Arial" panose="020B0604020202020204" pitchFamily="34" charset="0"/>
-        <a:buChar char="•"/>
-        <a:defRPr sz="1890" kern="1200">
+        <a:defRPr sz="2520" kern="1200">
           <a:solidFill>
             <a:schemeClr val="tx1"/>
           </a:solidFill>
@@ -3653,16 +3622,16 @@
           <a:cs typeface="+mn-cs"/>
         </a:defRPr>
       </a:lvl5pPr>
-      <a:lvl6pPr marL="2640330" indent="-240030" algn="l" defTabSz="960120" rtl="0" eaLnBrk="1" latinLnBrk="0" hangingPunct="1">
+      <a:lvl6pPr marL="3520440" indent="-320040" algn="l" defTabSz="1280160" rtl="0" eaLnBrk="1" latinLnBrk="0" hangingPunct="1">
         <a:lnSpc>
           <a:spcPct val="90000"/>
         </a:lnSpc>
         <a:spcBef>
-          <a:spcPts val="525"/>
+          <a:spcPts val="700"/>
         </a:spcBef>
         <a:buFont typeface="Arial" panose="020B0604020202020204" pitchFamily="34" charset="0"/>
         <a:buChar char="•"/>
-        <a:defRPr sz="1890" kern="1200">
+        <a:defRPr sz="2520" kern="1200">
           <a:solidFill>
             <a:schemeClr val="tx1"/>
           </a:solidFill>
@@ -3671,16 +3640,16 @@
           <a:cs typeface="+mn-cs"/>
         </a:defRPr>
       </a:lvl6pPr>
-      <a:lvl7pPr marL="3120390" indent="-240030" algn="l" defTabSz="960120" rtl="0" eaLnBrk="1" latinLnBrk="0" hangingPunct="1">
+      <a:lvl7pPr marL="4160520" indent="-320040" algn="l" defTabSz="1280160" rtl="0" eaLnBrk="1" latinLnBrk="0" hangingPunct="1">
         <a:lnSpc>
           <a:spcPct val="90000"/>
         </a:lnSpc>
         <a:spcBef>
-          <a:spcPts val="525"/>
+          <a:spcPts val="700"/>
         </a:spcBef>
         <a:buFont typeface="Arial" panose="020B0604020202020204" pitchFamily="34" charset="0"/>
         <a:buChar char="•"/>
-        <a:defRPr sz="1890" kern="1200">
+        <a:defRPr sz="2520" kern="1200">
           <a:solidFill>
             <a:schemeClr val="tx1"/>
           </a:solidFill>
@@ -3689,16 +3658,16 @@
           <a:cs typeface="+mn-cs"/>
         </a:defRPr>
       </a:lvl7pPr>
-      <a:lvl8pPr marL="3600450" indent="-240030" algn="l" defTabSz="960120" rtl="0" eaLnBrk="1" latinLnBrk="0" hangingPunct="1">
+      <a:lvl8pPr marL="4800600" indent="-320040" algn="l" defTabSz="1280160" rtl="0" eaLnBrk="1" latinLnBrk="0" hangingPunct="1">
         <a:lnSpc>
           <a:spcPct val="90000"/>
         </a:lnSpc>
         <a:spcBef>
-          <a:spcPts val="525"/>
+          <a:spcPts val="700"/>
         </a:spcBef>
         <a:buFont typeface="Arial" panose="020B0604020202020204" pitchFamily="34" charset="0"/>
         <a:buChar char="•"/>
-        <a:defRPr sz="1890" kern="1200">
+        <a:defRPr sz="2520" kern="1200">
           <a:solidFill>
             <a:schemeClr val="tx1"/>
           </a:solidFill>
@@ -3707,16 +3676,16 @@
           <a:cs typeface="+mn-cs"/>
         </a:defRPr>
       </a:lvl8pPr>
-      <a:lvl9pPr marL="4080510" indent="-240030" algn="l" defTabSz="960120" rtl="0" eaLnBrk="1" latinLnBrk="0" hangingPunct="1">
+      <a:lvl9pPr marL="5440680" indent="-320040" algn="l" defTabSz="1280160" rtl="0" eaLnBrk="1" latinLnBrk="0" hangingPunct="1">
         <a:lnSpc>
           <a:spcPct val="90000"/>
         </a:lnSpc>
         <a:spcBef>
-          <a:spcPts val="525"/>
+          <a:spcPts val="700"/>
         </a:spcBef>
         <a:buFont typeface="Arial" panose="020B0604020202020204" pitchFamily="34" charset="0"/>
         <a:buChar char="•"/>
-        <a:defRPr sz="1890" kern="1200">
+        <a:defRPr sz="2520" kern="1200">
           <a:solidFill>
             <a:schemeClr val="tx1"/>
           </a:solidFill>
@@ -3730,8 +3699,8 @@
       <a:defPPr>
         <a:defRPr lang="en-US"/>
       </a:defPPr>
-      <a:lvl1pPr marL="0" algn="l" defTabSz="960120" rtl="0" eaLnBrk="1" latinLnBrk="0" hangingPunct="1">
-        <a:defRPr sz="1890" kern="1200">
+      <a:lvl1pPr marL="0" algn="l" defTabSz="1280160" rtl="0" eaLnBrk="1" latinLnBrk="0" hangingPunct="1">
+        <a:defRPr sz="2520" kern="1200">
           <a:solidFill>
             <a:schemeClr val="tx1"/>
           </a:solidFill>
@@ -3740,8 +3709,8 @@
           <a:cs typeface="+mn-cs"/>
         </a:defRPr>
       </a:lvl1pPr>
-      <a:lvl2pPr marL="480060" algn="l" defTabSz="960120" rtl="0" eaLnBrk="1" latinLnBrk="0" hangingPunct="1">
-        <a:defRPr sz="1890" kern="1200">
+      <a:lvl2pPr marL="640080" algn="l" defTabSz="1280160" rtl="0" eaLnBrk="1" latinLnBrk="0" hangingPunct="1">
+        <a:defRPr sz="2520" kern="1200">
           <a:solidFill>
             <a:schemeClr val="tx1"/>
           </a:solidFill>
@@ -3750,8 +3719,8 @@
           <a:cs typeface="+mn-cs"/>
         </a:defRPr>
       </a:lvl2pPr>
-      <a:lvl3pPr marL="960120" algn="l" defTabSz="960120" rtl="0" eaLnBrk="1" latinLnBrk="0" hangingPunct="1">
-        <a:defRPr sz="1890" kern="1200">
+      <a:lvl3pPr marL="1280160" algn="l" defTabSz="1280160" rtl="0" eaLnBrk="1" latinLnBrk="0" hangingPunct="1">
+        <a:defRPr sz="2520" kern="1200">
           <a:solidFill>
             <a:schemeClr val="tx1"/>
           </a:solidFill>
@@ -3760,8 +3729,8 @@
           <a:cs typeface="+mn-cs"/>
         </a:defRPr>
       </a:lvl3pPr>
-      <a:lvl4pPr marL="1440180" algn="l" defTabSz="960120" rtl="0" eaLnBrk="1" latinLnBrk="0" hangingPunct="1">
-        <a:defRPr sz="1890" kern="1200">
+      <a:lvl4pPr marL="1920240" algn="l" defTabSz="1280160" rtl="0" eaLnBrk="1" latinLnBrk="0" hangingPunct="1">
+        <a:defRPr sz="2520" kern="1200">
           <a:solidFill>
             <a:schemeClr val="tx1"/>
           </a:solidFill>
@@ -3770,8 +3739,8 @@
           <a:cs typeface="+mn-cs"/>
         </a:defRPr>
       </a:lvl4pPr>
-      <a:lvl5pPr marL="1920240" algn="l" defTabSz="960120" rtl="0" eaLnBrk="1" latinLnBrk="0" hangingPunct="1">
-        <a:defRPr sz="1890" kern="1200">
+      <a:lvl5pPr marL="2560320" algn="l" defTabSz="1280160" rtl="0" eaLnBrk="1" latinLnBrk="0" hangingPunct="1">
+        <a:defRPr sz="2520" kern="1200">
           <a:solidFill>
             <a:schemeClr val="tx1"/>
           </a:solidFill>
@@ -3780,8 +3749,8 @@
           <a:cs typeface="+mn-cs"/>
         </a:defRPr>
       </a:lvl5pPr>
-      <a:lvl6pPr marL="2400300" algn="l" defTabSz="960120" rtl="0" eaLnBrk="1" latinLnBrk="0" hangingPunct="1">
-        <a:defRPr sz="1890" kern="1200">
+      <a:lvl6pPr marL="3200400" algn="l" defTabSz="1280160" rtl="0" eaLnBrk="1" latinLnBrk="0" hangingPunct="1">
+        <a:defRPr sz="2520" kern="1200">
           <a:solidFill>
             <a:schemeClr val="tx1"/>
           </a:solidFill>
@@ -3790,8 +3759,8 @@
           <a:cs typeface="+mn-cs"/>
         </a:defRPr>
       </a:lvl6pPr>
-      <a:lvl7pPr marL="2880360" algn="l" defTabSz="960120" rtl="0" eaLnBrk="1" latinLnBrk="0" hangingPunct="1">
-        <a:defRPr sz="1890" kern="1200">
+      <a:lvl7pPr marL="3840480" algn="l" defTabSz="1280160" rtl="0" eaLnBrk="1" latinLnBrk="0" hangingPunct="1">
+        <a:defRPr sz="2520" kern="1200">
           <a:solidFill>
             <a:schemeClr val="tx1"/>
           </a:solidFill>
@@ -3800,8 +3769,8 @@
           <a:cs typeface="+mn-cs"/>
         </a:defRPr>
       </a:lvl7pPr>
-      <a:lvl8pPr marL="3360420" algn="l" defTabSz="960120" rtl="0" eaLnBrk="1" latinLnBrk="0" hangingPunct="1">
-        <a:defRPr sz="1890" kern="1200">
+      <a:lvl8pPr marL="4480560" algn="l" defTabSz="1280160" rtl="0" eaLnBrk="1" latinLnBrk="0" hangingPunct="1">
+        <a:defRPr sz="2520" kern="1200">
           <a:solidFill>
             <a:schemeClr val="tx1"/>
           </a:solidFill>
@@ -3810,8 +3779,8 @@
           <a:cs typeface="+mn-cs"/>
         </a:defRPr>
       </a:lvl8pPr>
-      <a:lvl9pPr marL="3840480" algn="l" defTabSz="960120" rtl="0" eaLnBrk="1" latinLnBrk="0" hangingPunct="1">
-        <a:defRPr sz="1890" kern="1200">
+      <a:lvl9pPr marL="5120640" algn="l" defTabSz="1280160" rtl="0" eaLnBrk="1" latinLnBrk="0" hangingPunct="1">
+        <a:defRPr sz="2520" kern="1200">
           <a:solidFill>
             <a:schemeClr val="tx1"/>
           </a:solidFill>
@@ -3828,6 +3797,14 @@
 <file path=ppt/slides/slide1.xml><?xml version="1.0" encoding="utf-8"?>
 <p:sld xmlns:a="http://schemas.openxmlformats.org/drawingml/2006/main" xmlns:r="http://schemas.openxmlformats.org/officeDocument/2006/relationships" xmlns:p="http://schemas.openxmlformats.org/presentationml/2006/main">
   <p:cSld>
+    <p:bg>
+      <p:bgPr>
+        <a:solidFill>
+          <a:srgbClr val="2C3C4E"/>
+        </a:solidFill>
+        <a:effectLst/>
+      </p:bgPr>
+    </p:bg>
     <p:spTree>
       <p:nvGrpSpPr>
         <p:cNvPr id="1" name=""/>
@@ -3864,8 +3841,8 @@
         </p:blipFill>
         <p:spPr>
           <a:xfrm>
-            <a:off x="203658" y="3556697"/>
-            <a:ext cx="9017280" cy="1631629"/>
+            <a:off x="279611" y="3203485"/>
+            <a:ext cx="8789882" cy="1590483"/>
           </a:xfrm>
           <a:prstGeom prst="rect">
             <a:avLst/>
@@ -3901,8 +3878,8 @@
         </p:blipFill>
         <p:spPr bwMode="auto">
           <a:xfrm>
-            <a:off x="203658" y="340670"/>
-            <a:ext cx="2357089" cy="2357089"/>
+            <a:off x="478478" y="369581"/>
+            <a:ext cx="1767817" cy="1767817"/>
           </a:xfrm>
           <a:prstGeom prst="rect">
             <a:avLst/>
@@ -3948,22 +3925,20 @@
         </p:blipFill>
         <p:spPr bwMode="auto">
           <a:xfrm>
-            <a:off x="177788" y="311932"/>
-            <a:ext cx="1204414" cy="803815"/>
+            <a:off x="342891" y="369581"/>
+            <a:ext cx="903311" cy="602861"/>
           </a:xfrm>
           <a:prstGeom prst="rect">
             <a:avLst/>
           </a:prstGeom>
-          <a:noFill/>
-          <a:extLst>
-            <a:ext uri="{909E8E84-426E-40DD-AFC4-6F175D3DCCD1}">
-              <a14:hiddenFill xmlns:a14="http://schemas.microsoft.com/office/drawing/2010/main">
-                <a:solidFill>
-                  <a:srgbClr val="FFFFFF"/>
-                </a:solidFill>
-              </a14:hiddenFill>
-            </a:ext>
-          </a:extLst>
+          <a:solidFill>
+            <a:srgbClr val="1965AA"/>
+          </a:solidFill>
+          <a:ln w="12700">
+            <a:solidFill>
+              <a:srgbClr val="002060"/>
+            </a:solidFill>
+          </a:ln>
         </p:spPr>
       </p:pic>
       <p:graphicFrame>
@@ -3979,14 +3954,14 @@
           <p:nvPr>
             <p:extLst>
               <p:ext uri="{D42A27DB-BD31-4B8C-83A1-F6EECF244321}">
-                <p14:modId xmlns:p14="http://schemas.microsoft.com/office/powerpoint/2010/main" val="939605655"/>
+                <p14:modId xmlns:p14="http://schemas.microsoft.com/office/powerpoint/2010/main" val="3709066410"/>
               </p:ext>
             </p:extLst>
           </p:nvPr>
         </p:nvGraphicFramePr>
         <p:xfrm>
-          <a:off x="4655820" y="369848"/>
-          <a:ext cx="5072084" cy="3146138"/>
+          <a:off x="9304507" y="2765767"/>
+          <a:ext cx="3412518" cy="2116734"/>
         </p:xfrm>
         <a:graphic>
           <a:graphicData uri="http://schemas.openxmlformats.org/drawingml/2006/chart">
@@ -4025,8 +4000,8 @@
         </p:blipFill>
         <p:spPr>
           <a:xfrm>
-            <a:off x="5316218" y="1185117"/>
-            <a:ext cx="486203" cy="486203"/>
+            <a:off x="9559582" y="2817751"/>
+            <a:ext cx="327119" cy="327119"/>
           </a:xfrm>
           <a:prstGeom prst="rect">
             <a:avLst/>
@@ -4035,283 +4010,10 @@
       </p:pic>
       <p:pic>
         <p:nvPicPr>
-          <p:cNvPr id="13" name="Graphic 12" descr="Home with solid fill">
+          <p:cNvPr id="12" name="Graphic 11" descr="Family with two children with solid fill">
             <a:extLst>
               <a:ext uri="{FF2B5EF4-FFF2-40B4-BE49-F238E27FC236}">
-                <a16:creationId xmlns:a16="http://schemas.microsoft.com/office/drawing/2014/main" id="{38C6CA04-4AA2-1E79-1391-8869277E3F19}"/>
-              </a:ext>
-            </a:extLst>
-          </p:cNvPr>
-          <p:cNvPicPr>
-            <a:picLocks noChangeAspect="1"/>
-          </p:cNvPicPr>
-          <p:nvPr/>
-        </p:nvPicPr>
-        <p:blipFill>
-          <a:blip r:embed="rId6">
-            <a:extLst>
-              <a:ext uri="{28A0092B-C50C-407E-A947-70E740481C1C}">
-                <a14:useLocalDpi xmlns:a14="http://schemas.microsoft.com/office/drawing/2010/main" val="0"/>
-              </a:ext>
-              <a:ext uri="{96DAC541-7B7A-43D3-8B79-37D633B846F1}">
-                <asvg:svgBlip xmlns:asvg="http://schemas.microsoft.com/office/drawing/2016/SVG/main" r:embed="rId7"/>
-              </a:ext>
-            </a:extLst>
-          </a:blip>
-          <a:stretch>
-            <a:fillRect/>
-          </a:stretch>
-        </p:blipFill>
-        <p:spPr>
-          <a:xfrm>
-            <a:off x="5802421" y="1185117"/>
-            <a:ext cx="486203" cy="486203"/>
-          </a:xfrm>
-          <a:prstGeom prst="rect">
-            <a:avLst/>
-          </a:prstGeom>
-        </p:spPr>
-      </p:pic>
-      <p:pic>
-        <p:nvPicPr>
-          <p:cNvPr id="14" name="Graphic 13" descr="Home with solid fill">
-            <a:extLst>
-              <a:ext uri="{FF2B5EF4-FFF2-40B4-BE49-F238E27FC236}">
-                <a16:creationId xmlns:a16="http://schemas.microsoft.com/office/drawing/2014/main" id="{4A3C7FAB-1B76-B29D-7F47-47476C11C8BB}"/>
-              </a:ext>
-            </a:extLst>
-          </p:cNvPr>
-          <p:cNvPicPr>
-            <a:picLocks noChangeAspect="1"/>
-          </p:cNvPicPr>
-          <p:nvPr/>
-        </p:nvPicPr>
-        <p:blipFill>
-          <a:blip r:embed="rId6">
-            <a:extLst>
-              <a:ext uri="{28A0092B-C50C-407E-A947-70E740481C1C}">
-                <a14:useLocalDpi xmlns:a14="http://schemas.microsoft.com/office/drawing/2010/main" val="0"/>
-              </a:ext>
-              <a:ext uri="{96DAC541-7B7A-43D3-8B79-37D633B846F1}">
-                <asvg:svgBlip xmlns:asvg="http://schemas.microsoft.com/office/drawing/2016/SVG/main" r:embed="rId7"/>
-              </a:ext>
-            </a:extLst>
-          </a:blip>
-          <a:stretch>
-            <a:fillRect/>
-          </a:stretch>
-        </p:blipFill>
-        <p:spPr>
-          <a:xfrm>
-            <a:off x="6288625" y="1185117"/>
-            <a:ext cx="486203" cy="486203"/>
-          </a:xfrm>
-          <a:prstGeom prst="rect">
-            <a:avLst/>
-          </a:prstGeom>
-        </p:spPr>
-      </p:pic>
-      <p:pic>
-        <p:nvPicPr>
-          <p:cNvPr id="15" name="Graphic 14" descr="Home with solid fill">
-            <a:extLst>
-              <a:ext uri="{FF2B5EF4-FFF2-40B4-BE49-F238E27FC236}">
-                <a16:creationId xmlns:a16="http://schemas.microsoft.com/office/drawing/2014/main" id="{A58ECA5E-C0AB-5D44-6021-1B908B457E01}"/>
-              </a:ext>
-            </a:extLst>
-          </p:cNvPr>
-          <p:cNvPicPr>
-            <a:picLocks noChangeAspect="1"/>
-          </p:cNvPicPr>
-          <p:nvPr/>
-        </p:nvPicPr>
-        <p:blipFill>
-          <a:blip r:embed="rId6">
-            <a:extLst>
-              <a:ext uri="{28A0092B-C50C-407E-A947-70E740481C1C}">
-                <a14:useLocalDpi xmlns:a14="http://schemas.microsoft.com/office/drawing/2010/main" val="0"/>
-              </a:ext>
-              <a:ext uri="{96DAC541-7B7A-43D3-8B79-37D633B846F1}">
-                <asvg:svgBlip xmlns:asvg="http://schemas.microsoft.com/office/drawing/2016/SVG/main" r:embed="rId7"/>
-              </a:ext>
-            </a:extLst>
-          </a:blip>
-          <a:stretch>
-            <a:fillRect/>
-          </a:stretch>
-        </p:blipFill>
-        <p:spPr>
-          <a:xfrm>
-            <a:off x="6774828" y="1185117"/>
-            <a:ext cx="486203" cy="486203"/>
-          </a:xfrm>
-          <a:prstGeom prst="rect">
-            <a:avLst/>
-          </a:prstGeom>
-        </p:spPr>
-      </p:pic>
-      <p:pic>
-        <p:nvPicPr>
-          <p:cNvPr id="16" name="Graphic 15" descr="Home with solid fill">
-            <a:extLst>
-              <a:ext uri="{FF2B5EF4-FFF2-40B4-BE49-F238E27FC236}">
-                <a16:creationId xmlns:a16="http://schemas.microsoft.com/office/drawing/2014/main" id="{4F238032-A2EC-0682-276B-883B848A4FC1}"/>
-              </a:ext>
-            </a:extLst>
-          </p:cNvPr>
-          <p:cNvPicPr>
-            <a:picLocks noChangeAspect="1"/>
-          </p:cNvPicPr>
-          <p:nvPr/>
-        </p:nvPicPr>
-        <p:blipFill>
-          <a:blip r:embed="rId6">
-            <a:extLst>
-              <a:ext uri="{28A0092B-C50C-407E-A947-70E740481C1C}">
-                <a14:useLocalDpi xmlns:a14="http://schemas.microsoft.com/office/drawing/2010/main" val="0"/>
-              </a:ext>
-              <a:ext uri="{96DAC541-7B7A-43D3-8B79-37D633B846F1}">
-                <asvg:svgBlip xmlns:asvg="http://schemas.microsoft.com/office/drawing/2016/SVG/main" r:embed="rId7"/>
-              </a:ext>
-            </a:extLst>
-          </a:blip>
-          <a:stretch>
-            <a:fillRect/>
-          </a:stretch>
-        </p:blipFill>
-        <p:spPr>
-          <a:xfrm>
-            <a:off x="7261031" y="1185117"/>
-            <a:ext cx="486203" cy="486203"/>
-          </a:xfrm>
-          <a:prstGeom prst="rect">
-            <a:avLst/>
-          </a:prstGeom>
-        </p:spPr>
-      </p:pic>
-      <p:pic>
-        <p:nvPicPr>
-          <p:cNvPr id="17" name="Graphic 16" descr="Home with solid fill">
-            <a:extLst>
-              <a:ext uri="{FF2B5EF4-FFF2-40B4-BE49-F238E27FC236}">
-                <a16:creationId xmlns:a16="http://schemas.microsoft.com/office/drawing/2014/main" id="{402E0F65-1DB3-B784-6EC2-681928383E9C}"/>
-              </a:ext>
-            </a:extLst>
-          </p:cNvPr>
-          <p:cNvPicPr>
-            <a:picLocks noChangeAspect="1"/>
-          </p:cNvPicPr>
-          <p:nvPr/>
-        </p:nvPicPr>
-        <p:blipFill>
-          <a:blip r:embed="rId6">
-            <a:extLst>
-              <a:ext uri="{28A0092B-C50C-407E-A947-70E740481C1C}">
-                <a14:useLocalDpi xmlns:a14="http://schemas.microsoft.com/office/drawing/2010/main" val="0"/>
-              </a:ext>
-              <a:ext uri="{96DAC541-7B7A-43D3-8B79-37D633B846F1}">
-                <asvg:svgBlip xmlns:asvg="http://schemas.microsoft.com/office/drawing/2016/SVG/main" r:embed="rId7"/>
-              </a:ext>
-            </a:extLst>
-          </a:blip>
-          <a:stretch>
-            <a:fillRect/>
-          </a:stretch>
-        </p:blipFill>
-        <p:spPr>
-          <a:xfrm>
-            <a:off x="7747234" y="1185117"/>
-            <a:ext cx="486203" cy="486203"/>
-          </a:xfrm>
-          <a:prstGeom prst="rect">
-            <a:avLst/>
-          </a:prstGeom>
-        </p:spPr>
-      </p:pic>
-      <p:pic>
-        <p:nvPicPr>
-          <p:cNvPr id="18" name="Graphic 17" descr="Home with solid fill">
-            <a:extLst>
-              <a:ext uri="{FF2B5EF4-FFF2-40B4-BE49-F238E27FC236}">
-                <a16:creationId xmlns:a16="http://schemas.microsoft.com/office/drawing/2014/main" id="{DD44D4E3-9325-98BB-9000-F1FEE59F50F4}"/>
-              </a:ext>
-            </a:extLst>
-          </p:cNvPr>
-          <p:cNvPicPr>
-            <a:picLocks noChangeAspect="1"/>
-          </p:cNvPicPr>
-          <p:nvPr/>
-        </p:nvPicPr>
-        <p:blipFill>
-          <a:blip r:embed="rId6">
-            <a:extLst>
-              <a:ext uri="{28A0092B-C50C-407E-A947-70E740481C1C}">
-                <a14:useLocalDpi xmlns:a14="http://schemas.microsoft.com/office/drawing/2010/main" val="0"/>
-              </a:ext>
-              <a:ext uri="{96DAC541-7B7A-43D3-8B79-37D633B846F1}">
-                <asvg:svgBlip xmlns:asvg="http://schemas.microsoft.com/office/drawing/2016/SVG/main" r:embed="rId7"/>
-              </a:ext>
-            </a:extLst>
-          </a:blip>
-          <a:stretch>
-            <a:fillRect/>
-          </a:stretch>
-        </p:blipFill>
-        <p:spPr>
-          <a:xfrm>
-            <a:off x="8233437" y="1185117"/>
-            <a:ext cx="486203" cy="486203"/>
-          </a:xfrm>
-          <a:prstGeom prst="rect">
-            <a:avLst/>
-          </a:prstGeom>
-        </p:spPr>
-      </p:pic>
-      <p:pic>
-        <p:nvPicPr>
-          <p:cNvPr id="19" name="Graphic 18" descr="Home with solid fill">
-            <a:extLst>
-              <a:ext uri="{FF2B5EF4-FFF2-40B4-BE49-F238E27FC236}">
-                <a16:creationId xmlns:a16="http://schemas.microsoft.com/office/drawing/2014/main" id="{CA4D2893-614A-DA62-46A7-21BB6716FDC4}"/>
-              </a:ext>
-            </a:extLst>
-          </p:cNvPr>
-          <p:cNvPicPr>
-            <a:picLocks noChangeAspect="1"/>
-          </p:cNvPicPr>
-          <p:nvPr/>
-        </p:nvPicPr>
-        <p:blipFill>
-          <a:blip r:embed="rId6">
-            <a:extLst>
-              <a:ext uri="{28A0092B-C50C-407E-A947-70E740481C1C}">
-                <a14:useLocalDpi xmlns:a14="http://schemas.microsoft.com/office/drawing/2010/main" val="0"/>
-              </a:ext>
-              <a:ext uri="{96DAC541-7B7A-43D3-8B79-37D633B846F1}">
-                <asvg:svgBlip xmlns:asvg="http://schemas.microsoft.com/office/drawing/2016/SVG/main" r:embed="rId7"/>
-              </a:ext>
-            </a:extLst>
-          </a:blip>
-          <a:stretch>
-            <a:fillRect/>
-          </a:stretch>
-        </p:blipFill>
-        <p:spPr>
-          <a:xfrm>
-            <a:off x="8719641" y="1185117"/>
-            <a:ext cx="486203" cy="486203"/>
-          </a:xfrm>
-          <a:prstGeom prst="rect">
-            <a:avLst/>
-          </a:prstGeom>
-        </p:spPr>
-      </p:pic>
-      <p:pic>
-        <p:nvPicPr>
-          <p:cNvPr id="20" name="Graphic 1" descr="Philanthropy with solid fill">
-            <a:extLst>
-              <a:ext uri="{FF2B5EF4-FFF2-40B4-BE49-F238E27FC236}">
-                <a16:creationId xmlns:a16="http://schemas.microsoft.com/office/drawing/2014/main" id="{D364BBDE-93AE-740D-C17A-7B988310F3E1}"/>
+                <a16:creationId xmlns:a16="http://schemas.microsoft.com/office/drawing/2014/main" id="{AFB6FFD3-728A-7CF4-BA89-A17F43BE37EB}"/>
               </a:ext>
             </a:extLst>
           </p:cNvPr>
@@ -4337,20 +4039,1070 @@
         </p:blipFill>
         <p:spPr>
           <a:xfrm>
-            <a:off x="1935478" y="6180002"/>
-            <a:ext cx="914400" cy="914400"/>
+            <a:off x="185851" y="5075458"/>
+            <a:ext cx="640653" cy="640653"/>
           </a:xfrm>
           <a:prstGeom prst="rect">
             <a:avLst/>
           </a:prstGeom>
         </p:spPr>
       </p:pic>
+      <p:sp>
+        <p:nvSpPr>
+          <p:cNvPr id="50" name="TextBox 49">
+            <a:extLst>
+              <a:ext uri="{FF2B5EF4-FFF2-40B4-BE49-F238E27FC236}">
+                <a16:creationId xmlns:a16="http://schemas.microsoft.com/office/drawing/2014/main" id="{FE7ABF18-76B5-F384-221F-FF5E45014658}"/>
+              </a:ext>
+            </a:extLst>
+          </p:cNvPr>
+          <p:cNvSpPr txBox="1"/>
+          <p:nvPr/>
+        </p:nvSpPr>
+        <p:spPr>
+          <a:xfrm>
+            <a:off x="869169" y="5222645"/>
+            <a:ext cx="5940678" cy="369332"/>
+          </a:xfrm>
+          <a:prstGeom prst="rect">
+            <a:avLst/>
+          </a:prstGeom>
+          <a:noFill/>
+        </p:spPr>
+        <p:txBody>
+          <a:bodyPr wrap="square" rtlCol="0">
+            <a:spAutoFit/>
+          </a:bodyPr>
+          <a:lstStyle>
+            <a:defPPr>
+              <a:defRPr lang="en-US"/>
+            </a:defPPr>
+            <a:lvl1pPr>
+              <a:defRPr>
+                <a:solidFill>
+                  <a:schemeClr val="bg1"/>
+                </a:solidFill>
+                <a:latin typeface="Abadi" panose="020B0604020104020204" pitchFamily="34" charset="0"/>
+              </a:defRPr>
+            </a:lvl1pPr>
+          </a:lstStyle>
+          <a:p>
+            <a:r>
+              <a:rPr lang="es-ES" dirty="0"/>
+              <a:t>TRATAMIENTOS: AYUDAS A LA UNIDAD FAMILIAR</a:t>
+            </a:r>
+          </a:p>
+        </p:txBody>
+      </p:sp>
+      <p:sp>
+        <p:nvSpPr>
+          <p:cNvPr id="2" name="Rectángulo 1">
+            <a:extLst>
+              <a:ext uri="{FF2B5EF4-FFF2-40B4-BE49-F238E27FC236}">
+                <a16:creationId xmlns:a16="http://schemas.microsoft.com/office/drawing/2014/main" id="{54E01547-BC81-7AE0-BFC9-92506ECD38E0}"/>
+              </a:ext>
+            </a:extLst>
+          </p:cNvPr>
+          <p:cNvSpPr/>
+          <p:nvPr/>
+        </p:nvSpPr>
+        <p:spPr>
+          <a:xfrm>
+            <a:off x="1276113" y="1195911"/>
+            <a:ext cx="172546" cy="115156"/>
+          </a:xfrm>
+          <a:prstGeom prst="rect">
+            <a:avLst/>
+          </a:prstGeom>
+          <a:noFill/>
+          <a:ln>
+            <a:solidFill>
+              <a:srgbClr val="002060"/>
+            </a:solidFill>
+          </a:ln>
+        </p:spPr>
+        <p:style>
+          <a:lnRef idx="2">
+            <a:schemeClr val="accent1">
+              <a:shade val="50000"/>
+            </a:schemeClr>
+          </a:lnRef>
+          <a:fillRef idx="1">
+            <a:schemeClr val="accent1"/>
+          </a:fillRef>
+          <a:effectRef idx="0">
+            <a:schemeClr val="accent1"/>
+          </a:effectRef>
+          <a:fontRef idx="minor">
+            <a:schemeClr val="lt1"/>
+          </a:fontRef>
+        </p:style>
+        <p:txBody>
+          <a:bodyPr rtlCol="0" anchor="ctr"/>
+          <a:lstStyle/>
+          <a:p>
+            <a:pPr algn="ctr"/>
+            <a:endParaRPr lang="es-ES">
+              <a:solidFill>
+                <a:schemeClr val="bg1"/>
+              </a:solidFill>
+            </a:endParaRPr>
+          </a:p>
+        </p:txBody>
+      </p:sp>
+      <p:cxnSp>
+        <p:nvCxnSpPr>
+          <p:cNvPr id="4" name="Conector recto 3">
+            <a:extLst>
+              <a:ext uri="{FF2B5EF4-FFF2-40B4-BE49-F238E27FC236}">
+                <a16:creationId xmlns:a16="http://schemas.microsoft.com/office/drawing/2014/main" id="{D25A62D7-2001-E9D8-ED72-9377D92178F9}"/>
+              </a:ext>
+            </a:extLst>
+          </p:cNvPr>
+          <p:cNvCxnSpPr>
+            <a:cxnSpLocks/>
+          </p:cNvCxnSpPr>
+          <p:nvPr/>
+        </p:nvCxnSpPr>
+        <p:spPr>
+          <a:xfrm flipH="1" flipV="1">
+            <a:off x="335250" y="972442"/>
+            <a:ext cx="940862" cy="338625"/>
+          </a:xfrm>
+          <a:prstGeom prst="line">
+            <a:avLst/>
+          </a:prstGeom>
+          <a:ln>
+            <a:solidFill>
+              <a:srgbClr val="002060"/>
+            </a:solidFill>
+          </a:ln>
+        </p:spPr>
+        <p:style>
+          <a:lnRef idx="1">
+            <a:schemeClr val="accent1"/>
+          </a:lnRef>
+          <a:fillRef idx="0">
+            <a:schemeClr val="accent1"/>
+          </a:fillRef>
+          <a:effectRef idx="0">
+            <a:schemeClr val="accent1"/>
+          </a:effectRef>
+          <a:fontRef idx="minor">
+            <a:schemeClr val="tx1"/>
+          </a:fontRef>
+        </p:style>
+      </p:cxnSp>
+      <p:cxnSp>
+        <p:nvCxnSpPr>
+          <p:cNvPr id="41" name="Conector recto 40">
+            <a:extLst>
+              <a:ext uri="{FF2B5EF4-FFF2-40B4-BE49-F238E27FC236}">
+                <a16:creationId xmlns:a16="http://schemas.microsoft.com/office/drawing/2014/main" id="{7F119542-BA74-F69E-B938-556ACD1198B4}"/>
+              </a:ext>
+            </a:extLst>
+          </p:cNvPr>
+          <p:cNvCxnSpPr>
+            <a:cxnSpLocks/>
+          </p:cNvCxnSpPr>
+          <p:nvPr/>
+        </p:nvCxnSpPr>
+        <p:spPr>
+          <a:xfrm flipH="1" flipV="1">
+            <a:off x="1246202" y="369581"/>
+            <a:ext cx="202457" cy="826330"/>
+          </a:xfrm>
+          <a:prstGeom prst="line">
+            <a:avLst/>
+          </a:prstGeom>
+          <a:ln>
+            <a:solidFill>
+              <a:srgbClr val="002060"/>
+            </a:solidFill>
+          </a:ln>
+        </p:spPr>
+        <p:style>
+          <a:lnRef idx="1">
+            <a:schemeClr val="accent1"/>
+          </a:lnRef>
+          <a:fillRef idx="0">
+            <a:schemeClr val="accent1"/>
+          </a:fillRef>
+          <a:effectRef idx="0">
+            <a:schemeClr val="accent1"/>
+          </a:effectRef>
+          <a:fontRef idx="minor">
+            <a:schemeClr val="tx1"/>
+          </a:fontRef>
+        </p:style>
+      </p:cxnSp>
+      <p:sp>
+        <p:nvSpPr>
+          <p:cNvPr id="45" name="TextBox 49">
+            <a:extLst>
+              <a:ext uri="{FF2B5EF4-FFF2-40B4-BE49-F238E27FC236}">
+                <a16:creationId xmlns:a16="http://schemas.microsoft.com/office/drawing/2014/main" id="{1B0DA457-7E68-8D93-F147-5FD71E80DF7A}"/>
+              </a:ext>
+            </a:extLst>
+          </p:cNvPr>
+          <p:cNvSpPr txBox="1"/>
+          <p:nvPr/>
+        </p:nvSpPr>
+        <p:spPr>
+          <a:xfrm>
+            <a:off x="2585166" y="197971"/>
+            <a:ext cx="6802296" cy="584775"/>
+          </a:xfrm>
+          <a:prstGeom prst="rect">
+            <a:avLst/>
+          </a:prstGeom>
+          <a:noFill/>
+        </p:spPr>
+        <p:txBody>
+          <a:bodyPr wrap="square" rtlCol="0">
+            <a:spAutoFit/>
+          </a:bodyPr>
+          <a:lstStyle/>
+          <a:p>
+            <a:r>
+              <a:rPr lang="es-ES" sz="3200" dirty="0">
+                <a:solidFill>
+                  <a:schemeClr val="bg1"/>
+                </a:solidFill>
+                <a:latin typeface="Abadi" panose="020B0604020104020204" pitchFamily="34" charset="0"/>
+              </a:rPr>
+              <a:t>PROGRAMA </a:t>
+            </a:r>
+            <a:r>
+              <a:rPr lang="es-ES" sz="3200" i="1" dirty="0">
+                <a:solidFill>
+                  <a:schemeClr val="bg1"/>
+                </a:solidFill>
+                <a:latin typeface="Abadi" panose="020B0604020104020204" pitchFamily="34" charset="0"/>
+              </a:rPr>
+              <a:t>ATENCIÓN A CRISIS</a:t>
+            </a:r>
+          </a:p>
+        </p:txBody>
+      </p:sp>
+      <p:cxnSp>
+        <p:nvCxnSpPr>
+          <p:cNvPr id="26" name="Conector recto 25">
+            <a:extLst>
+              <a:ext uri="{FF2B5EF4-FFF2-40B4-BE49-F238E27FC236}">
+                <a16:creationId xmlns:a16="http://schemas.microsoft.com/office/drawing/2014/main" id="{E49201CF-A65C-1D41-44B1-253FC16C5F1C}"/>
+              </a:ext>
+            </a:extLst>
+          </p:cNvPr>
+          <p:cNvCxnSpPr>
+            <a:cxnSpLocks/>
+          </p:cNvCxnSpPr>
+          <p:nvPr/>
+        </p:nvCxnSpPr>
+        <p:spPr>
+          <a:xfrm>
+            <a:off x="2667297" y="782746"/>
+            <a:ext cx="5975475" cy="0"/>
+          </a:xfrm>
+          <a:prstGeom prst="line">
+            <a:avLst/>
+          </a:prstGeom>
+          <a:ln w="19050">
+            <a:solidFill>
+              <a:srgbClr val="1965AA"/>
+            </a:solidFill>
+          </a:ln>
+        </p:spPr>
+        <p:style>
+          <a:lnRef idx="1">
+            <a:schemeClr val="accent1"/>
+          </a:lnRef>
+          <a:fillRef idx="0">
+            <a:schemeClr val="accent1"/>
+          </a:fillRef>
+          <a:effectRef idx="0">
+            <a:schemeClr val="accent1"/>
+          </a:effectRef>
+          <a:fontRef idx="minor">
+            <a:schemeClr val="tx1"/>
+          </a:fontRef>
+        </p:style>
+      </p:cxnSp>
+      <p:sp>
+        <p:nvSpPr>
+          <p:cNvPr id="53" name="TextBox 49">
+            <a:extLst>
+              <a:ext uri="{FF2B5EF4-FFF2-40B4-BE49-F238E27FC236}">
+                <a16:creationId xmlns:a16="http://schemas.microsoft.com/office/drawing/2014/main" id="{328D2A34-DCA5-1E27-6C3A-6D2B1CAE3005}"/>
+              </a:ext>
+            </a:extLst>
+          </p:cNvPr>
+          <p:cNvSpPr txBox="1"/>
+          <p:nvPr/>
+        </p:nvSpPr>
+        <p:spPr>
+          <a:xfrm>
+            <a:off x="709508" y="2634463"/>
+            <a:ext cx="4705186" cy="369332"/>
+          </a:xfrm>
+          <a:prstGeom prst="rect">
+            <a:avLst/>
+          </a:prstGeom>
+          <a:noFill/>
+        </p:spPr>
+        <p:txBody>
+          <a:bodyPr wrap="square" rtlCol="0">
+            <a:spAutoFit/>
+          </a:bodyPr>
+          <a:lstStyle/>
+          <a:p>
+            <a:r>
+              <a:rPr lang="es-ES" dirty="0">
+                <a:solidFill>
+                  <a:schemeClr val="bg1"/>
+                </a:solidFill>
+                <a:latin typeface="Abadi" panose="020B0604020104020204" pitchFamily="34" charset="0"/>
+              </a:rPr>
+              <a:t>TEMPORIZACIÓN</a:t>
+            </a:r>
+            <a:endParaRPr lang="es-ES" i="1" dirty="0">
+              <a:solidFill>
+                <a:schemeClr val="bg1"/>
+              </a:solidFill>
+              <a:latin typeface="Abadi" panose="020B0604020104020204" pitchFamily="34" charset="0"/>
+            </a:endParaRPr>
+          </a:p>
+        </p:txBody>
+      </p:sp>
+      <p:sp>
+        <p:nvSpPr>
+          <p:cNvPr id="55" name="TextBox 31">
+            <a:extLst>
+              <a:ext uri="{FF2B5EF4-FFF2-40B4-BE49-F238E27FC236}">
+                <a16:creationId xmlns:a16="http://schemas.microsoft.com/office/drawing/2014/main" id="{F635C1EC-3511-A84A-FA15-22B3B15D7B17}"/>
+              </a:ext>
+            </a:extLst>
+          </p:cNvPr>
+          <p:cNvSpPr txBox="1"/>
+          <p:nvPr/>
+        </p:nvSpPr>
+        <p:spPr>
+          <a:xfrm>
+            <a:off x="2667296" y="998486"/>
+            <a:ext cx="9799053" cy="1615827"/>
+          </a:xfrm>
+          <a:prstGeom prst="rect">
+            <a:avLst/>
+          </a:prstGeom>
+          <a:noFill/>
+        </p:spPr>
+        <p:txBody>
+          <a:bodyPr wrap="square" rtlCol="0">
+            <a:spAutoFit/>
+          </a:bodyPr>
+          <a:lstStyle/>
+          <a:p>
+            <a:r>
+              <a:rPr lang="en-US" sz="1100" dirty="0">
+                <a:solidFill>
+                  <a:schemeClr val="bg1"/>
+                </a:solidFill>
+                <a:latin typeface="Abadi" panose="020B0604020104020204" pitchFamily="34" charset="0"/>
+              </a:rPr>
+              <a:t>trials in the United States show that children who benefited from intensive preschool interventions have higher school attainment, better test scores, lower rates of criminality, and earn higher wages in adulthood (Currie 2001; </a:t>
+            </a:r>
+            <a:r>
+              <a:rPr lang="en-US" sz="1100" dirty="0" err="1">
+                <a:solidFill>
+                  <a:schemeClr val="bg1"/>
+                </a:solidFill>
+                <a:latin typeface="Abadi" panose="020B0604020104020204" pitchFamily="34" charset="0"/>
+              </a:rPr>
+              <a:t>Schweinhart</a:t>
+            </a:r>
+            <a:r>
+              <a:rPr lang="en-US" sz="1100" dirty="0">
+                <a:solidFill>
+                  <a:schemeClr val="bg1"/>
+                </a:solidFill>
+                <a:latin typeface="Abadi" panose="020B0604020104020204" pitchFamily="34" charset="0"/>
+              </a:rPr>
+              <a:t> 2005) This paper analyzes the impact of a cash transfer program on development in early childhood. The program, known as </a:t>
+            </a:r>
+            <a:r>
+              <a:rPr lang="en-US" sz="1100" dirty="0" err="1">
+                <a:solidFill>
+                  <a:schemeClr val="bg1"/>
+                </a:solidFill>
+                <a:latin typeface="Abadi" panose="020B0604020104020204" pitchFamily="34" charset="0"/>
+              </a:rPr>
+              <a:t>Atención</a:t>
+            </a:r>
+            <a:r>
+              <a:rPr lang="en-US" sz="1100" dirty="0">
+                <a:solidFill>
+                  <a:schemeClr val="bg1"/>
+                </a:solidFill>
+                <a:latin typeface="Abadi" panose="020B0604020104020204" pitchFamily="34" charset="0"/>
+              </a:rPr>
+              <a:t> a Crisis , made sizeable payments to poor households in rural areas in Nicaragua. The </a:t>
+            </a:r>
+            <a:r>
+              <a:rPr lang="en-US" sz="1100" dirty="0" err="1">
+                <a:solidFill>
+                  <a:schemeClr val="bg1"/>
+                </a:solidFill>
+                <a:latin typeface="Abadi" panose="020B0604020104020204" pitchFamily="34" charset="0"/>
+              </a:rPr>
+              <a:t>Atención</a:t>
+            </a:r>
+            <a:r>
+              <a:rPr lang="en-US" sz="1100" dirty="0">
+                <a:solidFill>
+                  <a:schemeClr val="bg1"/>
+                </a:solidFill>
+                <a:latin typeface="Abadi" panose="020B0604020104020204" pitchFamily="34" charset="0"/>
+              </a:rPr>
+              <a:t> a Crisis pilot program was implemented between November 2005 and December 2006 by the Ministry of the Family in six municipalities in rural Nicaragua. </a:t>
+            </a:r>
+          </a:p>
+          <a:p>
+            <a:r>
+              <a:rPr lang="en-US" sz="1100" dirty="0" err="1">
+                <a:solidFill>
+                  <a:schemeClr val="bg1"/>
+                </a:solidFill>
+                <a:latin typeface="Abadi" panose="020B0604020104020204" pitchFamily="34" charset="0"/>
+              </a:rPr>
+              <a:t>irst</a:t>
+            </a:r>
+            <a:r>
+              <a:rPr lang="en-US" sz="1100" dirty="0">
+                <a:solidFill>
+                  <a:schemeClr val="bg1"/>
+                </a:solidFill>
+                <a:latin typeface="Abadi" panose="020B0604020104020204" pitchFamily="34" charset="0"/>
+              </a:rPr>
+              <a:t>, among all communities in the six municipalities, 56 intervention and 50 control communities were randomly selected through a lottery. Second, baseline data were collected in both treatment and control communities. Baseline data for the evaluation were collected in April-May 2005. A first </a:t>
+            </a:r>
+            <a:r>
+              <a:rPr lang="en-US" sz="1100" dirty="0" err="1">
+                <a:solidFill>
+                  <a:schemeClr val="bg1"/>
+                </a:solidFill>
+                <a:latin typeface="Abadi" panose="020B0604020104020204" pitchFamily="34" charset="0"/>
+              </a:rPr>
+              <a:t>followup</a:t>
+            </a:r>
+            <a:r>
+              <a:rPr lang="en-US" sz="1100" dirty="0">
+                <a:solidFill>
+                  <a:schemeClr val="bg1"/>
+                </a:solidFill>
+                <a:latin typeface="Abadi" panose="020B0604020104020204" pitchFamily="34" charset="0"/>
+              </a:rPr>
+              <a:t> survey was collected in July-August 2006, nine months after the households had started receiving payments. The sample includes the 3,002 eligible households in the treatment group, and a random sample of 1,019 eligible households in the communities that were assigned to the control group. A second follow-up survey, covering the same households as those included in the first follow-up, was collected between August 2008 and May 2009 (henceforth referred to as 2008). </a:t>
+            </a:r>
+            <a:endParaRPr lang="es-ES" sz="1100" i="1" dirty="0">
+              <a:solidFill>
+                <a:schemeClr val="bg1"/>
+              </a:solidFill>
+              <a:latin typeface="Abadi" panose="020B0604020104020204" pitchFamily="34" charset="0"/>
+            </a:endParaRPr>
+          </a:p>
+        </p:txBody>
+      </p:sp>
+      <p:sp>
+        <p:nvSpPr>
+          <p:cNvPr id="110" name="Forma libre: forma 109">
+            <a:extLst>
+              <a:ext uri="{FF2B5EF4-FFF2-40B4-BE49-F238E27FC236}">
+                <a16:creationId xmlns:a16="http://schemas.microsoft.com/office/drawing/2014/main" id="{50A11B18-CD27-D9C5-A99D-18D15F3D5A43}"/>
+              </a:ext>
+            </a:extLst>
+          </p:cNvPr>
+          <p:cNvSpPr/>
+          <p:nvPr/>
+        </p:nvSpPr>
+        <p:spPr>
+          <a:xfrm>
+            <a:off x="1164294" y="5957112"/>
+            <a:ext cx="11168383" cy="1230756"/>
+          </a:xfrm>
+          <a:custGeom>
+            <a:avLst/>
+            <a:gdLst>
+              <a:gd name="connsiteX0" fmla="*/ 8293889 w 11168383"/>
+              <a:gd name="connsiteY0" fmla="*/ 0 h 1230756"/>
+              <a:gd name="connsiteX1" fmla="*/ 10963253 w 11168383"/>
+              <a:gd name="connsiteY1" fmla="*/ 0 h 1230756"/>
+              <a:gd name="connsiteX2" fmla="*/ 11168383 w 11168383"/>
+              <a:gd name="connsiteY2" fmla="*/ 205130 h 1230756"/>
+              <a:gd name="connsiteX3" fmla="*/ 11168383 w 11168383"/>
+              <a:gd name="connsiteY3" fmla="*/ 1025626 h 1230756"/>
+              <a:gd name="connsiteX4" fmla="*/ 10963253 w 11168383"/>
+              <a:gd name="connsiteY4" fmla="*/ 1230756 h 1230756"/>
+              <a:gd name="connsiteX5" fmla="*/ 8293889 w 11168383"/>
+              <a:gd name="connsiteY5" fmla="*/ 1230756 h 1230756"/>
+              <a:gd name="connsiteX6" fmla="*/ 205130 w 11168383"/>
+              <a:gd name="connsiteY6" fmla="*/ 0 h 1230756"/>
+              <a:gd name="connsiteX7" fmla="*/ 7706746 w 11168383"/>
+              <a:gd name="connsiteY7" fmla="*/ 0 h 1230756"/>
+              <a:gd name="connsiteX8" fmla="*/ 7706746 w 11168383"/>
+              <a:gd name="connsiteY8" fmla="*/ 1230756 h 1230756"/>
+              <a:gd name="connsiteX9" fmla="*/ 205130 w 11168383"/>
+              <a:gd name="connsiteY9" fmla="*/ 1230756 h 1230756"/>
+              <a:gd name="connsiteX10" fmla="*/ 0 w 11168383"/>
+              <a:gd name="connsiteY10" fmla="*/ 1025626 h 1230756"/>
+              <a:gd name="connsiteX11" fmla="*/ 0 w 11168383"/>
+              <a:gd name="connsiteY11" fmla="*/ 205130 h 1230756"/>
+              <a:gd name="connsiteX12" fmla="*/ 205130 w 11168383"/>
+              <a:gd name="connsiteY12" fmla="*/ 0 h 1230756"/>
+            </a:gdLst>
+            <a:ahLst/>
+            <a:cxnLst>
+              <a:cxn ang="0">
+                <a:pos x="connsiteX0" y="connsiteY0"/>
+              </a:cxn>
+              <a:cxn ang="0">
+                <a:pos x="connsiteX1" y="connsiteY1"/>
+              </a:cxn>
+              <a:cxn ang="0">
+                <a:pos x="connsiteX2" y="connsiteY2"/>
+              </a:cxn>
+              <a:cxn ang="0">
+                <a:pos x="connsiteX3" y="connsiteY3"/>
+              </a:cxn>
+              <a:cxn ang="0">
+                <a:pos x="connsiteX4" y="connsiteY4"/>
+              </a:cxn>
+              <a:cxn ang="0">
+                <a:pos x="connsiteX5" y="connsiteY5"/>
+              </a:cxn>
+              <a:cxn ang="0">
+                <a:pos x="connsiteX6" y="connsiteY6"/>
+              </a:cxn>
+              <a:cxn ang="0">
+                <a:pos x="connsiteX7" y="connsiteY7"/>
+              </a:cxn>
+              <a:cxn ang="0">
+                <a:pos x="connsiteX8" y="connsiteY8"/>
+              </a:cxn>
+              <a:cxn ang="0">
+                <a:pos x="connsiteX9" y="connsiteY9"/>
+              </a:cxn>
+              <a:cxn ang="0">
+                <a:pos x="connsiteX10" y="connsiteY10"/>
+              </a:cxn>
+              <a:cxn ang="0">
+                <a:pos x="connsiteX11" y="connsiteY11"/>
+              </a:cxn>
+              <a:cxn ang="0">
+                <a:pos x="connsiteX12" y="connsiteY12"/>
+              </a:cxn>
+            </a:cxnLst>
+            <a:rect l="l" t="t" r="r" b="b"/>
+            <a:pathLst>
+              <a:path w="11168383" h="1230756">
+                <a:moveTo>
+                  <a:pt x="8293889" y="0"/>
+                </a:moveTo>
+                <a:lnTo>
+                  <a:pt x="10963253" y="0"/>
+                </a:lnTo>
+                <a:cubicBezTo>
+                  <a:pt x="11076543" y="0"/>
+                  <a:pt x="11168383" y="91840"/>
+                  <a:pt x="11168383" y="205130"/>
+                </a:cubicBezTo>
+                <a:lnTo>
+                  <a:pt x="11168383" y="1025626"/>
+                </a:lnTo>
+                <a:cubicBezTo>
+                  <a:pt x="11168383" y="1138916"/>
+                  <a:pt x="11076543" y="1230756"/>
+                  <a:pt x="10963253" y="1230756"/>
+                </a:cubicBezTo>
+                <a:lnTo>
+                  <a:pt x="8293889" y="1230756"/>
+                </a:lnTo>
+                <a:close/>
+                <a:moveTo>
+                  <a:pt x="205130" y="0"/>
+                </a:moveTo>
+                <a:lnTo>
+                  <a:pt x="7706746" y="0"/>
+                </a:lnTo>
+                <a:lnTo>
+                  <a:pt x="7706746" y="1230756"/>
+                </a:lnTo>
+                <a:lnTo>
+                  <a:pt x="205130" y="1230756"/>
+                </a:lnTo>
+                <a:cubicBezTo>
+                  <a:pt x="91840" y="1230756"/>
+                  <a:pt x="0" y="1138916"/>
+                  <a:pt x="0" y="1025626"/>
+                </a:cubicBezTo>
+                <a:lnTo>
+                  <a:pt x="0" y="205130"/>
+                </a:lnTo>
+                <a:cubicBezTo>
+                  <a:pt x="0" y="91840"/>
+                  <a:pt x="91840" y="0"/>
+                  <a:pt x="205130" y="0"/>
+                </a:cubicBezTo>
+                <a:close/>
+              </a:path>
+            </a:pathLst>
+          </a:custGeom>
+          <a:solidFill>
+            <a:srgbClr val="1965AA">
+              <a:alpha val="25098"/>
+            </a:srgbClr>
+          </a:solidFill>
+          <a:ln w="38100">
+            <a:solidFill>
+              <a:srgbClr val="1965AA"/>
+            </a:solidFill>
+          </a:ln>
+        </p:spPr>
+        <p:style>
+          <a:lnRef idx="2">
+            <a:schemeClr val="accent1">
+              <a:shade val="50000"/>
+            </a:schemeClr>
+          </a:lnRef>
+          <a:fillRef idx="1">
+            <a:schemeClr val="accent1"/>
+          </a:fillRef>
+          <a:effectRef idx="0">
+            <a:schemeClr val="accent1"/>
+          </a:effectRef>
+          <a:fontRef idx="minor">
+            <a:schemeClr val="lt1"/>
+          </a:fontRef>
+        </p:style>
+        <p:txBody>
+          <a:bodyPr wrap="square" rtlCol="0" anchor="ctr">
+            <a:noAutofit/>
+          </a:bodyPr>
+          <a:lstStyle/>
+          <a:p>
+            <a:pPr algn="ctr"/>
+            <a:endParaRPr lang="es-ES"/>
+          </a:p>
+        </p:txBody>
+      </p:sp>
+      <p:grpSp>
+        <p:nvGrpSpPr>
+          <p:cNvPr id="15" name="Grupo 14">
+            <a:extLst>
+              <a:ext uri="{FF2B5EF4-FFF2-40B4-BE49-F238E27FC236}">
+                <a16:creationId xmlns:a16="http://schemas.microsoft.com/office/drawing/2014/main" id="{907CF3CB-F88B-26DE-8007-872C4461CF0E}"/>
+              </a:ext>
+            </a:extLst>
+          </p:cNvPr>
+          <p:cNvGrpSpPr/>
+          <p:nvPr/>
+        </p:nvGrpSpPr>
+        <p:grpSpPr>
+          <a:xfrm>
+            <a:off x="2421856" y="6069250"/>
+            <a:ext cx="6290132" cy="1006481"/>
+            <a:chOff x="2421856" y="5524896"/>
+            <a:chExt cx="6290132" cy="1006481"/>
+          </a:xfrm>
+        </p:grpSpPr>
+        <p:sp>
+          <p:nvSpPr>
+            <p:cNvPr id="81" name="Rectángulo: esquinas redondeadas 80">
+              <a:extLst>
+                <a:ext uri="{FF2B5EF4-FFF2-40B4-BE49-F238E27FC236}">
+                  <a16:creationId xmlns:a16="http://schemas.microsoft.com/office/drawing/2014/main" id="{6A72C6D0-5993-C827-25FF-C111BA9C6C68}"/>
+                </a:ext>
+              </a:extLst>
+            </p:cNvPr>
+            <p:cNvSpPr/>
+            <p:nvPr/>
+          </p:nvSpPr>
+          <p:spPr>
+            <a:xfrm rot="5400000">
+              <a:off x="7214133" y="5033523"/>
+              <a:ext cx="1006481" cy="1989228"/>
+            </a:xfrm>
+            <a:prstGeom prst="roundRect">
+              <a:avLst>
+                <a:gd name="adj" fmla="val 22277"/>
+              </a:avLst>
+            </a:prstGeom>
+            <a:solidFill>
+              <a:srgbClr val="FFFFFF">
+                <a:alpha val="7843"/>
+              </a:srgbClr>
+            </a:solidFill>
+            <a:ln w="28575">
+              <a:solidFill>
+                <a:srgbClr val="FFFFFF">
+                  <a:alpha val="29020"/>
+                </a:srgbClr>
+              </a:solidFill>
+            </a:ln>
+          </p:spPr>
+          <p:style>
+            <a:lnRef idx="2">
+              <a:schemeClr val="accent1">
+                <a:shade val="50000"/>
+              </a:schemeClr>
+            </a:lnRef>
+            <a:fillRef idx="1">
+              <a:schemeClr val="accent1"/>
+            </a:fillRef>
+            <a:effectRef idx="0">
+              <a:schemeClr val="accent1"/>
+            </a:effectRef>
+            <a:fontRef idx="minor">
+              <a:schemeClr val="lt1"/>
+            </a:fontRef>
+          </p:style>
+          <p:txBody>
+            <a:bodyPr rtlCol="0" anchor="ctr"/>
+            <a:lstStyle/>
+            <a:p>
+              <a:pPr algn="ctr"/>
+              <a:endParaRPr lang="es-ES"/>
+            </a:p>
+          </p:txBody>
+        </p:sp>
+        <p:sp>
+          <p:nvSpPr>
+            <p:cNvPr id="82" name="Rectángulo: esquinas redondeadas 81">
+              <a:extLst>
+                <a:ext uri="{FF2B5EF4-FFF2-40B4-BE49-F238E27FC236}">
+                  <a16:creationId xmlns:a16="http://schemas.microsoft.com/office/drawing/2014/main" id="{99986DB9-4759-1311-51B9-ABAA34C67539}"/>
+                </a:ext>
+              </a:extLst>
+            </p:cNvPr>
+            <p:cNvSpPr/>
+            <p:nvPr/>
+          </p:nvSpPr>
+          <p:spPr>
+            <a:xfrm rot="5400000">
+              <a:off x="5048246" y="5033524"/>
+              <a:ext cx="1006479" cy="1989228"/>
+            </a:xfrm>
+            <a:prstGeom prst="roundRect">
+              <a:avLst>
+                <a:gd name="adj" fmla="val 18211"/>
+              </a:avLst>
+            </a:prstGeom>
+            <a:solidFill>
+              <a:srgbClr val="FFFFFF">
+                <a:alpha val="7843"/>
+              </a:srgbClr>
+            </a:solidFill>
+            <a:ln w="28575">
+              <a:solidFill>
+                <a:srgbClr val="FFFFFF">
+                  <a:alpha val="29020"/>
+                </a:srgbClr>
+              </a:solidFill>
+            </a:ln>
+          </p:spPr>
+          <p:style>
+            <a:lnRef idx="2">
+              <a:schemeClr val="accent1">
+                <a:shade val="50000"/>
+              </a:schemeClr>
+            </a:lnRef>
+            <a:fillRef idx="1">
+              <a:schemeClr val="accent1"/>
+            </a:fillRef>
+            <a:effectRef idx="0">
+              <a:schemeClr val="accent1"/>
+            </a:effectRef>
+            <a:fontRef idx="minor">
+              <a:schemeClr val="lt1"/>
+            </a:fontRef>
+          </p:style>
+          <p:txBody>
+            <a:bodyPr rtlCol="0" anchor="ctr"/>
+            <a:lstStyle/>
+            <a:p>
+              <a:pPr algn="ctr"/>
+              <a:endParaRPr lang="es-ES"/>
+            </a:p>
+          </p:txBody>
+        </p:sp>
+        <p:sp>
+          <p:nvSpPr>
+            <p:cNvPr id="83" name="Rectángulo: esquinas redondeadas 82">
+              <a:extLst>
+                <a:ext uri="{FF2B5EF4-FFF2-40B4-BE49-F238E27FC236}">
+                  <a16:creationId xmlns:a16="http://schemas.microsoft.com/office/drawing/2014/main" id="{957F8805-D155-687C-B268-D7BCD7A74459}"/>
+                </a:ext>
+              </a:extLst>
+            </p:cNvPr>
+            <p:cNvSpPr/>
+            <p:nvPr/>
+          </p:nvSpPr>
+          <p:spPr>
+            <a:xfrm rot="5400000">
+              <a:off x="2913230" y="5033523"/>
+              <a:ext cx="1006480" cy="1989228"/>
+            </a:xfrm>
+            <a:prstGeom prst="roundRect">
+              <a:avLst>
+                <a:gd name="adj" fmla="val 20163"/>
+              </a:avLst>
+            </a:prstGeom>
+            <a:solidFill>
+              <a:srgbClr val="FFFFFF">
+                <a:alpha val="7843"/>
+              </a:srgbClr>
+            </a:solidFill>
+            <a:ln w="28575">
+              <a:solidFill>
+                <a:srgbClr val="FFFFFF">
+                  <a:alpha val="29020"/>
+                </a:srgbClr>
+              </a:solidFill>
+            </a:ln>
+          </p:spPr>
+          <p:style>
+            <a:lnRef idx="2">
+              <a:schemeClr val="accent1">
+                <a:shade val="50000"/>
+              </a:schemeClr>
+            </a:lnRef>
+            <a:fillRef idx="1">
+              <a:schemeClr val="accent1"/>
+            </a:fillRef>
+            <a:effectRef idx="0">
+              <a:schemeClr val="accent1"/>
+            </a:effectRef>
+            <a:fontRef idx="minor">
+              <a:schemeClr val="lt1"/>
+            </a:fontRef>
+          </p:style>
+          <p:txBody>
+            <a:bodyPr rtlCol="0" anchor="ctr"/>
+            <a:lstStyle/>
+            <a:p>
+              <a:pPr algn="ctr"/>
+              <a:endParaRPr lang="es-ES"/>
+            </a:p>
+          </p:txBody>
+        </p:sp>
+      </p:grpSp>
+      <p:sp>
+        <p:nvSpPr>
+          <p:cNvPr id="84" name="TextBox 31">
+            <a:extLst>
+              <a:ext uri="{FF2B5EF4-FFF2-40B4-BE49-F238E27FC236}">
+                <a16:creationId xmlns:a16="http://schemas.microsoft.com/office/drawing/2014/main" id="{FC0A9606-821F-376C-0D4B-EBBC01DD3948}"/>
+              </a:ext>
+            </a:extLst>
+          </p:cNvPr>
+          <p:cNvSpPr txBox="1"/>
+          <p:nvPr/>
+        </p:nvSpPr>
+        <p:spPr>
+          <a:xfrm>
+            <a:off x="6712205" y="6627688"/>
+            <a:ext cx="2051983" cy="253916"/>
+          </a:xfrm>
+          <a:prstGeom prst="rect">
+            <a:avLst/>
+          </a:prstGeom>
+          <a:noFill/>
+        </p:spPr>
+        <p:txBody>
+          <a:bodyPr wrap="square" rtlCol="0">
+            <a:spAutoFit/>
+          </a:bodyPr>
+          <a:lstStyle/>
+          <a:p>
+            <a:pPr algn="ctr"/>
+            <a:r>
+              <a:rPr lang="es-ES" sz="1050" dirty="0">
+                <a:solidFill>
+                  <a:schemeClr val="bg1"/>
+                </a:solidFill>
+                <a:latin typeface="Abadi" panose="020B0604020104020204" pitchFamily="34" charset="0"/>
+              </a:rPr>
+              <a:t>Con una frecuencia bimestral</a:t>
+            </a:r>
+          </a:p>
+        </p:txBody>
+      </p:sp>
+      <p:sp>
+        <p:nvSpPr>
+          <p:cNvPr id="85" name="TextBox 36">
+            <a:extLst>
+              <a:ext uri="{FF2B5EF4-FFF2-40B4-BE49-F238E27FC236}">
+                <a16:creationId xmlns:a16="http://schemas.microsoft.com/office/drawing/2014/main" id="{C4A2A1D1-44DD-2847-B96F-12302B9FF31C}"/>
+              </a:ext>
+            </a:extLst>
+          </p:cNvPr>
+          <p:cNvSpPr txBox="1"/>
+          <p:nvPr/>
+        </p:nvSpPr>
+        <p:spPr>
+          <a:xfrm>
+            <a:off x="4514461" y="6539925"/>
+            <a:ext cx="2074049" cy="577081"/>
+          </a:xfrm>
+          <a:prstGeom prst="rect">
+            <a:avLst/>
+          </a:prstGeom>
+          <a:noFill/>
+        </p:spPr>
+        <p:txBody>
+          <a:bodyPr wrap="square" rtlCol="0">
+            <a:spAutoFit/>
+          </a:bodyPr>
+          <a:lstStyle/>
+          <a:p>
+            <a:pPr algn="ctr"/>
+            <a:r>
+              <a:rPr lang="es-ES" sz="1050" dirty="0">
+                <a:solidFill>
+                  <a:schemeClr val="bg1"/>
+                </a:solidFill>
+                <a:latin typeface="Abadi" panose="020B0604020104020204" pitchFamily="34" charset="0"/>
+              </a:rPr>
+              <a:t>Entregado al cuidador principal de los hijos (en su mayoría, a la madre)</a:t>
+            </a:r>
+          </a:p>
+        </p:txBody>
+      </p:sp>
+      <p:sp>
+        <p:nvSpPr>
+          <p:cNvPr id="86" name="TextBox 37">
+            <a:extLst>
+              <a:ext uri="{FF2B5EF4-FFF2-40B4-BE49-F238E27FC236}">
+                <a16:creationId xmlns:a16="http://schemas.microsoft.com/office/drawing/2014/main" id="{12456CB9-32AD-7AF5-888E-ABDC449DBFB7}"/>
+              </a:ext>
+            </a:extLst>
+          </p:cNvPr>
+          <p:cNvSpPr txBox="1"/>
+          <p:nvPr/>
+        </p:nvSpPr>
+        <p:spPr>
+          <a:xfrm>
+            <a:off x="2398975" y="6626486"/>
+            <a:ext cx="2048364" cy="415498"/>
+          </a:xfrm>
+          <a:prstGeom prst="rect">
+            <a:avLst/>
+          </a:prstGeom>
+          <a:noFill/>
+        </p:spPr>
+        <p:txBody>
+          <a:bodyPr wrap="square" rtlCol="0">
+            <a:spAutoFit/>
+          </a:bodyPr>
+          <a:lstStyle/>
+          <a:p>
+            <a:pPr algn="ctr"/>
+            <a:r>
+              <a:rPr lang="es-ES" sz="1050" dirty="0">
+                <a:solidFill>
+                  <a:schemeClr val="bg1"/>
+                </a:solidFill>
+                <a:latin typeface="Abadi" panose="020B0604020104020204" pitchFamily="34" charset="0"/>
+              </a:rPr>
+              <a:t>Pago por un valor de  ~15% del gasto medio anual </a:t>
+            </a:r>
+            <a:r>
+              <a:rPr lang="es-ES" sz="1050" i="1" dirty="0">
+                <a:solidFill>
+                  <a:schemeClr val="bg1"/>
+                </a:solidFill>
+                <a:latin typeface="Abadi" panose="020B0604020104020204" pitchFamily="34" charset="0"/>
+              </a:rPr>
+              <a:t>per </a:t>
+            </a:r>
+            <a:r>
+              <a:rPr lang="es-ES" sz="1050" i="1" dirty="0" err="1">
+                <a:solidFill>
+                  <a:schemeClr val="bg1"/>
+                </a:solidFill>
+                <a:latin typeface="Abadi" panose="020B0604020104020204" pitchFamily="34" charset="0"/>
+              </a:rPr>
+              <a:t>capita</a:t>
+            </a:r>
+            <a:endParaRPr lang="es-ES" sz="1050" i="1" dirty="0">
+              <a:solidFill>
+                <a:schemeClr val="bg1"/>
+              </a:solidFill>
+              <a:latin typeface="Abadi" panose="020B0604020104020204" pitchFamily="34" charset="0"/>
+            </a:endParaRPr>
+          </a:p>
+        </p:txBody>
+      </p:sp>
+      <p:sp>
+        <p:nvSpPr>
+          <p:cNvPr id="60" name="Elipse 59">
+            <a:extLst>
+              <a:ext uri="{FF2B5EF4-FFF2-40B4-BE49-F238E27FC236}">
+                <a16:creationId xmlns:a16="http://schemas.microsoft.com/office/drawing/2014/main" id="{ECD0B984-A7DA-5FB9-1BA9-5A69611CE2EF}"/>
+              </a:ext>
+            </a:extLst>
+          </p:cNvPr>
+          <p:cNvSpPr/>
+          <p:nvPr/>
+        </p:nvSpPr>
+        <p:spPr>
+          <a:xfrm>
+            <a:off x="406049" y="6335132"/>
+            <a:ext cx="481470" cy="474716"/>
+          </a:xfrm>
+          <a:prstGeom prst="ellipse">
+            <a:avLst/>
+          </a:prstGeom>
+          <a:solidFill>
+            <a:srgbClr val="32A505"/>
+          </a:solidFill>
+          <a:ln>
+            <a:noFill/>
+          </a:ln>
+        </p:spPr>
+        <p:style>
+          <a:lnRef idx="2">
+            <a:schemeClr val="accent1">
+              <a:shade val="50000"/>
+            </a:schemeClr>
+          </a:lnRef>
+          <a:fillRef idx="1">
+            <a:schemeClr val="accent1"/>
+          </a:fillRef>
+          <a:effectRef idx="0">
+            <a:schemeClr val="accent1"/>
+          </a:effectRef>
+          <a:fontRef idx="minor">
+            <a:schemeClr val="lt1"/>
+          </a:fontRef>
+        </p:style>
+        <p:txBody>
+          <a:bodyPr wrap="none" rtlCol="0" anchor="ctr"/>
+          <a:lstStyle/>
+          <a:p>
+            <a:pPr algn="ctr"/>
+            <a:r>
+              <a:rPr lang="es-ES" dirty="0"/>
+              <a:t>T1</a:t>
+            </a:r>
+          </a:p>
+        </p:txBody>
+      </p:sp>
       <p:pic>
         <p:nvPicPr>
-          <p:cNvPr id="12" name="Graphic 11" descr="Family with two children with solid fill">
+          <p:cNvPr id="20" name="Graphic 1" descr="Philanthropy with solid fill">
             <a:extLst>
               <a:ext uri="{FF2B5EF4-FFF2-40B4-BE49-F238E27FC236}">
-                <a16:creationId xmlns:a16="http://schemas.microsoft.com/office/drawing/2014/main" id="{AFB6FFD3-728A-7CF4-BA89-A17F43BE37EB}"/>
+                <a16:creationId xmlns:a16="http://schemas.microsoft.com/office/drawing/2014/main" id="{D364BBDE-93AE-740D-C17A-7B988310F3E1}"/>
               </a:ext>
             </a:extLst>
           </p:cNvPr>
@@ -4376,8 +5128,8 @@
         </p:blipFill>
         <p:spPr>
           <a:xfrm>
-            <a:off x="153918" y="5188326"/>
-            <a:ext cx="708479" cy="708479"/>
+            <a:off x="1334727" y="6138779"/>
+            <a:ext cx="867422" cy="867422"/>
           </a:xfrm>
           <a:prstGeom prst="rect">
             <a:avLst/>
@@ -4415,8 +5167,8 @@
         </p:blipFill>
         <p:spPr>
           <a:xfrm>
-            <a:off x="2849879" y="6362366"/>
-            <a:ext cx="503587" cy="503587"/>
+            <a:off x="5336200" y="6151526"/>
+            <a:ext cx="430569" cy="430569"/>
           </a:xfrm>
           <a:prstGeom prst="rect">
             <a:avLst/>
@@ -4454,8 +5206,8 @@
         </p:blipFill>
         <p:spPr>
           <a:xfrm>
-            <a:off x="2849880" y="6858000"/>
-            <a:ext cx="503587" cy="503587"/>
+            <a:off x="7482926" y="6135999"/>
+            <a:ext cx="461623" cy="461623"/>
           </a:xfrm>
           <a:prstGeom prst="rect">
             <a:avLst/>
@@ -4476,11 +5228,14 @@
         </p:nvGrpSpPr>
         <p:grpSpPr>
           <a:xfrm>
-            <a:off x="2913614" y="5913119"/>
-            <a:ext cx="515208" cy="418766"/>
+            <a:off x="3188213" y="6159062"/>
+            <a:ext cx="511185" cy="415497"/>
             <a:chOff x="4132813" y="5943600"/>
             <a:chExt cx="1124987" cy="914400"/>
           </a:xfrm>
+          <a:solidFill>
+            <a:srgbClr val="FFFFFF"/>
+          </a:solidFill>
         </p:grpSpPr>
         <p:pic>
           <p:nvPicPr>
@@ -4659,16 +5414,14 @@
                 </a:path>
               </a:pathLst>
             </a:custGeom>
-            <a:solidFill>
-              <a:schemeClr val="tx1"/>
-            </a:solidFill>
+            <a:grpFill/>
             <a:ln>
               <a:noFill/>
             </a:ln>
             <a:effectLst/>
           </p:spPr>
           <p:txBody>
-            <a:bodyPr rot="0" spcFirstLastPara="0" vertOverflow="overflow" horzOverflow="overflow" vert="horz" wrap="square" lIns="91440" tIns="45720" rIns="91440" bIns="45720" numCol="1" spcCol="0" rtlCol="0" fromWordArt="0" anchor="t" anchorCtr="0" forceAA="0" compatLnSpc="1">
+            <a:bodyPr rot="0" spcFirstLastPara="0" vertOverflow="overflow" horzOverflow="overflow" vert="horz" wrap="square" lIns="68580" tIns="34290" rIns="68580" bIns="34290" numCol="1" spcCol="0" rtlCol="0" fromWordArt="0" anchor="t" anchorCtr="0" forceAA="0" compatLnSpc="1">
               <a:prstTxWarp prst="textNoShape">
                 <a:avLst/>
               </a:prstTxWarp>
@@ -4676,183 +5429,22 @@
             </a:bodyPr>
             <a:lstStyle/>
             <a:p>
-              <a:endParaRPr lang="es-ES" sz="1400" dirty="0">
+              <a:endParaRPr lang="es-ES" sz="1050" dirty="0">
+                <a:solidFill>
+                  <a:schemeClr val="bg1"/>
+                </a:solidFill>
                 <a:latin typeface="Abadi" panose="020B0604020104020204" pitchFamily="34" charset="0"/>
               </a:endParaRPr>
             </a:p>
           </p:txBody>
         </p:sp>
       </p:grpSp>
-      <p:sp>
-        <p:nvSpPr>
-          <p:cNvPr id="32" name="TextBox 31">
+      <p:pic>
+        <p:nvPicPr>
+          <p:cNvPr id="49" name="Graphic 48" descr="Books with solid fill">
             <a:extLst>
               <a:ext uri="{FF2B5EF4-FFF2-40B4-BE49-F238E27FC236}">
-                <a16:creationId xmlns:a16="http://schemas.microsoft.com/office/drawing/2014/main" id="{9DA9B4FD-1A2D-CAFE-B4F2-7156AE9FA7D9}"/>
-              </a:ext>
-            </a:extLst>
-          </p:cNvPr>
-          <p:cNvSpPr txBox="1"/>
-          <p:nvPr/>
-        </p:nvSpPr>
-        <p:spPr>
-          <a:xfrm>
-            <a:off x="3428822" y="5990423"/>
-            <a:ext cx="3346006" cy="461665"/>
-          </a:xfrm>
-          <a:prstGeom prst="rect">
-            <a:avLst/>
-          </a:prstGeom>
-          <a:noFill/>
-        </p:spPr>
-        <p:txBody>
-          <a:bodyPr wrap="square" rtlCol="0">
-            <a:spAutoFit/>
-          </a:bodyPr>
-          <a:lstStyle/>
-          <a:p>
-            <a:r>
-              <a:rPr lang="es-ES" sz="1200" b="0" i="0" dirty="0">
-                <a:solidFill>
-                  <a:srgbClr val="4D5156"/>
-                </a:solidFill>
-                <a:effectLst/>
-                <a:latin typeface="arial" panose="020B0604020202020204" pitchFamily="34" charset="0"/>
-              </a:rPr>
-              <a:t>Pago por un valor de ~ 15% del </a:t>
-            </a:r>
-            <a:r>
-              <a:rPr lang="es-ES" sz="1200" dirty="0">
-                <a:solidFill>
-                  <a:srgbClr val="4D5156"/>
-                </a:solidFill>
-                <a:latin typeface="arial" panose="020B0604020202020204" pitchFamily="34" charset="0"/>
-              </a:rPr>
-              <a:t>g</a:t>
-            </a:r>
-            <a:r>
-              <a:rPr lang="es-ES" sz="1200" b="0" i="0" dirty="0">
-                <a:solidFill>
-                  <a:srgbClr val="4D5156"/>
-                </a:solidFill>
-                <a:effectLst/>
-                <a:latin typeface="arial" panose="020B0604020202020204" pitchFamily="34" charset="0"/>
-              </a:rPr>
-              <a:t>asto medio </a:t>
-            </a:r>
-            <a:r>
-              <a:rPr lang="es-ES" sz="1200" b="0" i="1" dirty="0">
-                <a:solidFill>
-                  <a:srgbClr val="4D5156"/>
-                </a:solidFill>
-                <a:effectLst/>
-                <a:latin typeface="arial" panose="020B0604020202020204" pitchFamily="34" charset="0"/>
-              </a:rPr>
-              <a:t>per </a:t>
-            </a:r>
-            <a:r>
-              <a:rPr lang="es-ES" sz="1200" b="0" i="1" dirty="0" err="1">
-                <a:solidFill>
-                  <a:srgbClr val="4D5156"/>
-                </a:solidFill>
-                <a:effectLst/>
-                <a:latin typeface="arial" panose="020B0604020202020204" pitchFamily="34" charset="0"/>
-              </a:rPr>
-              <a:t>capita</a:t>
-            </a:r>
-            <a:endParaRPr lang="es-ES" sz="1200" i="1" dirty="0"/>
-          </a:p>
-        </p:txBody>
-      </p:sp>
-      <p:sp>
-        <p:nvSpPr>
-          <p:cNvPr id="37" name="TextBox 36">
-            <a:extLst>
-              <a:ext uri="{FF2B5EF4-FFF2-40B4-BE49-F238E27FC236}">
-                <a16:creationId xmlns:a16="http://schemas.microsoft.com/office/drawing/2014/main" id="{92FF6728-9E32-1CD5-F2D1-72857E95C9B3}"/>
-              </a:ext>
-            </a:extLst>
-          </p:cNvPr>
-          <p:cNvSpPr txBox="1"/>
-          <p:nvPr/>
-        </p:nvSpPr>
-        <p:spPr>
-          <a:xfrm>
-            <a:off x="3428822" y="6416988"/>
-            <a:ext cx="3346006" cy="461665"/>
-          </a:xfrm>
-          <a:prstGeom prst="rect">
-            <a:avLst/>
-          </a:prstGeom>
-          <a:noFill/>
-        </p:spPr>
-        <p:txBody>
-          <a:bodyPr wrap="square" rtlCol="0">
-            <a:spAutoFit/>
-          </a:bodyPr>
-          <a:lstStyle/>
-          <a:p>
-            <a:r>
-              <a:rPr lang="es-ES" sz="1200" b="0" i="0" dirty="0">
-                <a:solidFill>
-                  <a:srgbClr val="4D5156"/>
-                </a:solidFill>
-                <a:effectLst/>
-                <a:latin typeface="arial" panose="020B0604020202020204" pitchFamily="34" charset="0"/>
-              </a:rPr>
-              <a:t>Entregado al cuidador principal de los hijos (en su mayoría, a la madre)</a:t>
-            </a:r>
-            <a:endParaRPr lang="es-ES" sz="1200" dirty="0"/>
-          </a:p>
-        </p:txBody>
-      </p:sp>
-      <p:sp>
-        <p:nvSpPr>
-          <p:cNvPr id="38" name="TextBox 37">
-            <a:extLst>
-              <a:ext uri="{FF2B5EF4-FFF2-40B4-BE49-F238E27FC236}">
-                <a16:creationId xmlns:a16="http://schemas.microsoft.com/office/drawing/2014/main" id="{7460BCB6-87F1-BD3D-4F95-84D73F2A00F5}"/>
-              </a:ext>
-            </a:extLst>
-          </p:cNvPr>
-          <p:cNvSpPr txBox="1"/>
-          <p:nvPr/>
-        </p:nvSpPr>
-        <p:spPr>
-          <a:xfrm>
-            <a:off x="3403154" y="6887838"/>
-            <a:ext cx="3346006" cy="276999"/>
-          </a:xfrm>
-          <a:prstGeom prst="rect">
-            <a:avLst/>
-          </a:prstGeom>
-          <a:noFill/>
-        </p:spPr>
-        <p:txBody>
-          <a:bodyPr wrap="square" rtlCol="0">
-            <a:spAutoFit/>
-          </a:bodyPr>
-          <a:lstStyle/>
-          <a:p>
-            <a:r>
-              <a:rPr lang="es-ES" sz="1200" dirty="0">
-                <a:solidFill>
-                  <a:srgbClr val="4D5156"/>
-                </a:solidFill>
-                <a:latin typeface="arial" panose="020B0604020202020204" pitchFamily="34" charset="0"/>
-              </a:rPr>
-              <a:t>Con una frecuencia bimestral</a:t>
-            </a:r>
-            <a:endParaRPr lang="es-ES" sz="1200" dirty="0"/>
-          </a:p>
-        </p:txBody>
-      </p:sp>
-      <p:pic>
-        <p:nvPicPr>
-          <p:cNvPr id="36" name="Graphic 35" descr="Classroom with solid fill">
-            <a:extLst>
-              <a:ext uri="{FF2B5EF4-FFF2-40B4-BE49-F238E27FC236}">
-                <a16:creationId xmlns:a16="http://schemas.microsoft.com/office/drawing/2014/main" id="{A2AB2DE3-88F7-C38D-75CF-C2D7E8C2379E}"/>
+                <a16:creationId xmlns:a16="http://schemas.microsoft.com/office/drawing/2014/main" id="{70FB5206-DA7D-36F8-AF89-CDF7CDBE2EF0}"/>
               </a:ext>
             </a:extLst>
           </p:cNvPr>
@@ -4878,86 +5470,8 @@
         </p:blipFill>
         <p:spPr>
           <a:xfrm>
-            <a:off x="4538330" y="7365762"/>
-            <a:ext cx="914400" cy="914400"/>
-          </a:xfrm>
-          <a:prstGeom prst="rect">
-            <a:avLst/>
-          </a:prstGeom>
-        </p:spPr>
-      </p:pic>
-      <p:pic>
-        <p:nvPicPr>
-          <p:cNvPr id="40" name="Graphic 39" descr="Coins with solid fill">
-            <a:extLst>
-              <a:ext uri="{FF2B5EF4-FFF2-40B4-BE49-F238E27FC236}">
-                <a16:creationId xmlns:a16="http://schemas.microsoft.com/office/drawing/2014/main" id="{5ECBAC93-2C02-1568-26BF-A31D4D870CB9}"/>
-              </a:ext>
-            </a:extLst>
-          </p:cNvPr>
-          <p:cNvPicPr>
-            <a:picLocks noChangeAspect="1"/>
-          </p:cNvPicPr>
-          <p:nvPr/>
-        </p:nvPicPr>
-        <p:blipFill>
-          <a:blip r:embed="rId20">
-            <a:extLst>
-              <a:ext uri="{28A0092B-C50C-407E-A947-70E740481C1C}">
-                <a14:useLocalDpi xmlns:a14="http://schemas.microsoft.com/office/drawing/2010/main" val="0"/>
-              </a:ext>
-              <a:ext uri="{96DAC541-7B7A-43D3-8B79-37D633B846F1}">
-                <asvg:svgBlip xmlns:asvg="http://schemas.microsoft.com/office/drawing/2016/SVG/main" r:embed="rId21"/>
-              </a:ext>
-            </a:extLst>
-          </a:blip>
-          <a:stretch>
-            <a:fillRect/>
-          </a:stretch>
-        </p:blipFill>
-        <p:spPr>
-          <a:xfrm>
-            <a:off x="4390384" y="8604524"/>
-            <a:ext cx="530872" cy="530872"/>
-          </a:xfrm>
-          <a:prstGeom prst="rect">
-            <a:avLst/>
-          </a:prstGeom>
-        </p:spPr>
-      </p:pic>
-      <p:pic>
-        <p:nvPicPr>
-          <p:cNvPr id="42" name="Graphic 41" descr="Store with solid fill">
-            <a:extLst>
-              <a:ext uri="{FF2B5EF4-FFF2-40B4-BE49-F238E27FC236}">
-                <a16:creationId xmlns:a16="http://schemas.microsoft.com/office/drawing/2014/main" id="{C3F1A423-39D8-3DC9-7817-E3A1163CDF89}"/>
-              </a:ext>
-            </a:extLst>
-          </p:cNvPr>
-          <p:cNvPicPr>
-            <a:picLocks noChangeAspect="1"/>
-          </p:cNvPicPr>
-          <p:nvPr/>
-        </p:nvPicPr>
-        <p:blipFill>
-          <a:blip r:embed="rId22">
-            <a:extLst>
-              <a:ext uri="{28A0092B-C50C-407E-A947-70E740481C1C}">
-                <a14:useLocalDpi xmlns:a14="http://schemas.microsoft.com/office/drawing/2010/main" val="0"/>
-              </a:ext>
-              <a:ext uri="{96DAC541-7B7A-43D3-8B79-37D633B846F1}">
-                <asvg:svgBlip xmlns:asvg="http://schemas.microsoft.com/office/drawing/2016/SVG/main" r:embed="rId23"/>
-              </a:ext>
-            </a:extLst>
-          </a:blip>
-          <a:stretch>
-            <a:fillRect/>
-          </a:stretch>
-        </p:blipFill>
-        <p:spPr>
-          <a:xfrm>
-            <a:off x="4814667" y="8286746"/>
-            <a:ext cx="914400" cy="914400"/>
+            <a:off x="9632184" y="6278919"/>
+            <a:ext cx="587143" cy="587143"/>
           </a:xfrm>
           <a:prstGeom prst="rect">
             <a:avLst/>
@@ -4966,10 +5480,10 @@
       </p:pic>
       <p:sp>
         <p:nvSpPr>
-          <p:cNvPr id="43" name="TextBox 42">
+          <p:cNvPr id="56" name="TextBox 55">
             <a:extLst>
               <a:ext uri="{FF2B5EF4-FFF2-40B4-BE49-F238E27FC236}">
-                <a16:creationId xmlns:a16="http://schemas.microsoft.com/office/drawing/2014/main" id="{834173E4-8D19-E8E5-5EC6-1A9BDD8D98C2}"/>
+                <a16:creationId xmlns:a16="http://schemas.microsoft.com/office/drawing/2014/main" id="{12627F68-2959-29D7-22CC-94CDEE167F36}"/>
               </a:ext>
             </a:extLst>
           </p:cNvPr>
@@ -4978,8 +5492,8 @@
         </p:nvSpPr>
         <p:spPr>
           <a:xfrm>
-            <a:off x="5700547" y="7606198"/>
-            <a:ext cx="2669190" cy="646331"/>
+            <a:off x="10230017" y="6095437"/>
+            <a:ext cx="2260609" cy="954107"/>
           </a:xfrm>
           <a:prstGeom prst="rect">
             <a:avLst/>
@@ -4993,18 +5507,23 @@
           <a:lstStyle/>
           <a:p>
             <a:r>
-              <a:rPr lang="es-ES" dirty="0"/>
-              <a:t>Curso de formación vocacional/profesional</a:t>
+              <a:rPr lang="es-ES" sz="1400" dirty="0">
+                <a:solidFill>
+                  <a:schemeClr val="bg1"/>
+                </a:solidFill>
+                <a:latin typeface="Abadi" panose="020B0604020104020204" pitchFamily="34" charset="0"/>
+              </a:rPr>
+              <a:t>Formación/divulgación sobre la importancia de hábitos saludables, educación, etc.</a:t>
             </a:r>
           </a:p>
         </p:txBody>
       </p:sp>
       <p:sp>
         <p:nvSpPr>
-          <p:cNvPr id="48" name="TextBox 47">
+          <p:cNvPr id="59" name="CuadroTexto 58">
             <a:extLst>
               <a:ext uri="{FF2B5EF4-FFF2-40B4-BE49-F238E27FC236}">
-                <a16:creationId xmlns:a16="http://schemas.microsoft.com/office/drawing/2014/main" id="{EBF0F9E6-FE4D-8FE0-25CC-D8C8D18FF1BE}"/>
+                <a16:creationId xmlns:a16="http://schemas.microsoft.com/office/drawing/2014/main" id="{719B4DD2-2786-406C-8E13-202C4BC20693}"/>
               </a:ext>
             </a:extLst>
           </p:cNvPr>
@@ -5013,8 +5532,8 @@
         </p:nvSpPr>
         <p:spPr>
           <a:xfrm>
-            <a:off x="5774576" y="8355030"/>
-            <a:ext cx="2669190" cy="923330"/>
+            <a:off x="9021527" y="6249325"/>
+            <a:ext cx="314074" cy="646331"/>
           </a:xfrm>
           <a:prstGeom prst="rect">
             <a:avLst/>
@@ -5027,159 +5546,516 @@
           </a:bodyPr>
           <a:lstStyle/>
           <a:p>
+            <a:pPr algn="ctr"/>
             <a:r>
-              <a:rPr lang="es-ES" dirty="0"/>
-              <a:t>Beca para el desarrollo de una actividad económica no agrícola</a:t>
+              <a:rPr lang="es-ES" sz="3600" b="1" dirty="0">
+                <a:solidFill>
+                  <a:srgbClr val="32A505"/>
+                </a:solidFill>
+              </a:rPr>
+              <a:t>+</a:t>
             </a:r>
           </a:p>
         </p:txBody>
       </p:sp>
-      <p:sp>
-        <p:nvSpPr>
-          <p:cNvPr id="44" name="TextBox 43">
+      <p:grpSp>
+        <p:nvGrpSpPr>
+          <p:cNvPr id="11" name="Grupo 10">
             <a:extLst>
               <a:ext uri="{FF2B5EF4-FFF2-40B4-BE49-F238E27FC236}">
-                <a16:creationId xmlns:a16="http://schemas.microsoft.com/office/drawing/2014/main" id="{07B6DECC-A6B7-8B0A-389B-EA1CCF3469B5}"/>
+                <a16:creationId xmlns:a16="http://schemas.microsoft.com/office/drawing/2014/main" id="{6B740D7C-264C-7EEE-9BEE-A03B98C59D90}"/>
               </a:ext>
             </a:extLst>
           </p:cNvPr>
-          <p:cNvSpPr txBox="1"/>
+          <p:cNvGrpSpPr/>
           <p:nvPr/>
-        </p:nvSpPr>
-        <p:spPr>
+        </p:nvGrpSpPr>
+        <p:grpSpPr>
           <a:xfrm>
-            <a:off x="1029120" y="6359623"/>
-            <a:ext cx="579120" cy="369332"/>
+            <a:off x="406049" y="8259235"/>
+            <a:ext cx="11930773" cy="704279"/>
+            <a:chOff x="406049" y="7332319"/>
+            <a:chExt cx="11930773" cy="704279"/>
           </a:xfrm>
-          <a:prstGeom prst="rect">
-            <a:avLst/>
-          </a:prstGeom>
-          <a:noFill/>
-        </p:spPr>
-        <p:txBody>
-          <a:bodyPr wrap="square" rtlCol="0">
-            <a:spAutoFit/>
-          </a:bodyPr>
-          <a:lstStyle/>
-          <a:p>
-            <a:r>
-              <a:rPr lang="es-ES" dirty="0"/>
-              <a:t>T1</a:t>
-            </a:r>
-          </a:p>
-        </p:txBody>
-      </p:sp>
-      <p:sp>
-        <p:nvSpPr>
-          <p:cNvPr id="50" name="TextBox 49">
+        </p:grpSpPr>
+        <p:sp>
+          <p:nvSpPr>
+            <p:cNvPr id="111" name="Forma libre: forma 110">
+              <a:extLst>
+                <a:ext uri="{FF2B5EF4-FFF2-40B4-BE49-F238E27FC236}">
+                  <a16:creationId xmlns:a16="http://schemas.microsoft.com/office/drawing/2014/main" id="{86CD45A7-2BF1-D0E0-D779-8B033938539E}"/>
+                </a:ext>
+              </a:extLst>
+            </p:cNvPr>
+            <p:cNvSpPr/>
+            <p:nvPr/>
+          </p:nvSpPr>
+          <p:spPr>
+            <a:xfrm>
+              <a:off x="1160147" y="7332319"/>
+              <a:ext cx="11176675" cy="704279"/>
+            </a:xfrm>
+            <a:custGeom>
+              <a:avLst/>
+              <a:gdLst>
+                <a:gd name="connsiteX0" fmla="*/ 1887841 w 11176675"/>
+                <a:gd name="connsiteY0" fmla="*/ 0 h 704279"/>
+                <a:gd name="connsiteX1" fmla="*/ 11018100 w 11176675"/>
+                <a:gd name="connsiteY1" fmla="*/ 0 h 704279"/>
+                <a:gd name="connsiteX2" fmla="*/ 11176675 w 11176675"/>
+                <a:gd name="connsiteY2" fmla="*/ 158575 h 704279"/>
+                <a:gd name="connsiteX3" fmla="*/ 11176675 w 11176675"/>
+                <a:gd name="connsiteY3" fmla="*/ 545704 h 704279"/>
+                <a:gd name="connsiteX4" fmla="*/ 11018100 w 11176675"/>
+                <a:gd name="connsiteY4" fmla="*/ 704279 h 704279"/>
+                <a:gd name="connsiteX5" fmla="*/ 1887841 w 11176675"/>
+                <a:gd name="connsiteY5" fmla="*/ 704279 h 704279"/>
+                <a:gd name="connsiteX6" fmla="*/ 158575 w 11176675"/>
+                <a:gd name="connsiteY6" fmla="*/ 0 h 704279"/>
+                <a:gd name="connsiteX7" fmla="*/ 1300698 w 11176675"/>
+                <a:gd name="connsiteY7" fmla="*/ 0 h 704279"/>
+                <a:gd name="connsiteX8" fmla="*/ 1300698 w 11176675"/>
+                <a:gd name="connsiteY8" fmla="*/ 704279 h 704279"/>
+                <a:gd name="connsiteX9" fmla="*/ 158575 w 11176675"/>
+                <a:gd name="connsiteY9" fmla="*/ 704279 h 704279"/>
+                <a:gd name="connsiteX10" fmla="*/ 0 w 11176675"/>
+                <a:gd name="connsiteY10" fmla="*/ 545704 h 704279"/>
+                <a:gd name="connsiteX11" fmla="*/ 0 w 11176675"/>
+                <a:gd name="connsiteY11" fmla="*/ 158575 h 704279"/>
+                <a:gd name="connsiteX12" fmla="*/ 158575 w 11176675"/>
+                <a:gd name="connsiteY12" fmla="*/ 0 h 704279"/>
+              </a:gdLst>
+              <a:ahLst/>
+              <a:cxnLst>
+                <a:cxn ang="0">
+                  <a:pos x="connsiteX0" y="connsiteY0"/>
+                </a:cxn>
+                <a:cxn ang="0">
+                  <a:pos x="connsiteX1" y="connsiteY1"/>
+                </a:cxn>
+                <a:cxn ang="0">
+                  <a:pos x="connsiteX2" y="connsiteY2"/>
+                </a:cxn>
+                <a:cxn ang="0">
+                  <a:pos x="connsiteX3" y="connsiteY3"/>
+                </a:cxn>
+                <a:cxn ang="0">
+                  <a:pos x="connsiteX4" y="connsiteY4"/>
+                </a:cxn>
+                <a:cxn ang="0">
+                  <a:pos x="connsiteX5" y="connsiteY5"/>
+                </a:cxn>
+                <a:cxn ang="0">
+                  <a:pos x="connsiteX6" y="connsiteY6"/>
+                </a:cxn>
+                <a:cxn ang="0">
+                  <a:pos x="connsiteX7" y="connsiteY7"/>
+                </a:cxn>
+                <a:cxn ang="0">
+                  <a:pos x="connsiteX8" y="connsiteY8"/>
+                </a:cxn>
+                <a:cxn ang="0">
+                  <a:pos x="connsiteX9" y="connsiteY9"/>
+                </a:cxn>
+                <a:cxn ang="0">
+                  <a:pos x="connsiteX10" y="connsiteY10"/>
+                </a:cxn>
+                <a:cxn ang="0">
+                  <a:pos x="connsiteX11" y="connsiteY11"/>
+                </a:cxn>
+                <a:cxn ang="0">
+                  <a:pos x="connsiteX12" y="connsiteY12"/>
+                </a:cxn>
+              </a:cxnLst>
+              <a:rect l="l" t="t" r="r" b="b"/>
+              <a:pathLst>
+                <a:path w="11176675" h="704279">
+                  <a:moveTo>
+                    <a:pt x="1887841" y="0"/>
+                  </a:moveTo>
+                  <a:lnTo>
+                    <a:pt x="11018100" y="0"/>
+                  </a:lnTo>
+                  <a:cubicBezTo>
+                    <a:pt x="11105679" y="0"/>
+                    <a:pt x="11176675" y="70996"/>
+                    <a:pt x="11176675" y="158575"/>
+                  </a:cubicBezTo>
+                  <a:lnTo>
+                    <a:pt x="11176675" y="545704"/>
+                  </a:lnTo>
+                  <a:cubicBezTo>
+                    <a:pt x="11176675" y="633283"/>
+                    <a:pt x="11105679" y="704279"/>
+                    <a:pt x="11018100" y="704279"/>
+                  </a:cubicBezTo>
+                  <a:lnTo>
+                    <a:pt x="1887841" y="704279"/>
+                  </a:lnTo>
+                  <a:close/>
+                  <a:moveTo>
+                    <a:pt x="158575" y="0"/>
+                  </a:moveTo>
+                  <a:lnTo>
+                    <a:pt x="1300698" y="0"/>
+                  </a:lnTo>
+                  <a:lnTo>
+                    <a:pt x="1300698" y="704279"/>
+                  </a:lnTo>
+                  <a:lnTo>
+                    <a:pt x="158575" y="704279"/>
+                  </a:lnTo>
+                  <a:cubicBezTo>
+                    <a:pt x="70996" y="704279"/>
+                    <a:pt x="0" y="633283"/>
+                    <a:pt x="0" y="545704"/>
+                  </a:cubicBezTo>
+                  <a:lnTo>
+                    <a:pt x="0" y="158575"/>
+                  </a:lnTo>
+                  <a:cubicBezTo>
+                    <a:pt x="0" y="70996"/>
+                    <a:pt x="70996" y="0"/>
+                    <a:pt x="158575" y="0"/>
+                  </a:cubicBezTo>
+                  <a:close/>
+                </a:path>
+              </a:pathLst>
+            </a:custGeom>
+            <a:solidFill>
+              <a:srgbClr val="1965AA">
+                <a:alpha val="25098"/>
+              </a:srgbClr>
+            </a:solidFill>
+            <a:ln w="38100">
+              <a:solidFill>
+                <a:srgbClr val="1965AA"/>
+              </a:solidFill>
+            </a:ln>
+          </p:spPr>
+          <p:style>
+            <a:lnRef idx="2">
+              <a:schemeClr val="accent1">
+                <a:shade val="50000"/>
+              </a:schemeClr>
+            </a:lnRef>
+            <a:fillRef idx="1">
+              <a:schemeClr val="accent1"/>
+            </a:fillRef>
+            <a:effectRef idx="0">
+              <a:schemeClr val="accent1"/>
+            </a:effectRef>
+            <a:fontRef idx="minor">
+              <a:schemeClr val="lt1"/>
+            </a:fontRef>
+          </p:style>
+          <p:txBody>
+            <a:bodyPr wrap="square" rtlCol="0" anchor="ctr">
+              <a:noAutofit/>
+            </a:bodyPr>
+            <a:lstStyle/>
+            <a:p>
+              <a:pPr algn="ctr"/>
+              <a:endParaRPr lang="es-ES"/>
+            </a:p>
+          </p:txBody>
+        </p:sp>
+        <p:grpSp>
+          <p:nvGrpSpPr>
+            <p:cNvPr id="101" name="Grupo 100">
+              <a:extLst>
+                <a:ext uri="{FF2B5EF4-FFF2-40B4-BE49-F238E27FC236}">
+                  <a16:creationId xmlns:a16="http://schemas.microsoft.com/office/drawing/2014/main" id="{E7267A7F-DA42-B04D-2837-8707E9CB1169}"/>
+                </a:ext>
+              </a:extLst>
+            </p:cNvPr>
+            <p:cNvGrpSpPr/>
+            <p:nvPr/>
+          </p:nvGrpSpPr>
+          <p:grpSpPr>
+            <a:xfrm>
+              <a:off x="406049" y="7339355"/>
+              <a:ext cx="10870280" cy="685800"/>
+              <a:chOff x="3089555" y="8353144"/>
+              <a:chExt cx="10870280" cy="685800"/>
+            </a:xfrm>
+          </p:grpSpPr>
+          <p:pic>
+            <p:nvPicPr>
+              <p:cNvPr id="40" name="Graphic 39" descr="Coins with solid fill">
+                <a:extLst>
+                  <a:ext uri="{FF2B5EF4-FFF2-40B4-BE49-F238E27FC236}">
+                    <a16:creationId xmlns:a16="http://schemas.microsoft.com/office/drawing/2014/main" id="{5ECBAC93-2C02-1568-26BF-A31D4D870CB9}"/>
+                  </a:ext>
+                </a:extLst>
+              </p:cNvPr>
+              <p:cNvPicPr>
+                <a:picLocks noChangeAspect="1"/>
+              </p:cNvPicPr>
+              <p:nvPr/>
+            </p:nvPicPr>
+            <p:blipFill>
+              <a:blip r:embed="rId20">
+                <a:extLst>
+                  <a:ext uri="{28A0092B-C50C-407E-A947-70E740481C1C}">
+                    <a14:useLocalDpi xmlns:a14="http://schemas.microsoft.com/office/drawing/2010/main" val="0"/>
+                  </a:ext>
+                  <a:ext uri="{96DAC541-7B7A-43D3-8B79-37D633B846F1}">
+                    <asvg:svgBlip xmlns:asvg="http://schemas.microsoft.com/office/drawing/2016/SVG/main" r:embed="rId21"/>
+                  </a:ext>
+                </a:extLst>
+              </a:blip>
+              <a:stretch>
+                <a:fillRect/>
+              </a:stretch>
+            </p:blipFill>
+            <p:spPr>
+              <a:xfrm>
+                <a:off x="6231162" y="8496967"/>
+                <a:ext cx="398154" cy="398154"/>
+              </a:xfrm>
+              <a:prstGeom prst="rect">
+                <a:avLst/>
+              </a:prstGeom>
+            </p:spPr>
+          </p:pic>
+          <p:pic>
+            <p:nvPicPr>
+              <p:cNvPr id="42" name="Graphic 41" descr="Store with solid fill">
+                <a:extLst>
+                  <a:ext uri="{FF2B5EF4-FFF2-40B4-BE49-F238E27FC236}">
+                    <a16:creationId xmlns:a16="http://schemas.microsoft.com/office/drawing/2014/main" id="{C3F1A423-39D8-3DC9-7817-E3A1163CDF89}"/>
+                  </a:ext>
+                </a:extLst>
+              </p:cNvPr>
+              <p:cNvPicPr>
+                <a:picLocks noChangeAspect="1"/>
+              </p:cNvPicPr>
+              <p:nvPr/>
+            </p:nvPicPr>
+            <p:blipFill>
+              <a:blip r:embed="rId22">
+                <a:extLst>
+                  <a:ext uri="{28A0092B-C50C-407E-A947-70E740481C1C}">
+                    <a14:useLocalDpi xmlns:a14="http://schemas.microsoft.com/office/drawing/2010/main" val="0"/>
+                  </a:ext>
+                  <a:ext uri="{96DAC541-7B7A-43D3-8B79-37D633B846F1}">
+                    <asvg:svgBlip xmlns:asvg="http://schemas.microsoft.com/office/drawing/2016/SVG/main" r:embed="rId23"/>
+                  </a:ext>
+                </a:extLst>
+              </a:blip>
+              <a:stretch>
+                <a:fillRect/>
+              </a:stretch>
+            </p:blipFill>
+            <p:spPr>
+              <a:xfrm>
+                <a:off x="6549374" y="8353144"/>
+                <a:ext cx="685800" cy="685800"/>
+              </a:xfrm>
+              <a:prstGeom prst="rect">
+                <a:avLst/>
+              </a:prstGeom>
+            </p:spPr>
+          </p:pic>
+          <p:sp>
+            <p:nvSpPr>
+              <p:cNvPr id="48" name="TextBox 47">
+                <a:extLst>
+                  <a:ext uri="{FF2B5EF4-FFF2-40B4-BE49-F238E27FC236}">
+                    <a16:creationId xmlns:a16="http://schemas.microsoft.com/office/drawing/2014/main" id="{EBF0F9E6-FE4D-8FE0-25CC-D8C8D18FF1BE}"/>
+                  </a:ext>
+                </a:extLst>
+              </p:cNvPr>
+              <p:cNvSpPr txBox="1"/>
+              <p:nvPr/>
+            </p:nvSpPr>
+            <p:spPr>
+              <a:xfrm>
+                <a:off x="7443827" y="8530486"/>
+                <a:ext cx="6516008" cy="338554"/>
+              </a:xfrm>
+              <a:prstGeom prst="rect">
+                <a:avLst/>
+              </a:prstGeom>
+              <a:noFill/>
+            </p:spPr>
+            <p:txBody>
+              <a:bodyPr wrap="square" rtlCol="0">
+                <a:spAutoFit/>
+              </a:bodyPr>
+              <a:lstStyle/>
+              <a:p>
+                <a:r>
+                  <a:rPr lang="es-ES" sz="1600" dirty="0">
+                    <a:solidFill>
+                      <a:schemeClr val="bg1"/>
+                    </a:solidFill>
+                    <a:latin typeface="Abadi" panose="020B0604020104020204" pitchFamily="34" charset="0"/>
+                  </a:rPr>
+                  <a:t>Beca para el desarrollo de una actividad económica no agrícola</a:t>
+                </a:r>
+              </a:p>
+            </p:txBody>
+          </p:sp>
+          <p:sp>
+            <p:nvSpPr>
+              <p:cNvPr id="88" name="CuadroTexto 87">
+                <a:extLst>
+                  <a:ext uri="{FF2B5EF4-FFF2-40B4-BE49-F238E27FC236}">
+                    <a16:creationId xmlns:a16="http://schemas.microsoft.com/office/drawing/2014/main" id="{E97598EE-62C6-213F-0BB3-335BA00C12A0}"/>
+                  </a:ext>
+                </a:extLst>
+              </p:cNvPr>
+              <p:cNvSpPr txBox="1"/>
+              <p:nvPr/>
+            </p:nvSpPr>
+            <p:spPr>
+              <a:xfrm>
+                <a:off x="5280885" y="8372878"/>
+                <a:ext cx="314074" cy="646331"/>
+              </a:xfrm>
+              <a:prstGeom prst="rect">
+                <a:avLst/>
+              </a:prstGeom>
+              <a:noFill/>
+            </p:spPr>
+            <p:txBody>
+              <a:bodyPr wrap="square" rtlCol="0">
+                <a:spAutoFit/>
+              </a:bodyPr>
+              <a:lstStyle/>
+              <a:p>
+                <a:pPr algn="ctr"/>
+                <a:r>
+                  <a:rPr lang="es-ES" sz="3600" b="1" dirty="0">
+                    <a:solidFill>
+                      <a:srgbClr val="32A505"/>
+                    </a:solidFill>
+                  </a:rPr>
+                  <a:t>+</a:t>
+                </a:r>
+              </a:p>
+            </p:txBody>
+          </p:sp>
+          <p:sp>
+            <p:nvSpPr>
+              <p:cNvPr id="96" name="Elipse 95">
+                <a:extLst>
+                  <a:ext uri="{FF2B5EF4-FFF2-40B4-BE49-F238E27FC236}">
+                    <a16:creationId xmlns:a16="http://schemas.microsoft.com/office/drawing/2014/main" id="{259ECDE7-DA6D-A153-F3C3-43A1A0907992}"/>
+                  </a:ext>
+                </a:extLst>
+              </p:cNvPr>
+              <p:cNvSpPr/>
+              <p:nvPr/>
+            </p:nvSpPr>
+            <p:spPr>
+              <a:xfrm>
+                <a:off x="4257489" y="8458686"/>
+                <a:ext cx="481470" cy="474716"/>
+              </a:xfrm>
+              <a:prstGeom prst="ellipse">
+                <a:avLst/>
+              </a:prstGeom>
+              <a:solidFill>
+                <a:srgbClr val="32A505"/>
+              </a:solidFill>
+              <a:ln>
+                <a:noFill/>
+              </a:ln>
+            </p:spPr>
+            <p:style>
+              <a:lnRef idx="2">
+                <a:schemeClr val="accent1">
+                  <a:shade val="50000"/>
+                </a:schemeClr>
+              </a:lnRef>
+              <a:fillRef idx="1">
+                <a:schemeClr val="accent1"/>
+              </a:fillRef>
+              <a:effectRef idx="0">
+                <a:schemeClr val="accent1"/>
+              </a:effectRef>
+              <a:fontRef idx="minor">
+                <a:schemeClr val="lt1"/>
+              </a:fontRef>
+            </p:style>
+            <p:txBody>
+              <a:bodyPr wrap="none" rtlCol="0" anchor="ctr"/>
+              <a:lstStyle/>
+              <a:p>
+                <a:pPr algn="ctr"/>
+                <a:r>
+                  <a:rPr lang="es-ES" dirty="0"/>
+                  <a:t>T1</a:t>
+                </a:r>
+              </a:p>
+            </p:txBody>
+          </p:sp>
+          <p:sp>
+            <p:nvSpPr>
+              <p:cNvPr id="98" name="Elipse 97">
+                <a:extLst>
+                  <a:ext uri="{FF2B5EF4-FFF2-40B4-BE49-F238E27FC236}">
+                    <a16:creationId xmlns:a16="http://schemas.microsoft.com/office/drawing/2014/main" id="{3E0515E6-202D-DD71-8CB2-5A6E61C672D2}"/>
+                  </a:ext>
+                </a:extLst>
+              </p:cNvPr>
+              <p:cNvSpPr/>
+              <p:nvPr/>
+            </p:nvSpPr>
+            <p:spPr>
+              <a:xfrm>
+                <a:off x="3089555" y="8458686"/>
+                <a:ext cx="481470" cy="474716"/>
+              </a:xfrm>
+              <a:prstGeom prst="ellipse">
+                <a:avLst/>
+              </a:prstGeom>
+              <a:solidFill>
+                <a:srgbClr val="1965AA"/>
+              </a:solidFill>
+              <a:ln>
+                <a:noFill/>
+              </a:ln>
+            </p:spPr>
+            <p:style>
+              <a:lnRef idx="2">
+                <a:schemeClr val="accent1">
+                  <a:shade val="50000"/>
+                </a:schemeClr>
+              </a:lnRef>
+              <a:fillRef idx="1">
+                <a:schemeClr val="accent1"/>
+              </a:fillRef>
+              <a:effectRef idx="0">
+                <a:schemeClr val="accent1"/>
+              </a:effectRef>
+              <a:fontRef idx="minor">
+                <a:schemeClr val="lt1"/>
+              </a:fontRef>
+            </p:style>
+            <p:txBody>
+              <a:bodyPr wrap="none" rtlCol="0" anchor="ctr"/>
+              <a:lstStyle/>
+              <a:p>
+                <a:pPr algn="ctr"/>
+                <a:r>
+                  <a:rPr lang="es-ES" dirty="0"/>
+                  <a:t>T3</a:t>
+                </a:r>
+              </a:p>
+            </p:txBody>
+          </p:sp>
+        </p:grpSp>
+      </p:grpSp>
+      <p:pic>
+        <p:nvPicPr>
+          <p:cNvPr id="103" name="Gráfico 102" descr="Reloj con relleno sólido">
             <a:extLst>
               <a:ext uri="{FF2B5EF4-FFF2-40B4-BE49-F238E27FC236}">
-                <a16:creationId xmlns:a16="http://schemas.microsoft.com/office/drawing/2014/main" id="{FE7ABF18-76B5-F384-221F-FF5E45014658}"/>
-              </a:ext>
-            </a:extLst>
-          </p:cNvPr>
-          <p:cNvSpPr txBox="1"/>
-          <p:nvPr/>
-        </p:nvSpPr>
-        <p:spPr>
-          <a:xfrm>
-            <a:off x="1092642" y="5316083"/>
-            <a:ext cx="5049078" cy="369332"/>
-          </a:xfrm>
-          <a:prstGeom prst="rect">
-            <a:avLst/>
-          </a:prstGeom>
-          <a:noFill/>
-        </p:spPr>
-        <p:txBody>
-          <a:bodyPr wrap="square" rtlCol="0">
-            <a:spAutoFit/>
-          </a:bodyPr>
-          <a:lstStyle/>
-          <a:p>
-            <a:r>
-              <a:rPr lang="es-ES" dirty="0"/>
-              <a:t>Tratamientos: ayudas a la unidad familiar</a:t>
-            </a:r>
-          </a:p>
-        </p:txBody>
-      </p:sp>
-      <p:sp>
-        <p:nvSpPr>
-          <p:cNvPr id="51" name="TextBox 50">
-            <a:extLst>
-              <a:ext uri="{FF2B5EF4-FFF2-40B4-BE49-F238E27FC236}">
-                <a16:creationId xmlns:a16="http://schemas.microsoft.com/office/drawing/2014/main" id="{7CAC05E5-1ACD-799D-CEC0-9900DBA6821C}"/>
-              </a:ext>
-            </a:extLst>
-          </p:cNvPr>
-          <p:cNvSpPr txBox="1"/>
-          <p:nvPr/>
-        </p:nvSpPr>
-        <p:spPr>
-          <a:xfrm>
-            <a:off x="1029120" y="7582474"/>
-            <a:ext cx="579120" cy="369332"/>
-          </a:xfrm>
-          <a:prstGeom prst="rect">
-            <a:avLst/>
-          </a:prstGeom>
-          <a:noFill/>
-        </p:spPr>
-        <p:txBody>
-          <a:bodyPr wrap="square" rtlCol="0">
-            <a:spAutoFit/>
-          </a:bodyPr>
-          <a:lstStyle/>
-          <a:p>
-            <a:r>
-              <a:rPr lang="es-ES" dirty="0"/>
-              <a:t>T2</a:t>
-            </a:r>
-          </a:p>
-        </p:txBody>
-      </p:sp>
-      <p:sp>
-        <p:nvSpPr>
-          <p:cNvPr id="52" name="TextBox 51">
-            <a:extLst>
-              <a:ext uri="{FF2B5EF4-FFF2-40B4-BE49-F238E27FC236}">
-                <a16:creationId xmlns:a16="http://schemas.microsoft.com/office/drawing/2014/main" id="{2A706509-AA97-C494-1D78-57A98942FFF5}"/>
-              </a:ext>
-            </a:extLst>
-          </p:cNvPr>
-          <p:cNvSpPr txBox="1"/>
-          <p:nvPr/>
-        </p:nvSpPr>
-        <p:spPr>
-          <a:xfrm>
-            <a:off x="1001049" y="8527632"/>
-            <a:ext cx="579120" cy="369332"/>
-          </a:xfrm>
-          <a:prstGeom prst="rect">
-            <a:avLst/>
-          </a:prstGeom>
-          <a:noFill/>
-        </p:spPr>
-        <p:txBody>
-          <a:bodyPr wrap="square" rtlCol="0">
-            <a:spAutoFit/>
-          </a:bodyPr>
-          <a:lstStyle/>
-          <a:p>
-            <a:r>
-              <a:rPr lang="es-ES" dirty="0"/>
-              <a:t>T1</a:t>
-            </a:r>
-          </a:p>
-        </p:txBody>
-      </p:sp>
-      <p:pic>
-        <p:nvPicPr>
-          <p:cNvPr id="49" name="Graphic 48" descr="Books with solid fill">
-            <a:extLst>
-              <a:ext uri="{FF2B5EF4-FFF2-40B4-BE49-F238E27FC236}">
-                <a16:creationId xmlns:a16="http://schemas.microsoft.com/office/drawing/2014/main" id="{70FB5206-DA7D-36F8-AF89-CDF7CDBE2EF0}"/>
+                <a16:creationId xmlns:a16="http://schemas.microsoft.com/office/drawing/2014/main" id="{D5FB646F-2848-C2A0-544D-014FEF3D02BB}"/>
               </a:ext>
             </a:extLst>
           </p:cNvPr>
@@ -5205,53 +6081,492 @@
         </p:blipFill>
         <p:spPr>
           <a:xfrm>
-            <a:off x="6934564" y="6260706"/>
-            <a:ext cx="652933" cy="652933"/>
+            <a:off x="248127" y="2614313"/>
+            <a:ext cx="460702" cy="460702"/>
           </a:xfrm>
           <a:prstGeom prst="rect">
             <a:avLst/>
           </a:prstGeom>
         </p:spPr>
       </p:pic>
-      <p:sp>
-        <p:nvSpPr>
-          <p:cNvPr id="56" name="TextBox 55">
+      <p:grpSp>
+        <p:nvGrpSpPr>
+          <p:cNvPr id="13" name="Grupo 12">
             <a:extLst>
               <a:ext uri="{FF2B5EF4-FFF2-40B4-BE49-F238E27FC236}">
-                <a16:creationId xmlns:a16="http://schemas.microsoft.com/office/drawing/2014/main" id="{12627F68-2959-29D7-22CC-94CDEE167F36}"/>
+                <a16:creationId xmlns:a16="http://schemas.microsoft.com/office/drawing/2014/main" id="{32482ED2-5FA3-D7EC-CE1C-A8BD4FAA5EEA}"/>
               </a:ext>
             </a:extLst>
           </p:cNvPr>
-          <p:cNvSpPr txBox="1"/>
+          <p:cNvGrpSpPr/>
           <p:nvPr/>
-        </p:nvSpPr>
-        <p:spPr>
+        </p:nvGrpSpPr>
+        <p:grpSpPr>
           <a:xfrm>
-            <a:off x="7725064" y="6043284"/>
-            <a:ext cx="2669190" cy="1200329"/>
+            <a:off x="406049" y="7363511"/>
+            <a:ext cx="11930773" cy="720081"/>
+            <a:chOff x="406049" y="6748981"/>
+            <a:chExt cx="11930773" cy="720081"/>
           </a:xfrm>
-          <a:prstGeom prst="rect">
-            <a:avLst/>
-          </a:prstGeom>
-          <a:noFill/>
-        </p:spPr>
-        <p:txBody>
-          <a:bodyPr wrap="square" rtlCol="0">
-            <a:spAutoFit/>
-          </a:bodyPr>
-          <a:lstStyle/>
-          <a:p>
-            <a:r>
-              <a:rPr lang="es-ES" dirty="0"/>
-              <a:t>Formación/divulgación sobre la importancia de hábitos saludables, educación, etc.</a:t>
-            </a:r>
-          </a:p>
-        </p:txBody>
-      </p:sp>
+        </p:grpSpPr>
+        <p:grpSp>
+          <p:nvGrpSpPr>
+            <p:cNvPr id="119" name="Grupo 118">
+              <a:extLst>
+                <a:ext uri="{FF2B5EF4-FFF2-40B4-BE49-F238E27FC236}">
+                  <a16:creationId xmlns:a16="http://schemas.microsoft.com/office/drawing/2014/main" id="{6C770ABE-D68B-EB88-609B-C641692CAA8C}"/>
+                </a:ext>
+              </a:extLst>
+            </p:cNvPr>
+            <p:cNvGrpSpPr/>
+            <p:nvPr/>
+          </p:nvGrpSpPr>
+          <p:grpSpPr>
+            <a:xfrm>
+              <a:off x="406049" y="6748981"/>
+              <a:ext cx="11930773" cy="704279"/>
+              <a:chOff x="406049" y="7332319"/>
+              <a:chExt cx="11930773" cy="704279"/>
+            </a:xfrm>
+          </p:grpSpPr>
+          <p:sp>
+            <p:nvSpPr>
+              <p:cNvPr id="120" name="Forma libre: forma 119">
+                <a:extLst>
+                  <a:ext uri="{FF2B5EF4-FFF2-40B4-BE49-F238E27FC236}">
+                    <a16:creationId xmlns:a16="http://schemas.microsoft.com/office/drawing/2014/main" id="{487545B9-8DF9-553B-50DA-F0853E0611FD}"/>
+                  </a:ext>
+                </a:extLst>
+              </p:cNvPr>
+              <p:cNvSpPr/>
+              <p:nvPr/>
+            </p:nvSpPr>
+            <p:spPr>
+              <a:xfrm>
+                <a:off x="1160147" y="7332319"/>
+                <a:ext cx="11176675" cy="704279"/>
+              </a:xfrm>
+              <a:custGeom>
+                <a:avLst/>
+                <a:gdLst>
+                  <a:gd name="connsiteX0" fmla="*/ 1887841 w 11176675"/>
+                  <a:gd name="connsiteY0" fmla="*/ 0 h 704279"/>
+                  <a:gd name="connsiteX1" fmla="*/ 11018100 w 11176675"/>
+                  <a:gd name="connsiteY1" fmla="*/ 0 h 704279"/>
+                  <a:gd name="connsiteX2" fmla="*/ 11176675 w 11176675"/>
+                  <a:gd name="connsiteY2" fmla="*/ 158575 h 704279"/>
+                  <a:gd name="connsiteX3" fmla="*/ 11176675 w 11176675"/>
+                  <a:gd name="connsiteY3" fmla="*/ 545704 h 704279"/>
+                  <a:gd name="connsiteX4" fmla="*/ 11018100 w 11176675"/>
+                  <a:gd name="connsiteY4" fmla="*/ 704279 h 704279"/>
+                  <a:gd name="connsiteX5" fmla="*/ 1887841 w 11176675"/>
+                  <a:gd name="connsiteY5" fmla="*/ 704279 h 704279"/>
+                  <a:gd name="connsiteX6" fmla="*/ 158575 w 11176675"/>
+                  <a:gd name="connsiteY6" fmla="*/ 0 h 704279"/>
+                  <a:gd name="connsiteX7" fmla="*/ 1300698 w 11176675"/>
+                  <a:gd name="connsiteY7" fmla="*/ 0 h 704279"/>
+                  <a:gd name="connsiteX8" fmla="*/ 1300698 w 11176675"/>
+                  <a:gd name="connsiteY8" fmla="*/ 704279 h 704279"/>
+                  <a:gd name="connsiteX9" fmla="*/ 158575 w 11176675"/>
+                  <a:gd name="connsiteY9" fmla="*/ 704279 h 704279"/>
+                  <a:gd name="connsiteX10" fmla="*/ 0 w 11176675"/>
+                  <a:gd name="connsiteY10" fmla="*/ 545704 h 704279"/>
+                  <a:gd name="connsiteX11" fmla="*/ 0 w 11176675"/>
+                  <a:gd name="connsiteY11" fmla="*/ 158575 h 704279"/>
+                  <a:gd name="connsiteX12" fmla="*/ 158575 w 11176675"/>
+                  <a:gd name="connsiteY12" fmla="*/ 0 h 704279"/>
+                </a:gdLst>
+                <a:ahLst/>
+                <a:cxnLst>
+                  <a:cxn ang="0">
+                    <a:pos x="connsiteX0" y="connsiteY0"/>
+                  </a:cxn>
+                  <a:cxn ang="0">
+                    <a:pos x="connsiteX1" y="connsiteY1"/>
+                  </a:cxn>
+                  <a:cxn ang="0">
+                    <a:pos x="connsiteX2" y="connsiteY2"/>
+                  </a:cxn>
+                  <a:cxn ang="0">
+                    <a:pos x="connsiteX3" y="connsiteY3"/>
+                  </a:cxn>
+                  <a:cxn ang="0">
+                    <a:pos x="connsiteX4" y="connsiteY4"/>
+                  </a:cxn>
+                  <a:cxn ang="0">
+                    <a:pos x="connsiteX5" y="connsiteY5"/>
+                  </a:cxn>
+                  <a:cxn ang="0">
+                    <a:pos x="connsiteX6" y="connsiteY6"/>
+                  </a:cxn>
+                  <a:cxn ang="0">
+                    <a:pos x="connsiteX7" y="connsiteY7"/>
+                  </a:cxn>
+                  <a:cxn ang="0">
+                    <a:pos x="connsiteX8" y="connsiteY8"/>
+                  </a:cxn>
+                  <a:cxn ang="0">
+                    <a:pos x="connsiteX9" y="connsiteY9"/>
+                  </a:cxn>
+                  <a:cxn ang="0">
+                    <a:pos x="connsiteX10" y="connsiteY10"/>
+                  </a:cxn>
+                  <a:cxn ang="0">
+                    <a:pos x="connsiteX11" y="connsiteY11"/>
+                  </a:cxn>
+                  <a:cxn ang="0">
+                    <a:pos x="connsiteX12" y="connsiteY12"/>
+                  </a:cxn>
+                </a:cxnLst>
+                <a:rect l="l" t="t" r="r" b="b"/>
+                <a:pathLst>
+                  <a:path w="11176675" h="704279">
+                    <a:moveTo>
+                      <a:pt x="1887841" y="0"/>
+                    </a:moveTo>
+                    <a:lnTo>
+                      <a:pt x="11018100" y="0"/>
+                    </a:lnTo>
+                    <a:cubicBezTo>
+                      <a:pt x="11105679" y="0"/>
+                      <a:pt x="11176675" y="70996"/>
+                      <a:pt x="11176675" y="158575"/>
+                    </a:cubicBezTo>
+                    <a:lnTo>
+                      <a:pt x="11176675" y="545704"/>
+                    </a:lnTo>
+                    <a:cubicBezTo>
+                      <a:pt x="11176675" y="633283"/>
+                      <a:pt x="11105679" y="704279"/>
+                      <a:pt x="11018100" y="704279"/>
+                    </a:cubicBezTo>
+                    <a:lnTo>
+                      <a:pt x="1887841" y="704279"/>
+                    </a:lnTo>
+                    <a:close/>
+                    <a:moveTo>
+                      <a:pt x="158575" y="0"/>
+                    </a:moveTo>
+                    <a:lnTo>
+                      <a:pt x="1300698" y="0"/>
+                    </a:lnTo>
+                    <a:lnTo>
+                      <a:pt x="1300698" y="704279"/>
+                    </a:lnTo>
+                    <a:lnTo>
+                      <a:pt x="158575" y="704279"/>
+                    </a:lnTo>
+                    <a:cubicBezTo>
+                      <a:pt x="70996" y="704279"/>
+                      <a:pt x="0" y="633283"/>
+                      <a:pt x="0" y="545704"/>
+                    </a:cubicBezTo>
+                    <a:lnTo>
+                      <a:pt x="0" y="158575"/>
+                    </a:lnTo>
+                    <a:cubicBezTo>
+                      <a:pt x="0" y="70996"/>
+                      <a:pt x="70996" y="0"/>
+                      <a:pt x="158575" y="0"/>
+                    </a:cubicBezTo>
+                    <a:close/>
+                  </a:path>
+                </a:pathLst>
+              </a:custGeom>
+              <a:solidFill>
+                <a:srgbClr val="1965AA">
+                  <a:alpha val="25098"/>
+                </a:srgbClr>
+              </a:solidFill>
+              <a:ln w="38100">
+                <a:solidFill>
+                  <a:srgbClr val="1965AA"/>
+                </a:solidFill>
+              </a:ln>
+            </p:spPr>
+            <p:style>
+              <a:lnRef idx="2">
+                <a:schemeClr val="accent1">
+                  <a:shade val="50000"/>
+                </a:schemeClr>
+              </a:lnRef>
+              <a:fillRef idx="1">
+                <a:schemeClr val="accent1"/>
+              </a:fillRef>
+              <a:effectRef idx="0">
+                <a:schemeClr val="accent1"/>
+              </a:effectRef>
+              <a:fontRef idx="minor">
+                <a:schemeClr val="lt1"/>
+              </a:fontRef>
+            </p:style>
+            <p:txBody>
+              <a:bodyPr wrap="square" rtlCol="0" anchor="ctr">
+                <a:noAutofit/>
+              </a:bodyPr>
+              <a:lstStyle/>
+              <a:p>
+                <a:pPr algn="ctr"/>
+                <a:endParaRPr lang="es-ES"/>
+              </a:p>
+            </p:txBody>
+          </p:sp>
+          <p:grpSp>
+            <p:nvGrpSpPr>
+              <p:cNvPr id="121" name="Grupo 120">
+                <a:extLst>
+                  <a:ext uri="{FF2B5EF4-FFF2-40B4-BE49-F238E27FC236}">
+                    <a16:creationId xmlns:a16="http://schemas.microsoft.com/office/drawing/2014/main" id="{CE99112E-0335-1B1A-4434-A137C0ABFD6F}"/>
+                  </a:ext>
+                </a:extLst>
+              </p:cNvPr>
+              <p:cNvGrpSpPr/>
+              <p:nvPr/>
+            </p:nvGrpSpPr>
+            <p:grpSpPr>
+              <a:xfrm>
+                <a:off x="406049" y="7359089"/>
+                <a:ext cx="10870280" cy="646331"/>
+                <a:chOff x="3089555" y="8372878"/>
+                <a:chExt cx="10870280" cy="646331"/>
+              </a:xfrm>
+            </p:grpSpPr>
+            <p:sp>
+              <p:nvSpPr>
+                <p:cNvPr id="124" name="TextBox 47">
+                  <a:extLst>
+                    <a:ext uri="{FF2B5EF4-FFF2-40B4-BE49-F238E27FC236}">
+                      <a16:creationId xmlns:a16="http://schemas.microsoft.com/office/drawing/2014/main" id="{AC77A2C9-2832-3D40-AB69-94CF739EB29F}"/>
+                    </a:ext>
+                  </a:extLst>
+                </p:cNvPr>
+                <p:cNvSpPr txBox="1"/>
+                <p:nvPr/>
+              </p:nvSpPr>
+              <p:spPr>
+                <a:xfrm>
+                  <a:off x="7443827" y="8530486"/>
+                  <a:ext cx="6516008" cy="338554"/>
+                </a:xfrm>
+                <a:prstGeom prst="rect">
+                  <a:avLst/>
+                </a:prstGeom>
+                <a:noFill/>
+              </p:spPr>
+              <p:txBody>
+                <a:bodyPr wrap="square" rtlCol="0">
+                  <a:spAutoFit/>
+                </a:bodyPr>
+                <a:lstStyle/>
+                <a:p>
+                  <a:r>
+                    <a:rPr lang="es-ES" sz="1600" dirty="0">
+                      <a:solidFill>
+                        <a:schemeClr val="bg1"/>
+                      </a:solidFill>
+                      <a:latin typeface="Abadi" panose="020B0604020104020204" pitchFamily="34" charset="0"/>
+                    </a:rPr>
+                    <a:t>Curso de formación vocacional/profesional</a:t>
+                  </a:r>
+                </a:p>
+              </p:txBody>
+            </p:sp>
+            <p:sp>
+              <p:nvSpPr>
+                <p:cNvPr id="125" name="CuadroTexto 124">
+                  <a:extLst>
+                    <a:ext uri="{FF2B5EF4-FFF2-40B4-BE49-F238E27FC236}">
+                      <a16:creationId xmlns:a16="http://schemas.microsoft.com/office/drawing/2014/main" id="{3BA2E10F-3D7C-33B5-CA84-45B8F9431340}"/>
+                    </a:ext>
+                  </a:extLst>
+                </p:cNvPr>
+                <p:cNvSpPr txBox="1"/>
+                <p:nvPr/>
+              </p:nvSpPr>
+              <p:spPr>
+                <a:xfrm>
+                  <a:off x="5280885" y="8372878"/>
+                  <a:ext cx="314074" cy="646331"/>
+                </a:xfrm>
+                <a:prstGeom prst="rect">
+                  <a:avLst/>
+                </a:prstGeom>
+                <a:noFill/>
+              </p:spPr>
+              <p:txBody>
+                <a:bodyPr wrap="square" rtlCol="0">
+                  <a:spAutoFit/>
+                </a:bodyPr>
+                <a:lstStyle/>
+                <a:p>
+                  <a:pPr algn="ctr"/>
+                  <a:r>
+                    <a:rPr lang="es-ES" sz="3600" b="1" dirty="0">
+                      <a:solidFill>
+                        <a:srgbClr val="32A505"/>
+                      </a:solidFill>
+                    </a:rPr>
+                    <a:t>+</a:t>
+                  </a:r>
+                </a:p>
+              </p:txBody>
+            </p:sp>
+            <p:sp>
+              <p:nvSpPr>
+                <p:cNvPr id="126" name="Elipse 125">
+                  <a:extLst>
+                    <a:ext uri="{FF2B5EF4-FFF2-40B4-BE49-F238E27FC236}">
+                      <a16:creationId xmlns:a16="http://schemas.microsoft.com/office/drawing/2014/main" id="{C4FDF098-71DD-8D20-B62B-573F20E62774}"/>
+                    </a:ext>
+                  </a:extLst>
+                </p:cNvPr>
+                <p:cNvSpPr/>
+                <p:nvPr/>
+              </p:nvSpPr>
+              <p:spPr>
+                <a:xfrm>
+                  <a:off x="4257489" y="8458686"/>
+                  <a:ext cx="481470" cy="474716"/>
+                </a:xfrm>
+                <a:prstGeom prst="ellipse">
+                  <a:avLst/>
+                </a:prstGeom>
+                <a:solidFill>
+                  <a:srgbClr val="32A505"/>
+                </a:solidFill>
+                <a:ln>
+                  <a:noFill/>
+                </a:ln>
+              </p:spPr>
+              <p:style>
+                <a:lnRef idx="2">
+                  <a:schemeClr val="accent1">
+                    <a:shade val="50000"/>
+                  </a:schemeClr>
+                </a:lnRef>
+                <a:fillRef idx="1">
+                  <a:schemeClr val="accent1"/>
+                </a:fillRef>
+                <a:effectRef idx="0">
+                  <a:schemeClr val="accent1"/>
+                </a:effectRef>
+                <a:fontRef idx="minor">
+                  <a:schemeClr val="lt1"/>
+                </a:fontRef>
+              </p:style>
+              <p:txBody>
+                <a:bodyPr wrap="none" rtlCol="0" anchor="ctr"/>
+                <a:lstStyle/>
+                <a:p>
+                  <a:pPr algn="ctr"/>
+                  <a:r>
+                    <a:rPr lang="es-ES" dirty="0"/>
+                    <a:t>T1</a:t>
+                  </a:r>
+                </a:p>
+              </p:txBody>
+            </p:sp>
+            <p:sp>
+              <p:nvSpPr>
+                <p:cNvPr id="127" name="Elipse 126">
+                  <a:extLst>
+                    <a:ext uri="{FF2B5EF4-FFF2-40B4-BE49-F238E27FC236}">
+                      <a16:creationId xmlns:a16="http://schemas.microsoft.com/office/drawing/2014/main" id="{10F20EBA-8AFC-FFC2-F154-DF47EAE5D862}"/>
+                    </a:ext>
+                  </a:extLst>
+                </p:cNvPr>
+                <p:cNvSpPr/>
+                <p:nvPr/>
+              </p:nvSpPr>
+              <p:spPr>
+                <a:xfrm>
+                  <a:off x="3089555" y="8458686"/>
+                  <a:ext cx="481470" cy="474716"/>
+                </a:xfrm>
+                <a:prstGeom prst="ellipse">
+                  <a:avLst/>
+                </a:prstGeom>
+                <a:solidFill>
+                  <a:srgbClr val="1965AA"/>
+                </a:solidFill>
+                <a:ln>
+                  <a:noFill/>
+                </a:ln>
+              </p:spPr>
+              <p:style>
+                <a:lnRef idx="2">
+                  <a:schemeClr val="accent1">
+                    <a:shade val="50000"/>
+                  </a:schemeClr>
+                </a:lnRef>
+                <a:fillRef idx="1">
+                  <a:schemeClr val="accent1"/>
+                </a:fillRef>
+                <a:effectRef idx="0">
+                  <a:schemeClr val="accent1"/>
+                </a:effectRef>
+                <a:fontRef idx="minor">
+                  <a:schemeClr val="lt1"/>
+                </a:fontRef>
+              </p:style>
+              <p:txBody>
+                <a:bodyPr wrap="none" rtlCol="0" anchor="ctr"/>
+                <a:lstStyle/>
+                <a:p>
+                  <a:pPr algn="ctr"/>
+                  <a:r>
+                    <a:rPr lang="es-ES" dirty="0"/>
+                    <a:t>T2</a:t>
+                  </a:r>
+                </a:p>
+              </p:txBody>
+            </p:sp>
+          </p:grpSp>
+        </p:grpSp>
+        <p:pic>
+          <p:nvPicPr>
+            <p:cNvPr id="128" name="Graphic 35" descr="Classroom with solid fill">
+              <a:extLst>
+                <a:ext uri="{FF2B5EF4-FFF2-40B4-BE49-F238E27FC236}">
+                  <a16:creationId xmlns:a16="http://schemas.microsoft.com/office/drawing/2014/main" id="{0632CF7E-71D7-2F3E-9DBA-791E1D72CF13}"/>
+                </a:ext>
+              </a:extLst>
+            </p:cNvPr>
+            <p:cNvPicPr>
+              <a:picLocks noChangeAspect="1"/>
+            </p:cNvPicPr>
+            <p:nvPr/>
+          </p:nvPicPr>
+          <p:blipFill>
+            <a:blip r:embed="rId26">
+              <a:extLst>
+                <a:ext uri="{28A0092B-C50C-407E-A947-70E740481C1C}">
+                  <a14:useLocalDpi xmlns:a14="http://schemas.microsoft.com/office/drawing/2010/main" val="0"/>
+                </a:ext>
+                <a:ext uri="{96DAC541-7B7A-43D3-8B79-37D633B846F1}">
+                  <asvg:svgBlip xmlns:asvg="http://schemas.microsoft.com/office/drawing/2016/SVG/main" r:embed="rId27"/>
+                </a:ext>
+              </a:extLst>
+            </a:blip>
+            <a:stretch>
+              <a:fillRect/>
+            </a:stretch>
+          </p:blipFill>
+          <p:spPr>
+            <a:xfrm>
+              <a:off x="3651162" y="6783262"/>
+              <a:ext cx="685800" cy="685800"/>
+            </a:xfrm>
+            <a:prstGeom prst="rect">
+              <a:avLst/>
+            </a:prstGeom>
+          </p:spPr>
+        </p:pic>
+      </p:grpSp>
     </p:spTree>
     <p:extLst>
       <p:ext uri="{BB962C8B-B14F-4D97-AF65-F5344CB8AC3E}">
-        <p14:creationId xmlns:p14="http://schemas.microsoft.com/office/powerpoint/2010/main" val="211276624"/>
+        <p14:creationId xmlns:p14="http://schemas.microsoft.com/office/powerpoint/2010/main" val="642209030"/>
       </p:ext>
     </p:extLst>
   </p:cSld>
@@ -5278,6 +6593,1204 @@
           <a:chExt cx="0" cy="0"/>
         </a:xfrm>
       </p:grpSpPr>
+      <p:grpSp>
+        <p:nvGrpSpPr>
+          <p:cNvPr id="36" name="Graphic 44" descr="Family with two children with solid fill">
+            <a:extLst>
+              <a:ext uri="{FF2B5EF4-FFF2-40B4-BE49-F238E27FC236}">
+                <a16:creationId xmlns:a16="http://schemas.microsoft.com/office/drawing/2014/main" id="{6AC072A6-736D-8377-F178-FF636DDC714F}"/>
+              </a:ext>
+            </a:extLst>
+          </p:cNvPr>
+          <p:cNvGrpSpPr/>
+          <p:nvPr/>
+        </p:nvGrpSpPr>
+        <p:grpSpPr>
+          <a:xfrm>
+            <a:off x="5386545" y="3903964"/>
+            <a:ext cx="2324254" cy="1585416"/>
+            <a:chOff x="5351633" y="4009723"/>
+            <a:chExt cx="2324254" cy="1585416"/>
+          </a:xfrm>
+          <a:solidFill>
+            <a:srgbClr val="002060"/>
+          </a:solidFill>
+        </p:grpSpPr>
+        <p:sp>
+          <p:nvSpPr>
+            <p:cNvPr id="37" name="Forma libre: forma 36">
+              <a:extLst>
+                <a:ext uri="{FF2B5EF4-FFF2-40B4-BE49-F238E27FC236}">
+                  <a16:creationId xmlns:a16="http://schemas.microsoft.com/office/drawing/2014/main" id="{EF0B7288-0854-6726-B768-4C695D8BCA3C}"/>
+                </a:ext>
+              </a:extLst>
+            </p:cNvPr>
+            <p:cNvSpPr/>
+            <p:nvPr/>
+          </p:nvSpPr>
+          <p:spPr>
+            <a:xfrm>
+              <a:off x="6672262" y="4009723"/>
+              <a:ext cx="264236" cy="264236"/>
+            </a:xfrm>
+            <a:custGeom>
+              <a:avLst/>
+              <a:gdLst>
+                <a:gd name="connsiteX0" fmla="*/ 264236 w 264236"/>
+                <a:gd name="connsiteY0" fmla="*/ 132118 h 264236"/>
+                <a:gd name="connsiteX1" fmla="*/ 132118 w 264236"/>
+                <a:gd name="connsiteY1" fmla="*/ 264236 h 264236"/>
+                <a:gd name="connsiteX2" fmla="*/ 0 w 264236"/>
+                <a:gd name="connsiteY2" fmla="*/ 132118 h 264236"/>
+                <a:gd name="connsiteX3" fmla="*/ 132118 w 264236"/>
+                <a:gd name="connsiteY3" fmla="*/ 0 h 264236"/>
+                <a:gd name="connsiteX4" fmla="*/ 264236 w 264236"/>
+                <a:gd name="connsiteY4" fmla="*/ 132118 h 264236"/>
+              </a:gdLst>
+              <a:ahLst/>
+              <a:cxnLst>
+                <a:cxn ang="0">
+                  <a:pos x="connsiteX0" y="connsiteY0"/>
+                </a:cxn>
+                <a:cxn ang="0">
+                  <a:pos x="connsiteX1" y="connsiteY1"/>
+                </a:cxn>
+                <a:cxn ang="0">
+                  <a:pos x="connsiteX2" y="connsiteY2"/>
+                </a:cxn>
+                <a:cxn ang="0">
+                  <a:pos x="connsiteX3" y="connsiteY3"/>
+                </a:cxn>
+                <a:cxn ang="0">
+                  <a:pos x="connsiteX4" y="connsiteY4"/>
+                </a:cxn>
+              </a:cxnLst>
+              <a:rect l="l" t="t" r="r" b="b"/>
+              <a:pathLst>
+                <a:path w="264236" h="264236">
+                  <a:moveTo>
+                    <a:pt x="264236" y="132118"/>
+                  </a:moveTo>
+                  <a:cubicBezTo>
+                    <a:pt x="264236" y="205085"/>
+                    <a:pt x="205085" y="264236"/>
+                    <a:pt x="132118" y="264236"/>
+                  </a:cubicBezTo>
+                  <a:cubicBezTo>
+                    <a:pt x="59151" y="264236"/>
+                    <a:pt x="0" y="205085"/>
+                    <a:pt x="0" y="132118"/>
+                  </a:cubicBezTo>
+                  <a:cubicBezTo>
+                    <a:pt x="0" y="59151"/>
+                    <a:pt x="59151" y="0"/>
+                    <a:pt x="132118" y="0"/>
+                  </a:cubicBezTo>
+                  <a:cubicBezTo>
+                    <a:pt x="205085" y="0"/>
+                    <a:pt x="264236" y="59151"/>
+                    <a:pt x="264236" y="132118"/>
+                  </a:cubicBezTo>
+                  <a:close/>
+                </a:path>
+              </a:pathLst>
+            </a:custGeom>
+            <a:grpFill/>
+            <a:ln w="26392" cap="flat">
+              <a:noFill/>
+              <a:prstDash val="solid"/>
+              <a:miter/>
+            </a:ln>
+          </p:spPr>
+          <p:txBody>
+            <a:bodyPr rtlCol="0" anchor="ctr"/>
+            <a:lstStyle/>
+            <a:p>
+              <a:endParaRPr lang="es-ES"/>
+            </a:p>
+          </p:txBody>
+        </p:sp>
+        <p:sp>
+          <p:nvSpPr>
+            <p:cNvPr id="44" name="Forma libre: forma 43">
+              <a:extLst>
+                <a:ext uri="{FF2B5EF4-FFF2-40B4-BE49-F238E27FC236}">
+                  <a16:creationId xmlns:a16="http://schemas.microsoft.com/office/drawing/2014/main" id="{59967531-C88E-AA3D-461D-3048407497F1}"/>
+                </a:ext>
+              </a:extLst>
+            </p:cNvPr>
+            <p:cNvSpPr/>
+            <p:nvPr/>
+          </p:nvSpPr>
+          <p:spPr>
+            <a:xfrm>
+              <a:off x="7280005" y="4670313"/>
+              <a:ext cx="211388" cy="211388"/>
+            </a:xfrm>
+            <a:custGeom>
+              <a:avLst/>
+              <a:gdLst>
+                <a:gd name="connsiteX0" fmla="*/ 211389 w 211388"/>
+                <a:gd name="connsiteY0" fmla="*/ 105694 h 211388"/>
+                <a:gd name="connsiteX1" fmla="*/ 105694 w 211388"/>
+                <a:gd name="connsiteY1" fmla="*/ 211389 h 211388"/>
+                <a:gd name="connsiteX2" fmla="*/ 0 w 211388"/>
+                <a:gd name="connsiteY2" fmla="*/ 105694 h 211388"/>
+                <a:gd name="connsiteX3" fmla="*/ 105694 w 211388"/>
+                <a:gd name="connsiteY3" fmla="*/ 0 h 211388"/>
+                <a:gd name="connsiteX4" fmla="*/ 211389 w 211388"/>
+                <a:gd name="connsiteY4" fmla="*/ 105694 h 211388"/>
+              </a:gdLst>
+              <a:ahLst/>
+              <a:cxnLst>
+                <a:cxn ang="0">
+                  <a:pos x="connsiteX0" y="connsiteY0"/>
+                </a:cxn>
+                <a:cxn ang="0">
+                  <a:pos x="connsiteX1" y="connsiteY1"/>
+                </a:cxn>
+                <a:cxn ang="0">
+                  <a:pos x="connsiteX2" y="connsiteY2"/>
+                </a:cxn>
+                <a:cxn ang="0">
+                  <a:pos x="connsiteX3" y="connsiteY3"/>
+                </a:cxn>
+                <a:cxn ang="0">
+                  <a:pos x="connsiteX4" y="connsiteY4"/>
+                </a:cxn>
+              </a:cxnLst>
+              <a:rect l="l" t="t" r="r" b="b"/>
+              <a:pathLst>
+                <a:path w="211388" h="211388">
+                  <a:moveTo>
+                    <a:pt x="211389" y="105694"/>
+                  </a:moveTo>
+                  <a:cubicBezTo>
+                    <a:pt x="211389" y="164068"/>
+                    <a:pt x="164068" y="211389"/>
+                    <a:pt x="105694" y="211389"/>
+                  </a:cubicBezTo>
+                  <a:cubicBezTo>
+                    <a:pt x="47321" y="211389"/>
+                    <a:pt x="0" y="164068"/>
+                    <a:pt x="0" y="105694"/>
+                  </a:cubicBezTo>
+                  <a:cubicBezTo>
+                    <a:pt x="0" y="47321"/>
+                    <a:pt x="47321" y="0"/>
+                    <a:pt x="105694" y="0"/>
+                  </a:cubicBezTo>
+                  <a:cubicBezTo>
+                    <a:pt x="164068" y="0"/>
+                    <a:pt x="211389" y="47321"/>
+                    <a:pt x="211389" y="105694"/>
+                  </a:cubicBezTo>
+                  <a:close/>
+                </a:path>
+              </a:pathLst>
+            </a:custGeom>
+            <a:grpFill/>
+            <a:ln w="26392" cap="flat">
+              <a:noFill/>
+              <a:prstDash val="solid"/>
+              <a:miter/>
+            </a:ln>
+          </p:spPr>
+          <p:txBody>
+            <a:bodyPr rtlCol="0" anchor="ctr"/>
+            <a:lstStyle/>
+            <a:p>
+              <a:endParaRPr lang="es-ES"/>
+            </a:p>
+          </p:txBody>
+        </p:sp>
+        <p:sp>
+          <p:nvSpPr>
+            <p:cNvPr id="46" name="Forma libre: forma 45">
+              <a:extLst>
+                <a:ext uri="{FF2B5EF4-FFF2-40B4-BE49-F238E27FC236}">
+                  <a16:creationId xmlns:a16="http://schemas.microsoft.com/office/drawing/2014/main" id="{F71FE6C6-C138-BDAE-6712-BD71DEC0D3A3}"/>
+                </a:ext>
+              </a:extLst>
+            </p:cNvPr>
+            <p:cNvSpPr/>
+            <p:nvPr/>
+          </p:nvSpPr>
+          <p:spPr>
+            <a:xfrm>
+              <a:off x="6090943" y="4009723"/>
+              <a:ext cx="264236" cy="264236"/>
+            </a:xfrm>
+            <a:custGeom>
+              <a:avLst/>
+              <a:gdLst>
+                <a:gd name="connsiteX0" fmla="*/ 264236 w 264236"/>
+                <a:gd name="connsiteY0" fmla="*/ 132118 h 264236"/>
+                <a:gd name="connsiteX1" fmla="*/ 132118 w 264236"/>
+                <a:gd name="connsiteY1" fmla="*/ 264236 h 264236"/>
+                <a:gd name="connsiteX2" fmla="*/ 0 w 264236"/>
+                <a:gd name="connsiteY2" fmla="*/ 132118 h 264236"/>
+                <a:gd name="connsiteX3" fmla="*/ 132118 w 264236"/>
+                <a:gd name="connsiteY3" fmla="*/ 0 h 264236"/>
+                <a:gd name="connsiteX4" fmla="*/ 264236 w 264236"/>
+                <a:gd name="connsiteY4" fmla="*/ 132118 h 264236"/>
+              </a:gdLst>
+              <a:ahLst/>
+              <a:cxnLst>
+                <a:cxn ang="0">
+                  <a:pos x="connsiteX0" y="connsiteY0"/>
+                </a:cxn>
+                <a:cxn ang="0">
+                  <a:pos x="connsiteX1" y="connsiteY1"/>
+                </a:cxn>
+                <a:cxn ang="0">
+                  <a:pos x="connsiteX2" y="connsiteY2"/>
+                </a:cxn>
+                <a:cxn ang="0">
+                  <a:pos x="connsiteX3" y="connsiteY3"/>
+                </a:cxn>
+                <a:cxn ang="0">
+                  <a:pos x="connsiteX4" y="connsiteY4"/>
+                </a:cxn>
+              </a:cxnLst>
+              <a:rect l="l" t="t" r="r" b="b"/>
+              <a:pathLst>
+                <a:path w="264236" h="264236">
+                  <a:moveTo>
+                    <a:pt x="264236" y="132118"/>
+                  </a:moveTo>
+                  <a:cubicBezTo>
+                    <a:pt x="264236" y="205085"/>
+                    <a:pt x="205085" y="264236"/>
+                    <a:pt x="132118" y="264236"/>
+                  </a:cubicBezTo>
+                  <a:cubicBezTo>
+                    <a:pt x="59151" y="264236"/>
+                    <a:pt x="0" y="205085"/>
+                    <a:pt x="0" y="132118"/>
+                  </a:cubicBezTo>
+                  <a:cubicBezTo>
+                    <a:pt x="0" y="59151"/>
+                    <a:pt x="59151" y="0"/>
+                    <a:pt x="132118" y="0"/>
+                  </a:cubicBezTo>
+                  <a:cubicBezTo>
+                    <a:pt x="205085" y="0"/>
+                    <a:pt x="264236" y="59151"/>
+                    <a:pt x="264236" y="132118"/>
+                  </a:cubicBezTo>
+                  <a:close/>
+                </a:path>
+              </a:pathLst>
+            </a:custGeom>
+            <a:grpFill/>
+            <a:ln w="26392" cap="flat">
+              <a:noFill/>
+              <a:prstDash val="solid"/>
+              <a:miter/>
+            </a:ln>
+          </p:spPr>
+          <p:txBody>
+            <a:bodyPr rtlCol="0" anchor="ctr"/>
+            <a:lstStyle/>
+            <a:p>
+              <a:endParaRPr lang="es-ES"/>
+            </a:p>
+          </p:txBody>
+        </p:sp>
+        <p:sp>
+          <p:nvSpPr>
+            <p:cNvPr id="47" name="Forma libre: forma 46">
+              <a:extLst>
+                <a:ext uri="{FF2B5EF4-FFF2-40B4-BE49-F238E27FC236}">
+                  <a16:creationId xmlns:a16="http://schemas.microsoft.com/office/drawing/2014/main" id="{02E1D0C2-FD6B-3BA4-9C5F-37A9865EBEC6}"/>
+                </a:ext>
+              </a:extLst>
+            </p:cNvPr>
+            <p:cNvSpPr/>
+            <p:nvPr/>
+          </p:nvSpPr>
+          <p:spPr>
+            <a:xfrm>
+              <a:off x="5536047" y="4670313"/>
+              <a:ext cx="211388" cy="211388"/>
+            </a:xfrm>
+            <a:custGeom>
+              <a:avLst/>
+              <a:gdLst>
+                <a:gd name="connsiteX0" fmla="*/ 211389 w 211388"/>
+                <a:gd name="connsiteY0" fmla="*/ 105694 h 211388"/>
+                <a:gd name="connsiteX1" fmla="*/ 105694 w 211388"/>
+                <a:gd name="connsiteY1" fmla="*/ 211389 h 211388"/>
+                <a:gd name="connsiteX2" fmla="*/ 0 w 211388"/>
+                <a:gd name="connsiteY2" fmla="*/ 105694 h 211388"/>
+                <a:gd name="connsiteX3" fmla="*/ 105694 w 211388"/>
+                <a:gd name="connsiteY3" fmla="*/ 0 h 211388"/>
+                <a:gd name="connsiteX4" fmla="*/ 211389 w 211388"/>
+                <a:gd name="connsiteY4" fmla="*/ 105694 h 211388"/>
+              </a:gdLst>
+              <a:ahLst/>
+              <a:cxnLst>
+                <a:cxn ang="0">
+                  <a:pos x="connsiteX0" y="connsiteY0"/>
+                </a:cxn>
+                <a:cxn ang="0">
+                  <a:pos x="connsiteX1" y="connsiteY1"/>
+                </a:cxn>
+                <a:cxn ang="0">
+                  <a:pos x="connsiteX2" y="connsiteY2"/>
+                </a:cxn>
+                <a:cxn ang="0">
+                  <a:pos x="connsiteX3" y="connsiteY3"/>
+                </a:cxn>
+                <a:cxn ang="0">
+                  <a:pos x="connsiteX4" y="connsiteY4"/>
+                </a:cxn>
+              </a:cxnLst>
+              <a:rect l="l" t="t" r="r" b="b"/>
+              <a:pathLst>
+                <a:path w="211388" h="211388">
+                  <a:moveTo>
+                    <a:pt x="211389" y="105694"/>
+                  </a:moveTo>
+                  <a:cubicBezTo>
+                    <a:pt x="211389" y="164068"/>
+                    <a:pt x="164068" y="211389"/>
+                    <a:pt x="105694" y="211389"/>
+                  </a:cubicBezTo>
+                  <a:cubicBezTo>
+                    <a:pt x="47321" y="211389"/>
+                    <a:pt x="0" y="164068"/>
+                    <a:pt x="0" y="105694"/>
+                  </a:cubicBezTo>
+                  <a:cubicBezTo>
+                    <a:pt x="0" y="47321"/>
+                    <a:pt x="47321" y="0"/>
+                    <a:pt x="105694" y="0"/>
+                  </a:cubicBezTo>
+                  <a:cubicBezTo>
+                    <a:pt x="164068" y="0"/>
+                    <a:pt x="211389" y="47321"/>
+                    <a:pt x="211389" y="105694"/>
+                  </a:cubicBezTo>
+                  <a:close/>
+                </a:path>
+              </a:pathLst>
+            </a:custGeom>
+            <a:grpFill/>
+            <a:ln w="26392" cap="flat">
+              <a:noFill/>
+              <a:prstDash val="solid"/>
+              <a:miter/>
+            </a:ln>
+          </p:spPr>
+          <p:txBody>
+            <a:bodyPr rtlCol="0" anchor="ctr"/>
+            <a:lstStyle/>
+            <a:p>
+              <a:endParaRPr lang="es-ES"/>
+            </a:p>
+          </p:txBody>
+        </p:sp>
+        <p:sp>
+          <p:nvSpPr>
+            <p:cNvPr id="48" name="Forma libre: forma 47">
+              <a:extLst>
+                <a:ext uri="{FF2B5EF4-FFF2-40B4-BE49-F238E27FC236}">
+                  <a16:creationId xmlns:a16="http://schemas.microsoft.com/office/drawing/2014/main" id="{41B7B18B-3A4E-51F7-F23A-9240FE35747B}"/>
+                </a:ext>
+              </a:extLst>
+            </p:cNvPr>
+            <p:cNvSpPr/>
+            <p:nvPr/>
+          </p:nvSpPr>
+          <p:spPr>
+            <a:xfrm>
+              <a:off x="5351633" y="4326807"/>
+              <a:ext cx="2324254" cy="1268333"/>
+            </a:xfrm>
+            <a:custGeom>
+              <a:avLst/>
+              <a:gdLst>
+                <a:gd name="connsiteX0" fmla="*/ 2319442 w 2324254"/>
+                <a:gd name="connsiteY0" fmla="*/ 903687 h 1268333"/>
+                <a:gd name="connsiteX1" fmla="*/ 2226959 w 2324254"/>
+                <a:gd name="connsiteY1" fmla="*/ 684371 h 1268333"/>
+                <a:gd name="connsiteX2" fmla="*/ 2089556 w 2324254"/>
+                <a:gd name="connsiteY2" fmla="*/ 589246 h 1268333"/>
+                <a:gd name="connsiteX3" fmla="*/ 2034067 w 2324254"/>
+                <a:gd name="connsiteY3" fmla="*/ 581319 h 1268333"/>
+                <a:gd name="connsiteX4" fmla="*/ 1931015 w 2324254"/>
+                <a:gd name="connsiteY4" fmla="*/ 605101 h 1268333"/>
+                <a:gd name="connsiteX5" fmla="*/ 1769831 w 2324254"/>
+                <a:gd name="connsiteY5" fmla="*/ 491479 h 1268333"/>
+                <a:gd name="connsiteX6" fmla="*/ 1674706 w 2324254"/>
+                <a:gd name="connsiteY6" fmla="*/ 95125 h 1268333"/>
+                <a:gd name="connsiteX7" fmla="*/ 1656209 w 2324254"/>
+                <a:gd name="connsiteY7" fmla="*/ 66059 h 1268333"/>
+                <a:gd name="connsiteX8" fmla="*/ 1547873 w 2324254"/>
+                <a:gd name="connsiteY8" fmla="*/ 13212 h 1268333"/>
+                <a:gd name="connsiteX9" fmla="*/ 1452748 w 2324254"/>
+                <a:gd name="connsiteY9" fmla="*/ 0 h 1268333"/>
+                <a:gd name="connsiteX10" fmla="*/ 1360265 w 2324254"/>
+                <a:gd name="connsiteY10" fmla="*/ 13212 h 1268333"/>
+                <a:gd name="connsiteX11" fmla="*/ 1251928 w 2324254"/>
+                <a:gd name="connsiteY11" fmla="*/ 66059 h 1268333"/>
+                <a:gd name="connsiteX12" fmla="*/ 1233432 w 2324254"/>
+                <a:gd name="connsiteY12" fmla="*/ 95125 h 1268333"/>
+                <a:gd name="connsiteX13" fmla="*/ 1162088 w 2324254"/>
+                <a:gd name="connsiteY13" fmla="*/ 380500 h 1268333"/>
+                <a:gd name="connsiteX14" fmla="*/ 1093387 w 2324254"/>
+                <a:gd name="connsiteY14" fmla="*/ 95125 h 1268333"/>
+                <a:gd name="connsiteX15" fmla="*/ 1074890 w 2324254"/>
+                <a:gd name="connsiteY15" fmla="*/ 66059 h 1268333"/>
+                <a:gd name="connsiteX16" fmla="*/ 966553 w 2324254"/>
+                <a:gd name="connsiteY16" fmla="*/ 13212 h 1268333"/>
+                <a:gd name="connsiteX17" fmla="*/ 871428 w 2324254"/>
+                <a:gd name="connsiteY17" fmla="*/ 0 h 1268333"/>
+                <a:gd name="connsiteX18" fmla="*/ 778946 w 2324254"/>
+                <a:gd name="connsiteY18" fmla="*/ 13212 h 1268333"/>
+                <a:gd name="connsiteX19" fmla="*/ 670609 w 2324254"/>
+                <a:gd name="connsiteY19" fmla="*/ 66059 h 1268333"/>
+                <a:gd name="connsiteX20" fmla="*/ 652112 w 2324254"/>
+                <a:gd name="connsiteY20" fmla="*/ 95125 h 1268333"/>
+                <a:gd name="connsiteX21" fmla="*/ 556987 w 2324254"/>
+                <a:gd name="connsiteY21" fmla="*/ 491479 h 1268333"/>
+                <a:gd name="connsiteX22" fmla="*/ 395803 w 2324254"/>
+                <a:gd name="connsiteY22" fmla="*/ 605101 h 1268333"/>
+                <a:gd name="connsiteX23" fmla="*/ 290109 w 2324254"/>
+                <a:gd name="connsiteY23" fmla="*/ 581319 h 1268333"/>
+                <a:gd name="connsiteX24" fmla="*/ 234619 w 2324254"/>
+                <a:gd name="connsiteY24" fmla="*/ 589246 h 1268333"/>
+                <a:gd name="connsiteX25" fmla="*/ 97217 w 2324254"/>
+                <a:gd name="connsiteY25" fmla="*/ 684371 h 1268333"/>
+                <a:gd name="connsiteX26" fmla="*/ 4734 w 2324254"/>
+                <a:gd name="connsiteY26" fmla="*/ 903687 h 1268333"/>
+                <a:gd name="connsiteX27" fmla="*/ 20588 w 2324254"/>
+                <a:gd name="connsiteY27" fmla="*/ 969746 h 1268333"/>
+                <a:gd name="connsiteX28" fmla="*/ 52297 w 2324254"/>
+                <a:gd name="connsiteY28" fmla="*/ 977673 h 1268333"/>
+                <a:gd name="connsiteX29" fmla="*/ 99859 w 2324254"/>
+                <a:gd name="connsiteY29" fmla="*/ 945965 h 1268333"/>
+                <a:gd name="connsiteX30" fmla="*/ 157991 w 2324254"/>
+                <a:gd name="connsiteY30" fmla="*/ 808562 h 1268333"/>
+                <a:gd name="connsiteX31" fmla="*/ 157991 w 2324254"/>
+                <a:gd name="connsiteY31" fmla="*/ 951250 h 1268333"/>
+                <a:gd name="connsiteX32" fmla="*/ 157991 w 2324254"/>
+                <a:gd name="connsiteY32" fmla="*/ 1268333 h 1268333"/>
+                <a:gd name="connsiteX33" fmla="*/ 263685 w 2324254"/>
+                <a:gd name="connsiteY33" fmla="*/ 1268333 h 1268333"/>
+                <a:gd name="connsiteX34" fmla="*/ 263685 w 2324254"/>
+                <a:gd name="connsiteY34" fmla="*/ 951250 h 1268333"/>
+                <a:gd name="connsiteX35" fmla="*/ 316533 w 2324254"/>
+                <a:gd name="connsiteY35" fmla="*/ 951250 h 1268333"/>
+                <a:gd name="connsiteX36" fmla="*/ 316533 w 2324254"/>
+                <a:gd name="connsiteY36" fmla="*/ 1268333 h 1268333"/>
+                <a:gd name="connsiteX37" fmla="*/ 422227 w 2324254"/>
+                <a:gd name="connsiteY37" fmla="*/ 1268333 h 1268333"/>
+                <a:gd name="connsiteX38" fmla="*/ 422227 w 2324254"/>
+                <a:gd name="connsiteY38" fmla="*/ 713437 h 1268333"/>
+                <a:gd name="connsiteX39" fmla="*/ 424869 w 2324254"/>
+                <a:gd name="connsiteY39" fmla="*/ 713437 h 1268333"/>
+                <a:gd name="connsiteX40" fmla="*/ 633616 w 2324254"/>
+                <a:gd name="connsiteY40" fmla="*/ 568108 h 1268333"/>
+                <a:gd name="connsiteX41" fmla="*/ 654755 w 2324254"/>
+                <a:gd name="connsiteY41" fmla="*/ 536399 h 1268333"/>
+                <a:gd name="connsiteX42" fmla="*/ 739310 w 2324254"/>
+                <a:gd name="connsiteY42" fmla="*/ 184965 h 1268333"/>
+                <a:gd name="connsiteX43" fmla="*/ 739310 w 2324254"/>
+                <a:gd name="connsiteY43" fmla="*/ 1268333 h 1268333"/>
+                <a:gd name="connsiteX44" fmla="*/ 845005 w 2324254"/>
+                <a:gd name="connsiteY44" fmla="*/ 1268333 h 1268333"/>
+                <a:gd name="connsiteX45" fmla="*/ 845005 w 2324254"/>
+                <a:gd name="connsiteY45" fmla="*/ 660590 h 1268333"/>
+                <a:gd name="connsiteX46" fmla="*/ 897852 w 2324254"/>
+                <a:gd name="connsiteY46" fmla="*/ 660590 h 1268333"/>
+                <a:gd name="connsiteX47" fmla="*/ 897852 w 2324254"/>
+                <a:gd name="connsiteY47" fmla="*/ 1268333 h 1268333"/>
+                <a:gd name="connsiteX48" fmla="*/ 1003546 w 2324254"/>
+                <a:gd name="connsiteY48" fmla="*/ 1268333 h 1268333"/>
+                <a:gd name="connsiteX49" fmla="*/ 1003546 w 2324254"/>
+                <a:gd name="connsiteY49" fmla="*/ 184965 h 1268333"/>
+                <a:gd name="connsiteX50" fmla="*/ 1111883 w 2324254"/>
+                <a:gd name="connsiteY50" fmla="*/ 620955 h 1268333"/>
+                <a:gd name="connsiteX51" fmla="*/ 1162088 w 2324254"/>
+                <a:gd name="connsiteY51" fmla="*/ 660590 h 1268333"/>
+                <a:gd name="connsiteX52" fmla="*/ 1212293 w 2324254"/>
+                <a:gd name="connsiteY52" fmla="*/ 620955 h 1268333"/>
+                <a:gd name="connsiteX53" fmla="*/ 1320630 w 2324254"/>
+                <a:gd name="connsiteY53" fmla="*/ 184965 h 1268333"/>
+                <a:gd name="connsiteX54" fmla="*/ 1320630 w 2324254"/>
+                <a:gd name="connsiteY54" fmla="*/ 406924 h 1268333"/>
+                <a:gd name="connsiteX55" fmla="*/ 1228147 w 2324254"/>
+                <a:gd name="connsiteY55" fmla="*/ 792708 h 1268333"/>
+                <a:gd name="connsiteX56" fmla="*/ 1320630 w 2324254"/>
+                <a:gd name="connsiteY56" fmla="*/ 792708 h 1268333"/>
+                <a:gd name="connsiteX57" fmla="*/ 1320630 w 2324254"/>
+                <a:gd name="connsiteY57" fmla="*/ 1268333 h 1268333"/>
+                <a:gd name="connsiteX58" fmla="*/ 1426324 w 2324254"/>
+                <a:gd name="connsiteY58" fmla="*/ 1268333 h 1268333"/>
+                <a:gd name="connsiteX59" fmla="*/ 1426324 w 2324254"/>
+                <a:gd name="connsiteY59" fmla="*/ 792708 h 1268333"/>
+                <a:gd name="connsiteX60" fmla="*/ 1479171 w 2324254"/>
+                <a:gd name="connsiteY60" fmla="*/ 792708 h 1268333"/>
+                <a:gd name="connsiteX61" fmla="*/ 1479171 w 2324254"/>
+                <a:gd name="connsiteY61" fmla="*/ 1268333 h 1268333"/>
+                <a:gd name="connsiteX62" fmla="*/ 1584866 w 2324254"/>
+                <a:gd name="connsiteY62" fmla="*/ 1268333 h 1268333"/>
+                <a:gd name="connsiteX63" fmla="*/ 1584866 w 2324254"/>
+                <a:gd name="connsiteY63" fmla="*/ 792708 h 1268333"/>
+                <a:gd name="connsiteX64" fmla="*/ 1677348 w 2324254"/>
+                <a:gd name="connsiteY64" fmla="*/ 792708 h 1268333"/>
+                <a:gd name="connsiteX65" fmla="*/ 1584866 w 2324254"/>
+                <a:gd name="connsiteY65" fmla="*/ 406924 h 1268333"/>
+                <a:gd name="connsiteX66" fmla="*/ 1584866 w 2324254"/>
+                <a:gd name="connsiteY66" fmla="*/ 184965 h 1268333"/>
+                <a:gd name="connsiteX67" fmla="*/ 1672064 w 2324254"/>
+                <a:gd name="connsiteY67" fmla="*/ 536399 h 1268333"/>
+                <a:gd name="connsiteX68" fmla="*/ 1693202 w 2324254"/>
+                <a:gd name="connsiteY68" fmla="*/ 568108 h 1268333"/>
+                <a:gd name="connsiteX69" fmla="*/ 1904591 w 2324254"/>
+                <a:gd name="connsiteY69" fmla="*/ 716080 h 1268333"/>
+                <a:gd name="connsiteX70" fmla="*/ 1904591 w 2324254"/>
+                <a:gd name="connsiteY70" fmla="*/ 879906 h 1268333"/>
+                <a:gd name="connsiteX71" fmla="*/ 1849102 w 2324254"/>
+                <a:gd name="connsiteY71" fmla="*/ 1030521 h 1268333"/>
+                <a:gd name="connsiteX72" fmla="*/ 1901949 w 2324254"/>
+                <a:gd name="connsiteY72" fmla="*/ 1030521 h 1268333"/>
+                <a:gd name="connsiteX73" fmla="*/ 1901949 w 2324254"/>
+                <a:gd name="connsiteY73" fmla="*/ 1268333 h 1268333"/>
+                <a:gd name="connsiteX74" fmla="*/ 2007643 w 2324254"/>
+                <a:gd name="connsiteY74" fmla="*/ 1268333 h 1268333"/>
+                <a:gd name="connsiteX75" fmla="*/ 2007643 w 2324254"/>
+                <a:gd name="connsiteY75" fmla="*/ 1030521 h 1268333"/>
+                <a:gd name="connsiteX76" fmla="*/ 2060491 w 2324254"/>
+                <a:gd name="connsiteY76" fmla="*/ 1030521 h 1268333"/>
+                <a:gd name="connsiteX77" fmla="*/ 2060491 w 2324254"/>
+                <a:gd name="connsiteY77" fmla="*/ 1268333 h 1268333"/>
+                <a:gd name="connsiteX78" fmla="*/ 2166185 w 2324254"/>
+                <a:gd name="connsiteY78" fmla="*/ 1268333 h 1268333"/>
+                <a:gd name="connsiteX79" fmla="*/ 2166185 w 2324254"/>
+                <a:gd name="connsiteY79" fmla="*/ 1030521 h 1268333"/>
+                <a:gd name="connsiteX80" fmla="*/ 2219032 w 2324254"/>
+                <a:gd name="connsiteY80" fmla="*/ 1030521 h 1268333"/>
+                <a:gd name="connsiteX81" fmla="*/ 2168827 w 2324254"/>
+                <a:gd name="connsiteY81" fmla="*/ 890476 h 1268333"/>
+                <a:gd name="connsiteX82" fmla="*/ 2168827 w 2324254"/>
+                <a:gd name="connsiteY82" fmla="*/ 808562 h 1268333"/>
+                <a:gd name="connsiteX83" fmla="*/ 2226959 w 2324254"/>
+                <a:gd name="connsiteY83" fmla="*/ 945965 h 1268333"/>
+                <a:gd name="connsiteX84" fmla="*/ 2274522 w 2324254"/>
+                <a:gd name="connsiteY84" fmla="*/ 977673 h 1268333"/>
+                <a:gd name="connsiteX85" fmla="*/ 2306230 w 2324254"/>
+                <a:gd name="connsiteY85" fmla="*/ 967104 h 1268333"/>
+                <a:gd name="connsiteX86" fmla="*/ 2319442 w 2324254"/>
+                <a:gd name="connsiteY86" fmla="*/ 903687 h 1268333"/>
+              </a:gdLst>
+              <a:ahLst/>
+              <a:cxnLst>
+                <a:cxn ang="0">
+                  <a:pos x="connsiteX0" y="connsiteY0"/>
+                </a:cxn>
+                <a:cxn ang="0">
+                  <a:pos x="connsiteX1" y="connsiteY1"/>
+                </a:cxn>
+                <a:cxn ang="0">
+                  <a:pos x="connsiteX2" y="connsiteY2"/>
+                </a:cxn>
+                <a:cxn ang="0">
+                  <a:pos x="connsiteX3" y="connsiteY3"/>
+                </a:cxn>
+                <a:cxn ang="0">
+                  <a:pos x="connsiteX4" y="connsiteY4"/>
+                </a:cxn>
+                <a:cxn ang="0">
+                  <a:pos x="connsiteX5" y="connsiteY5"/>
+                </a:cxn>
+                <a:cxn ang="0">
+                  <a:pos x="connsiteX6" y="connsiteY6"/>
+                </a:cxn>
+                <a:cxn ang="0">
+                  <a:pos x="connsiteX7" y="connsiteY7"/>
+                </a:cxn>
+                <a:cxn ang="0">
+                  <a:pos x="connsiteX8" y="connsiteY8"/>
+                </a:cxn>
+                <a:cxn ang="0">
+                  <a:pos x="connsiteX9" y="connsiteY9"/>
+                </a:cxn>
+                <a:cxn ang="0">
+                  <a:pos x="connsiteX10" y="connsiteY10"/>
+                </a:cxn>
+                <a:cxn ang="0">
+                  <a:pos x="connsiteX11" y="connsiteY11"/>
+                </a:cxn>
+                <a:cxn ang="0">
+                  <a:pos x="connsiteX12" y="connsiteY12"/>
+                </a:cxn>
+                <a:cxn ang="0">
+                  <a:pos x="connsiteX13" y="connsiteY13"/>
+                </a:cxn>
+                <a:cxn ang="0">
+                  <a:pos x="connsiteX14" y="connsiteY14"/>
+                </a:cxn>
+                <a:cxn ang="0">
+                  <a:pos x="connsiteX15" y="connsiteY15"/>
+                </a:cxn>
+                <a:cxn ang="0">
+                  <a:pos x="connsiteX16" y="connsiteY16"/>
+                </a:cxn>
+                <a:cxn ang="0">
+                  <a:pos x="connsiteX17" y="connsiteY17"/>
+                </a:cxn>
+                <a:cxn ang="0">
+                  <a:pos x="connsiteX18" y="connsiteY18"/>
+                </a:cxn>
+                <a:cxn ang="0">
+                  <a:pos x="connsiteX19" y="connsiteY19"/>
+                </a:cxn>
+                <a:cxn ang="0">
+                  <a:pos x="connsiteX20" y="connsiteY20"/>
+                </a:cxn>
+                <a:cxn ang="0">
+                  <a:pos x="connsiteX21" y="connsiteY21"/>
+                </a:cxn>
+                <a:cxn ang="0">
+                  <a:pos x="connsiteX22" y="connsiteY22"/>
+                </a:cxn>
+                <a:cxn ang="0">
+                  <a:pos x="connsiteX23" y="connsiteY23"/>
+                </a:cxn>
+                <a:cxn ang="0">
+                  <a:pos x="connsiteX24" y="connsiteY24"/>
+                </a:cxn>
+                <a:cxn ang="0">
+                  <a:pos x="connsiteX25" y="connsiteY25"/>
+                </a:cxn>
+                <a:cxn ang="0">
+                  <a:pos x="connsiteX26" y="connsiteY26"/>
+                </a:cxn>
+                <a:cxn ang="0">
+                  <a:pos x="connsiteX27" y="connsiteY27"/>
+                </a:cxn>
+                <a:cxn ang="0">
+                  <a:pos x="connsiteX28" y="connsiteY28"/>
+                </a:cxn>
+                <a:cxn ang="0">
+                  <a:pos x="connsiteX29" y="connsiteY29"/>
+                </a:cxn>
+                <a:cxn ang="0">
+                  <a:pos x="connsiteX30" y="connsiteY30"/>
+                </a:cxn>
+                <a:cxn ang="0">
+                  <a:pos x="connsiteX31" y="connsiteY31"/>
+                </a:cxn>
+                <a:cxn ang="0">
+                  <a:pos x="connsiteX32" y="connsiteY32"/>
+                </a:cxn>
+                <a:cxn ang="0">
+                  <a:pos x="connsiteX33" y="connsiteY33"/>
+                </a:cxn>
+                <a:cxn ang="0">
+                  <a:pos x="connsiteX34" y="connsiteY34"/>
+                </a:cxn>
+                <a:cxn ang="0">
+                  <a:pos x="connsiteX35" y="connsiteY35"/>
+                </a:cxn>
+                <a:cxn ang="0">
+                  <a:pos x="connsiteX36" y="connsiteY36"/>
+                </a:cxn>
+                <a:cxn ang="0">
+                  <a:pos x="connsiteX37" y="connsiteY37"/>
+                </a:cxn>
+                <a:cxn ang="0">
+                  <a:pos x="connsiteX38" y="connsiteY38"/>
+                </a:cxn>
+                <a:cxn ang="0">
+                  <a:pos x="connsiteX39" y="connsiteY39"/>
+                </a:cxn>
+                <a:cxn ang="0">
+                  <a:pos x="connsiteX40" y="connsiteY40"/>
+                </a:cxn>
+                <a:cxn ang="0">
+                  <a:pos x="connsiteX41" y="connsiteY41"/>
+                </a:cxn>
+                <a:cxn ang="0">
+                  <a:pos x="connsiteX42" y="connsiteY42"/>
+                </a:cxn>
+                <a:cxn ang="0">
+                  <a:pos x="connsiteX43" y="connsiteY43"/>
+                </a:cxn>
+                <a:cxn ang="0">
+                  <a:pos x="connsiteX44" y="connsiteY44"/>
+                </a:cxn>
+                <a:cxn ang="0">
+                  <a:pos x="connsiteX45" y="connsiteY45"/>
+                </a:cxn>
+                <a:cxn ang="0">
+                  <a:pos x="connsiteX46" y="connsiteY46"/>
+                </a:cxn>
+                <a:cxn ang="0">
+                  <a:pos x="connsiteX47" y="connsiteY47"/>
+                </a:cxn>
+                <a:cxn ang="0">
+                  <a:pos x="connsiteX48" y="connsiteY48"/>
+                </a:cxn>
+                <a:cxn ang="0">
+                  <a:pos x="connsiteX49" y="connsiteY49"/>
+                </a:cxn>
+                <a:cxn ang="0">
+                  <a:pos x="connsiteX50" y="connsiteY50"/>
+                </a:cxn>
+                <a:cxn ang="0">
+                  <a:pos x="connsiteX51" y="connsiteY51"/>
+                </a:cxn>
+                <a:cxn ang="0">
+                  <a:pos x="connsiteX52" y="connsiteY52"/>
+                </a:cxn>
+                <a:cxn ang="0">
+                  <a:pos x="connsiteX53" y="connsiteY53"/>
+                </a:cxn>
+                <a:cxn ang="0">
+                  <a:pos x="connsiteX54" y="connsiteY54"/>
+                </a:cxn>
+                <a:cxn ang="0">
+                  <a:pos x="connsiteX55" y="connsiteY55"/>
+                </a:cxn>
+                <a:cxn ang="0">
+                  <a:pos x="connsiteX56" y="connsiteY56"/>
+                </a:cxn>
+                <a:cxn ang="0">
+                  <a:pos x="connsiteX57" y="connsiteY57"/>
+                </a:cxn>
+                <a:cxn ang="0">
+                  <a:pos x="connsiteX58" y="connsiteY58"/>
+                </a:cxn>
+                <a:cxn ang="0">
+                  <a:pos x="connsiteX59" y="connsiteY59"/>
+                </a:cxn>
+                <a:cxn ang="0">
+                  <a:pos x="connsiteX60" y="connsiteY60"/>
+                </a:cxn>
+                <a:cxn ang="0">
+                  <a:pos x="connsiteX61" y="connsiteY61"/>
+                </a:cxn>
+                <a:cxn ang="0">
+                  <a:pos x="connsiteX62" y="connsiteY62"/>
+                </a:cxn>
+                <a:cxn ang="0">
+                  <a:pos x="connsiteX63" y="connsiteY63"/>
+                </a:cxn>
+                <a:cxn ang="0">
+                  <a:pos x="connsiteX64" y="connsiteY64"/>
+                </a:cxn>
+                <a:cxn ang="0">
+                  <a:pos x="connsiteX65" y="connsiteY65"/>
+                </a:cxn>
+                <a:cxn ang="0">
+                  <a:pos x="connsiteX66" y="connsiteY66"/>
+                </a:cxn>
+                <a:cxn ang="0">
+                  <a:pos x="connsiteX67" y="connsiteY67"/>
+                </a:cxn>
+                <a:cxn ang="0">
+                  <a:pos x="connsiteX68" y="connsiteY68"/>
+                </a:cxn>
+                <a:cxn ang="0">
+                  <a:pos x="connsiteX69" y="connsiteY69"/>
+                </a:cxn>
+                <a:cxn ang="0">
+                  <a:pos x="connsiteX70" y="connsiteY70"/>
+                </a:cxn>
+                <a:cxn ang="0">
+                  <a:pos x="connsiteX71" y="connsiteY71"/>
+                </a:cxn>
+                <a:cxn ang="0">
+                  <a:pos x="connsiteX72" y="connsiteY72"/>
+                </a:cxn>
+                <a:cxn ang="0">
+                  <a:pos x="connsiteX73" y="connsiteY73"/>
+                </a:cxn>
+                <a:cxn ang="0">
+                  <a:pos x="connsiteX74" y="connsiteY74"/>
+                </a:cxn>
+                <a:cxn ang="0">
+                  <a:pos x="connsiteX75" y="connsiteY75"/>
+                </a:cxn>
+                <a:cxn ang="0">
+                  <a:pos x="connsiteX76" y="connsiteY76"/>
+                </a:cxn>
+                <a:cxn ang="0">
+                  <a:pos x="connsiteX77" y="connsiteY77"/>
+                </a:cxn>
+                <a:cxn ang="0">
+                  <a:pos x="connsiteX78" y="connsiteY78"/>
+                </a:cxn>
+                <a:cxn ang="0">
+                  <a:pos x="connsiteX79" y="connsiteY79"/>
+                </a:cxn>
+                <a:cxn ang="0">
+                  <a:pos x="connsiteX80" y="connsiteY80"/>
+                </a:cxn>
+                <a:cxn ang="0">
+                  <a:pos x="connsiteX81" y="connsiteY81"/>
+                </a:cxn>
+                <a:cxn ang="0">
+                  <a:pos x="connsiteX82" y="connsiteY82"/>
+                </a:cxn>
+                <a:cxn ang="0">
+                  <a:pos x="connsiteX83" y="connsiteY83"/>
+                </a:cxn>
+                <a:cxn ang="0">
+                  <a:pos x="connsiteX84" y="connsiteY84"/>
+                </a:cxn>
+                <a:cxn ang="0">
+                  <a:pos x="connsiteX85" y="connsiteY85"/>
+                </a:cxn>
+                <a:cxn ang="0">
+                  <a:pos x="connsiteX86" y="connsiteY86"/>
+                </a:cxn>
+              </a:cxnLst>
+              <a:rect l="l" t="t" r="r" b="b"/>
+              <a:pathLst>
+                <a:path w="2324254" h="1268333">
+                  <a:moveTo>
+                    <a:pt x="2319442" y="903687"/>
+                  </a:moveTo>
+                  <a:lnTo>
+                    <a:pt x="2226959" y="684371"/>
+                  </a:lnTo>
+                  <a:cubicBezTo>
+                    <a:pt x="2195251" y="639451"/>
+                    <a:pt x="2145046" y="605101"/>
+                    <a:pt x="2089556" y="589246"/>
+                  </a:cubicBezTo>
+                  <a:cubicBezTo>
+                    <a:pt x="2073702" y="583962"/>
+                    <a:pt x="2052563" y="581319"/>
+                    <a:pt x="2034067" y="581319"/>
+                  </a:cubicBezTo>
+                  <a:cubicBezTo>
+                    <a:pt x="1997074" y="581319"/>
+                    <a:pt x="1962723" y="589246"/>
+                    <a:pt x="1931015" y="605101"/>
+                  </a:cubicBezTo>
+                  <a:lnTo>
+                    <a:pt x="1769831" y="491479"/>
+                  </a:lnTo>
+                  <a:lnTo>
+                    <a:pt x="1674706" y="95125"/>
+                  </a:lnTo>
+                  <a:cubicBezTo>
+                    <a:pt x="1672064" y="84556"/>
+                    <a:pt x="1664136" y="71344"/>
+                    <a:pt x="1656209" y="66059"/>
+                  </a:cubicBezTo>
+                  <a:cubicBezTo>
+                    <a:pt x="1624501" y="42278"/>
+                    <a:pt x="1587508" y="23781"/>
+                    <a:pt x="1547873" y="13212"/>
+                  </a:cubicBezTo>
+                  <a:cubicBezTo>
+                    <a:pt x="1516164" y="5285"/>
+                    <a:pt x="1484456" y="0"/>
+                    <a:pt x="1452748" y="0"/>
+                  </a:cubicBezTo>
+                  <a:cubicBezTo>
+                    <a:pt x="1421039" y="0"/>
+                    <a:pt x="1389331" y="5285"/>
+                    <a:pt x="1360265" y="13212"/>
+                  </a:cubicBezTo>
+                  <a:cubicBezTo>
+                    <a:pt x="1320630" y="23781"/>
+                    <a:pt x="1283637" y="42278"/>
+                    <a:pt x="1251928" y="66059"/>
+                  </a:cubicBezTo>
+                  <a:cubicBezTo>
+                    <a:pt x="1241359" y="73986"/>
+                    <a:pt x="1236074" y="84556"/>
+                    <a:pt x="1233432" y="95125"/>
+                  </a:cubicBezTo>
+                  <a:lnTo>
+                    <a:pt x="1162088" y="380500"/>
+                  </a:lnTo>
+                  <a:lnTo>
+                    <a:pt x="1093387" y="95125"/>
+                  </a:lnTo>
+                  <a:cubicBezTo>
+                    <a:pt x="1090744" y="84556"/>
+                    <a:pt x="1082817" y="71344"/>
+                    <a:pt x="1074890" y="66059"/>
+                  </a:cubicBezTo>
+                  <a:cubicBezTo>
+                    <a:pt x="1043182" y="42278"/>
+                    <a:pt x="1006189" y="23781"/>
+                    <a:pt x="966553" y="13212"/>
+                  </a:cubicBezTo>
+                  <a:cubicBezTo>
+                    <a:pt x="934845" y="5285"/>
+                    <a:pt x="903137" y="0"/>
+                    <a:pt x="871428" y="0"/>
+                  </a:cubicBezTo>
+                  <a:cubicBezTo>
+                    <a:pt x="839720" y="0"/>
+                    <a:pt x="808012" y="5285"/>
+                    <a:pt x="778946" y="13212"/>
+                  </a:cubicBezTo>
+                  <a:cubicBezTo>
+                    <a:pt x="739310" y="23781"/>
+                    <a:pt x="702317" y="42278"/>
+                    <a:pt x="670609" y="66059"/>
+                  </a:cubicBezTo>
+                  <a:cubicBezTo>
+                    <a:pt x="660039" y="73986"/>
+                    <a:pt x="654755" y="84556"/>
+                    <a:pt x="652112" y="95125"/>
+                  </a:cubicBezTo>
+                  <a:lnTo>
+                    <a:pt x="556987" y="491479"/>
+                  </a:lnTo>
+                  <a:lnTo>
+                    <a:pt x="395803" y="605101"/>
+                  </a:lnTo>
+                  <a:cubicBezTo>
+                    <a:pt x="361453" y="589246"/>
+                    <a:pt x="327102" y="581319"/>
+                    <a:pt x="290109" y="581319"/>
+                  </a:cubicBezTo>
+                  <a:cubicBezTo>
+                    <a:pt x="271612" y="581319"/>
+                    <a:pt x="250474" y="583962"/>
+                    <a:pt x="234619" y="589246"/>
+                  </a:cubicBezTo>
+                  <a:cubicBezTo>
+                    <a:pt x="179130" y="602458"/>
+                    <a:pt x="128925" y="636809"/>
+                    <a:pt x="97217" y="684371"/>
+                  </a:cubicBezTo>
+                  <a:lnTo>
+                    <a:pt x="4734" y="903687"/>
+                  </a:lnTo>
+                  <a:cubicBezTo>
+                    <a:pt x="-5835" y="927468"/>
+                    <a:pt x="2092" y="953892"/>
+                    <a:pt x="20588" y="969746"/>
+                  </a:cubicBezTo>
+                  <a:cubicBezTo>
+                    <a:pt x="31158" y="975031"/>
+                    <a:pt x="41727" y="977673"/>
+                    <a:pt x="52297" y="977673"/>
+                  </a:cubicBezTo>
+                  <a:cubicBezTo>
+                    <a:pt x="73435" y="977673"/>
+                    <a:pt x="91932" y="964462"/>
+                    <a:pt x="99859" y="945965"/>
+                  </a:cubicBezTo>
+                  <a:lnTo>
+                    <a:pt x="157991" y="808562"/>
+                  </a:lnTo>
+                  <a:lnTo>
+                    <a:pt x="157991" y="951250"/>
+                  </a:lnTo>
+                  <a:lnTo>
+                    <a:pt x="157991" y="1268333"/>
+                  </a:lnTo>
+                  <a:lnTo>
+                    <a:pt x="263685" y="1268333"/>
+                  </a:lnTo>
+                  <a:lnTo>
+                    <a:pt x="263685" y="951250"/>
+                  </a:lnTo>
+                  <a:lnTo>
+                    <a:pt x="316533" y="951250"/>
+                  </a:lnTo>
+                  <a:lnTo>
+                    <a:pt x="316533" y="1268333"/>
+                  </a:lnTo>
+                  <a:lnTo>
+                    <a:pt x="422227" y="1268333"/>
+                  </a:lnTo>
+                  <a:lnTo>
+                    <a:pt x="422227" y="713437"/>
+                  </a:lnTo>
+                  <a:lnTo>
+                    <a:pt x="424869" y="713437"/>
+                  </a:lnTo>
+                  <a:lnTo>
+                    <a:pt x="633616" y="568108"/>
+                  </a:lnTo>
+                  <a:cubicBezTo>
+                    <a:pt x="644185" y="560180"/>
+                    <a:pt x="652112" y="549611"/>
+                    <a:pt x="654755" y="536399"/>
+                  </a:cubicBezTo>
+                  <a:lnTo>
+                    <a:pt x="739310" y="184965"/>
+                  </a:lnTo>
+                  <a:lnTo>
+                    <a:pt x="739310" y="1268333"/>
+                  </a:lnTo>
+                  <a:lnTo>
+                    <a:pt x="845005" y="1268333"/>
+                  </a:lnTo>
+                  <a:lnTo>
+                    <a:pt x="845005" y="660590"/>
+                  </a:lnTo>
+                  <a:lnTo>
+                    <a:pt x="897852" y="660590"/>
+                  </a:lnTo>
+                  <a:lnTo>
+                    <a:pt x="897852" y="1268333"/>
+                  </a:lnTo>
+                  <a:lnTo>
+                    <a:pt x="1003546" y="1268333"/>
+                  </a:lnTo>
+                  <a:lnTo>
+                    <a:pt x="1003546" y="184965"/>
+                  </a:lnTo>
+                  <a:lnTo>
+                    <a:pt x="1111883" y="620955"/>
+                  </a:lnTo>
+                  <a:cubicBezTo>
+                    <a:pt x="1117168" y="644736"/>
+                    <a:pt x="1138307" y="660590"/>
+                    <a:pt x="1162088" y="660590"/>
+                  </a:cubicBezTo>
+                  <a:cubicBezTo>
+                    <a:pt x="1185869" y="660590"/>
+                    <a:pt x="1207008" y="644736"/>
+                    <a:pt x="1212293" y="620955"/>
+                  </a:cubicBezTo>
+                  <a:lnTo>
+                    <a:pt x="1320630" y="184965"/>
+                  </a:lnTo>
+                  <a:lnTo>
+                    <a:pt x="1320630" y="406924"/>
+                  </a:lnTo>
+                  <a:lnTo>
+                    <a:pt x="1228147" y="792708"/>
+                  </a:lnTo>
+                  <a:lnTo>
+                    <a:pt x="1320630" y="792708"/>
+                  </a:lnTo>
+                  <a:lnTo>
+                    <a:pt x="1320630" y="1268333"/>
+                  </a:lnTo>
+                  <a:lnTo>
+                    <a:pt x="1426324" y="1268333"/>
+                  </a:lnTo>
+                  <a:lnTo>
+                    <a:pt x="1426324" y="792708"/>
+                  </a:lnTo>
+                  <a:lnTo>
+                    <a:pt x="1479171" y="792708"/>
+                  </a:lnTo>
+                  <a:lnTo>
+                    <a:pt x="1479171" y="1268333"/>
+                  </a:lnTo>
+                  <a:lnTo>
+                    <a:pt x="1584866" y="1268333"/>
+                  </a:lnTo>
+                  <a:lnTo>
+                    <a:pt x="1584866" y="792708"/>
+                  </a:lnTo>
+                  <a:lnTo>
+                    <a:pt x="1677348" y="792708"/>
+                  </a:lnTo>
+                  <a:lnTo>
+                    <a:pt x="1584866" y="406924"/>
+                  </a:lnTo>
+                  <a:lnTo>
+                    <a:pt x="1584866" y="184965"/>
+                  </a:lnTo>
+                  <a:lnTo>
+                    <a:pt x="1672064" y="536399"/>
+                  </a:lnTo>
+                  <a:cubicBezTo>
+                    <a:pt x="1674706" y="549611"/>
+                    <a:pt x="1682633" y="560180"/>
+                    <a:pt x="1693202" y="568108"/>
+                  </a:cubicBezTo>
+                  <a:lnTo>
+                    <a:pt x="1904591" y="716080"/>
+                  </a:lnTo>
+                  <a:lnTo>
+                    <a:pt x="1904591" y="879906"/>
+                  </a:lnTo>
+                  <a:lnTo>
+                    <a:pt x="1849102" y="1030521"/>
+                  </a:lnTo>
+                  <a:lnTo>
+                    <a:pt x="1901949" y="1030521"/>
+                  </a:lnTo>
+                  <a:lnTo>
+                    <a:pt x="1901949" y="1268333"/>
+                  </a:lnTo>
+                  <a:lnTo>
+                    <a:pt x="2007643" y="1268333"/>
+                  </a:lnTo>
+                  <a:lnTo>
+                    <a:pt x="2007643" y="1030521"/>
+                  </a:lnTo>
+                  <a:lnTo>
+                    <a:pt x="2060491" y="1030521"/>
+                  </a:lnTo>
+                  <a:lnTo>
+                    <a:pt x="2060491" y="1268333"/>
+                  </a:lnTo>
+                  <a:lnTo>
+                    <a:pt x="2166185" y="1268333"/>
+                  </a:lnTo>
+                  <a:lnTo>
+                    <a:pt x="2166185" y="1030521"/>
+                  </a:lnTo>
+                  <a:lnTo>
+                    <a:pt x="2219032" y="1030521"/>
+                  </a:lnTo>
+                  <a:lnTo>
+                    <a:pt x="2168827" y="890476"/>
+                  </a:lnTo>
+                  <a:lnTo>
+                    <a:pt x="2168827" y="808562"/>
+                  </a:lnTo>
+                  <a:lnTo>
+                    <a:pt x="2226959" y="945965"/>
+                  </a:lnTo>
+                  <a:cubicBezTo>
+                    <a:pt x="2234886" y="967104"/>
+                    <a:pt x="2256025" y="977673"/>
+                    <a:pt x="2274522" y="977673"/>
+                  </a:cubicBezTo>
+                  <a:cubicBezTo>
+                    <a:pt x="2285091" y="977673"/>
+                    <a:pt x="2295661" y="975031"/>
+                    <a:pt x="2306230" y="967104"/>
+                  </a:cubicBezTo>
+                  <a:cubicBezTo>
+                    <a:pt x="2322084" y="953892"/>
+                    <a:pt x="2330011" y="924826"/>
+                    <a:pt x="2319442" y="903687"/>
+                  </a:cubicBezTo>
+                  <a:close/>
+                </a:path>
+              </a:pathLst>
+            </a:custGeom>
+            <a:grpFill/>
+            <a:ln w="26392" cap="flat">
+              <a:noFill/>
+              <a:prstDash val="solid"/>
+              <a:miter/>
+            </a:ln>
+          </p:spPr>
+          <p:txBody>
+            <a:bodyPr rtlCol="0" anchor="ctr"/>
+            <a:lstStyle/>
+            <a:p>
+              <a:endParaRPr lang="es-ES"/>
+            </a:p>
+          </p:txBody>
+        </p:sp>
+      </p:grpSp>
       <p:sp>
         <p:nvSpPr>
           <p:cNvPr id="39" name="TextBox 38">
@@ -5292,8 +7805,8 @@
         </p:nvSpPr>
         <p:spPr>
           <a:xfrm>
-            <a:off x="434052" y="421188"/>
-            <a:ext cx="4803492" cy="2308324"/>
+            <a:off x="1064524" y="4518534"/>
+            <a:ext cx="2132062" cy="1001807"/>
           </a:xfrm>
           <a:prstGeom prst="rect">
             <a:avLst/>
@@ -5306,47 +7819,25 @@
           </a:bodyPr>
           <a:lstStyle/>
           <a:p>
+            <a:pPr algn="r"/>
             <a:r>
-              <a:rPr lang="en-GB" sz="1800" dirty="0">
-                <a:effectLst/>
+              <a:rPr lang="en-GB" sz="1050" dirty="0">
                 <a:latin typeface="Calibri" panose="020F0502020204030204" pitchFamily="34" charset="0"/>
                 <a:ea typeface="DengXian" panose="02010600030101010101" pitchFamily="2" charset="-122"/>
                 <a:cs typeface="Times New Roman" panose="02020603050405020304" pitchFamily="18" charset="0"/>
               </a:rPr>
-              <a:t>Baseline </a:t>
+              <a:t>child health and nutrition, including child height and weight, and one measure of child cognitive development, the TVIP</a:t>
             </a:r>
-          </a:p>
-          <a:p>
-            <a:r>
-              <a:rPr lang="en-GB" sz="1800" dirty="0">
-                <a:effectLst/>
-                <a:latin typeface="Calibri" panose="020F0502020204030204" pitchFamily="34" charset="0"/>
-                <a:ea typeface="DengXian" panose="02010600030101010101" pitchFamily="2" charset="-122"/>
-                <a:cs typeface="Times New Roman" panose="02020603050405020304" pitchFamily="18" charset="0"/>
-              </a:rPr>
-              <a:t>comprehensive information on household socioeconomic status, including detailed expenditure modules,</a:t>
-            </a:r>
-          </a:p>
-          <a:p>
-            <a:r>
-              <a:rPr lang="en-GB" sz="1800" dirty="0">
-                <a:effectLst/>
-                <a:latin typeface="Calibri" panose="020F0502020204030204" pitchFamily="34" charset="0"/>
-                <a:ea typeface="DengXian" panose="02010600030101010101" pitchFamily="2" charset="-122"/>
-                <a:cs typeface="Times New Roman" panose="02020603050405020304" pitchFamily="18" charset="0"/>
-              </a:rPr>
-              <a:t>extensive information on child health and nutrition, including child height and weight, and one measure of child cognitive development, the TVIP</a:t>
-            </a:r>
-            <a:endParaRPr lang="es-ES" dirty="0"/>
+            <a:endParaRPr lang="es-ES" sz="1050" dirty="0"/>
           </a:p>
         </p:txBody>
       </p:sp>
       <p:sp>
         <p:nvSpPr>
-          <p:cNvPr id="41" name="TextBox 40">
+          <p:cNvPr id="24" name="CuadroTexto 23">
             <a:extLst>
               <a:ext uri="{FF2B5EF4-FFF2-40B4-BE49-F238E27FC236}">
-                <a16:creationId xmlns:a16="http://schemas.microsoft.com/office/drawing/2014/main" id="{1D2032B9-89DE-AB5B-A730-BC9BE5A3E9A4}"/>
+                <a16:creationId xmlns:a16="http://schemas.microsoft.com/office/drawing/2014/main" id="{68E63609-E58A-89EB-5C0B-83CF6E32A4F2}"/>
               </a:ext>
             </a:extLst>
           </p:cNvPr>
@@ -5355,8 +7846,8 @@
         </p:nvSpPr>
         <p:spPr>
           <a:xfrm>
-            <a:off x="5364866" y="421188"/>
-            <a:ext cx="4803492" cy="7072962"/>
+            <a:off x="1098890" y="2078504"/>
+            <a:ext cx="3230901" cy="642184"/>
           </a:xfrm>
           <a:prstGeom prst="rect">
             <a:avLst/>
@@ -5369,190 +7860,806 @@
           </a:bodyPr>
           <a:lstStyle/>
           <a:p>
-            <a:pPr>
-              <a:lnSpc>
-                <a:spcPct val="107000"/>
-              </a:lnSpc>
-              <a:spcAft>
-                <a:spcPts val="800"/>
-              </a:spcAft>
-            </a:pPr>
+            <a:pPr algn="r"/>
             <a:r>
-              <a:rPr lang="en-GB" sz="1800" dirty="0">
-                <a:effectLst/>
+              <a:rPr lang="en-GB" sz="1050" dirty="0">
                 <a:latin typeface="Calibri" panose="020F0502020204030204" pitchFamily="34" charset="0"/>
                 <a:ea typeface="DengXian" panose="02010600030101010101" pitchFamily="2" charset="-122"/>
                 <a:cs typeface="Times New Roman" panose="02020603050405020304" pitchFamily="18" charset="0"/>
               </a:rPr>
-              <a:t>Follow-up </a:t>
+              <a:t>comprehensive information on household socioeconomic status, including detailed expenditure modules</a:t>
             </a:r>
-          </a:p>
-          <a:p>
-            <a:pPr>
-              <a:lnSpc>
-                <a:spcPct val="107000"/>
-              </a:lnSpc>
-              <a:spcAft>
-                <a:spcPts val="800"/>
-              </a:spcAft>
-            </a:pPr>
-            <a:r>
-              <a:rPr lang="en-GB" sz="1800" dirty="0">
-                <a:effectLst/>
-                <a:latin typeface="Calibri" panose="020F0502020204030204" pitchFamily="34" charset="0"/>
-                <a:ea typeface="DengXian" panose="02010600030101010101" pitchFamily="2" charset="-122"/>
-                <a:cs typeface="Times New Roman" panose="02020603050405020304" pitchFamily="18" charset="0"/>
-              </a:rPr>
-              <a:t>assess child development. Social-personal, language, fine motor, and gross motor skills for all children using the four sub-scales of the Denver Developmental Screening Test </a:t>
-            </a:r>
-          </a:p>
-          <a:p>
-            <a:pPr>
-              <a:lnSpc>
-                <a:spcPct val="107000"/>
-              </a:lnSpc>
-              <a:spcAft>
-                <a:spcPts val="800"/>
-              </a:spcAft>
-            </a:pPr>
-            <a:r>
-              <a:rPr lang="en-GB" sz="1800" dirty="0">
-                <a:effectLst/>
-                <a:latin typeface="Calibri" panose="020F0502020204030204" pitchFamily="34" charset="0"/>
-                <a:ea typeface="DengXian" panose="02010600030101010101" pitchFamily="2" charset="-122"/>
-                <a:cs typeface="Times New Roman" panose="02020603050405020304" pitchFamily="18" charset="0"/>
-              </a:rPr>
-              <a:t>For children age 36 months and older, we applied five additional tests. The first of these is the TVIP. We also use a short-term memory test from the McCarthy test battery</a:t>
-            </a:r>
-          </a:p>
-          <a:p>
-            <a:pPr>
-              <a:lnSpc>
-                <a:spcPct val="107000"/>
-              </a:lnSpc>
-              <a:spcAft>
-                <a:spcPts val="800"/>
-              </a:spcAft>
-            </a:pPr>
-            <a:r>
-              <a:rPr lang="en-GB" sz="1800" dirty="0">
-                <a:effectLst/>
-                <a:latin typeface="Calibri" panose="020F0502020204030204" pitchFamily="34" charset="0"/>
-                <a:ea typeface="DengXian" panose="02010600030101010101" pitchFamily="2" charset="-122"/>
-                <a:cs typeface="Times New Roman" panose="02020603050405020304" pitchFamily="18" charset="0"/>
-              </a:rPr>
-              <a:t>test of leg motor development from the McCarthy test battery </a:t>
-            </a:r>
-          </a:p>
-          <a:p>
-            <a:pPr>
-              <a:lnSpc>
-                <a:spcPct val="107000"/>
-              </a:lnSpc>
-              <a:spcAft>
-                <a:spcPts val="800"/>
-              </a:spcAft>
-            </a:pPr>
-            <a:r>
-              <a:rPr lang="en-GB" sz="1800" dirty="0">
-                <a:effectLst/>
-                <a:latin typeface="Calibri" panose="020F0502020204030204" pitchFamily="34" charset="0"/>
-                <a:ea typeface="DengXian" panose="02010600030101010101" pitchFamily="2" charset="-122"/>
-                <a:cs typeface="Times New Roman" panose="02020603050405020304" pitchFamily="18" charset="0"/>
-              </a:rPr>
-              <a:t>The final test we use is the </a:t>
-            </a:r>
-            <a:r>
-              <a:rPr lang="en-GB" sz="1800" dirty="0" err="1">
-                <a:effectLst/>
-                <a:latin typeface="Calibri" panose="020F0502020204030204" pitchFamily="34" charset="0"/>
-                <a:ea typeface="DengXian" panose="02010600030101010101" pitchFamily="2" charset="-122"/>
-                <a:cs typeface="Times New Roman" panose="02020603050405020304" pitchFamily="18" charset="0"/>
-              </a:rPr>
-              <a:t>Behavior</a:t>
-            </a:r>
-            <a:r>
-              <a:rPr lang="en-GB" sz="1800" dirty="0">
-                <a:effectLst/>
-                <a:latin typeface="Calibri" panose="020F0502020204030204" pitchFamily="34" charset="0"/>
-                <a:ea typeface="DengXian" panose="02010600030101010101" pitchFamily="2" charset="-122"/>
-                <a:cs typeface="Times New Roman" panose="02020603050405020304" pitchFamily="18" charset="0"/>
-              </a:rPr>
-              <a:t> Problem Index (BPI), </a:t>
-            </a:r>
-          </a:p>
-          <a:p>
-            <a:pPr>
-              <a:lnSpc>
-                <a:spcPct val="107000"/>
-              </a:lnSpc>
-              <a:spcAft>
-                <a:spcPts val="800"/>
-              </a:spcAft>
-            </a:pPr>
-            <a:endParaRPr lang="es-ES" sz="1800" dirty="0">
-              <a:effectLst/>
-              <a:latin typeface="Calibri" panose="020F0502020204030204" pitchFamily="34" charset="0"/>
-              <a:ea typeface="DengXian" panose="02010600030101010101" pitchFamily="2" charset="-122"/>
-              <a:cs typeface="Times New Roman" panose="02020603050405020304" pitchFamily="18" charset="0"/>
-            </a:endParaRPr>
-          </a:p>
-          <a:p>
-            <a:r>
-              <a:rPr lang="en-GB" sz="1800" dirty="0">
-                <a:effectLst/>
-                <a:latin typeface="Calibri" panose="020F0502020204030204" pitchFamily="34" charset="0"/>
-                <a:ea typeface="DengXian" panose="02010600030101010101" pitchFamily="2" charset="-122"/>
-                <a:cs typeface="Times New Roman" panose="02020603050405020304" pitchFamily="18" charset="0"/>
-              </a:rPr>
-              <a:t>The two follow-up surveys also include information on stimulation, birthweight, preventive health care, and caregivers' mental health.</a:t>
-            </a:r>
-          </a:p>
-          <a:p>
-            <a:endParaRPr lang="en-GB" dirty="0">
-              <a:latin typeface="Calibri" panose="020F0502020204030204" pitchFamily="34" charset="0"/>
-              <a:ea typeface="DengXian" panose="02010600030101010101" pitchFamily="2" charset="-122"/>
-              <a:cs typeface="Times New Roman" panose="02020603050405020304" pitchFamily="18" charset="0"/>
-            </a:endParaRPr>
-          </a:p>
-          <a:p>
-            <a:r>
-              <a:rPr lang="en-GB" sz="1800" dirty="0">
-                <a:effectLst/>
-                <a:latin typeface="Calibri" panose="020F0502020204030204" pitchFamily="34" charset="0"/>
-                <a:ea typeface="DengXian" panose="02010600030101010101" pitchFamily="2" charset="-122"/>
-                <a:cs typeface="Times New Roman" panose="02020603050405020304" pitchFamily="18" charset="0"/>
-              </a:rPr>
-              <a:t>Finally, caregivers' observed parenting </a:t>
-            </a:r>
-            <a:r>
-              <a:rPr lang="en-GB" sz="1800" dirty="0" err="1">
-                <a:effectLst/>
-                <a:latin typeface="Calibri" panose="020F0502020204030204" pitchFamily="34" charset="0"/>
-                <a:ea typeface="DengXian" panose="02010600030101010101" pitchFamily="2" charset="-122"/>
-                <a:cs typeface="Times New Roman" panose="02020603050405020304" pitchFamily="18" charset="0"/>
-              </a:rPr>
-              <a:t>behavior</a:t>
-            </a:r>
-            <a:r>
-              <a:rPr lang="en-GB" sz="1800" dirty="0">
-                <a:effectLst/>
-                <a:latin typeface="Calibri" panose="020F0502020204030204" pitchFamily="34" charset="0"/>
-                <a:ea typeface="DengXian" panose="02010600030101010101" pitchFamily="2" charset="-122"/>
-                <a:cs typeface="Times New Roman" panose="02020603050405020304" pitchFamily="18" charset="0"/>
-              </a:rPr>
-              <a:t> was registered through a shortened version of the HOME score</a:t>
-            </a:r>
-            <a:endParaRPr lang="es-ES" dirty="0"/>
+            <a:endParaRPr lang="es-ES" sz="1050" dirty="0"/>
+          </a:p>
+        </p:txBody>
+      </p:sp>
+      <p:sp>
+        <p:nvSpPr>
+          <p:cNvPr id="19" name="Forma libre: forma 18">
+            <a:extLst>
+              <a:ext uri="{FF2B5EF4-FFF2-40B4-BE49-F238E27FC236}">
+                <a16:creationId xmlns:a16="http://schemas.microsoft.com/office/drawing/2014/main" id="{DD50BB1B-CE33-E62A-C818-B3D0C1C13035}"/>
+              </a:ext>
+            </a:extLst>
+          </p:cNvPr>
+          <p:cNvSpPr/>
+          <p:nvPr/>
+        </p:nvSpPr>
+        <p:spPr>
+          <a:xfrm>
+            <a:off x="4558257" y="2056562"/>
+            <a:ext cx="667757" cy="572376"/>
+          </a:xfrm>
+          <a:custGeom>
+            <a:avLst/>
+            <a:gdLst>
+              <a:gd name="connsiteX0" fmla="*/ 470588 w 800081"/>
+              <a:gd name="connsiteY0" fmla="*/ 504485 h 685800"/>
+              <a:gd name="connsiteX1" fmla="*/ 482608 w 800081"/>
+              <a:gd name="connsiteY1" fmla="*/ 512045 h 685800"/>
+              <a:gd name="connsiteX2" fmla="*/ 486165 w 800081"/>
+              <a:gd name="connsiteY2" fmla="*/ 537742 h 685800"/>
+              <a:gd name="connsiteX3" fmla="*/ 482723 w 800081"/>
+              <a:gd name="connsiteY3" fmla="*/ 564946 h 685800"/>
+              <a:gd name="connsiteX4" fmla="*/ 470588 w 800081"/>
+              <a:gd name="connsiteY4" fmla="*/ 573044 h 685800"/>
+              <a:gd name="connsiteX5" fmla="*/ 458478 w 800081"/>
+              <a:gd name="connsiteY5" fmla="*/ 565189 h 685800"/>
+              <a:gd name="connsiteX6" fmla="*/ 454867 w 800081"/>
+              <a:gd name="connsiteY6" fmla="*/ 538327 h 685800"/>
+              <a:gd name="connsiteX7" fmla="*/ 456409 w 800081"/>
+              <a:gd name="connsiteY7" fmla="*/ 518489 h 685800"/>
+              <a:gd name="connsiteX8" fmla="*/ 461297 w 800081"/>
+              <a:gd name="connsiteY8" fmla="*/ 507830 h 685800"/>
+              <a:gd name="connsiteX9" fmla="*/ 470588 w 800081"/>
+              <a:gd name="connsiteY9" fmla="*/ 504485 h 685800"/>
+              <a:gd name="connsiteX10" fmla="*/ 469929 w 800081"/>
+              <a:gd name="connsiteY10" fmla="*/ 480242 h 685800"/>
+              <a:gd name="connsiteX11" fmla="*/ 433110 w 800081"/>
+              <a:gd name="connsiteY11" fmla="*/ 495621 h 685800"/>
+              <a:gd name="connsiteX12" fmla="*/ 421481 w 800081"/>
+              <a:gd name="connsiteY12" fmla="*/ 540546 h 685800"/>
+              <a:gd name="connsiteX13" fmla="*/ 427737 w 800081"/>
+              <a:gd name="connsiteY13" fmla="*/ 571985 h 685800"/>
+              <a:gd name="connsiteX14" fmla="*/ 445188 w 800081"/>
+              <a:gd name="connsiteY14" fmla="*/ 591073 h 685800"/>
+              <a:gd name="connsiteX15" fmla="*/ 470513 w 800081"/>
+              <a:gd name="connsiteY15" fmla="*/ 597338 h 685800"/>
+              <a:gd name="connsiteX16" fmla="*/ 506413 w 800081"/>
+              <a:gd name="connsiteY16" fmla="*/ 582782 h 685800"/>
+              <a:gd name="connsiteX17" fmla="*/ 519550 w 800081"/>
+              <a:gd name="connsiteY17" fmla="*/ 539202 h 685800"/>
+              <a:gd name="connsiteX18" fmla="*/ 516474 w 800081"/>
+              <a:gd name="connsiteY18" fmla="*/ 513910 h 685800"/>
+              <a:gd name="connsiteX19" fmla="*/ 506852 w 800081"/>
+              <a:gd name="connsiteY19" fmla="*/ 495346 h 685800"/>
+              <a:gd name="connsiteX20" fmla="*/ 491123 w 800081"/>
+              <a:gd name="connsiteY20" fmla="*/ 484010 h 685800"/>
+              <a:gd name="connsiteX21" fmla="*/ 469929 w 800081"/>
+              <a:gd name="connsiteY21" fmla="*/ 480242 h 685800"/>
+              <a:gd name="connsiteX22" fmla="*/ 320881 w 800081"/>
+              <a:gd name="connsiteY22" fmla="*/ 398665 h 685800"/>
+              <a:gd name="connsiteX23" fmla="*/ 332958 w 800081"/>
+              <a:gd name="connsiteY23" fmla="*/ 406209 h 685800"/>
+              <a:gd name="connsiteX24" fmla="*/ 336527 w 800081"/>
+              <a:gd name="connsiteY24" fmla="*/ 432144 h 685800"/>
+              <a:gd name="connsiteX25" fmla="*/ 333151 w 800081"/>
+              <a:gd name="connsiteY25" fmla="*/ 459393 h 685800"/>
+              <a:gd name="connsiteX26" fmla="*/ 320881 w 800081"/>
+              <a:gd name="connsiteY26" fmla="*/ 467374 h 685800"/>
+              <a:gd name="connsiteX27" fmla="*/ 311661 w 800081"/>
+              <a:gd name="connsiteY27" fmla="*/ 464021 h 685800"/>
+              <a:gd name="connsiteX28" fmla="*/ 306938 w 800081"/>
+              <a:gd name="connsiteY28" fmla="*/ 453192 h 685800"/>
+              <a:gd name="connsiteX29" fmla="*/ 305527 w 800081"/>
+              <a:gd name="connsiteY29" fmla="*/ 432729 h 685800"/>
+              <a:gd name="connsiteX30" fmla="*/ 306930 w 800081"/>
+              <a:gd name="connsiteY30" fmla="*/ 412863 h 685800"/>
+              <a:gd name="connsiteX31" fmla="*/ 311765 w 800081"/>
+              <a:gd name="connsiteY31" fmla="*/ 402079 h 685800"/>
+              <a:gd name="connsiteX32" fmla="*/ 320881 w 800081"/>
+              <a:gd name="connsiteY32" fmla="*/ 398665 h 685800"/>
+              <a:gd name="connsiteX33" fmla="*/ 320296 w 800081"/>
+              <a:gd name="connsiteY33" fmla="*/ 374372 h 685800"/>
+              <a:gd name="connsiteX34" fmla="*/ 292670 w 800081"/>
+              <a:gd name="connsiteY34" fmla="*/ 381487 h 685800"/>
+              <a:gd name="connsiteX35" fmla="*/ 276906 w 800081"/>
+              <a:gd name="connsiteY35" fmla="*/ 401961 h 685800"/>
+              <a:gd name="connsiteX36" fmla="*/ 272142 w 800081"/>
+              <a:gd name="connsiteY36" fmla="*/ 434892 h 685800"/>
+              <a:gd name="connsiteX37" fmla="*/ 278341 w 800081"/>
+              <a:gd name="connsiteY37" fmla="*/ 466287 h 685800"/>
+              <a:gd name="connsiteX38" fmla="*/ 295705 w 800081"/>
+              <a:gd name="connsiteY38" fmla="*/ 485455 h 685800"/>
+              <a:gd name="connsiteX39" fmla="*/ 320881 w 800081"/>
+              <a:gd name="connsiteY39" fmla="*/ 491616 h 685800"/>
+              <a:gd name="connsiteX40" fmla="*/ 356776 w 800081"/>
+              <a:gd name="connsiteY40" fmla="*/ 477077 h 685800"/>
+              <a:gd name="connsiteX41" fmla="*/ 369913 w 800081"/>
+              <a:gd name="connsiteY41" fmla="*/ 433541 h 685800"/>
+              <a:gd name="connsiteX42" fmla="*/ 366838 w 800081"/>
+              <a:gd name="connsiteY42" fmla="*/ 408361 h 685800"/>
+              <a:gd name="connsiteX43" fmla="*/ 357309 w 800081"/>
+              <a:gd name="connsiteY43" fmla="*/ 389686 h 685800"/>
+              <a:gd name="connsiteX44" fmla="*/ 341577 w 800081"/>
+              <a:gd name="connsiteY44" fmla="*/ 378140 h 685800"/>
+              <a:gd name="connsiteX45" fmla="*/ 320296 w 800081"/>
+              <a:gd name="connsiteY45" fmla="*/ 374372 h 685800"/>
+              <a:gd name="connsiteX46" fmla="*/ 459913 w 800081"/>
+              <a:gd name="connsiteY46" fmla="*/ 372618 h 685800"/>
+              <a:gd name="connsiteX47" fmla="*/ 451043 w 800081"/>
+              <a:gd name="connsiteY47" fmla="*/ 376003 h 685800"/>
+              <a:gd name="connsiteX48" fmla="*/ 444356 w 800081"/>
+              <a:gd name="connsiteY48" fmla="*/ 385667 h 685800"/>
+              <a:gd name="connsiteX49" fmla="*/ 322488 w 800081"/>
+              <a:gd name="connsiteY49" fmla="*/ 582364 h 685800"/>
+              <a:gd name="connsiteX50" fmla="*/ 318925 w 800081"/>
+              <a:gd name="connsiteY50" fmla="*/ 591707 h 685800"/>
+              <a:gd name="connsiteX51" fmla="*/ 323276 w 800081"/>
+              <a:gd name="connsiteY51" fmla="*/ 600607 h 685800"/>
+              <a:gd name="connsiteX52" fmla="*/ 332019 w 800081"/>
+              <a:gd name="connsiteY52" fmla="*/ 603914 h 685800"/>
+              <a:gd name="connsiteX53" fmla="*/ 345570 w 800081"/>
+              <a:gd name="connsiteY53" fmla="*/ 593870 h 685800"/>
+              <a:gd name="connsiteX54" fmla="*/ 466946 w 800081"/>
+              <a:gd name="connsiteY54" fmla="*/ 398288 h 685800"/>
+              <a:gd name="connsiteX55" fmla="*/ 472840 w 800081"/>
+              <a:gd name="connsiteY55" fmla="*/ 384980 h 685800"/>
+              <a:gd name="connsiteX56" fmla="*/ 469203 w 800081"/>
+              <a:gd name="connsiteY56" fmla="*/ 376066 h 685800"/>
+              <a:gd name="connsiteX57" fmla="*/ 459913 w 800081"/>
+              <a:gd name="connsiteY57" fmla="*/ 372618 h 685800"/>
+              <a:gd name="connsiteX58" fmla="*/ 400031 w 800081"/>
+              <a:gd name="connsiteY58" fmla="*/ 131121 h 685800"/>
+              <a:gd name="connsiteX59" fmla="*/ 685781 w 800081"/>
+              <a:gd name="connsiteY59" fmla="*/ 402564 h 685800"/>
+              <a:gd name="connsiteX60" fmla="*/ 685781 w 800081"/>
+              <a:gd name="connsiteY60" fmla="*/ 685800 h 685800"/>
+              <a:gd name="connsiteX61" fmla="*/ 114281 w 800081"/>
+              <a:gd name="connsiteY61" fmla="*/ 685800 h 685800"/>
+              <a:gd name="connsiteX62" fmla="*/ 114281 w 800081"/>
+              <a:gd name="connsiteY62" fmla="*/ 402583 h 685800"/>
+              <a:gd name="connsiteX63" fmla="*/ 400031 w 800081"/>
+              <a:gd name="connsiteY63" fmla="*/ 0 h 685800"/>
+              <a:gd name="connsiteX64" fmla="*/ 400050 w 800081"/>
+              <a:gd name="connsiteY64" fmla="*/ 0 h 685800"/>
+              <a:gd name="connsiteX65" fmla="*/ 800081 w 800081"/>
+              <a:gd name="connsiteY65" fmla="*/ 380552 h 685800"/>
+              <a:gd name="connsiteX66" fmla="*/ 756837 w 800081"/>
+              <a:gd name="connsiteY66" fmla="*/ 417509 h 685800"/>
+              <a:gd name="connsiteX67" fmla="*/ 400050 w 800081"/>
+              <a:gd name="connsiteY67" fmla="*/ 78581 h 685800"/>
+              <a:gd name="connsiteX68" fmla="*/ 400031 w 800081"/>
+              <a:gd name="connsiteY68" fmla="*/ 78581 h 685800"/>
+              <a:gd name="connsiteX69" fmla="*/ 43244 w 800081"/>
+              <a:gd name="connsiteY69" fmla="*/ 417509 h 685800"/>
+              <a:gd name="connsiteX70" fmla="*/ 0 w 800081"/>
+              <a:gd name="connsiteY70" fmla="*/ 380552 h 685800"/>
+            </a:gdLst>
+            <a:ahLst/>
+            <a:cxnLst>
+              <a:cxn ang="0">
+                <a:pos x="connsiteX0" y="connsiteY0"/>
+              </a:cxn>
+              <a:cxn ang="0">
+                <a:pos x="connsiteX1" y="connsiteY1"/>
+              </a:cxn>
+              <a:cxn ang="0">
+                <a:pos x="connsiteX2" y="connsiteY2"/>
+              </a:cxn>
+              <a:cxn ang="0">
+                <a:pos x="connsiteX3" y="connsiteY3"/>
+              </a:cxn>
+              <a:cxn ang="0">
+                <a:pos x="connsiteX4" y="connsiteY4"/>
+              </a:cxn>
+              <a:cxn ang="0">
+                <a:pos x="connsiteX5" y="connsiteY5"/>
+              </a:cxn>
+              <a:cxn ang="0">
+                <a:pos x="connsiteX6" y="connsiteY6"/>
+              </a:cxn>
+              <a:cxn ang="0">
+                <a:pos x="connsiteX7" y="connsiteY7"/>
+              </a:cxn>
+              <a:cxn ang="0">
+                <a:pos x="connsiteX8" y="connsiteY8"/>
+              </a:cxn>
+              <a:cxn ang="0">
+                <a:pos x="connsiteX9" y="connsiteY9"/>
+              </a:cxn>
+              <a:cxn ang="0">
+                <a:pos x="connsiteX10" y="connsiteY10"/>
+              </a:cxn>
+              <a:cxn ang="0">
+                <a:pos x="connsiteX11" y="connsiteY11"/>
+              </a:cxn>
+              <a:cxn ang="0">
+                <a:pos x="connsiteX12" y="connsiteY12"/>
+              </a:cxn>
+              <a:cxn ang="0">
+                <a:pos x="connsiteX13" y="connsiteY13"/>
+              </a:cxn>
+              <a:cxn ang="0">
+                <a:pos x="connsiteX14" y="connsiteY14"/>
+              </a:cxn>
+              <a:cxn ang="0">
+                <a:pos x="connsiteX15" y="connsiteY15"/>
+              </a:cxn>
+              <a:cxn ang="0">
+                <a:pos x="connsiteX16" y="connsiteY16"/>
+              </a:cxn>
+              <a:cxn ang="0">
+                <a:pos x="connsiteX17" y="connsiteY17"/>
+              </a:cxn>
+              <a:cxn ang="0">
+                <a:pos x="connsiteX18" y="connsiteY18"/>
+              </a:cxn>
+              <a:cxn ang="0">
+                <a:pos x="connsiteX19" y="connsiteY19"/>
+              </a:cxn>
+              <a:cxn ang="0">
+                <a:pos x="connsiteX20" y="connsiteY20"/>
+              </a:cxn>
+              <a:cxn ang="0">
+                <a:pos x="connsiteX21" y="connsiteY21"/>
+              </a:cxn>
+              <a:cxn ang="0">
+                <a:pos x="connsiteX22" y="connsiteY22"/>
+              </a:cxn>
+              <a:cxn ang="0">
+                <a:pos x="connsiteX23" y="connsiteY23"/>
+              </a:cxn>
+              <a:cxn ang="0">
+                <a:pos x="connsiteX24" y="connsiteY24"/>
+              </a:cxn>
+              <a:cxn ang="0">
+                <a:pos x="connsiteX25" y="connsiteY25"/>
+              </a:cxn>
+              <a:cxn ang="0">
+                <a:pos x="connsiteX26" y="connsiteY26"/>
+              </a:cxn>
+              <a:cxn ang="0">
+                <a:pos x="connsiteX27" y="connsiteY27"/>
+              </a:cxn>
+              <a:cxn ang="0">
+                <a:pos x="connsiteX28" y="connsiteY28"/>
+              </a:cxn>
+              <a:cxn ang="0">
+                <a:pos x="connsiteX29" y="connsiteY29"/>
+              </a:cxn>
+              <a:cxn ang="0">
+                <a:pos x="connsiteX30" y="connsiteY30"/>
+              </a:cxn>
+              <a:cxn ang="0">
+                <a:pos x="connsiteX31" y="connsiteY31"/>
+              </a:cxn>
+              <a:cxn ang="0">
+                <a:pos x="connsiteX32" y="connsiteY32"/>
+              </a:cxn>
+              <a:cxn ang="0">
+                <a:pos x="connsiteX33" y="connsiteY33"/>
+              </a:cxn>
+              <a:cxn ang="0">
+                <a:pos x="connsiteX34" y="connsiteY34"/>
+              </a:cxn>
+              <a:cxn ang="0">
+                <a:pos x="connsiteX35" y="connsiteY35"/>
+              </a:cxn>
+              <a:cxn ang="0">
+                <a:pos x="connsiteX36" y="connsiteY36"/>
+              </a:cxn>
+              <a:cxn ang="0">
+                <a:pos x="connsiteX37" y="connsiteY37"/>
+              </a:cxn>
+              <a:cxn ang="0">
+                <a:pos x="connsiteX38" y="connsiteY38"/>
+              </a:cxn>
+              <a:cxn ang="0">
+                <a:pos x="connsiteX39" y="connsiteY39"/>
+              </a:cxn>
+              <a:cxn ang="0">
+                <a:pos x="connsiteX40" y="connsiteY40"/>
+              </a:cxn>
+              <a:cxn ang="0">
+                <a:pos x="connsiteX41" y="connsiteY41"/>
+              </a:cxn>
+              <a:cxn ang="0">
+                <a:pos x="connsiteX42" y="connsiteY42"/>
+              </a:cxn>
+              <a:cxn ang="0">
+                <a:pos x="connsiteX43" y="connsiteY43"/>
+              </a:cxn>
+              <a:cxn ang="0">
+                <a:pos x="connsiteX44" y="connsiteY44"/>
+              </a:cxn>
+              <a:cxn ang="0">
+                <a:pos x="connsiteX45" y="connsiteY45"/>
+              </a:cxn>
+              <a:cxn ang="0">
+                <a:pos x="connsiteX46" y="connsiteY46"/>
+              </a:cxn>
+              <a:cxn ang="0">
+                <a:pos x="connsiteX47" y="connsiteY47"/>
+              </a:cxn>
+              <a:cxn ang="0">
+                <a:pos x="connsiteX48" y="connsiteY48"/>
+              </a:cxn>
+              <a:cxn ang="0">
+                <a:pos x="connsiteX49" y="connsiteY49"/>
+              </a:cxn>
+              <a:cxn ang="0">
+                <a:pos x="connsiteX50" y="connsiteY50"/>
+              </a:cxn>
+              <a:cxn ang="0">
+                <a:pos x="connsiteX51" y="connsiteY51"/>
+              </a:cxn>
+              <a:cxn ang="0">
+                <a:pos x="connsiteX52" y="connsiteY52"/>
+              </a:cxn>
+              <a:cxn ang="0">
+                <a:pos x="connsiteX53" y="connsiteY53"/>
+              </a:cxn>
+              <a:cxn ang="0">
+                <a:pos x="connsiteX54" y="connsiteY54"/>
+              </a:cxn>
+              <a:cxn ang="0">
+                <a:pos x="connsiteX55" y="connsiteY55"/>
+              </a:cxn>
+              <a:cxn ang="0">
+                <a:pos x="connsiteX56" y="connsiteY56"/>
+              </a:cxn>
+              <a:cxn ang="0">
+                <a:pos x="connsiteX57" y="connsiteY57"/>
+              </a:cxn>
+              <a:cxn ang="0">
+                <a:pos x="connsiteX58" y="connsiteY58"/>
+              </a:cxn>
+              <a:cxn ang="0">
+                <a:pos x="connsiteX59" y="connsiteY59"/>
+              </a:cxn>
+              <a:cxn ang="0">
+                <a:pos x="connsiteX60" y="connsiteY60"/>
+              </a:cxn>
+              <a:cxn ang="0">
+                <a:pos x="connsiteX61" y="connsiteY61"/>
+              </a:cxn>
+              <a:cxn ang="0">
+                <a:pos x="connsiteX62" y="connsiteY62"/>
+              </a:cxn>
+              <a:cxn ang="0">
+                <a:pos x="connsiteX63" y="connsiteY63"/>
+              </a:cxn>
+              <a:cxn ang="0">
+                <a:pos x="connsiteX64" y="connsiteY64"/>
+              </a:cxn>
+              <a:cxn ang="0">
+                <a:pos x="connsiteX65" y="connsiteY65"/>
+              </a:cxn>
+              <a:cxn ang="0">
+                <a:pos x="connsiteX66" y="connsiteY66"/>
+              </a:cxn>
+              <a:cxn ang="0">
+                <a:pos x="connsiteX67" y="connsiteY67"/>
+              </a:cxn>
+              <a:cxn ang="0">
+                <a:pos x="connsiteX68" y="connsiteY68"/>
+              </a:cxn>
+              <a:cxn ang="0">
+                <a:pos x="connsiteX69" y="connsiteY69"/>
+              </a:cxn>
+              <a:cxn ang="0">
+                <a:pos x="connsiteX70" y="connsiteY70"/>
+              </a:cxn>
+            </a:cxnLst>
+            <a:rect l="l" t="t" r="r" b="b"/>
+            <a:pathLst>
+              <a:path w="800081" h="685800">
+                <a:moveTo>
+                  <a:pt x="470588" y="504485"/>
+                </a:moveTo>
+                <a:cubicBezTo>
+                  <a:pt x="476230" y="504485"/>
+                  <a:pt x="480237" y="507005"/>
+                  <a:pt x="482608" y="512045"/>
+                </a:cubicBezTo>
+                <a:cubicBezTo>
+                  <a:pt x="484979" y="517084"/>
+                  <a:pt x="486165" y="525650"/>
+                  <a:pt x="486165" y="537742"/>
+                </a:cubicBezTo>
+                <a:cubicBezTo>
+                  <a:pt x="486165" y="550479"/>
+                  <a:pt x="485018" y="559547"/>
+                  <a:pt x="482723" y="564946"/>
+                </a:cubicBezTo>
+                <a:cubicBezTo>
+                  <a:pt x="480429" y="570345"/>
+                  <a:pt x="476384" y="573044"/>
+                  <a:pt x="470588" y="573044"/>
+                </a:cubicBezTo>
+                <a:cubicBezTo>
+                  <a:pt x="464923" y="573044"/>
+                  <a:pt x="460886" y="570426"/>
+                  <a:pt x="458478" y="565189"/>
+                </a:cubicBezTo>
+                <a:cubicBezTo>
+                  <a:pt x="456070" y="559952"/>
+                  <a:pt x="454867" y="550998"/>
+                  <a:pt x="454867" y="538327"/>
+                </a:cubicBezTo>
+                <a:cubicBezTo>
+                  <a:pt x="454867" y="529978"/>
+                  <a:pt x="455381" y="523365"/>
+                  <a:pt x="456409" y="518489"/>
+                </a:cubicBezTo>
+                <a:cubicBezTo>
+                  <a:pt x="457438" y="513613"/>
+                  <a:pt x="459067" y="510061"/>
+                  <a:pt x="461297" y="507830"/>
+                </a:cubicBezTo>
+                <a:cubicBezTo>
+                  <a:pt x="463527" y="505600"/>
+                  <a:pt x="466625" y="504485"/>
+                  <a:pt x="470588" y="504485"/>
+                </a:cubicBezTo>
+                <a:close/>
+                <a:moveTo>
+                  <a:pt x="469929" y="480242"/>
+                </a:moveTo>
+                <a:cubicBezTo>
+                  <a:pt x="453135" y="480242"/>
+                  <a:pt x="440863" y="485369"/>
+                  <a:pt x="433110" y="495621"/>
+                </a:cubicBezTo>
+                <a:cubicBezTo>
+                  <a:pt x="425358" y="505872"/>
+                  <a:pt x="421481" y="520848"/>
+                  <a:pt x="421481" y="540546"/>
+                </a:cubicBezTo>
+                <a:cubicBezTo>
+                  <a:pt x="421481" y="552957"/>
+                  <a:pt x="423566" y="563436"/>
+                  <a:pt x="427737" y="571985"/>
+                </a:cubicBezTo>
+                <a:cubicBezTo>
+                  <a:pt x="431906" y="580533"/>
+                  <a:pt x="437724" y="586896"/>
+                  <a:pt x="445188" y="591073"/>
+                </a:cubicBezTo>
+                <a:cubicBezTo>
+                  <a:pt x="452653" y="595250"/>
+                  <a:pt x="461094" y="597338"/>
+                  <a:pt x="470513" y="597338"/>
+                </a:cubicBezTo>
+                <a:cubicBezTo>
+                  <a:pt x="485687" y="597338"/>
+                  <a:pt x="497654" y="592486"/>
+                  <a:pt x="506413" y="582782"/>
+                </a:cubicBezTo>
+                <a:cubicBezTo>
+                  <a:pt x="515171" y="573078"/>
+                  <a:pt x="519550" y="558551"/>
+                  <a:pt x="519550" y="539202"/>
+                </a:cubicBezTo>
+                <a:cubicBezTo>
+                  <a:pt x="519550" y="529671"/>
+                  <a:pt x="518525" y="521241"/>
+                  <a:pt x="516474" y="513910"/>
+                </a:cubicBezTo>
+                <a:cubicBezTo>
+                  <a:pt x="514423" y="506579"/>
+                  <a:pt x="511216" y="500391"/>
+                  <a:pt x="506852" y="495346"/>
+                </a:cubicBezTo>
+                <a:cubicBezTo>
+                  <a:pt x="502489" y="490301"/>
+                  <a:pt x="497246" y="486523"/>
+                  <a:pt x="491123" y="484010"/>
+                </a:cubicBezTo>
+                <a:cubicBezTo>
+                  <a:pt x="485000" y="481499"/>
+                  <a:pt x="477935" y="480242"/>
+                  <a:pt x="469929" y="480242"/>
+                </a:cubicBezTo>
+                <a:close/>
+                <a:moveTo>
+                  <a:pt x="320881" y="398665"/>
+                </a:moveTo>
+                <a:cubicBezTo>
+                  <a:pt x="326552" y="398665"/>
+                  <a:pt x="330577" y="401180"/>
+                  <a:pt x="332958" y="406209"/>
+                </a:cubicBezTo>
+                <a:cubicBezTo>
+                  <a:pt x="335337" y="411237"/>
+                  <a:pt x="336527" y="419882"/>
+                  <a:pt x="336527" y="432144"/>
+                </a:cubicBezTo>
+                <a:cubicBezTo>
+                  <a:pt x="336527" y="444990"/>
+                  <a:pt x="335402" y="454073"/>
+                  <a:pt x="333151" y="459393"/>
+                </a:cubicBezTo>
+                <a:cubicBezTo>
+                  <a:pt x="330900" y="464714"/>
+                  <a:pt x="326809" y="467374"/>
+                  <a:pt x="320881" y="467374"/>
+                </a:cubicBezTo>
+                <a:cubicBezTo>
+                  <a:pt x="316942" y="467374"/>
+                  <a:pt x="313869" y="466256"/>
+                  <a:pt x="311661" y="464021"/>
+                </a:cubicBezTo>
+                <a:cubicBezTo>
+                  <a:pt x="309453" y="461787"/>
+                  <a:pt x="307879" y="458177"/>
+                  <a:pt x="306938" y="453192"/>
+                </a:cubicBezTo>
+                <a:cubicBezTo>
+                  <a:pt x="305997" y="448206"/>
+                  <a:pt x="305527" y="441386"/>
+                  <a:pt x="305527" y="432729"/>
+                </a:cubicBezTo>
+                <a:cubicBezTo>
+                  <a:pt x="305527" y="424399"/>
+                  <a:pt x="305994" y="417777"/>
+                  <a:pt x="306930" y="412863"/>
+                </a:cubicBezTo>
+                <a:cubicBezTo>
+                  <a:pt x="307866" y="407948"/>
+                  <a:pt x="309477" y="404354"/>
+                  <a:pt x="311765" y="402079"/>
+                </a:cubicBezTo>
+                <a:cubicBezTo>
+                  <a:pt x="314052" y="399803"/>
+                  <a:pt x="317091" y="398665"/>
+                  <a:pt x="320881" y="398665"/>
+                </a:cubicBezTo>
+                <a:close/>
+                <a:moveTo>
+                  <a:pt x="320296" y="374372"/>
+                </a:moveTo>
+                <a:cubicBezTo>
+                  <a:pt x="309211" y="374372"/>
+                  <a:pt x="300003" y="376743"/>
+                  <a:pt x="292670" y="381487"/>
+                </a:cubicBezTo>
+                <a:cubicBezTo>
+                  <a:pt x="285337" y="386229"/>
+                  <a:pt x="280083" y="393054"/>
+                  <a:pt x="276906" y="401961"/>
+                </a:cubicBezTo>
+                <a:cubicBezTo>
+                  <a:pt x="273730" y="410867"/>
+                  <a:pt x="272142" y="421845"/>
+                  <a:pt x="272142" y="434892"/>
+                </a:cubicBezTo>
+                <a:cubicBezTo>
+                  <a:pt x="272142" y="447151"/>
+                  <a:pt x="274208" y="457616"/>
+                  <a:pt x="278341" y="466287"/>
+                </a:cubicBezTo>
+                <a:cubicBezTo>
+                  <a:pt x="282473" y="474959"/>
+                  <a:pt x="288262" y="481348"/>
+                  <a:pt x="295705" y="485455"/>
+                </a:cubicBezTo>
+                <a:cubicBezTo>
+                  <a:pt x="303149" y="489562"/>
+                  <a:pt x="311541" y="491616"/>
+                  <a:pt x="320881" y="491616"/>
+                </a:cubicBezTo>
+                <a:cubicBezTo>
+                  <a:pt x="336053" y="491616"/>
+                  <a:pt x="348018" y="486770"/>
+                  <a:pt x="356776" y="477077"/>
+                </a:cubicBezTo>
+                <a:cubicBezTo>
+                  <a:pt x="365534" y="467384"/>
+                  <a:pt x="369913" y="452871"/>
+                  <a:pt x="369913" y="433541"/>
+                </a:cubicBezTo>
+                <a:cubicBezTo>
+                  <a:pt x="369913" y="424020"/>
+                  <a:pt x="368888" y="415627"/>
+                  <a:pt x="366838" y="408361"/>
+                </a:cubicBezTo>
+                <a:cubicBezTo>
+                  <a:pt x="364787" y="401096"/>
+                  <a:pt x="361612" y="394871"/>
+                  <a:pt x="357309" y="389686"/>
+                </a:cubicBezTo>
+                <a:cubicBezTo>
+                  <a:pt x="353008" y="384500"/>
+                  <a:pt x="347764" y="380652"/>
+                  <a:pt x="341577" y="378140"/>
+                </a:cubicBezTo>
+                <a:cubicBezTo>
+                  <a:pt x="335392" y="375628"/>
+                  <a:pt x="328298" y="374372"/>
+                  <a:pt x="320296" y="374372"/>
+                </a:cubicBezTo>
+                <a:close/>
+                <a:moveTo>
+                  <a:pt x="459913" y="372618"/>
+                </a:moveTo>
+                <a:cubicBezTo>
+                  <a:pt x="456007" y="372618"/>
+                  <a:pt x="453050" y="373746"/>
+                  <a:pt x="451043" y="376003"/>
+                </a:cubicBezTo>
+                <a:cubicBezTo>
+                  <a:pt x="449035" y="378260"/>
+                  <a:pt x="446807" y="381481"/>
+                  <a:pt x="444356" y="385667"/>
+                </a:cubicBezTo>
+                <a:lnTo>
+                  <a:pt x="322488" y="582364"/>
+                </a:lnTo>
+                <a:cubicBezTo>
+                  <a:pt x="320112" y="585922"/>
+                  <a:pt x="318925" y="589037"/>
+                  <a:pt x="318925" y="591707"/>
+                </a:cubicBezTo>
+                <a:cubicBezTo>
+                  <a:pt x="318925" y="595435"/>
+                  <a:pt x="320375" y="598401"/>
+                  <a:pt x="323276" y="600607"/>
+                </a:cubicBezTo>
+                <a:cubicBezTo>
+                  <a:pt x="326177" y="602812"/>
+                  <a:pt x="329091" y="603914"/>
+                  <a:pt x="332019" y="603914"/>
+                </a:cubicBezTo>
+                <a:cubicBezTo>
+                  <a:pt x="337161" y="603914"/>
+                  <a:pt x="341678" y="600566"/>
+                  <a:pt x="345570" y="593870"/>
+                </a:cubicBezTo>
+                <a:lnTo>
+                  <a:pt x="466946" y="398288"/>
+                </a:lnTo>
+                <a:cubicBezTo>
+                  <a:pt x="470875" y="392002"/>
+                  <a:pt x="472840" y="387566"/>
+                  <a:pt x="472840" y="384980"/>
+                </a:cubicBezTo>
+                <a:cubicBezTo>
+                  <a:pt x="472840" y="381335"/>
+                  <a:pt x="471627" y="378365"/>
+                  <a:pt x="469203" y="376066"/>
+                </a:cubicBezTo>
+                <a:cubicBezTo>
+                  <a:pt x="466780" y="373767"/>
+                  <a:pt x="463682" y="372618"/>
+                  <a:pt x="459913" y="372618"/>
+                </a:cubicBezTo>
+                <a:close/>
+                <a:moveTo>
+                  <a:pt x="400031" y="131121"/>
+                </a:moveTo>
+                <a:lnTo>
+                  <a:pt x="685781" y="402564"/>
+                </a:lnTo>
+                <a:lnTo>
+                  <a:pt x="685781" y="685800"/>
+                </a:lnTo>
+                <a:lnTo>
+                  <a:pt x="114281" y="685800"/>
+                </a:lnTo>
+                <a:lnTo>
+                  <a:pt x="114281" y="402583"/>
+                </a:lnTo>
+                <a:close/>
+                <a:moveTo>
+                  <a:pt x="400031" y="0"/>
+                </a:moveTo>
+                <a:lnTo>
+                  <a:pt x="400050" y="0"/>
+                </a:lnTo>
+                <a:lnTo>
+                  <a:pt x="800081" y="380552"/>
+                </a:lnTo>
+                <a:lnTo>
+                  <a:pt x="756837" y="417509"/>
+                </a:lnTo>
+                <a:lnTo>
+                  <a:pt x="400050" y="78581"/>
+                </a:lnTo>
+                <a:lnTo>
+                  <a:pt x="400031" y="78581"/>
+                </a:lnTo>
+                <a:lnTo>
+                  <a:pt x="43244" y="417509"/>
+                </a:lnTo>
+                <a:lnTo>
+                  <a:pt x="0" y="380552"/>
+                </a:lnTo>
+                <a:close/>
+              </a:path>
+            </a:pathLst>
+          </a:custGeom>
+          <a:solidFill>
+            <a:srgbClr val="388313"/>
+          </a:solidFill>
+          <a:ln w="9525" cap="flat">
+            <a:noFill/>
+            <a:prstDash val="solid"/>
+            <a:miter/>
+          </a:ln>
+        </p:spPr>
+        <p:txBody>
+          <a:bodyPr rot="0" spcFirstLastPara="0" vertOverflow="overflow" horzOverflow="overflow" vert="horz" wrap="square" lIns="68580" tIns="34290" rIns="68580" bIns="34290" numCol="1" spcCol="0" rtlCol="0" fromWordArt="0" anchor="ctr" anchorCtr="0" forceAA="0" compatLnSpc="1">
+            <a:prstTxWarp prst="textNoShape">
+              <a:avLst/>
+            </a:prstTxWarp>
+            <a:noAutofit/>
+          </a:bodyPr>
+          <a:lstStyle/>
+          <a:p>
+            <a:endParaRPr lang="es-ES" sz="1350"/>
+          </a:p>
+        </p:txBody>
+      </p:sp>
+      <p:sp>
+        <p:nvSpPr>
+          <p:cNvPr id="28" name="Elipse 27">
+            <a:extLst>
+              <a:ext uri="{FF2B5EF4-FFF2-40B4-BE49-F238E27FC236}">
+                <a16:creationId xmlns:a16="http://schemas.microsoft.com/office/drawing/2014/main" id="{AE842C5F-0F67-E375-900A-569E5879BACA}"/>
+              </a:ext>
+            </a:extLst>
+          </p:cNvPr>
+          <p:cNvSpPr/>
+          <p:nvPr/>
+        </p:nvSpPr>
+        <p:spPr>
+          <a:xfrm>
+            <a:off x="4434935" y="1920719"/>
+            <a:ext cx="914400" cy="914400"/>
+          </a:xfrm>
+          <a:prstGeom prst="ellipse">
+            <a:avLst/>
+          </a:prstGeom>
+          <a:noFill/>
+          <a:ln w="57150">
+            <a:solidFill>
+              <a:srgbClr val="32A505"/>
+            </a:solidFill>
+          </a:ln>
+        </p:spPr>
+        <p:style>
+          <a:lnRef idx="2">
+            <a:schemeClr val="accent1">
+              <a:shade val="50000"/>
+            </a:schemeClr>
+          </a:lnRef>
+          <a:fillRef idx="1">
+            <a:schemeClr val="accent1"/>
+          </a:fillRef>
+          <a:effectRef idx="0">
+            <a:schemeClr val="accent1"/>
+          </a:effectRef>
+          <a:fontRef idx="minor">
+            <a:schemeClr val="lt1"/>
+          </a:fontRef>
+        </p:style>
+        <p:txBody>
+          <a:bodyPr rtlCol="0" anchor="ctr"/>
+          <a:lstStyle/>
+          <a:p>
+            <a:pPr algn="ctr"/>
+            <a:endParaRPr lang="es-ES" sz="1350"/>
           </a:p>
         </p:txBody>
       </p:sp>
       <p:pic>
         <p:nvPicPr>
-          <p:cNvPr id="45" name="Graphic 44" descr="Family with two children with solid fill">
+          <p:cNvPr id="12" name="Gráfico 11" descr="Médico con relleno sólido">
             <a:extLst>
               <a:ext uri="{FF2B5EF4-FFF2-40B4-BE49-F238E27FC236}">
-                <a16:creationId xmlns:a16="http://schemas.microsoft.com/office/drawing/2014/main" id="{BFBA318A-0EEB-97C2-DDEC-C3C881BCECA6}"/>
+                <a16:creationId xmlns:a16="http://schemas.microsoft.com/office/drawing/2014/main" id="{B9D646C9-50DD-A17D-19F1-475B4877EAA2}"/>
               </a:ext>
             </a:extLst>
           </p:cNvPr>
@@ -5578,100 +8685,1054 @@
         </p:blipFill>
         <p:spPr>
           <a:xfrm>
-            <a:off x="3367063" y="6912954"/>
-            <a:ext cx="3288380" cy="3288380"/>
+            <a:off x="3310010" y="4419015"/>
+            <a:ext cx="763168" cy="763168"/>
           </a:xfrm>
           <a:prstGeom prst="rect">
             <a:avLst/>
           </a:prstGeom>
         </p:spPr>
       </p:pic>
-      <p:pic>
-        <p:nvPicPr>
-          <p:cNvPr id="6" name="Graphic 5" descr="Mental Health with solid fill">
+      <p:sp>
+        <p:nvSpPr>
+          <p:cNvPr id="29" name="Elipse 28">
             <a:extLst>
               <a:ext uri="{FF2B5EF4-FFF2-40B4-BE49-F238E27FC236}">
-                <a16:creationId xmlns:a16="http://schemas.microsoft.com/office/drawing/2014/main" id="{A97D84AA-79F4-A54B-AA95-3018387AAC56}"/>
+                <a16:creationId xmlns:a16="http://schemas.microsoft.com/office/drawing/2014/main" id="{80D35E9F-5CAF-74F4-B577-FFF337F93266}"/>
               </a:ext>
             </a:extLst>
           </p:cNvPr>
-          <p:cNvPicPr>
-            <a:picLocks noChangeAspect="1"/>
-          </p:cNvPicPr>
+          <p:cNvSpPr/>
           <p:nvPr/>
-        </p:nvPicPr>
-        <p:blipFill>
-          <a:blip r:embed="rId4">
-            <a:extLst>
-              <a:ext uri="{28A0092B-C50C-407E-A947-70E740481C1C}">
-                <a14:useLocalDpi xmlns:a14="http://schemas.microsoft.com/office/drawing/2010/main" val="0"/>
-              </a:ext>
-              <a:ext uri="{96DAC541-7B7A-43D3-8B79-37D633B846F1}">
-                <asvg:svgBlip xmlns:asvg="http://schemas.microsoft.com/office/drawing/2016/SVG/main" r:embed="rId5"/>
-              </a:ext>
-            </a:extLst>
-          </a:blip>
-          <a:stretch>
-            <a:fillRect/>
-          </a:stretch>
-        </p:blipFill>
+        </p:nvSpPr>
         <p:spPr>
           <a:xfrm>
-            <a:off x="4343400" y="5943600"/>
+            <a:off x="3234394" y="4343399"/>
             <a:ext cx="914400" cy="914400"/>
           </a:xfrm>
-          <a:prstGeom prst="rect">
+          <a:prstGeom prst="ellipse">
             <a:avLst/>
           </a:prstGeom>
+          <a:noFill/>
+          <a:ln w="57150">
+            <a:solidFill>
+              <a:srgbClr val="32A505"/>
+            </a:solidFill>
+          </a:ln>
         </p:spPr>
-      </p:pic>
-      <p:pic>
-        <p:nvPicPr>
-          <p:cNvPr id="2050" name="Picture 2" descr="rod of Asclepius Icon - Download rod of Asclepius Icon 362032 | Noun Project">
+        <p:style>
+          <a:lnRef idx="2">
+            <a:schemeClr val="accent1">
+              <a:shade val="50000"/>
+            </a:schemeClr>
+          </a:lnRef>
+          <a:fillRef idx="1">
+            <a:schemeClr val="accent1"/>
+          </a:fillRef>
+          <a:effectRef idx="0">
+            <a:schemeClr val="accent1"/>
+          </a:effectRef>
+          <a:fontRef idx="minor">
+            <a:schemeClr val="lt1"/>
+          </a:fontRef>
+        </p:style>
+        <p:txBody>
+          <a:bodyPr rtlCol="0" anchor="ctr"/>
+          <a:lstStyle/>
+          <a:p>
+            <a:pPr algn="ctr"/>
+            <a:endParaRPr lang="es-ES" sz="1350"/>
+          </a:p>
+        </p:txBody>
+      </p:sp>
+      <p:grpSp>
+        <p:nvGrpSpPr>
+          <p:cNvPr id="52" name="Grupo 51">
             <a:extLst>
               <a:ext uri="{FF2B5EF4-FFF2-40B4-BE49-F238E27FC236}">
-                <a16:creationId xmlns:a16="http://schemas.microsoft.com/office/drawing/2014/main" id="{3900EB50-1667-D8C3-355E-8954C23AC421}"/>
+                <a16:creationId xmlns:a16="http://schemas.microsoft.com/office/drawing/2014/main" id="{BDB01EC2-189A-A0E3-DC95-45042DCD3089}"/>
               </a:ext>
             </a:extLst>
           </p:cNvPr>
-          <p:cNvPicPr>
-            <a:picLocks noChangeAspect="1" noChangeArrowheads="1"/>
-          </p:cNvPicPr>
+          <p:cNvGrpSpPr/>
           <p:nvPr/>
-        </p:nvPicPr>
-        <p:blipFill>
-          <a:blip r:embed="rId6">
+        </p:nvGrpSpPr>
+        <p:grpSpPr>
+          <a:xfrm>
+            <a:off x="7668240" y="1925743"/>
+            <a:ext cx="914400" cy="914400"/>
+            <a:chOff x="7587049" y="1662014"/>
+            <a:chExt cx="914400" cy="914400"/>
+          </a:xfrm>
+        </p:grpSpPr>
+        <p:pic>
+          <p:nvPicPr>
+            <p:cNvPr id="22" name="Gráfico 21" descr="Hombre y mujer con relleno sólido">
+              <a:extLst>
+                <a:ext uri="{FF2B5EF4-FFF2-40B4-BE49-F238E27FC236}">
+                  <a16:creationId xmlns:a16="http://schemas.microsoft.com/office/drawing/2014/main" id="{346C1EB0-6569-96FF-E48B-4FC22AE1C97F}"/>
+                </a:ext>
+              </a:extLst>
+            </p:cNvPr>
+            <p:cNvPicPr>
+              <a:picLocks noChangeAspect="1"/>
+            </p:cNvPicPr>
+            <p:nvPr/>
+          </p:nvPicPr>
+          <p:blipFill>
+            <a:blip r:embed="rId4">
+              <a:extLst>
+                <a:ext uri="{28A0092B-C50C-407E-A947-70E740481C1C}">
+                  <a14:useLocalDpi xmlns:a14="http://schemas.microsoft.com/office/drawing/2010/main" val="0"/>
+                </a:ext>
+                <a:ext uri="{96DAC541-7B7A-43D3-8B79-37D633B846F1}">
+                  <asvg:svgBlip xmlns:asvg="http://schemas.microsoft.com/office/drawing/2016/SVG/main" r:embed="rId5"/>
+                </a:ext>
+              </a:extLst>
+            </a:blip>
+            <a:stretch>
+              <a:fillRect/>
+            </a:stretch>
+          </p:blipFill>
+          <p:spPr>
+            <a:xfrm>
+              <a:off x="7659537" y="1734502"/>
+              <a:ext cx="769425" cy="769425"/>
+            </a:xfrm>
+            <a:prstGeom prst="rect">
+              <a:avLst/>
+            </a:prstGeom>
+          </p:spPr>
+        </p:pic>
+        <p:sp>
+          <p:nvSpPr>
+            <p:cNvPr id="30" name="Elipse 29">
+              <a:extLst>
+                <a:ext uri="{FF2B5EF4-FFF2-40B4-BE49-F238E27FC236}">
+                  <a16:creationId xmlns:a16="http://schemas.microsoft.com/office/drawing/2014/main" id="{79D81034-F0C9-3040-FE75-41C4C3B7CCAA}"/>
+                </a:ext>
+              </a:extLst>
+            </p:cNvPr>
+            <p:cNvSpPr/>
+            <p:nvPr/>
+          </p:nvSpPr>
+          <p:spPr>
+            <a:xfrm>
+              <a:off x="7587049" y="1662014"/>
+              <a:ext cx="914400" cy="914400"/>
+            </a:xfrm>
+            <a:prstGeom prst="ellipse">
+              <a:avLst/>
+            </a:prstGeom>
+            <a:noFill/>
+            <a:ln w="57150"/>
+          </p:spPr>
+          <p:style>
+            <a:lnRef idx="2">
+              <a:schemeClr val="accent1">
+                <a:shade val="50000"/>
+              </a:schemeClr>
+            </a:lnRef>
+            <a:fillRef idx="1">
+              <a:schemeClr val="accent1"/>
+            </a:fillRef>
+            <a:effectRef idx="0">
+              <a:schemeClr val="accent1"/>
+            </a:effectRef>
+            <a:fontRef idx="minor">
+              <a:schemeClr val="lt1"/>
+            </a:fontRef>
+          </p:style>
+          <p:txBody>
+            <a:bodyPr rtlCol="0" anchor="ctr"/>
+            <a:lstStyle/>
+            <a:p>
+              <a:pPr algn="ctr"/>
+              <a:endParaRPr lang="es-ES" sz="1350"/>
+            </a:p>
+          </p:txBody>
+        </p:sp>
+      </p:grpSp>
+      <p:grpSp>
+        <p:nvGrpSpPr>
+          <p:cNvPr id="53" name="Grupo 52">
             <a:extLst>
-              <a:ext uri="{28A0092B-C50C-407E-A947-70E740481C1C}">
-                <a14:useLocalDpi xmlns:a14="http://schemas.microsoft.com/office/drawing/2010/main" val="0"/>
+              <a:ext uri="{FF2B5EF4-FFF2-40B4-BE49-F238E27FC236}">
+                <a16:creationId xmlns:a16="http://schemas.microsoft.com/office/drawing/2014/main" id="{ECC94CCE-4315-7571-03F5-A2AE38B17C03}"/>
               </a:ext>
             </a:extLst>
-          </a:blip>
-          <a:srcRect/>
-          <a:stretch>
-            <a:fillRect/>
-          </a:stretch>
-        </p:blipFill>
-        <p:spPr bwMode="auto">
+          </p:cNvPr>
+          <p:cNvGrpSpPr/>
+          <p:nvPr/>
+        </p:nvGrpSpPr>
+        <p:grpSpPr>
           <a:xfrm>
-            <a:off x="1508465" y="4742244"/>
-            <a:ext cx="1905000" cy="1905000"/>
+            <a:off x="8872196" y="4342036"/>
+            <a:ext cx="914400" cy="914400"/>
+            <a:chOff x="8637795" y="3405244"/>
+            <a:chExt cx="914400" cy="914400"/>
+          </a:xfrm>
+        </p:grpSpPr>
+        <p:pic>
+          <p:nvPicPr>
+            <p:cNvPr id="6" name="Graphic 5" descr="Mental Health with solid fill">
+              <a:extLst>
+                <a:ext uri="{FF2B5EF4-FFF2-40B4-BE49-F238E27FC236}">
+                  <a16:creationId xmlns:a16="http://schemas.microsoft.com/office/drawing/2014/main" id="{A97D84AA-79F4-A54B-AA95-3018387AAC56}"/>
+                </a:ext>
+              </a:extLst>
+            </p:cNvPr>
+            <p:cNvPicPr>
+              <a:picLocks noChangeAspect="1"/>
+            </p:cNvPicPr>
+            <p:nvPr/>
+          </p:nvPicPr>
+          <p:blipFill>
+            <a:blip r:embed="rId6">
+              <a:extLst>
+                <a:ext uri="{28A0092B-C50C-407E-A947-70E740481C1C}">
+                  <a14:useLocalDpi xmlns:a14="http://schemas.microsoft.com/office/drawing/2010/main" val="0"/>
+                </a:ext>
+                <a:ext uri="{96DAC541-7B7A-43D3-8B79-37D633B846F1}">
+                  <asvg:svgBlip xmlns:asvg="http://schemas.microsoft.com/office/drawing/2016/SVG/main" r:embed="rId7"/>
+                </a:ext>
+              </a:extLst>
+            </a:blip>
+            <a:stretch>
+              <a:fillRect/>
+            </a:stretch>
+          </p:blipFill>
+          <p:spPr>
+            <a:xfrm>
+              <a:off x="8713411" y="3480860"/>
+              <a:ext cx="763168" cy="763168"/>
+            </a:xfrm>
+            <a:prstGeom prst="rect">
+              <a:avLst/>
+            </a:prstGeom>
+          </p:spPr>
+        </p:pic>
+        <p:sp>
+          <p:nvSpPr>
+            <p:cNvPr id="31" name="Elipse 30">
+              <a:extLst>
+                <a:ext uri="{FF2B5EF4-FFF2-40B4-BE49-F238E27FC236}">
+                  <a16:creationId xmlns:a16="http://schemas.microsoft.com/office/drawing/2014/main" id="{C11B1B37-9384-6F7E-FE34-71315BEA7A6F}"/>
+                </a:ext>
+              </a:extLst>
+            </p:cNvPr>
+            <p:cNvSpPr/>
+            <p:nvPr/>
+          </p:nvSpPr>
+          <p:spPr>
+            <a:xfrm>
+              <a:off x="8637795" y="3405244"/>
+              <a:ext cx="914400" cy="914400"/>
+            </a:xfrm>
+            <a:prstGeom prst="ellipse">
+              <a:avLst/>
+            </a:prstGeom>
+            <a:noFill/>
+            <a:ln w="57150"/>
+          </p:spPr>
+          <p:style>
+            <a:lnRef idx="2">
+              <a:schemeClr val="accent1">
+                <a:shade val="50000"/>
+              </a:schemeClr>
+            </a:lnRef>
+            <a:fillRef idx="1">
+              <a:schemeClr val="accent1"/>
+            </a:fillRef>
+            <a:effectRef idx="0">
+              <a:schemeClr val="accent1"/>
+            </a:effectRef>
+            <a:fontRef idx="minor">
+              <a:schemeClr val="lt1"/>
+            </a:fontRef>
+          </p:style>
+          <p:txBody>
+            <a:bodyPr rtlCol="0" anchor="ctr"/>
+            <a:lstStyle/>
+            <a:p>
+              <a:pPr algn="ctr"/>
+              <a:endParaRPr lang="es-ES" sz="1350" dirty="0"/>
+            </a:p>
+          </p:txBody>
+        </p:sp>
+      </p:grpSp>
+      <p:grpSp>
+        <p:nvGrpSpPr>
+          <p:cNvPr id="55" name="Grupo 54">
+            <a:extLst>
+              <a:ext uri="{FF2B5EF4-FFF2-40B4-BE49-F238E27FC236}">
+                <a16:creationId xmlns:a16="http://schemas.microsoft.com/office/drawing/2014/main" id="{19EF483A-3FBC-AD8B-D41C-39F9CC56C8F5}"/>
+              </a:ext>
+            </a:extLst>
+          </p:cNvPr>
+          <p:cNvGrpSpPr/>
+          <p:nvPr/>
+        </p:nvGrpSpPr>
+        <p:grpSpPr>
+          <a:xfrm>
+            <a:off x="4446658" y="6726645"/>
+            <a:ext cx="914400" cy="914400"/>
+            <a:chOff x="4416878" y="6483557"/>
+            <a:chExt cx="914400" cy="914400"/>
+          </a:xfrm>
+        </p:grpSpPr>
+        <p:pic>
+          <p:nvPicPr>
+            <p:cNvPr id="2050" name="Picture 2" descr="rod of Asclepius Icon - Download rod of Asclepius Icon 362032 | Noun Project">
+              <a:extLst>
+                <a:ext uri="{FF2B5EF4-FFF2-40B4-BE49-F238E27FC236}">
+                  <a16:creationId xmlns:a16="http://schemas.microsoft.com/office/drawing/2014/main" id="{3900EB50-1667-D8C3-355E-8954C23AC421}"/>
+                </a:ext>
+              </a:extLst>
+            </p:cNvPr>
+            <p:cNvPicPr>
+              <a:picLocks noChangeAspect="1" noChangeArrowheads="1"/>
+            </p:cNvPicPr>
+            <p:nvPr/>
+          </p:nvPicPr>
+          <p:blipFill>
+            <a:blip r:embed="rId8">
+              <a:extLst>
+                <a:ext uri="{28A0092B-C50C-407E-A947-70E740481C1C}">
+                  <a14:useLocalDpi xmlns:a14="http://schemas.microsoft.com/office/drawing/2010/main" val="0"/>
+                </a:ext>
+              </a:extLst>
+            </a:blip>
+            <a:srcRect/>
+            <a:stretch>
+              <a:fillRect/>
+            </a:stretch>
+          </p:blipFill>
+          <p:spPr bwMode="auto">
+            <a:xfrm>
+              <a:off x="4434936" y="6501615"/>
+              <a:ext cx="878285" cy="878285"/>
+            </a:xfrm>
+            <a:prstGeom prst="rect">
+              <a:avLst/>
+            </a:prstGeom>
+            <a:noFill/>
+            <a:extLst>
+              <a:ext uri="{909E8E84-426E-40DD-AFC4-6F175D3DCCD1}">
+                <a14:hiddenFill xmlns:a14="http://schemas.microsoft.com/office/drawing/2010/main">
+                  <a:solidFill>
+                    <a:srgbClr val="FFFFFF"/>
+                  </a:solidFill>
+                </a14:hiddenFill>
+              </a:ext>
+            </a:extLst>
+          </p:spPr>
+        </p:pic>
+        <p:sp>
+          <p:nvSpPr>
+            <p:cNvPr id="32" name="Elipse 31">
+              <a:extLst>
+                <a:ext uri="{FF2B5EF4-FFF2-40B4-BE49-F238E27FC236}">
+                  <a16:creationId xmlns:a16="http://schemas.microsoft.com/office/drawing/2014/main" id="{8F8677E8-6C80-7ABD-882A-FC538623BD3E}"/>
+                </a:ext>
+              </a:extLst>
+            </p:cNvPr>
+            <p:cNvSpPr/>
+            <p:nvPr/>
+          </p:nvSpPr>
+          <p:spPr>
+            <a:xfrm>
+              <a:off x="4416878" y="6483557"/>
+              <a:ext cx="914400" cy="914400"/>
+            </a:xfrm>
+            <a:prstGeom prst="ellipse">
+              <a:avLst/>
+            </a:prstGeom>
+            <a:noFill/>
+            <a:ln w="57150"/>
+          </p:spPr>
+          <p:style>
+            <a:lnRef idx="2">
+              <a:schemeClr val="accent1">
+                <a:shade val="50000"/>
+              </a:schemeClr>
+            </a:lnRef>
+            <a:fillRef idx="1">
+              <a:schemeClr val="accent1"/>
+            </a:fillRef>
+            <a:effectRef idx="0">
+              <a:schemeClr val="accent1"/>
+            </a:effectRef>
+            <a:fontRef idx="minor">
+              <a:schemeClr val="lt1"/>
+            </a:fontRef>
+          </p:style>
+          <p:txBody>
+            <a:bodyPr rtlCol="0" anchor="ctr"/>
+            <a:lstStyle/>
+            <a:p>
+              <a:pPr algn="ctr"/>
+              <a:endParaRPr lang="es-ES" sz="1350"/>
+            </a:p>
+          </p:txBody>
+        </p:sp>
+      </p:grpSp>
+      <p:grpSp>
+        <p:nvGrpSpPr>
+          <p:cNvPr id="54" name="Grupo 53">
+            <a:extLst>
+              <a:ext uri="{FF2B5EF4-FFF2-40B4-BE49-F238E27FC236}">
+                <a16:creationId xmlns:a16="http://schemas.microsoft.com/office/drawing/2014/main" id="{F80A2F52-5735-314E-6948-6EBFED81643E}"/>
+              </a:ext>
+            </a:extLst>
+          </p:cNvPr>
+          <p:cNvGrpSpPr/>
+          <p:nvPr/>
+        </p:nvGrpSpPr>
+        <p:grpSpPr>
+          <a:xfrm>
+            <a:off x="7674460" y="6721782"/>
+            <a:ext cx="914400" cy="914400"/>
+            <a:chOff x="8104979" y="5962078"/>
+            <a:chExt cx="914400" cy="914400"/>
+          </a:xfrm>
+        </p:grpSpPr>
+        <p:sp>
+          <p:nvSpPr>
+            <p:cNvPr id="34" name="Elipse 33">
+              <a:extLst>
+                <a:ext uri="{FF2B5EF4-FFF2-40B4-BE49-F238E27FC236}">
+                  <a16:creationId xmlns:a16="http://schemas.microsoft.com/office/drawing/2014/main" id="{CAAE1F63-21C6-A6A6-8CA7-2016B8BD48E1}"/>
+                </a:ext>
+              </a:extLst>
+            </p:cNvPr>
+            <p:cNvSpPr/>
+            <p:nvPr/>
+          </p:nvSpPr>
+          <p:spPr>
+            <a:xfrm>
+              <a:off x="8104979" y="5962078"/>
+              <a:ext cx="914400" cy="914400"/>
+            </a:xfrm>
+            <a:prstGeom prst="ellipse">
+              <a:avLst/>
+            </a:prstGeom>
+            <a:noFill/>
+            <a:ln w="57150"/>
+          </p:spPr>
+          <p:style>
+            <a:lnRef idx="2">
+              <a:schemeClr val="accent1">
+                <a:shade val="50000"/>
+              </a:schemeClr>
+            </a:lnRef>
+            <a:fillRef idx="1">
+              <a:schemeClr val="accent1"/>
+            </a:fillRef>
+            <a:effectRef idx="0">
+              <a:schemeClr val="accent1"/>
+            </a:effectRef>
+            <a:fontRef idx="minor">
+              <a:schemeClr val="lt1"/>
+            </a:fontRef>
+          </p:style>
+          <p:txBody>
+            <a:bodyPr rtlCol="0" anchor="ctr"/>
+            <a:lstStyle/>
+            <a:p>
+              <a:pPr algn="ctr"/>
+              <a:endParaRPr lang="es-ES" sz="1350"/>
+            </a:p>
+          </p:txBody>
+        </p:sp>
+        <p:pic>
+          <p:nvPicPr>
+            <p:cNvPr id="25" name="Gráfico 24" descr="Niño con un globo con relleno sólido">
+              <a:extLst>
+                <a:ext uri="{FF2B5EF4-FFF2-40B4-BE49-F238E27FC236}">
+                  <a16:creationId xmlns:a16="http://schemas.microsoft.com/office/drawing/2014/main" id="{297F3472-AFD7-0B72-70AC-3117A7E15F00}"/>
+                </a:ext>
+              </a:extLst>
+            </p:cNvPr>
+            <p:cNvPicPr>
+              <a:picLocks noChangeAspect="1"/>
+            </p:cNvPicPr>
+            <p:nvPr/>
+          </p:nvPicPr>
+          <p:blipFill>
+            <a:blip r:embed="rId9">
+              <a:extLst>
+                <a:ext uri="{28A0092B-C50C-407E-A947-70E740481C1C}">
+                  <a14:useLocalDpi xmlns:a14="http://schemas.microsoft.com/office/drawing/2010/main" val="0"/>
+                </a:ext>
+                <a:ext uri="{96DAC541-7B7A-43D3-8B79-37D633B846F1}">
+                  <asvg:svgBlip xmlns:asvg="http://schemas.microsoft.com/office/drawing/2016/SVG/main" r:embed="rId10"/>
+                </a:ext>
+              </a:extLst>
+            </a:blip>
+            <a:stretch>
+              <a:fillRect/>
+            </a:stretch>
+          </p:blipFill>
+          <p:spPr>
+            <a:xfrm>
+              <a:off x="8194011" y="6051110"/>
+              <a:ext cx="736336" cy="736336"/>
+            </a:xfrm>
+            <a:prstGeom prst="rect">
+              <a:avLst/>
+            </a:prstGeom>
+          </p:spPr>
+        </p:pic>
+      </p:grpSp>
+      <p:sp>
+        <p:nvSpPr>
+          <p:cNvPr id="38" name="TextBox 38">
+            <a:extLst>
+              <a:ext uri="{FF2B5EF4-FFF2-40B4-BE49-F238E27FC236}">
+                <a16:creationId xmlns:a16="http://schemas.microsoft.com/office/drawing/2014/main" id="{051CE3BC-4AF4-1A19-DD09-5C63512BF087}"/>
+              </a:ext>
+            </a:extLst>
+          </p:cNvPr>
+          <p:cNvSpPr txBox="1"/>
+          <p:nvPr/>
+        </p:nvSpPr>
+        <p:spPr>
+          <a:xfrm>
+            <a:off x="8637795" y="1495013"/>
+            <a:ext cx="2132062" cy="1061829"/>
           </a:xfrm>
           <a:prstGeom prst="rect">
             <a:avLst/>
           </a:prstGeom>
           <a:noFill/>
-          <a:extLst>
-            <a:ext uri="{909E8E84-426E-40DD-AFC4-6F175D3DCCD1}">
-              <a14:hiddenFill xmlns:a14="http://schemas.microsoft.com/office/drawing/2010/main">
-                <a:solidFill>
-                  <a:srgbClr val="FFFFFF"/>
-                </a:solidFill>
-              </a14:hiddenFill>
-            </a:ext>
-          </a:extLst>
         </p:spPr>
-      </p:pic>
+        <p:txBody>
+          <a:bodyPr wrap="square">
+            <a:spAutoFit/>
+          </a:bodyPr>
+          <a:lstStyle/>
+          <a:p>
+            <a:r>
+              <a:rPr lang="en-GB" sz="1050" dirty="0">
+                <a:latin typeface="Calibri" panose="020F0502020204030204" pitchFamily="34" charset="0"/>
+                <a:ea typeface="DengXian" panose="02010600030101010101" pitchFamily="2" charset="-122"/>
+                <a:cs typeface="Times New Roman" panose="02020603050405020304" pitchFamily="18" charset="0"/>
+              </a:rPr>
+              <a:t>and caregivers' mental health.</a:t>
+            </a:r>
+          </a:p>
+          <a:p>
+            <a:endParaRPr lang="en-GB" sz="1050" dirty="0">
+              <a:latin typeface="Calibri" panose="020F0502020204030204" pitchFamily="34" charset="0"/>
+              <a:ea typeface="DengXian" panose="02010600030101010101" pitchFamily="2" charset="-122"/>
+              <a:cs typeface="Times New Roman" panose="02020603050405020304" pitchFamily="18" charset="0"/>
+            </a:endParaRPr>
+          </a:p>
+          <a:p>
+            <a:r>
+              <a:rPr lang="en-GB" sz="1050" dirty="0">
+                <a:latin typeface="Calibri" panose="020F0502020204030204" pitchFamily="34" charset="0"/>
+                <a:ea typeface="DengXian" panose="02010600030101010101" pitchFamily="2" charset="-122"/>
+                <a:cs typeface="Times New Roman" panose="02020603050405020304" pitchFamily="18" charset="0"/>
+              </a:rPr>
+              <a:t>Finally, caregivers' observed parenting behaviour was registered through a shortened version of the HOME score</a:t>
+            </a:r>
+            <a:endParaRPr lang="es-ES" sz="1050" dirty="0"/>
+          </a:p>
+        </p:txBody>
+      </p:sp>
+      <p:sp>
+        <p:nvSpPr>
+          <p:cNvPr id="40" name="TextBox 38">
+            <a:extLst>
+              <a:ext uri="{FF2B5EF4-FFF2-40B4-BE49-F238E27FC236}">
+                <a16:creationId xmlns:a16="http://schemas.microsoft.com/office/drawing/2014/main" id="{C051987E-84D2-646D-FD0F-86EA3E0A71E8}"/>
+              </a:ext>
+            </a:extLst>
+          </p:cNvPr>
+          <p:cNvSpPr txBox="1"/>
+          <p:nvPr/>
+        </p:nvSpPr>
+        <p:spPr>
+          <a:xfrm>
+            <a:off x="9998995" y="4336106"/>
+            <a:ext cx="2132062" cy="948978"/>
+          </a:xfrm>
+          <a:prstGeom prst="rect">
+            <a:avLst/>
+          </a:prstGeom>
+          <a:noFill/>
+        </p:spPr>
+        <p:txBody>
+          <a:bodyPr wrap="square">
+            <a:spAutoFit/>
+          </a:bodyPr>
+          <a:lstStyle/>
+          <a:p>
+            <a:pPr>
+              <a:lnSpc>
+                <a:spcPct val="107000"/>
+              </a:lnSpc>
+              <a:spcAft>
+                <a:spcPts val="600"/>
+              </a:spcAft>
+            </a:pPr>
+            <a:r>
+              <a:rPr lang="en-GB" sz="1050" dirty="0">
+                <a:latin typeface="Calibri" panose="020F0502020204030204" pitchFamily="34" charset="0"/>
+                <a:ea typeface="DengXian" panose="02010600030101010101" pitchFamily="2" charset="-122"/>
+                <a:cs typeface="Times New Roman" panose="02020603050405020304" pitchFamily="18" charset="0"/>
+              </a:rPr>
+              <a:t>Social-personal, language, fine motor, and gross motor skills for all children using the four sub-scales of the Denver Developmental Screening Test </a:t>
+            </a:r>
+          </a:p>
+        </p:txBody>
+      </p:sp>
+      <p:sp>
+        <p:nvSpPr>
+          <p:cNvPr id="42" name="TextBox 38">
+            <a:extLst>
+              <a:ext uri="{FF2B5EF4-FFF2-40B4-BE49-F238E27FC236}">
+                <a16:creationId xmlns:a16="http://schemas.microsoft.com/office/drawing/2014/main" id="{09190D69-ECD1-E997-1EA2-D1CC6430C572}"/>
+              </a:ext>
+            </a:extLst>
+          </p:cNvPr>
+          <p:cNvSpPr txBox="1"/>
+          <p:nvPr/>
+        </p:nvSpPr>
+        <p:spPr>
+          <a:xfrm>
+            <a:off x="8699164" y="6768674"/>
+            <a:ext cx="3891421" cy="1102866"/>
+          </a:xfrm>
+          <a:prstGeom prst="rect">
+            <a:avLst/>
+          </a:prstGeom>
+          <a:noFill/>
+        </p:spPr>
+        <p:txBody>
+          <a:bodyPr wrap="square">
+            <a:spAutoFit/>
+          </a:bodyPr>
+          <a:lstStyle/>
+          <a:p>
+            <a:pPr>
+              <a:lnSpc>
+                <a:spcPct val="107000"/>
+              </a:lnSpc>
+              <a:spcAft>
+                <a:spcPts val="600"/>
+              </a:spcAft>
+            </a:pPr>
+            <a:r>
+              <a:rPr lang="en-GB" sz="1050" dirty="0">
+                <a:latin typeface="Calibri" panose="020F0502020204030204" pitchFamily="34" charset="0"/>
+                <a:ea typeface="DengXian" panose="02010600030101010101" pitchFamily="2" charset="-122"/>
+                <a:cs typeface="Times New Roman" panose="02020603050405020304" pitchFamily="18" charset="0"/>
+              </a:rPr>
+              <a:t>For children age 36 months and older, we applied five additional tests. The first of these is the TVIP. We also use a short-term memory test from the McCarthy test battery</a:t>
+            </a:r>
+          </a:p>
+          <a:p>
+            <a:pPr>
+              <a:lnSpc>
+                <a:spcPct val="107000"/>
+              </a:lnSpc>
+              <a:spcAft>
+                <a:spcPts val="600"/>
+              </a:spcAft>
+            </a:pPr>
+            <a:r>
+              <a:rPr lang="en-GB" sz="1050" dirty="0">
+                <a:latin typeface="Calibri" panose="020F0502020204030204" pitchFamily="34" charset="0"/>
+                <a:ea typeface="DengXian" panose="02010600030101010101" pitchFamily="2" charset="-122"/>
+                <a:cs typeface="Times New Roman" panose="02020603050405020304" pitchFamily="18" charset="0"/>
+              </a:rPr>
+              <a:t>test of leg motor development from the McCarthy test battery </a:t>
+            </a:r>
+          </a:p>
+          <a:p>
+            <a:pPr>
+              <a:lnSpc>
+                <a:spcPct val="107000"/>
+              </a:lnSpc>
+              <a:spcAft>
+                <a:spcPts val="600"/>
+              </a:spcAft>
+            </a:pPr>
+            <a:r>
+              <a:rPr lang="en-GB" sz="1050" dirty="0">
+                <a:latin typeface="Calibri" panose="020F0502020204030204" pitchFamily="34" charset="0"/>
+                <a:ea typeface="DengXian" panose="02010600030101010101" pitchFamily="2" charset="-122"/>
+                <a:cs typeface="Times New Roman" panose="02020603050405020304" pitchFamily="18" charset="0"/>
+              </a:rPr>
+              <a:t>The final test we use is the </a:t>
+            </a:r>
+            <a:r>
+              <a:rPr lang="en-GB" sz="1050" dirty="0" err="1">
+                <a:latin typeface="Calibri" panose="020F0502020204030204" pitchFamily="34" charset="0"/>
+                <a:ea typeface="DengXian" panose="02010600030101010101" pitchFamily="2" charset="-122"/>
+                <a:cs typeface="Times New Roman" panose="02020603050405020304" pitchFamily="18" charset="0"/>
+              </a:rPr>
+              <a:t>Behavior</a:t>
+            </a:r>
+            <a:r>
+              <a:rPr lang="en-GB" sz="1050" dirty="0">
+                <a:latin typeface="Calibri" panose="020F0502020204030204" pitchFamily="34" charset="0"/>
+                <a:ea typeface="DengXian" panose="02010600030101010101" pitchFamily="2" charset="-122"/>
+                <a:cs typeface="Times New Roman" panose="02020603050405020304" pitchFamily="18" charset="0"/>
+              </a:rPr>
+              <a:t> Problem Index (BPI), </a:t>
+            </a:r>
+          </a:p>
+        </p:txBody>
+      </p:sp>
+      <p:sp>
+        <p:nvSpPr>
+          <p:cNvPr id="43" name="TextBox 38">
+            <a:extLst>
+              <a:ext uri="{FF2B5EF4-FFF2-40B4-BE49-F238E27FC236}">
+                <a16:creationId xmlns:a16="http://schemas.microsoft.com/office/drawing/2014/main" id="{D53CEE71-ABB3-2923-B65E-E75C53E86B9D}"/>
+              </a:ext>
+            </a:extLst>
+          </p:cNvPr>
+          <p:cNvSpPr txBox="1"/>
+          <p:nvPr/>
+        </p:nvSpPr>
+        <p:spPr>
+          <a:xfrm>
+            <a:off x="2258357" y="7005728"/>
+            <a:ext cx="2132062" cy="577081"/>
+          </a:xfrm>
+          <a:prstGeom prst="rect">
+            <a:avLst/>
+          </a:prstGeom>
+          <a:noFill/>
+        </p:spPr>
+        <p:txBody>
+          <a:bodyPr wrap="square">
+            <a:spAutoFit/>
+          </a:bodyPr>
+          <a:lstStyle/>
+          <a:p>
+            <a:pPr algn="r"/>
+            <a:r>
+              <a:rPr lang="en-GB" sz="1050" dirty="0">
+                <a:latin typeface="Calibri" panose="020F0502020204030204" pitchFamily="34" charset="0"/>
+                <a:ea typeface="DengXian" panose="02010600030101010101" pitchFamily="2" charset="-122"/>
+                <a:cs typeface="Times New Roman" panose="02020603050405020304" pitchFamily="18" charset="0"/>
+              </a:rPr>
+              <a:t>The two follow-up surveys also include information on stimulation, birthweight, preventive health care,</a:t>
+            </a:r>
+            <a:endParaRPr lang="es-ES" sz="1050" dirty="0"/>
+          </a:p>
+        </p:txBody>
+      </p:sp>
+      <p:sp>
+        <p:nvSpPr>
+          <p:cNvPr id="15" name="Elipse 14">
+            <a:extLst>
+              <a:ext uri="{FF2B5EF4-FFF2-40B4-BE49-F238E27FC236}">
+                <a16:creationId xmlns:a16="http://schemas.microsoft.com/office/drawing/2014/main" id="{EBB6ED3E-0DD5-C88D-DFD7-BC1D1E7A9C47}"/>
+              </a:ext>
+            </a:extLst>
+          </p:cNvPr>
+          <p:cNvSpPr/>
+          <p:nvPr/>
+        </p:nvSpPr>
+        <p:spPr>
+          <a:xfrm>
+            <a:off x="5137936" y="3428340"/>
+            <a:ext cx="2744518" cy="2744518"/>
+          </a:xfrm>
+          <a:prstGeom prst="ellipse">
+            <a:avLst/>
+          </a:prstGeom>
+          <a:noFill/>
+          <a:ln w="76200">
+            <a:solidFill>
+              <a:srgbClr val="002060"/>
+            </a:solidFill>
+          </a:ln>
+        </p:spPr>
+        <p:style>
+          <a:lnRef idx="2">
+            <a:schemeClr val="accent1">
+              <a:shade val="50000"/>
+            </a:schemeClr>
+          </a:lnRef>
+          <a:fillRef idx="1">
+            <a:schemeClr val="accent1"/>
+          </a:fillRef>
+          <a:effectRef idx="0">
+            <a:schemeClr val="accent1"/>
+          </a:effectRef>
+          <a:fontRef idx="minor">
+            <a:schemeClr val="lt1"/>
+          </a:fontRef>
+        </p:style>
+        <p:txBody>
+          <a:bodyPr rtlCol="0" anchor="ctr"/>
+          <a:lstStyle/>
+          <a:p>
+            <a:pPr algn="ctr"/>
+            <a:endParaRPr lang="es-ES" sz="1350"/>
+          </a:p>
+        </p:txBody>
+      </p:sp>
+      <p:cxnSp>
+        <p:nvCxnSpPr>
+          <p:cNvPr id="59" name="Conector recto 58">
+            <a:extLst>
+              <a:ext uri="{FF2B5EF4-FFF2-40B4-BE49-F238E27FC236}">
+                <a16:creationId xmlns:a16="http://schemas.microsoft.com/office/drawing/2014/main" id="{7DBC5A8C-8E38-09C2-A015-F60E3ECA1812}"/>
+              </a:ext>
+            </a:extLst>
+          </p:cNvPr>
+          <p:cNvCxnSpPr>
+            <a:cxnSpLocks/>
+          </p:cNvCxnSpPr>
+          <p:nvPr/>
+        </p:nvCxnSpPr>
+        <p:spPr>
+          <a:xfrm>
+            <a:off x="5126213" y="2811673"/>
+            <a:ext cx="416677" cy="600679"/>
+          </a:xfrm>
+          <a:prstGeom prst="line">
+            <a:avLst/>
+          </a:prstGeom>
+          <a:ln w="38100">
+            <a:solidFill>
+              <a:srgbClr val="32A505"/>
+            </a:solidFill>
+            <a:tailEnd type="oval"/>
+          </a:ln>
+        </p:spPr>
+        <p:style>
+          <a:lnRef idx="1">
+            <a:schemeClr val="accent1"/>
+          </a:lnRef>
+          <a:fillRef idx="0">
+            <a:schemeClr val="accent1"/>
+          </a:fillRef>
+          <a:effectRef idx="0">
+            <a:schemeClr val="accent1"/>
+          </a:effectRef>
+          <a:fontRef idx="minor">
+            <a:schemeClr val="tx1"/>
+          </a:fontRef>
+        </p:style>
+      </p:cxnSp>
+      <p:cxnSp>
+        <p:nvCxnSpPr>
+          <p:cNvPr id="76" name="Conector recto 75">
+            <a:extLst>
+              <a:ext uri="{FF2B5EF4-FFF2-40B4-BE49-F238E27FC236}">
+                <a16:creationId xmlns:a16="http://schemas.microsoft.com/office/drawing/2014/main" id="{D2245E14-C86C-FF22-D01A-16CF2C0470AE}"/>
+              </a:ext>
+            </a:extLst>
+          </p:cNvPr>
+          <p:cNvCxnSpPr>
+            <a:cxnSpLocks/>
+          </p:cNvCxnSpPr>
+          <p:nvPr/>
+        </p:nvCxnSpPr>
+        <p:spPr>
+          <a:xfrm rot="4192146">
+            <a:off x="7474381" y="2810310"/>
+            <a:ext cx="416677" cy="600679"/>
+          </a:xfrm>
+          <a:prstGeom prst="line">
+            <a:avLst/>
+          </a:prstGeom>
+          <a:ln w="38100">
+            <a:tailEnd type="oval"/>
+          </a:ln>
+        </p:spPr>
+        <p:style>
+          <a:lnRef idx="1">
+            <a:schemeClr val="accent1"/>
+          </a:lnRef>
+          <a:fillRef idx="0">
+            <a:schemeClr val="accent1"/>
+          </a:fillRef>
+          <a:effectRef idx="0">
+            <a:schemeClr val="accent1"/>
+          </a:effectRef>
+          <a:fontRef idx="minor">
+            <a:schemeClr val="tx1"/>
+          </a:fontRef>
+        </p:style>
+      </p:cxnSp>
+      <p:cxnSp>
+        <p:nvCxnSpPr>
+          <p:cNvPr id="79" name="Conector recto 78">
+            <a:extLst>
+              <a:ext uri="{FF2B5EF4-FFF2-40B4-BE49-F238E27FC236}">
+                <a16:creationId xmlns:a16="http://schemas.microsoft.com/office/drawing/2014/main" id="{EE2FEEB9-D26B-5DAF-8BB6-F6F1E6101989}"/>
+              </a:ext>
+            </a:extLst>
+          </p:cNvPr>
+          <p:cNvCxnSpPr>
+            <a:cxnSpLocks/>
+          </p:cNvCxnSpPr>
+          <p:nvPr/>
+        </p:nvCxnSpPr>
+        <p:spPr>
+          <a:xfrm flipV="1">
+            <a:off x="5126213" y="6170134"/>
+            <a:ext cx="416677" cy="600679"/>
+          </a:xfrm>
+          <a:prstGeom prst="line">
+            <a:avLst/>
+          </a:prstGeom>
+          <a:ln w="38100">
+            <a:tailEnd type="oval"/>
+          </a:ln>
+        </p:spPr>
+        <p:style>
+          <a:lnRef idx="1">
+            <a:schemeClr val="accent1"/>
+          </a:lnRef>
+          <a:fillRef idx="0">
+            <a:schemeClr val="accent1"/>
+          </a:fillRef>
+          <a:effectRef idx="0">
+            <a:schemeClr val="accent1"/>
+          </a:effectRef>
+          <a:fontRef idx="minor">
+            <a:schemeClr val="tx1"/>
+          </a:fontRef>
+        </p:style>
+      </p:cxnSp>
+      <p:cxnSp>
+        <p:nvCxnSpPr>
+          <p:cNvPr id="80" name="Conector recto 79">
+            <a:extLst>
+              <a:ext uri="{FF2B5EF4-FFF2-40B4-BE49-F238E27FC236}">
+                <a16:creationId xmlns:a16="http://schemas.microsoft.com/office/drawing/2014/main" id="{74AC5DC3-ECB9-69F6-9752-8F178009C5D1}"/>
+              </a:ext>
+            </a:extLst>
+          </p:cNvPr>
+          <p:cNvCxnSpPr>
+            <a:cxnSpLocks/>
+          </p:cNvCxnSpPr>
+          <p:nvPr/>
+        </p:nvCxnSpPr>
+        <p:spPr>
+          <a:xfrm rot="17407854" flipV="1">
+            <a:off x="7474381" y="6171497"/>
+            <a:ext cx="416677" cy="600679"/>
+          </a:xfrm>
+          <a:prstGeom prst="line">
+            <a:avLst/>
+          </a:prstGeom>
+          <a:ln w="38100">
+            <a:tailEnd type="oval"/>
+          </a:ln>
+        </p:spPr>
+        <p:style>
+          <a:lnRef idx="1">
+            <a:schemeClr val="accent1"/>
+          </a:lnRef>
+          <a:fillRef idx="0">
+            <a:schemeClr val="accent1"/>
+          </a:fillRef>
+          <a:effectRef idx="0">
+            <a:schemeClr val="accent1"/>
+          </a:effectRef>
+          <a:fontRef idx="minor">
+            <a:schemeClr val="tx1"/>
+          </a:fontRef>
+        </p:style>
+      </p:cxnSp>
+      <p:cxnSp>
+        <p:nvCxnSpPr>
+          <p:cNvPr id="82" name="Conector recto 81">
+            <a:extLst>
+              <a:ext uri="{FF2B5EF4-FFF2-40B4-BE49-F238E27FC236}">
+                <a16:creationId xmlns:a16="http://schemas.microsoft.com/office/drawing/2014/main" id="{6F3FFC09-9FD0-D00B-4409-5B2BBE525D04}"/>
+              </a:ext>
+            </a:extLst>
+          </p:cNvPr>
+          <p:cNvCxnSpPr>
+            <a:cxnSpLocks/>
+          </p:cNvCxnSpPr>
+          <p:nvPr/>
+        </p:nvCxnSpPr>
+        <p:spPr>
+          <a:xfrm flipH="1">
+            <a:off x="8181016" y="4810595"/>
+            <a:ext cx="658273" cy="0"/>
+          </a:xfrm>
+          <a:prstGeom prst="line">
+            <a:avLst/>
+          </a:prstGeom>
+          <a:ln w="38100">
+            <a:tailEnd type="oval"/>
+          </a:ln>
+        </p:spPr>
+        <p:style>
+          <a:lnRef idx="1">
+            <a:schemeClr val="accent1"/>
+          </a:lnRef>
+          <a:fillRef idx="0">
+            <a:schemeClr val="accent1"/>
+          </a:fillRef>
+          <a:effectRef idx="0">
+            <a:schemeClr val="accent1"/>
+          </a:effectRef>
+          <a:fontRef idx="minor">
+            <a:schemeClr val="tx1"/>
+          </a:fontRef>
+        </p:style>
+      </p:cxnSp>
+      <p:cxnSp>
+        <p:nvCxnSpPr>
+          <p:cNvPr id="84" name="Conector recto 83">
+            <a:extLst>
+              <a:ext uri="{FF2B5EF4-FFF2-40B4-BE49-F238E27FC236}">
+                <a16:creationId xmlns:a16="http://schemas.microsoft.com/office/drawing/2014/main" id="{2A0719E9-D97A-680A-96B2-55B5F5A1DF07}"/>
+              </a:ext>
+            </a:extLst>
+          </p:cNvPr>
+          <p:cNvCxnSpPr>
+            <a:cxnSpLocks/>
+          </p:cNvCxnSpPr>
+          <p:nvPr/>
+        </p:nvCxnSpPr>
+        <p:spPr>
+          <a:xfrm>
+            <a:off x="4162393" y="4756629"/>
+            <a:ext cx="658273" cy="0"/>
+          </a:xfrm>
+          <a:prstGeom prst="line">
+            <a:avLst/>
+          </a:prstGeom>
+          <a:ln w="38100">
+            <a:solidFill>
+              <a:srgbClr val="32A505"/>
+            </a:solidFill>
+            <a:tailEnd type="oval"/>
+          </a:ln>
+        </p:spPr>
+        <p:style>
+          <a:lnRef idx="1">
+            <a:schemeClr val="accent1"/>
+          </a:lnRef>
+          <a:fillRef idx="0">
+            <a:schemeClr val="accent1"/>
+          </a:fillRef>
+          <a:effectRef idx="0">
+            <a:schemeClr val="accent1"/>
+          </a:effectRef>
+          <a:fontRef idx="minor">
+            <a:schemeClr val="tx1"/>
+          </a:fontRef>
+        </p:style>
+      </p:cxnSp>
     </p:spTree>
     <p:extLst>
       <p:ext uri="{BB962C8B-B14F-4D97-AF65-F5344CB8AC3E}">
@@ -5688,7 +9749,7 @@
 <file path=ppt/theme/theme1.xml><?xml version="1.0" encoding="utf-8"?>
 <a:theme xmlns:a="http://schemas.openxmlformats.org/drawingml/2006/main" name="Office Theme">
   <a:themeElements>
-    <a:clrScheme name="Office Theme">
+    <a:clrScheme name="Tema de Office">
       <a:dk1>
         <a:sysClr val="windowText" lastClr="000000"/>
       </a:dk1>
@@ -5726,7 +9787,7 @@
         <a:srgbClr val="954F72"/>
       </a:folHlink>
     </a:clrScheme>
-    <a:fontScheme name="Office Theme">
+    <a:fontScheme name="Tema de Office">
       <a:majorFont>
         <a:latin typeface="Calibri Light" panose="020F0302020204030204"/>
         <a:ea typeface=""/>
@@ -5798,7 +9859,7 @@
         <a:font script="Geor" typeface="Sylfaen"/>
       </a:minorFont>
     </a:fontScheme>
-    <a:fmtScheme name="Office Theme">
+    <a:fmtScheme name="Tema de Office">
       <a:fillStyleLst>
         <a:solidFill>
           <a:schemeClr val="phClr"/>

--- a/Nicaragua Infografia.pptx
+++ b/Nicaragua Infografia.pptx
@@ -116,7 +116,7 @@
 <file path=ppt/charts/chart1.xml><?xml version="1.0" encoding="utf-8"?>
 <c:chartSpace xmlns:c="http://schemas.openxmlformats.org/drawingml/2006/chart" xmlns:a="http://schemas.openxmlformats.org/drawingml/2006/main" xmlns:r="http://schemas.openxmlformats.org/officeDocument/2006/relationships" xmlns:c16r2="http://schemas.microsoft.com/office/drawing/2015/06/chart">
   <c:date1904 val="0"/>
-  <c:lang val="es-ES"/>
+  <c:lang val="en-US"/>
   <c:roundedCorners val="0"/>
   <mc:AlternateContent xmlns:mc="http://schemas.openxmlformats.org/markup-compatibility/2006">
     <mc:Choice xmlns:c14="http://schemas.microsoft.com/office/drawing/2007/8/2/chart" Requires="c14">
@@ -1083,7 +1083,7 @@
           <a:p>
             <a:fld id="{3D6DEB8E-57A5-4E24-A79E-0156C7376F47}" type="datetimeFigureOut">
               <a:rPr lang="es-ES" smtClean="0"/>
-              <a:t>06/06/2022</a:t>
+              <a:t>07/06/2022</a:t>
             </a:fld>
             <a:endParaRPr lang="es-ES"/>
           </a:p>
@@ -1125,7 +1125,7 @@
           <a:p>
             <a:fld id="{AFF29D6C-17C6-483F-AAC9-ACEBBBC03CEC}" type="slidenum">
               <a:rPr lang="es-ES" smtClean="0"/>
-              <a:t>‹Nº›</a:t>
+              <a:t>‹#›</a:t>
             </a:fld>
             <a:endParaRPr lang="es-ES"/>
           </a:p>
@@ -1253,7 +1253,7 @@
           <a:p>
             <a:fld id="{3D6DEB8E-57A5-4E24-A79E-0156C7376F47}" type="datetimeFigureOut">
               <a:rPr lang="es-ES" smtClean="0"/>
-              <a:t>06/06/2022</a:t>
+              <a:t>07/06/2022</a:t>
             </a:fld>
             <a:endParaRPr lang="es-ES"/>
           </a:p>
@@ -1295,7 +1295,7 @@
           <a:p>
             <a:fld id="{AFF29D6C-17C6-483F-AAC9-ACEBBBC03CEC}" type="slidenum">
               <a:rPr lang="es-ES" smtClean="0"/>
-              <a:t>‹Nº›</a:t>
+              <a:t>‹#›</a:t>
             </a:fld>
             <a:endParaRPr lang="es-ES"/>
           </a:p>
@@ -1433,7 +1433,7 @@
           <a:p>
             <a:fld id="{3D6DEB8E-57A5-4E24-A79E-0156C7376F47}" type="datetimeFigureOut">
               <a:rPr lang="es-ES" smtClean="0"/>
-              <a:t>06/06/2022</a:t>
+              <a:t>07/06/2022</a:t>
             </a:fld>
             <a:endParaRPr lang="es-ES"/>
           </a:p>
@@ -1475,7 +1475,7 @@
           <a:p>
             <a:fld id="{AFF29D6C-17C6-483F-AAC9-ACEBBBC03CEC}" type="slidenum">
               <a:rPr lang="es-ES" smtClean="0"/>
-              <a:t>‹Nº›</a:t>
+              <a:t>‹#›</a:t>
             </a:fld>
             <a:endParaRPr lang="es-ES"/>
           </a:p>
@@ -1603,7 +1603,7 @@
           <a:p>
             <a:fld id="{3D6DEB8E-57A5-4E24-A79E-0156C7376F47}" type="datetimeFigureOut">
               <a:rPr lang="es-ES" smtClean="0"/>
-              <a:t>06/06/2022</a:t>
+              <a:t>07/06/2022</a:t>
             </a:fld>
             <a:endParaRPr lang="es-ES"/>
           </a:p>
@@ -1645,7 +1645,7 @@
           <a:p>
             <a:fld id="{AFF29D6C-17C6-483F-AAC9-ACEBBBC03CEC}" type="slidenum">
               <a:rPr lang="es-ES" smtClean="0"/>
-              <a:t>‹Nº›</a:t>
+              <a:t>‹#›</a:t>
             </a:fld>
             <a:endParaRPr lang="es-ES"/>
           </a:p>
@@ -1847,7 +1847,7 @@
           <a:p>
             <a:fld id="{3D6DEB8E-57A5-4E24-A79E-0156C7376F47}" type="datetimeFigureOut">
               <a:rPr lang="es-ES" smtClean="0"/>
-              <a:t>06/06/2022</a:t>
+              <a:t>07/06/2022</a:t>
             </a:fld>
             <a:endParaRPr lang="es-ES"/>
           </a:p>
@@ -1889,7 +1889,7 @@
           <a:p>
             <a:fld id="{AFF29D6C-17C6-483F-AAC9-ACEBBBC03CEC}" type="slidenum">
               <a:rPr lang="es-ES" smtClean="0"/>
-              <a:t>‹Nº›</a:t>
+              <a:t>‹#›</a:t>
             </a:fld>
             <a:endParaRPr lang="es-ES"/>
           </a:p>
@@ -2079,7 +2079,7 @@
           <a:p>
             <a:fld id="{3D6DEB8E-57A5-4E24-A79E-0156C7376F47}" type="datetimeFigureOut">
               <a:rPr lang="es-ES" smtClean="0"/>
-              <a:t>06/06/2022</a:t>
+              <a:t>07/06/2022</a:t>
             </a:fld>
             <a:endParaRPr lang="es-ES"/>
           </a:p>
@@ -2121,7 +2121,7 @@
           <a:p>
             <a:fld id="{AFF29D6C-17C6-483F-AAC9-ACEBBBC03CEC}" type="slidenum">
               <a:rPr lang="es-ES" smtClean="0"/>
-              <a:t>‹Nº›</a:t>
+              <a:t>‹#›</a:t>
             </a:fld>
             <a:endParaRPr lang="es-ES"/>
           </a:p>
@@ -2446,7 +2446,7 @@
           <a:p>
             <a:fld id="{3D6DEB8E-57A5-4E24-A79E-0156C7376F47}" type="datetimeFigureOut">
               <a:rPr lang="es-ES" smtClean="0"/>
-              <a:t>06/06/2022</a:t>
+              <a:t>07/06/2022</a:t>
             </a:fld>
             <a:endParaRPr lang="es-ES"/>
           </a:p>
@@ -2488,7 +2488,7 @@
           <a:p>
             <a:fld id="{AFF29D6C-17C6-483F-AAC9-ACEBBBC03CEC}" type="slidenum">
               <a:rPr lang="es-ES" smtClean="0"/>
-              <a:t>‹Nº›</a:t>
+              <a:t>‹#›</a:t>
             </a:fld>
             <a:endParaRPr lang="es-ES"/>
           </a:p>
@@ -2564,7 +2564,7 @@
           <a:p>
             <a:fld id="{3D6DEB8E-57A5-4E24-A79E-0156C7376F47}" type="datetimeFigureOut">
               <a:rPr lang="es-ES" smtClean="0"/>
-              <a:t>06/06/2022</a:t>
+              <a:t>07/06/2022</a:t>
             </a:fld>
             <a:endParaRPr lang="es-ES"/>
           </a:p>
@@ -2606,7 +2606,7 @@
           <a:p>
             <a:fld id="{AFF29D6C-17C6-483F-AAC9-ACEBBBC03CEC}" type="slidenum">
               <a:rPr lang="es-ES" smtClean="0"/>
-              <a:t>‹Nº›</a:t>
+              <a:t>‹#›</a:t>
             </a:fld>
             <a:endParaRPr lang="es-ES"/>
           </a:p>
@@ -2659,7 +2659,7 @@
           <a:p>
             <a:fld id="{3D6DEB8E-57A5-4E24-A79E-0156C7376F47}" type="datetimeFigureOut">
               <a:rPr lang="es-ES" smtClean="0"/>
-              <a:t>06/06/2022</a:t>
+              <a:t>07/06/2022</a:t>
             </a:fld>
             <a:endParaRPr lang="es-ES"/>
           </a:p>
@@ -2701,7 +2701,7 @@
           <a:p>
             <a:fld id="{AFF29D6C-17C6-483F-AAC9-ACEBBBC03CEC}" type="slidenum">
               <a:rPr lang="es-ES" smtClean="0"/>
-              <a:t>‹Nº›</a:t>
+              <a:t>‹#›</a:t>
             </a:fld>
             <a:endParaRPr lang="es-ES"/>
           </a:p>
@@ -2936,7 +2936,7 @@
           <a:p>
             <a:fld id="{3D6DEB8E-57A5-4E24-A79E-0156C7376F47}" type="datetimeFigureOut">
               <a:rPr lang="es-ES" smtClean="0"/>
-              <a:t>06/06/2022</a:t>
+              <a:t>07/06/2022</a:t>
             </a:fld>
             <a:endParaRPr lang="es-ES"/>
           </a:p>
@@ -2978,7 +2978,7 @@
           <a:p>
             <a:fld id="{AFF29D6C-17C6-483F-AAC9-ACEBBBC03CEC}" type="slidenum">
               <a:rPr lang="es-ES" smtClean="0"/>
-              <a:t>‹Nº›</a:t>
+              <a:t>‹#›</a:t>
             </a:fld>
             <a:endParaRPr lang="es-ES"/>
           </a:p>
@@ -3193,7 +3193,7 @@
           <a:p>
             <a:fld id="{3D6DEB8E-57A5-4E24-A79E-0156C7376F47}" type="datetimeFigureOut">
               <a:rPr lang="es-ES" smtClean="0"/>
-              <a:t>06/06/2022</a:t>
+              <a:t>07/06/2022</a:t>
             </a:fld>
             <a:endParaRPr lang="es-ES"/>
           </a:p>
@@ -3235,7 +3235,7 @@
           <a:p>
             <a:fld id="{AFF29D6C-17C6-483F-AAC9-ACEBBBC03CEC}" type="slidenum">
               <a:rPr lang="es-ES" smtClean="0"/>
-              <a:t>‹Nº›</a:t>
+              <a:t>‹#›</a:t>
             </a:fld>
             <a:endParaRPr lang="es-ES"/>
           </a:p>
@@ -3406,7 +3406,7 @@
           <a:p>
             <a:fld id="{3D6DEB8E-57A5-4E24-A79E-0156C7376F47}" type="datetimeFigureOut">
               <a:rPr lang="es-ES" smtClean="0"/>
-              <a:t>06/06/2022</a:t>
+              <a:t>07/06/2022</a:t>
             </a:fld>
             <a:endParaRPr lang="es-ES"/>
           </a:p>
@@ -3484,7 +3484,7 @@
           <a:p>
             <a:fld id="{AFF29D6C-17C6-483F-AAC9-ACEBBBC03CEC}" type="slidenum">
               <a:rPr lang="es-ES" smtClean="0"/>
-              <a:t>‹Nº›</a:t>
+              <a:t>‹#›</a:t>
             </a:fld>
             <a:endParaRPr lang="es-ES"/>
           </a:p>
@@ -4389,7 +4389,7 @@
         <p:spPr>
           <a:xfrm>
             <a:off x="2667296" y="998486"/>
-            <a:ext cx="9799053" cy="1615827"/>
+            <a:ext cx="9799053" cy="1646605"/>
           </a:xfrm>
           <a:prstGeom prst="rect">
             <a:avLst/>
@@ -4402,17 +4402,40 @@
           </a:bodyPr>
           <a:lstStyle/>
           <a:p>
-            <a:r>
-              <a:rPr lang="en-US" sz="1100" dirty="0">
+            <a:pPr algn="just">
+              <a:spcAft>
+                <a:spcPts val="600"/>
+              </a:spcAft>
+            </a:pPr>
+            <a:r>
+              <a:rPr lang="es-ES" sz="1200" dirty="0">
                 <a:solidFill>
                   <a:schemeClr val="bg1"/>
                 </a:solidFill>
                 <a:latin typeface="Abadi" panose="020B0604020104020204" pitchFamily="34" charset="0"/>
               </a:rPr>
-              <a:t>trials in the United States show that children who benefited from intensive preschool interventions have higher school attainment, better test scores, lower rates of criminality, and earn higher wages in adulthood (Currie 2001; </a:t>
-            </a:r>
-            <a:r>
-              <a:rPr lang="en-US" sz="1100" dirty="0" err="1">
+              <a:t>Estudios en Estados Unidos (</a:t>
+            </a:r>
+            <a:r>
+              <a:rPr lang="es-ES" sz="1100" i="1" dirty="0" err="1">
+                <a:solidFill>
+                  <a:schemeClr val="bg1"/>
+                </a:solidFill>
+                <a:latin typeface="Abadi" panose="020B0604020104020204" pitchFamily="34" charset="0"/>
+              </a:rPr>
+              <a:t>Currie</a:t>
+            </a:r>
+            <a:r>
+              <a:rPr lang="es-ES" sz="1100" i="1" dirty="0">
+                <a:solidFill>
+                  <a:schemeClr val="bg1"/>
+                </a:solidFill>
+                <a:latin typeface="Abadi" panose="020B0604020104020204" pitchFamily="34" charset="0"/>
+              </a:rPr>
+              <a:t> 2001; </a:t>
+            </a:r>
+            <a:r>
+              <a:rPr lang="es-ES" sz="1100" i="1" dirty="0" err="1">
                 <a:solidFill>
                   <a:schemeClr val="bg1"/>
                 </a:solidFill>
@@ -4421,89 +4444,112 @@
               <a:t>Schweinhart</a:t>
             </a:r>
             <a:r>
-              <a:rPr lang="en-US" sz="1100" dirty="0">
+              <a:rPr lang="es-ES" sz="1100" i="1" dirty="0">
                 <a:solidFill>
                   <a:schemeClr val="bg1"/>
                 </a:solidFill>
                 <a:latin typeface="Abadi" panose="020B0604020104020204" pitchFamily="34" charset="0"/>
               </a:rPr>
-              <a:t> 2005) This paper analyzes the impact of a cash transfer program on development in early childhood. The program, known as </a:t>
-            </a:r>
-            <a:r>
-              <a:rPr lang="en-US" sz="1100" dirty="0" err="1">
+              <a:t> 2005</a:t>
+            </a:r>
+            <a:r>
+              <a:rPr lang="es-ES" sz="1200" dirty="0">
                 <a:solidFill>
                   <a:schemeClr val="bg1"/>
                 </a:solidFill>
                 <a:latin typeface="Abadi" panose="020B0604020104020204" pitchFamily="34" charset="0"/>
               </a:rPr>
-              <a:t>Atención</a:t>
-            </a:r>
-            <a:r>
-              <a:rPr lang="en-US" sz="1100" dirty="0">
+              <a:t>) han demostrado que niños que se benefician de intervenciones intensivas tienen mejor rendimiento escolar, tasas más bajas de criminalidad y mejor desarrollo. Con estos hechos como objetivo, </a:t>
+            </a:r>
+            <a:r>
+              <a:rPr lang="es-ES" sz="1200" dirty="0" err="1">
                 <a:solidFill>
                   <a:schemeClr val="bg1"/>
                 </a:solidFill>
                 <a:latin typeface="Abadi" panose="020B0604020104020204" pitchFamily="34" charset="0"/>
               </a:rPr>
-              <a:t> a Crisis , made sizeable payments to poor households in rural areas in Nicaragua. The </a:t>
-            </a:r>
-            <a:r>
-              <a:rPr lang="en-US" sz="1100" dirty="0" err="1">
+              <a:t>Macours</a:t>
+            </a:r>
+            <a:r>
+              <a:rPr lang="es-ES" sz="1200" dirty="0">
                 <a:solidFill>
                   <a:schemeClr val="bg1"/>
                 </a:solidFill>
                 <a:latin typeface="Abadi" panose="020B0604020104020204" pitchFamily="34" charset="0"/>
               </a:rPr>
-              <a:t>Atención</a:t>
-            </a:r>
-            <a:r>
-              <a:rPr lang="en-US" sz="1100" dirty="0">
+              <a:t> </a:t>
+            </a:r>
+            <a:r>
+              <a:rPr lang="es-ES" sz="1200" i="1" dirty="0">
                 <a:solidFill>
                   <a:schemeClr val="bg1"/>
                 </a:solidFill>
                 <a:latin typeface="Abadi" panose="020B0604020104020204" pitchFamily="34" charset="0"/>
               </a:rPr>
-              <a:t> a Crisis pilot program was implemented between November 2005 and December 2006 by the Ministry of the Family in six municipalities in rural Nicaragua. </a:t>
-            </a:r>
-          </a:p>
-          <a:p>
-            <a:r>
-              <a:rPr lang="en-US" sz="1100" dirty="0" err="1">
+              <a:t>et al. </a:t>
+            </a:r>
+            <a:r>
+              <a:rPr lang="es-ES" sz="1200" dirty="0">
                 <a:solidFill>
                   <a:schemeClr val="bg1"/>
                 </a:solidFill>
                 <a:latin typeface="Abadi" panose="020B0604020104020204" pitchFamily="34" charset="0"/>
               </a:rPr>
-              <a:t>irst</a:t>
-            </a:r>
-            <a:r>
-              <a:rPr lang="en-US" sz="1100" dirty="0">
+              <a:t>analizaron el impacto de un programa de desarrollo en la primera infancia. El programa, conocido como </a:t>
+            </a:r>
+            <a:r>
+              <a:rPr lang="es-ES" sz="1200" i="1" dirty="0">
                 <a:solidFill>
                   <a:schemeClr val="bg1"/>
                 </a:solidFill>
                 <a:latin typeface="Abadi" panose="020B0604020104020204" pitchFamily="34" charset="0"/>
               </a:rPr>
-              <a:t>, among all communities in the six municipalities, 56 intervention and 50 control communities were randomly selected through a lottery. Second, baseline data were collected in both treatment and control communities. Baseline data for the evaluation were collected in April-May 2005. A first </a:t>
-            </a:r>
-            <a:r>
-              <a:rPr lang="en-US" sz="1100" dirty="0" err="1">
+              <a:t>Atención a Crisis</a:t>
+            </a:r>
+            <a:r>
+              <a:rPr lang="es-ES" sz="1200" dirty="0">
                 <a:solidFill>
                   <a:schemeClr val="bg1"/>
                 </a:solidFill>
                 <a:latin typeface="Abadi" panose="020B0604020104020204" pitchFamily="34" charset="0"/>
               </a:rPr>
-              <a:t>followup</a:t>
-            </a:r>
-            <a:r>
-              <a:rPr lang="en-US" sz="1100" dirty="0">
+              <a:t>, realizó pagos considerables a hogares pobres entre noviembre de 2005 y diciembre de 2006 y fue implementado por el Ministerio de la Familia en seis municipios de la zona rural de Nicaragua.</a:t>
+            </a:r>
+          </a:p>
+          <a:p>
+            <a:pPr>
+              <a:spcAft>
+                <a:spcPts val="600"/>
+              </a:spcAft>
+            </a:pPr>
+            <a:r>
+              <a:rPr lang="es-ES" sz="1200" dirty="0">
                 <a:solidFill>
                   <a:schemeClr val="bg1"/>
                 </a:solidFill>
                 <a:latin typeface="Abadi" panose="020B0604020104020204" pitchFamily="34" charset="0"/>
               </a:rPr>
-              <a:t> survey was collected in July-August 2006, nine months after the households had started receiving payments. The sample includes the 3,002 eligible households in the treatment group, and a random sample of 1,019 eligible households in the communities that were assigned to the control group. A second follow-up survey, covering the same households as those included in the first follow-up, was collected between August 2008 and May 2009 (henceforth referred to as 2008). </a:t>
-            </a:r>
-            <a:endParaRPr lang="es-ES" sz="1100" i="1" dirty="0">
+              <a:t>La base del estudio consistía en la recopilación de datos económicos, </a:t>
+            </a:r>
+            <a:r>
+              <a:rPr lang="es-ES" sz="1200" dirty="0" err="1">
+                <a:solidFill>
+                  <a:schemeClr val="bg1"/>
+                </a:solidFill>
+                <a:latin typeface="Abadi" panose="020B0604020104020204" pitchFamily="34" charset="0"/>
+              </a:rPr>
+              <a:t>sociopersonales</a:t>
+            </a:r>
+            <a:r>
+              <a:rPr lang="es-ES" sz="1200" dirty="0">
+                <a:solidFill>
+                  <a:schemeClr val="bg1"/>
+                </a:solidFill>
+                <a:latin typeface="Abadi" panose="020B0604020104020204" pitchFamily="34" charset="0"/>
+              </a:rPr>
+              <a:t>, de hábitos de vida y de desarrollo psicomotriz de los niños de las más de 4000 familias participantes. Al cabo de aproximadamente 10 meses del inicio de las ayudas económicas, se realizó una encuesta de seguimiento evaluando con especial atención el desarrollo de los niños.</a:t>
+            </a:r>
+            <a:endParaRPr lang="es-ES" sz="1200" i="1" dirty="0">
               <a:solidFill>
                 <a:schemeClr val="bg1"/>
               </a:solidFill>
@@ -6579,6 +6625,14 @@
 <file path=ppt/slides/slide2.xml><?xml version="1.0" encoding="utf-8"?>
 <p:sld xmlns:a="http://schemas.openxmlformats.org/drawingml/2006/main" xmlns:r="http://schemas.openxmlformats.org/officeDocument/2006/relationships" xmlns:p="http://schemas.openxmlformats.org/presentationml/2006/main">
   <p:cSld>
+    <p:bg>
+      <p:bgPr>
+        <a:solidFill>
+          <a:srgbClr val="2C3C4E"/>
+        </a:solidFill>
+        <a:effectLst/>
+      </p:bgPr>
+    </p:bg>
     <p:spTree>
       <p:nvGrpSpPr>
         <p:cNvPr id="1" name=""/>
@@ -8581,7 +8635,7 @@
             </a:pathLst>
           </a:custGeom>
           <a:solidFill>
-            <a:srgbClr val="388313"/>
+            <a:srgbClr val="32A505"/>
           </a:solidFill>
           <a:ln w="9525" cap="flat">
             <a:noFill/>
@@ -8825,7 +8879,11 @@
               <a:avLst/>
             </a:prstGeom>
             <a:noFill/>
-            <a:ln w="57150"/>
+            <a:ln w="57150">
+              <a:solidFill>
+                <a:srgbClr val="2C8AE0"/>
+              </a:solidFill>
+            </a:ln>
           </p:spPr>
           <p:style>
             <a:lnRef idx="2">
@@ -8933,7 +8991,11 @@
               <a:avLst/>
             </a:prstGeom>
             <a:noFill/>
-            <a:ln w="57150"/>
+            <a:ln w="57150">
+              <a:solidFill>
+                <a:srgbClr val="2C8AE0"/>
+              </a:solidFill>
+            </a:ln>
           </p:spPr>
           <p:style>
             <a:lnRef idx="2">
@@ -9017,6 +9079,11 @@
               <a:avLst/>
             </a:prstGeom>
             <a:noFill/>
+            <a:ln>
+              <a:solidFill>
+                <a:srgbClr val="2C8AE0"/>
+              </a:solidFill>
+            </a:ln>
             <a:extLst>
               <a:ext uri="{909E8E84-426E-40DD-AFC4-6F175D3DCCD1}">
                 <a14:hiddenFill xmlns:a14="http://schemas.microsoft.com/office/drawing/2010/main">
@@ -9049,7 +9116,11 @@
               <a:avLst/>
             </a:prstGeom>
             <a:noFill/>
-            <a:ln w="57150"/>
+            <a:ln w="57150">
+              <a:solidFill>
+                <a:srgbClr val="2C8AE0"/>
+              </a:solidFill>
+            </a:ln>
           </p:spPr>
           <p:style>
             <a:lnRef idx="2">
@@ -9118,7 +9189,11 @@
               <a:avLst/>
             </a:prstGeom>
             <a:noFill/>
-            <a:ln w="57150"/>
+            <a:ln w="57150">
+              <a:solidFill>
+                <a:srgbClr val="2C8AE0"/>
+              </a:solidFill>
+            </a:ln>
           </p:spPr>
           <p:style>
             <a:lnRef idx="2">
@@ -9548,6 +9623,9 @@
             <a:avLst/>
           </a:prstGeom>
           <a:ln w="38100">
+            <a:solidFill>
+              <a:srgbClr val="2C8AE0"/>
+            </a:solidFill>
             <a:tailEnd type="oval"/>
           </a:ln>
         </p:spPr>
@@ -9589,6 +9667,9 @@
             <a:avLst/>
           </a:prstGeom>
           <a:ln w="38100">
+            <a:solidFill>
+              <a:srgbClr val="2C8AE0"/>
+            </a:solidFill>
             <a:tailEnd type="oval"/>
           </a:ln>
         </p:spPr>
@@ -9630,6 +9711,9 @@
             <a:avLst/>
           </a:prstGeom>
           <a:ln w="38100">
+            <a:solidFill>
+              <a:srgbClr val="2C8AE0"/>
+            </a:solidFill>
             <a:tailEnd type="oval"/>
           </a:ln>
         </p:spPr>
@@ -9671,6 +9755,9 @@
             <a:avLst/>
           </a:prstGeom>
           <a:ln w="38100">
+            <a:solidFill>
+              <a:srgbClr val="2C8AE0"/>
+            </a:solidFill>
             <a:tailEnd type="oval"/>
           </a:ln>
         </p:spPr>

--- a/Nicaragua Infografia.pptx
+++ b/Nicaragua Infografia.pptx
@@ -2,13 +2,13 @@
 <file path=ppt/presentation.xml><?xml version="1.0" encoding="utf-8"?>
 <p:presentation xmlns:a="http://schemas.openxmlformats.org/drawingml/2006/main" xmlns:r="http://schemas.openxmlformats.org/officeDocument/2006/relationships" xmlns:p="http://schemas.openxmlformats.org/presentationml/2006/main" saveSubsetFonts="1">
   <p:sldMasterIdLst>
-    <p:sldMasterId id="2147483672" r:id="rId1"/>
+    <p:sldMasterId id="2147483684" r:id="rId1"/>
   </p:sldMasterIdLst>
   <p:sldIdLst>
     <p:sldId id="258" r:id="rId2"/>
     <p:sldId id="257" r:id="rId3"/>
   </p:sldIdLst>
-  <p:sldSz cx="12801600" cy="9601200" type="A3"/>
+  <p:sldSz cx="12801600" cy="9144000"/>
   <p:notesSz cx="6858000" cy="9144000"/>
   <p:defaultTextStyle>
     <a:defPPr>
@@ -954,7 +954,7 @@
 
 <file path=ppt/slideLayouts/slideLayout1.xml><?xml version="1.0" encoding="utf-8"?>
 <p:sldLayout xmlns:a="http://schemas.openxmlformats.org/drawingml/2006/main" xmlns:r="http://schemas.openxmlformats.org/officeDocument/2006/relationships" xmlns:p="http://schemas.openxmlformats.org/presentationml/2006/main" type="title" preserve="1">
-  <p:cSld name="Diapositiva de título">
+  <p:cSld name="Title Slide">
     <p:spTree>
       <p:nvGrpSpPr>
         <p:cNvPr id="1" name=""/>
@@ -981,21 +981,21 @@
         </p:nvSpPr>
         <p:spPr>
           <a:xfrm>
-            <a:off x="960120" y="1571308"/>
-            <a:ext cx="10881360" cy="3342640"/>
+            <a:off x="960120" y="1496484"/>
+            <a:ext cx="10881360" cy="3183467"/>
           </a:xfrm>
         </p:spPr>
         <p:txBody>
           <a:bodyPr anchor="b"/>
           <a:lstStyle>
             <a:lvl1pPr algn="ctr">
-              <a:defRPr sz="8400"/>
+              <a:defRPr sz="8000"/>
             </a:lvl1pPr>
           </a:lstStyle>
           <a:p>
             <a:r>
-              <a:rPr lang="es-ES"/>
-              <a:t>Haga clic para modificar el estilo de título del patrón</a:t>
+              <a:rPr lang="en-US"/>
+              <a:t>Click to edit Master title style</a:t>
             </a:r>
             <a:endParaRPr lang="en-US" dirty="0"/>
           </a:p>
@@ -1013,8 +1013,8 @@
         </p:nvSpPr>
         <p:spPr>
           <a:xfrm>
-            <a:off x="1600200" y="5042853"/>
-            <a:ext cx="9601200" cy="2318067"/>
+            <a:off x="1600200" y="4802717"/>
+            <a:ext cx="9601200" cy="2207683"/>
           </a:xfrm>
         </p:spPr>
         <p:txBody>
@@ -1022,45 +1022,45 @@
           <a:lstStyle>
             <a:lvl1pPr marL="0" indent="0" algn="ctr">
               <a:buNone/>
-              <a:defRPr sz="3360"/>
+              <a:defRPr sz="3200"/>
             </a:lvl1pPr>
-            <a:lvl2pPr marL="640080" indent="0" algn="ctr">
+            <a:lvl2pPr marL="609585" indent="0" algn="ctr">
               <a:buNone/>
-              <a:defRPr sz="2800"/>
+              <a:defRPr sz="2667"/>
             </a:lvl2pPr>
-            <a:lvl3pPr marL="1280160" indent="0" algn="ctr">
+            <a:lvl3pPr marL="1219170" indent="0" algn="ctr">
               <a:buNone/>
-              <a:defRPr sz="2520"/>
+              <a:defRPr sz="2400"/>
             </a:lvl3pPr>
-            <a:lvl4pPr marL="1920240" indent="0" algn="ctr">
+            <a:lvl4pPr marL="1828754" indent="0" algn="ctr">
               <a:buNone/>
-              <a:defRPr sz="2240"/>
+              <a:defRPr sz="2133"/>
             </a:lvl4pPr>
-            <a:lvl5pPr marL="2560320" indent="0" algn="ctr">
+            <a:lvl5pPr marL="2438339" indent="0" algn="ctr">
               <a:buNone/>
-              <a:defRPr sz="2240"/>
+              <a:defRPr sz="2133"/>
             </a:lvl5pPr>
-            <a:lvl6pPr marL="3200400" indent="0" algn="ctr">
+            <a:lvl6pPr marL="3047924" indent="0" algn="ctr">
               <a:buNone/>
-              <a:defRPr sz="2240"/>
+              <a:defRPr sz="2133"/>
             </a:lvl6pPr>
-            <a:lvl7pPr marL="3840480" indent="0" algn="ctr">
+            <a:lvl7pPr marL="3657509" indent="0" algn="ctr">
               <a:buNone/>
-              <a:defRPr sz="2240"/>
+              <a:defRPr sz="2133"/>
             </a:lvl7pPr>
-            <a:lvl8pPr marL="4480560" indent="0" algn="ctr">
+            <a:lvl8pPr marL="4267093" indent="0" algn="ctr">
               <a:buNone/>
-              <a:defRPr sz="2240"/>
+              <a:defRPr sz="2133"/>
             </a:lvl8pPr>
-            <a:lvl9pPr marL="5120640" indent="0" algn="ctr">
+            <a:lvl9pPr marL="4876678" indent="0" algn="ctr">
               <a:buNone/>
-              <a:defRPr sz="2240"/>
+              <a:defRPr sz="2133"/>
             </a:lvl9pPr>
           </a:lstStyle>
           <a:p>
             <a:r>
-              <a:rPr lang="es-ES"/>
-              <a:t>Haga clic para modificar el estilo de subtítulo del patrón</a:t>
+              <a:rPr lang="en-US"/>
+              <a:t>Click to edit Master subtitle style</a:t>
             </a:r>
             <a:endParaRPr lang="en-US" dirty="0"/>
           </a:p>
@@ -1134,7 +1134,7 @@
     </p:spTree>
     <p:extLst>
       <p:ext uri="{BB962C8B-B14F-4D97-AF65-F5344CB8AC3E}">
-        <p14:creationId xmlns:p14="http://schemas.microsoft.com/office/powerpoint/2010/main" val="848386822"/>
+        <p14:creationId xmlns:p14="http://schemas.microsoft.com/office/powerpoint/2010/main" val="859591484"/>
       </p:ext>
     </p:extLst>
   </p:cSld>
@@ -1146,7 +1146,7 @@
 
 <file path=ppt/slideLayouts/slideLayout10.xml><?xml version="1.0" encoding="utf-8"?>
 <p:sldLayout xmlns:a="http://schemas.openxmlformats.org/drawingml/2006/main" xmlns:r="http://schemas.openxmlformats.org/officeDocument/2006/relationships" xmlns:p="http://schemas.openxmlformats.org/presentationml/2006/main" type="vertTx" preserve="1">
-  <p:cSld name="Título y texto vertical">
+  <p:cSld name="Title and Vertical Text">
     <p:spTree>
       <p:nvGrpSpPr>
         <p:cNvPr id="1" name=""/>
@@ -1177,8 +1177,8 @@
           <a:lstStyle/>
           <a:p>
             <a:r>
-              <a:rPr lang="es-ES"/>
-              <a:t>Haga clic para modificar el estilo de título del patrón</a:t>
+              <a:rPr lang="en-US"/>
+              <a:t>Click to edit Master title style</a:t>
             </a:r>
             <a:endParaRPr lang="en-US" dirty="0"/>
           </a:p>
@@ -1201,36 +1201,36 @@
           <a:p>
             <a:pPr lvl="0"/>
             <a:r>
-              <a:rPr lang="es-ES"/>
-              <a:t>Haga clic para modificar los estilos de texto del patrón</a:t>
+              <a:rPr lang="en-US"/>
+              <a:t>Click to edit Master text styles</a:t>
             </a:r>
           </a:p>
           <a:p>
             <a:pPr lvl="1"/>
             <a:r>
-              <a:rPr lang="es-ES"/>
-              <a:t>Segundo nivel</a:t>
+              <a:rPr lang="en-US"/>
+              <a:t>Second level</a:t>
             </a:r>
           </a:p>
           <a:p>
             <a:pPr lvl="2"/>
             <a:r>
-              <a:rPr lang="es-ES"/>
-              <a:t>Tercer nivel</a:t>
+              <a:rPr lang="en-US"/>
+              <a:t>Third level</a:t>
             </a:r>
           </a:p>
           <a:p>
             <a:pPr lvl="3"/>
             <a:r>
-              <a:rPr lang="es-ES"/>
-              <a:t>Cuarto nivel</a:t>
+              <a:rPr lang="en-US"/>
+              <a:t>Fourth level</a:t>
             </a:r>
           </a:p>
           <a:p>
             <a:pPr lvl="4"/>
             <a:r>
-              <a:rPr lang="es-ES"/>
-              <a:t>Quinto nivel</a:t>
+              <a:rPr lang="en-US"/>
+              <a:t>Fifth level</a:t>
             </a:r>
             <a:endParaRPr lang="en-US" dirty="0"/>
           </a:p>
@@ -1304,7 +1304,7 @@
     </p:spTree>
     <p:extLst>
       <p:ext uri="{BB962C8B-B14F-4D97-AF65-F5344CB8AC3E}">
-        <p14:creationId xmlns:p14="http://schemas.microsoft.com/office/powerpoint/2010/main" val="1427390350"/>
+        <p14:creationId xmlns:p14="http://schemas.microsoft.com/office/powerpoint/2010/main" val="2486927162"/>
       </p:ext>
     </p:extLst>
   </p:cSld>
@@ -1316,7 +1316,7 @@
 
 <file path=ppt/slideLayouts/slideLayout11.xml><?xml version="1.0" encoding="utf-8"?>
 <p:sldLayout xmlns:a="http://schemas.openxmlformats.org/drawingml/2006/main" xmlns:r="http://schemas.openxmlformats.org/officeDocument/2006/relationships" xmlns:p="http://schemas.openxmlformats.org/presentationml/2006/main" type="vertTitleAndTx" preserve="1">
-  <p:cSld name="Título vertical y texto">
+  <p:cSld name="Vertical Title and Text">
     <p:spTree>
       <p:nvGrpSpPr>
         <p:cNvPr id="1" name=""/>
@@ -1343,8 +1343,8 @@
         </p:nvSpPr>
         <p:spPr>
           <a:xfrm>
-            <a:off x="9161146" y="511175"/>
-            <a:ext cx="2760345" cy="8136573"/>
+            <a:off x="9161146" y="486834"/>
+            <a:ext cx="2760345" cy="7749117"/>
           </a:xfrm>
         </p:spPr>
         <p:txBody>
@@ -1352,8 +1352,8 @@
           <a:lstStyle/>
           <a:p>
             <a:r>
-              <a:rPr lang="es-ES"/>
-              <a:t>Haga clic para modificar el estilo de título del patrón</a:t>
+              <a:rPr lang="en-US"/>
+              <a:t>Click to edit Master title style</a:t>
             </a:r>
             <a:endParaRPr lang="en-US" dirty="0"/>
           </a:p>
@@ -1371,8 +1371,8 @@
         </p:nvSpPr>
         <p:spPr>
           <a:xfrm>
-            <a:off x="880111" y="511175"/>
-            <a:ext cx="8121015" cy="8136573"/>
+            <a:off x="880111" y="486834"/>
+            <a:ext cx="8121015" cy="7749117"/>
           </a:xfrm>
         </p:spPr>
         <p:txBody>
@@ -1381,36 +1381,36 @@
           <a:p>
             <a:pPr lvl="0"/>
             <a:r>
-              <a:rPr lang="es-ES"/>
-              <a:t>Haga clic para modificar los estilos de texto del patrón</a:t>
+              <a:rPr lang="en-US"/>
+              <a:t>Click to edit Master text styles</a:t>
             </a:r>
           </a:p>
           <a:p>
             <a:pPr lvl="1"/>
             <a:r>
-              <a:rPr lang="es-ES"/>
-              <a:t>Segundo nivel</a:t>
+              <a:rPr lang="en-US"/>
+              <a:t>Second level</a:t>
             </a:r>
           </a:p>
           <a:p>
             <a:pPr lvl="2"/>
             <a:r>
-              <a:rPr lang="es-ES"/>
-              <a:t>Tercer nivel</a:t>
+              <a:rPr lang="en-US"/>
+              <a:t>Third level</a:t>
             </a:r>
           </a:p>
           <a:p>
             <a:pPr lvl="3"/>
             <a:r>
-              <a:rPr lang="es-ES"/>
-              <a:t>Cuarto nivel</a:t>
+              <a:rPr lang="en-US"/>
+              <a:t>Fourth level</a:t>
             </a:r>
           </a:p>
           <a:p>
             <a:pPr lvl="4"/>
             <a:r>
-              <a:rPr lang="es-ES"/>
-              <a:t>Quinto nivel</a:t>
+              <a:rPr lang="en-US"/>
+              <a:t>Fifth level</a:t>
             </a:r>
             <a:endParaRPr lang="en-US" dirty="0"/>
           </a:p>
@@ -1484,7 +1484,7 @@
     </p:spTree>
     <p:extLst>
       <p:ext uri="{BB962C8B-B14F-4D97-AF65-F5344CB8AC3E}">
-        <p14:creationId xmlns:p14="http://schemas.microsoft.com/office/powerpoint/2010/main" val="2129445812"/>
+        <p14:creationId xmlns:p14="http://schemas.microsoft.com/office/powerpoint/2010/main" val="1632331066"/>
       </p:ext>
     </p:extLst>
   </p:cSld>
@@ -1496,7 +1496,7 @@
 
 <file path=ppt/slideLayouts/slideLayout2.xml><?xml version="1.0" encoding="utf-8"?>
 <p:sldLayout xmlns:a="http://schemas.openxmlformats.org/drawingml/2006/main" xmlns:r="http://schemas.openxmlformats.org/officeDocument/2006/relationships" xmlns:p="http://schemas.openxmlformats.org/presentationml/2006/main" type="obj" preserve="1">
-  <p:cSld name="Título y objetos">
+  <p:cSld name="Title and Content">
     <p:spTree>
       <p:nvGrpSpPr>
         <p:cNvPr id="1" name=""/>
@@ -1527,8 +1527,8 @@
           <a:lstStyle/>
           <a:p>
             <a:r>
-              <a:rPr lang="es-ES"/>
-              <a:t>Haga clic para modificar el estilo de título del patrón</a:t>
+              <a:rPr lang="en-US"/>
+              <a:t>Click to edit Master title style</a:t>
             </a:r>
             <a:endParaRPr lang="en-US" dirty="0"/>
           </a:p>
@@ -1551,36 +1551,36 @@
           <a:p>
             <a:pPr lvl="0"/>
             <a:r>
-              <a:rPr lang="es-ES"/>
-              <a:t>Haga clic para modificar los estilos de texto del patrón</a:t>
+              <a:rPr lang="en-US"/>
+              <a:t>Click to edit Master text styles</a:t>
             </a:r>
           </a:p>
           <a:p>
             <a:pPr lvl="1"/>
             <a:r>
-              <a:rPr lang="es-ES"/>
-              <a:t>Segundo nivel</a:t>
+              <a:rPr lang="en-US"/>
+              <a:t>Second level</a:t>
             </a:r>
           </a:p>
           <a:p>
             <a:pPr lvl="2"/>
             <a:r>
-              <a:rPr lang="es-ES"/>
-              <a:t>Tercer nivel</a:t>
+              <a:rPr lang="en-US"/>
+              <a:t>Third level</a:t>
             </a:r>
           </a:p>
           <a:p>
             <a:pPr lvl="3"/>
             <a:r>
-              <a:rPr lang="es-ES"/>
-              <a:t>Cuarto nivel</a:t>
+              <a:rPr lang="en-US"/>
+              <a:t>Fourth level</a:t>
             </a:r>
           </a:p>
           <a:p>
             <a:pPr lvl="4"/>
             <a:r>
-              <a:rPr lang="es-ES"/>
-              <a:t>Quinto nivel</a:t>
+              <a:rPr lang="en-US"/>
+              <a:t>Fifth level</a:t>
             </a:r>
             <a:endParaRPr lang="en-US" dirty="0"/>
           </a:p>
@@ -1654,7 +1654,7 @@
     </p:spTree>
     <p:extLst>
       <p:ext uri="{BB962C8B-B14F-4D97-AF65-F5344CB8AC3E}">
-        <p14:creationId xmlns:p14="http://schemas.microsoft.com/office/powerpoint/2010/main" val="208771236"/>
+        <p14:creationId xmlns:p14="http://schemas.microsoft.com/office/powerpoint/2010/main" val="1574212195"/>
       </p:ext>
     </p:extLst>
   </p:cSld>
@@ -1666,7 +1666,7 @@
 
 <file path=ppt/slideLayouts/slideLayout3.xml><?xml version="1.0" encoding="utf-8"?>
 <p:sldLayout xmlns:a="http://schemas.openxmlformats.org/drawingml/2006/main" xmlns:r="http://schemas.openxmlformats.org/officeDocument/2006/relationships" xmlns:p="http://schemas.openxmlformats.org/presentationml/2006/main" type="secHead" preserve="1">
-  <p:cSld name="Encabezado de sección">
+  <p:cSld name="Section Header">
     <p:spTree>
       <p:nvGrpSpPr>
         <p:cNvPr id="1" name=""/>
@@ -1693,21 +1693,21 @@
         </p:nvSpPr>
         <p:spPr>
           <a:xfrm>
-            <a:off x="873443" y="2393635"/>
-            <a:ext cx="11041380" cy="3993832"/>
+            <a:off x="873443" y="2279653"/>
+            <a:ext cx="11041380" cy="3803649"/>
           </a:xfrm>
         </p:spPr>
         <p:txBody>
           <a:bodyPr anchor="b"/>
           <a:lstStyle>
             <a:lvl1pPr>
-              <a:defRPr sz="8400"/>
+              <a:defRPr sz="8000"/>
             </a:lvl1pPr>
           </a:lstStyle>
           <a:p>
             <a:r>
-              <a:rPr lang="es-ES"/>
-              <a:t>Haga clic para modificar el estilo de título del patrón</a:t>
+              <a:rPr lang="en-US"/>
+              <a:t>Click to edit Master title style</a:t>
             </a:r>
             <a:endParaRPr lang="en-US" dirty="0"/>
           </a:p>
@@ -1725,8 +1725,8 @@
         </p:nvSpPr>
         <p:spPr>
           <a:xfrm>
-            <a:off x="873443" y="6425250"/>
-            <a:ext cx="11041380" cy="2100262"/>
+            <a:off x="873443" y="6119286"/>
+            <a:ext cx="11041380" cy="2000249"/>
           </a:xfrm>
         </p:spPr>
         <p:txBody>
@@ -1734,15 +1734,15 @@
           <a:lstStyle>
             <a:lvl1pPr marL="0" indent="0">
               <a:buNone/>
-              <a:defRPr sz="3360">
+              <a:defRPr sz="3200">
                 <a:solidFill>
                   <a:schemeClr val="tx1"/>
                 </a:solidFill>
               </a:defRPr>
             </a:lvl1pPr>
-            <a:lvl2pPr marL="640080" indent="0">
+            <a:lvl2pPr marL="609585" indent="0">
               <a:buNone/>
-              <a:defRPr sz="2800">
+              <a:defRPr sz="2667">
                 <a:solidFill>
                   <a:schemeClr val="tx1">
                     <a:tint val="75000"/>
@@ -1750,9 +1750,9 @@
                 </a:solidFill>
               </a:defRPr>
             </a:lvl2pPr>
-            <a:lvl3pPr marL="1280160" indent="0">
+            <a:lvl3pPr marL="1219170" indent="0">
               <a:buNone/>
-              <a:defRPr sz="2520">
+              <a:defRPr sz="2400">
                 <a:solidFill>
                   <a:schemeClr val="tx1">
                     <a:tint val="75000"/>
@@ -1760,9 +1760,9 @@
                 </a:solidFill>
               </a:defRPr>
             </a:lvl3pPr>
-            <a:lvl4pPr marL="1920240" indent="0">
+            <a:lvl4pPr marL="1828754" indent="0">
               <a:buNone/>
-              <a:defRPr sz="2240">
+              <a:defRPr sz="2133">
                 <a:solidFill>
                   <a:schemeClr val="tx1">
                     <a:tint val="75000"/>
@@ -1770,9 +1770,9 @@
                 </a:solidFill>
               </a:defRPr>
             </a:lvl4pPr>
-            <a:lvl5pPr marL="2560320" indent="0">
+            <a:lvl5pPr marL="2438339" indent="0">
               <a:buNone/>
-              <a:defRPr sz="2240">
+              <a:defRPr sz="2133">
                 <a:solidFill>
                   <a:schemeClr val="tx1">
                     <a:tint val="75000"/>
@@ -1780,9 +1780,9 @@
                 </a:solidFill>
               </a:defRPr>
             </a:lvl5pPr>
-            <a:lvl6pPr marL="3200400" indent="0">
+            <a:lvl6pPr marL="3047924" indent="0">
               <a:buNone/>
-              <a:defRPr sz="2240">
+              <a:defRPr sz="2133">
                 <a:solidFill>
                   <a:schemeClr val="tx1">
                     <a:tint val="75000"/>
@@ -1790,9 +1790,9 @@
                 </a:solidFill>
               </a:defRPr>
             </a:lvl6pPr>
-            <a:lvl7pPr marL="3840480" indent="0">
+            <a:lvl7pPr marL="3657509" indent="0">
               <a:buNone/>
-              <a:defRPr sz="2240">
+              <a:defRPr sz="2133">
                 <a:solidFill>
                   <a:schemeClr val="tx1">
                     <a:tint val="75000"/>
@@ -1800,9 +1800,9 @@
                 </a:solidFill>
               </a:defRPr>
             </a:lvl7pPr>
-            <a:lvl8pPr marL="4480560" indent="0">
+            <a:lvl8pPr marL="4267093" indent="0">
               <a:buNone/>
-              <a:defRPr sz="2240">
+              <a:defRPr sz="2133">
                 <a:solidFill>
                   <a:schemeClr val="tx1">
                     <a:tint val="75000"/>
@@ -1810,9 +1810,9 @@
                 </a:solidFill>
               </a:defRPr>
             </a:lvl8pPr>
-            <a:lvl9pPr marL="5120640" indent="0">
+            <a:lvl9pPr marL="4876678" indent="0">
               <a:buNone/>
-              <a:defRPr sz="2240">
+              <a:defRPr sz="2133">
                 <a:solidFill>
                   <a:schemeClr val="tx1">
                     <a:tint val="75000"/>
@@ -1824,8 +1824,8 @@
           <a:p>
             <a:pPr lvl="0"/>
             <a:r>
-              <a:rPr lang="es-ES"/>
-              <a:t>Haga clic para modificar los estilos de texto del patrón</a:t>
+              <a:rPr lang="en-US"/>
+              <a:t>Click to edit Master text styles</a:t>
             </a:r>
           </a:p>
         </p:txBody>
@@ -1898,7 +1898,7 @@
     </p:spTree>
     <p:extLst>
       <p:ext uri="{BB962C8B-B14F-4D97-AF65-F5344CB8AC3E}">
-        <p14:creationId xmlns:p14="http://schemas.microsoft.com/office/powerpoint/2010/main" val="2244260981"/>
+        <p14:creationId xmlns:p14="http://schemas.microsoft.com/office/powerpoint/2010/main" val="3462923601"/>
       </p:ext>
     </p:extLst>
   </p:cSld>
@@ -1910,7 +1910,7 @@
 
 <file path=ppt/slideLayouts/slideLayout4.xml><?xml version="1.0" encoding="utf-8"?>
 <p:sldLayout xmlns:a="http://schemas.openxmlformats.org/drawingml/2006/main" xmlns:r="http://schemas.openxmlformats.org/officeDocument/2006/relationships" xmlns:p="http://schemas.openxmlformats.org/presentationml/2006/main" type="twoObj" preserve="1">
-  <p:cSld name="Dos objetos">
+  <p:cSld name="Two Content">
     <p:spTree>
       <p:nvGrpSpPr>
         <p:cNvPr id="1" name=""/>
@@ -1941,8 +1941,8 @@
           <a:lstStyle/>
           <a:p>
             <a:r>
-              <a:rPr lang="es-ES"/>
-              <a:t>Haga clic para modificar el estilo de título del patrón</a:t>
+              <a:rPr lang="en-US"/>
+              <a:t>Click to edit Master title style</a:t>
             </a:r>
             <a:endParaRPr lang="en-US" dirty="0"/>
           </a:p>
@@ -1960,8 +1960,8 @@
         </p:nvSpPr>
         <p:spPr>
           <a:xfrm>
-            <a:off x="880110" y="2555875"/>
-            <a:ext cx="5440680" cy="6091873"/>
+            <a:off x="880110" y="2434167"/>
+            <a:ext cx="5440680" cy="5801784"/>
           </a:xfrm>
         </p:spPr>
         <p:txBody>
@@ -1970,36 +1970,36 @@
           <a:p>
             <a:pPr lvl="0"/>
             <a:r>
-              <a:rPr lang="es-ES"/>
-              <a:t>Haga clic para modificar los estilos de texto del patrón</a:t>
+              <a:rPr lang="en-US"/>
+              <a:t>Click to edit Master text styles</a:t>
             </a:r>
           </a:p>
           <a:p>
             <a:pPr lvl="1"/>
             <a:r>
-              <a:rPr lang="es-ES"/>
-              <a:t>Segundo nivel</a:t>
+              <a:rPr lang="en-US"/>
+              <a:t>Second level</a:t>
             </a:r>
           </a:p>
           <a:p>
             <a:pPr lvl="2"/>
             <a:r>
-              <a:rPr lang="es-ES"/>
-              <a:t>Tercer nivel</a:t>
+              <a:rPr lang="en-US"/>
+              <a:t>Third level</a:t>
             </a:r>
           </a:p>
           <a:p>
             <a:pPr lvl="3"/>
             <a:r>
-              <a:rPr lang="es-ES"/>
-              <a:t>Cuarto nivel</a:t>
+              <a:rPr lang="en-US"/>
+              <a:t>Fourth level</a:t>
             </a:r>
           </a:p>
           <a:p>
             <a:pPr lvl="4"/>
             <a:r>
-              <a:rPr lang="es-ES"/>
-              <a:t>Quinto nivel</a:t>
+              <a:rPr lang="en-US"/>
+              <a:t>Fifth level</a:t>
             </a:r>
             <a:endParaRPr lang="en-US" dirty="0"/>
           </a:p>
@@ -2017,8 +2017,8 @@
         </p:nvSpPr>
         <p:spPr>
           <a:xfrm>
-            <a:off x="6480810" y="2555875"/>
-            <a:ext cx="5440680" cy="6091873"/>
+            <a:off x="6480810" y="2434167"/>
+            <a:ext cx="5440680" cy="5801784"/>
           </a:xfrm>
         </p:spPr>
         <p:txBody>
@@ -2027,36 +2027,36 @@
           <a:p>
             <a:pPr lvl="0"/>
             <a:r>
-              <a:rPr lang="es-ES"/>
-              <a:t>Haga clic para modificar los estilos de texto del patrón</a:t>
+              <a:rPr lang="en-US"/>
+              <a:t>Click to edit Master text styles</a:t>
             </a:r>
           </a:p>
           <a:p>
             <a:pPr lvl="1"/>
             <a:r>
-              <a:rPr lang="es-ES"/>
-              <a:t>Segundo nivel</a:t>
+              <a:rPr lang="en-US"/>
+              <a:t>Second level</a:t>
             </a:r>
           </a:p>
           <a:p>
             <a:pPr lvl="2"/>
             <a:r>
-              <a:rPr lang="es-ES"/>
-              <a:t>Tercer nivel</a:t>
+              <a:rPr lang="en-US"/>
+              <a:t>Third level</a:t>
             </a:r>
           </a:p>
           <a:p>
             <a:pPr lvl="3"/>
             <a:r>
-              <a:rPr lang="es-ES"/>
-              <a:t>Cuarto nivel</a:t>
+              <a:rPr lang="en-US"/>
+              <a:t>Fourth level</a:t>
             </a:r>
           </a:p>
           <a:p>
             <a:pPr lvl="4"/>
             <a:r>
-              <a:rPr lang="es-ES"/>
-              <a:t>Quinto nivel</a:t>
+              <a:rPr lang="en-US"/>
+              <a:t>Fifth level</a:t>
             </a:r>
             <a:endParaRPr lang="en-US" dirty="0"/>
           </a:p>
@@ -2130,7 +2130,7 @@
     </p:spTree>
     <p:extLst>
       <p:ext uri="{BB962C8B-B14F-4D97-AF65-F5344CB8AC3E}">
-        <p14:creationId xmlns:p14="http://schemas.microsoft.com/office/powerpoint/2010/main" val="3370124720"/>
+        <p14:creationId xmlns:p14="http://schemas.microsoft.com/office/powerpoint/2010/main" val="703467709"/>
       </p:ext>
     </p:extLst>
   </p:cSld>
@@ -2142,7 +2142,7 @@
 
 <file path=ppt/slideLayouts/slideLayout5.xml><?xml version="1.0" encoding="utf-8"?>
 <p:sldLayout xmlns:a="http://schemas.openxmlformats.org/drawingml/2006/main" xmlns:r="http://schemas.openxmlformats.org/officeDocument/2006/relationships" xmlns:p="http://schemas.openxmlformats.org/presentationml/2006/main" type="twoTxTwoObj" preserve="1">
-  <p:cSld name="Comparación">
+  <p:cSld name="Comparison">
     <p:spTree>
       <p:nvGrpSpPr>
         <p:cNvPr id="1" name=""/>
@@ -2169,8 +2169,8 @@
         </p:nvSpPr>
         <p:spPr>
           <a:xfrm>
-            <a:off x="881777" y="511177"/>
-            <a:ext cx="11041380" cy="1855788"/>
+            <a:off x="881777" y="486836"/>
+            <a:ext cx="11041380" cy="1767417"/>
           </a:xfrm>
         </p:spPr>
         <p:txBody>
@@ -2178,8 +2178,8 @@
           <a:lstStyle/>
           <a:p>
             <a:r>
-              <a:rPr lang="es-ES"/>
-              <a:t>Haga clic para modificar el estilo de título del patrón</a:t>
+              <a:rPr lang="en-US"/>
+              <a:t>Click to edit Master title style</a:t>
             </a:r>
             <a:endParaRPr lang="en-US" dirty="0"/>
           </a:p>
@@ -2197,8 +2197,8 @@
         </p:nvSpPr>
         <p:spPr>
           <a:xfrm>
-            <a:off x="881779" y="2353628"/>
-            <a:ext cx="5415676" cy="1153477"/>
+            <a:off x="881779" y="2241551"/>
+            <a:ext cx="5415676" cy="1098549"/>
           </a:xfrm>
         </p:spPr>
         <p:txBody>
@@ -2206,46 +2206,46 @@
           <a:lstStyle>
             <a:lvl1pPr marL="0" indent="0">
               <a:buNone/>
-              <a:defRPr sz="3360" b="1"/>
+              <a:defRPr sz="3200" b="1"/>
             </a:lvl1pPr>
-            <a:lvl2pPr marL="640080" indent="0">
+            <a:lvl2pPr marL="609585" indent="0">
               <a:buNone/>
-              <a:defRPr sz="2800" b="1"/>
+              <a:defRPr sz="2667" b="1"/>
             </a:lvl2pPr>
-            <a:lvl3pPr marL="1280160" indent="0">
+            <a:lvl3pPr marL="1219170" indent="0">
               <a:buNone/>
-              <a:defRPr sz="2520" b="1"/>
+              <a:defRPr sz="2400" b="1"/>
             </a:lvl3pPr>
-            <a:lvl4pPr marL="1920240" indent="0">
+            <a:lvl4pPr marL="1828754" indent="0">
               <a:buNone/>
-              <a:defRPr sz="2240" b="1"/>
+              <a:defRPr sz="2133" b="1"/>
             </a:lvl4pPr>
-            <a:lvl5pPr marL="2560320" indent="0">
+            <a:lvl5pPr marL="2438339" indent="0">
               <a:buNone/>
-              <a:defRPr sz="2240" b="1"/>
+              <a:defRPr sz="2133" b="1"/>
             </a:lvl5pPr>
-            <a:lvl6pPr marL="3200400" indent="0">
+            <a:lvl6pPr marL="3047924" indent="0">
               <a:buNone/>
-              <a:defRPr sz="2240" b="1"/>
+              <a:defRPr sz="2133" b="1"/>
             </a:lvl6pPr>
-            <a:lvl7pPr marL="3840480" indent="0">
+            <a:lvl7pPr marL="3657509" indent="0">
               <a:buNone/>
-              <a:defRPr sz="2240" b="1"/>
+              <a:defRPr sz="2133" b="1"/>
             </a:lvl7pPr>
-            <a:lvl8pPr marL="4480560" indent="0">
+            <a:lvl8pPr marL="4267093" indent="0">
               <a:buNone/>
-              <a:defRPr sz="2240" b="1"/>
+              <a:defRPr sz="2133" b="1"/>
             </a:lvl8pPr>
-            <a:lvl9pPr marL="5120640" indent="0">
+            <a:lvl9pPr marL="4876678" indent="0">
               <a:buNone/>
-              <a:defRPr sz="2240" b="1"/>
+              <a:defRPr sz="2133" b="1"/>
             </a:lvl9pPr>
           </a:lstStyle>
           <a:p>
             <a:pPr lvl="0"/>
             <a:r>
-              <a:rPr lang="es-ES"/>
-              <a:t>Haga clic para modificar los estilos de texto del patrón</a:t>
+              <a:rPr lang="en-US"/>
+              <a:t>Click to edit Master text styles</a:t>
             </a:r>
           </a:p>
         </p:txBody>
@@ -2262,8 +2262,8 @@
         </p:nvSpPr>
         <p:spPr>
           <a:xfrm>
-            <a:off x="881779" y="3507105"/>
-            <a:ext cx="5415676" cy="5158423"/>
+            <a:off x="881779" y="3340100"/>
+            <a:ext cx="5415676" cy="4912784"/>
           </a:xfrm>
         </p:spPr>
         <p:txBody>
@@ -2272,36 +2272,36 @@
           <a:p>
             <a:pPr lvl="0"/>
             <a:r>
-              <a:rPr lang="es-ES"/>
-              <a:t>Haga clic para modificar los estilos de texto del patrón</a:t>
+              <a:rPr lang="en-US"/>
+              <a:t>Click to edit Master text styles</a:t>
             </a:r>
           </a:p>
           <a:p>
             <a:pPr lvl="1"/>
             <a:r>
-              <a:rPr lang="es-ES"/>
-              <a:t>Segundo nivel</a:t>
+              <a:rPr lang="en-US"/>
+              <a:t>Second level</a:t>
             </a:r>
           </a:p>
           <a:p>
             <a:pPr lvl="2"/>
             <a:r>
-              <a:rPr lang="es-ES"/>
-              <a:t>Tercer nivel</a:t>
+              <a:rPr lang="en-US"/>
+              <a:t>Third level</a:t>
             </a:r>
           </a:p>
           <a:p>
             <a:pPr lvl="3"/>
             <a:r>
-              <a:rPr lang="es-ES"/>
-              <a:t>Cuarto nivel</a:t>
+              <a:rPr lang="en-US"/>
+              <a:t>Fourth level</a:t>
             </a:r>
           </a:p>
           <a:p>
             <a:pPr lvl="4"/>
             <a:r>
-              <a:rPr lang="es-ES"/>
-              <a:t>Quinto nivel</a:t>
+              <a:rPr lang="en-US"/>
+              <a:t>Fifth level</a:t>
             </a:r>
             <a:endParaRPr lang="en-US" dirty="0"/>
           </a:p>
@@ -2319,8 +2319,8 @@
         </p:nvSpPr>
         <p:spPr>
           <a:xfrm>
-            <a:off x="6480811" y="2353628"/>
-            <a:ext cx="5442347" cy="1153477"/>
+            <a:off x="6480811" y="2241551"/>
+            <a:ext cx="5442347" cy="1098549"/>
           </a:xfrm>
         </p:spPr>
         <p:txBody>
@@ -2328,46 +2328,46 @@
           <a:lstStyle>
             <a:lvl1pPr marL="0" indent="0">
               <a:buNone/>
-              <a:defRPr sz="3360" b="1"/>
+              <a:defRPr sz="3200" b="1"/>
             </a:lvl1pPr>
-            <a:lvl2pPr marL="640080" indent="0">
+            <a:lvl2pPr marL="609585" indent="0">
               <a:buNone/>
-              <a:defRPr sz="2800" b="1"/>
+              <a:defRPr sz="2667" b="1"/>
             </a:lvl2pPr>
-            <a:lvl3pPr marL="1280160" indent="0">
+            <a:lvl3pPr marL="1219170" indent="0">
               <a:buNone/>
-              <a:defRPr sz="2520" b="1"/>
+              <a:defRPr sz="2400" b="1"/>
             </a:lvl3pPr>
-            <a:lvl4pPr marL="1920240" indent="0">
+            <a:lvl4pPr marL="1828754" indent="0">
               <a:buNone/>
-              <a:defRPr sz="2240" b="1"/>
+              <a:defRPr sz="2133" b="1"/>
             </a:lvl4pPr>
-            <a:lvl5pPr marL="2560320" indent="0">
+            <a:lvl5pPr marL="2438339" indent="0">
               <a:buNone/>
-              <a:defRPr sz="2240" b="1"/>
+              <a:defRPr sz="2133" b="1"/>
             </a:lvl5pPr>
-            <a:lvl6pPr marL="3200400" indent="0">
+            <a:lvl6pPr marL="3047924" indent="0">
               <a:buNone/>
-              <a:defRPr sz="2240" b="1"/>
+              <a:defRPr sz="2133" b="1"/>
             </a:lvl6pPr>
-            <a:lvl7pPr marL="3840480" indent="0">
+            <a:lvl7pPr marL="3657509" indent="0">
               <a:buNone/>
-              <a:defRPr sz="2240" b="1"/>
+              <a:defRPr sz="2133" b="1"/>
             </a:lvl7pPr>
-            <a:lvl8pPr marL="4480560" indent="0">
+            <a:lvl8pPr marL="4267093" indent="0">
               <a:buNone/>
-              <a:defRPr sz="2240" b="1"/>
+              <a:defRPr sz="2133" b="1"/>
             </a:lvl8pPr>
-            <a:lvl9pPr marL="5120640" indent="0">
+            <a:lvl9pPr marL="4876678" indent="0">
               <a:buNone/>
-              <a:defRPr sz="2240" b="1"/>
+              <a:defRPr sz="2133" b="1"/>
             </a:lvl9pPr>
           </a:lstStyle>
           <a:p>
             <a:pPr lvl="0"/>
             <a:r>
-              <a:rPr lang="es-ES"/>
-              <a:t>Haga clic para modificar los estilos de texto del patrón</a:t>
+              <a:rPr lang="en-US"/>
+              <a:t>Click to edit Master text styles</a:t>
             </a:r>
           </a:p>
         </p:txBody>
@@ -2384,8 +2384,8 @@
         </p:nvSpPr>
         <p:spPr>
           <a:xfrm>
-            <a:off x="6480811" y="3507105"/>
-            <a:ext cx="5442347" cy="5158423"/>
+            <a:off x="6480811" y="3340100"/>
+            <a:ext cx="5442347" cy="4912784"/>
           </a:xfrm>
         </p:spPr>
         <p:txBody>
@@ -2394,36 +2394,36 @@
           <a:p>
             <a:pPr lvl="0"/>
             <a:r>
-              <a:rPr lang="es-ES"/>
-              <a:t>Haga clic para modificar los estilos de texto del patrón</a:t>
+              <a:rPr lang="en-US"/>
+              <a:t>Click to edit Master text styles</a:t>
             </a:r>
           </a:p>
           <a:p>
             <a:pPr lvl="1"/>
             <a:r>
-              <a:rPr lang="es-ES"/>
-              <a:t>Segundo nivel</a:t>
+              <a:rPr lang="en-US"/>
+              <a:t>Second level</a:t>
             </a:r>
           </a:p>
           <a:p>
             <a:pPr lvl="2"/>
             <a:r>
-              <a:rPr lang="es-ES"/>
-              <a:t>Tercer nivel</a:t>
+              <a:rPr lang="en-US"/>
+              <a:t>Third level</a:t>
             </a:r>
           </a:p>
           <a:p>
             <a:pPr lvl="3"/>
             <a:r>
-              <a:rPr lang="es-ES"/>
-              <a:t>Cuarto nivel</a:t>
+              <a:rPr lang="en-US"/>
+              <a:t>Fourth level</a:t>
             </a:r>
           </a:p>
           <a:p>
             <a:pPr lvl="4"/>
             <a:r>
-              <a:rPr lang="es-ES"/>
-              <a:t>Quinto nivel</a:t>
+              <a:rPr lang="en-US"/>
+              <a:t>Fifth level</a:t>
             </a:r>
             <a:endParaRPr lang="en-US" dirty="0"/>
           </a:p>
@@ -2497,7 +2497,7 @@
     </p:spTree>
     <p:extLst>
       <p:ext uri="{BB962C8B-B14F-4D97-AF65-F5344CB8AC3E}">
-        <p14:creationId xmlns:p14="http://schemas.microsoft.com/office/powerpoint/2010/main" val="2359565250"/>
+        <p14:creationId xmlns:p14="http://schemas.microsoft.com/office/powerpoint/2010/main" val="2879843629"/>
       </p:ext>
     </p:extLst>
   </p:cSld>
@@ -2509,7 +2509,7 @@
 
 <file path=ppt/slideLayouts/slideLayout6.xml><?xml version="1.0" encoding="utf-8"?>
 <p:sldLayout xmlns:a="http://schemas.openxmlformats.org/drawingml/2006/main" xmlns:r="http://schemas.openxmlformats.org/officeDocument/2006/relationships" xmlns:p="http://schemas.openxmlformats.org/presentationml/2006/main" type="titleOnly" preserve="1">
-  <p:cSld name="Solo el título">
+  <p:cSld name="Title Only">
     <p:spTree>
       <p:nvGrpSpPr>
         <p:cNvPr id="1" name=""/>
@@ -2540,8 +2540,8 @@
           <a:lstStyle/>
           <a:p>
             <a:r>
-              <a:rPr lang="es-ES"/>
-              <a:t>Haga clic para modificar el estilo de título del patrón</a:t>
+              <a:rPr lang="en-US"/>
+              <a:t>Click to edit Master title style</a:t>
             </a:r>
             <a:endParaRPr lang="en-US" dirty="0"/>
           </a:p>
@@ -2615,7 +2615,7 @@
     </p:spTree>
     <p:extLst>
       <p:ext uri="{BB962C8B-B14F-4D97-AF65-F5344CB8AC3E}">
-        <p14:creationId xmlns:p14="http://schemas.microsoft.com/office/powerpoint/2010/main" val="1517752953"/>
+        <p14:creationId xmlns:p14="http://schemas.microsoft.com/office/powerpoint/2010/main" val="4145449827"/>
       </p:ext>
     </p:extLst>
   </p:cSld>
@@ -2627,7 +2627,7 @@
 
 <file path=ppt/slideLayouts/slideLayout7.xml><?xml version="1.0" encoding="utf-8"?>
 <p:sldLayout xmlns:a="http://schemas.openxmlformats.org/drawingml/2006/main" xmlns:r="http://schemas.openxmlformats.org/officeDocument/2006/relationships" xmlns:p="http://schemas.openxmlformats.org/presentationml/2006/main" type="blank" preserve="1">
-  <p:cSld name="En blanco">
+  <p:cSld name="Blank">
     <p:spTree>
       <p:nvGrpSpPr>
         <p:cNvPr id="1" name=""/>
@@ -2710,7 +2710,7 @@
     </p:spTree>
     <p:extLst>
       <p:ext uri="{BB962C8B-B14F-4D97-AF65-F5344CB8AC3E}">
-        <p14:creationId xmlns:p14="http://schemas.microsoft.com/office/powerpoint/2010/main" val="2499367885"/>
+        <p14:creationId xmlns:p14="http://schemas.microsoft.com/office/powerpoint/2010/main" val="905100489"/>
       </p:ext>
     </p:extLst>
   </p:cSld>
@@ -2722,7 +2722,7 @@
 
 <file path=ppt/slideLayouts/slideLayout8.xml><?xml version="1.0" encoding="utf-8"?>
 <p:sldLayout xmlns:a="http://schemas.openxmlformats.org/drawingml/2006/main" xmlns:r="http://schemas.openxmlformats.org/officeDocument/2006/relationships" xmlns:p="http://schemas.openxmlformats.org/presentationml/2006/main" type="objTx" preserve="1">
-  <p:cSld name="Contenido con título">
+  <p:cSld name="Content with Caption">
     <p:spTree>
       <p:nvGrpSpPr>
         <p:cNvPr id="1" name=""/>
@@ -2749,21 +2749,21 @@
         </p:nvSpPr>
         <p:spPr>
           <a:xfrm>
-            <a:off x="881778" y="640080"/>
-            <a:ext cx="4128849" cy="2240280"/>
+            <a:off x="881778" y="609600"/>
+            <a:ext cx="4128849" cy="2133600"/>
           </a:xfrm>
         </p:spPr>
         <p:txBody>
           <a:bodyPr anchor="b"/>
           <a:lstStyle>
             <a:lvl1pPr>
-              <a:defRPr sz="4480"/>
+              <a:defRPr sz="4267"/>
             </a:lvl1pPr>
           </a:lstStyle>
           <a:p>
             <a:r>
-              <a:rPr lang="es-ES"/>
-              <a:t>Haga clic para modificar el estilo de título del patrón</a:t>
+              <a:rPr lang="en-US"/>
+              <a:t>Click to edit Master title style</a:t>
             </a:r>
             <a:endParaRPr lang="en-US" dirty="0"/>
           </a:p>
@@ -2781,74 +2781,74 @@
         </p:nvSpPr>
         <p:spPr>
           <a:xfrm>
-            <a:off x="5442347" y="1382397"/>
-            <a:ext cx="6480810" cy="6823075"/>
+            <a:off x="5442347" y="1316569"/>
+            <a:ext cx="6480810" cy="6498167"/>
           </a:xfrm>
         </p:spPr>
         <p:txBody>
           <a:bodyPr/>
           <a:lstStyle>
             <a:lvl1pPr>
-              <a:defRPr sz="4480"/>
+              <a:defRPr sz="4267"/>
             </a:lvl1pPr>
             <a:lvl2pPr>
-              <a:defRPr sz="3920"/>
+              <a:defRPr sz="3733"/>
             </a:lvl2pPr>
             <a:lvl3pPr>
-              <a:defRPr sz="3360"/>
+              <a:defRPr sz="3200"/>
             </a:lvl3pPr>
             <a:lvl4pPr>
-              <a:defRPr sz="2800"/>
+              <a:defRPr sz="2667"/>
             </a:lvl4pPr>
             <a:lvl5pPr>
-              <a:defRPr sz="2800"/>
+              <a:defRPr sz="2667"/>
             </a:lvl5pPr>
             <a:lvl6pPr>
-              <a:defRPr sz="2800"/>
+              <a:defRPr sz="2667"/>
             </a:lvl6pPr>
             <a:lvl7pPr>
-              <a:defRPr sz="2800"/>
+              <a:defRPr sz="2667"/>
             </a:lvl7pPr>
             <a:lvl8pPr>
-              <a:defRPr sz="2800"/>
+              <a:defRPr sz="2667"/>
             </a:lvl8pPr>
             <a:lvl9pPr>
-              <a:defRPr sz="2800"/>
+              <a:defRPr sz="2667"/>
             </a:lvl9pPr>
           </a:lstStyle>
           <a:p>
             <a:pPr lvl="0"/>
             <a:r>
-              <a:rPr lang="es-ES"/>
-              <a:t>Haga clic para modificar los estilos de texto del patrón</a:t>
+              <a:rPr lang="en-US"/>
+              <a:t>Click to edit Master text styles</a:t>
             </a:r>
           </a:p>
           <a:p>
             <a:pPr lvl="1"/>
             <a:r>
-              <a:rPr lang="es-ES"/>
-              <a:t>Segundo nivel</a:t>
+              <a:rPr lang="en-US"/>
+              <a:t>Second level</a:t>
             </a:r>
           </a:p>
           <a:p>
             <a:pPr lvl="2"/>
             <a:r>
-              <a:rPr lang="es-ES"/>
-              <a:t>Tercer nivel</a:t>
+              <a:rPr lang="en-US"/>
+              <a:t>Third level</a:t>
             </a:r>
           </a:p>
           <a:p>
             <a:pPr lvl="3"/>
             <a:r>
-              <a:rPr lang="es-ES"/>
-              <a:t>Cuarto nivel</a:t>
+              <a:rPr lang="en-US"/>
+              <a:t>Fourth level</a:t>
             </a:r>
           </a:p>
           <a:p>
             <a:pPr lvl="4"/>
             <a:r>
-              <a:rPr lang="es-ES"/>
-              <a:t>Quinto nivel</a:t>
+              <a:rPr lang="en-US"/>
+              <a:t>Fifth level</a:t>
             </a:r>
             <a:endParaRPr lang="en-US" dirty="0"/>
           </a:p>
@@ -2866,8 +2866,8 @@
         </p:nvSpPr>
         <p:spPr>
           <a:xfrm>
-            <a:off x="881778" y="2880360"/>
-            <a:ext cx="4128849" cy="5336223"/>
+            <a:off x="881778" y="2743200"/>
+            <a:ext cx="4128849" cy="5082117"/>
           </a:xfrm>
         </p:spPr>
         <p:txBody>
@@ -2875,46 +2875,46 @@
           <a:lstStyle>
             <a:lvl1pPr marL="0" indent="0">
               <a:buNone/>
-              <a:defRPr sz="2240"/>
+              <a:defRPr sz="2133"/>
             </a:lvl1pPr>
-            <a:lvl2pPr marL="640080" indent="0">
+            <a:lvl2pPr marL="609585" indent="0">
               <a:buNone/>
-              <a:defRPr sz="1960"/>
+              <a:defRPr sz="1867"/>
             </a:lvl2pPr>
-            <a:lvl3pPr marL="1280160" indent="0">
+            <a:lvl3pPr marL="1219170" indent="0">
               <a:buNone/>
-              <a:defRPr sz="1680"/>
+              <a:defRPr sz="1600"/>
             </a:lvl3pPr>
-            <a:lvl4pPr marL="1920240" indent="0">
+            <a:lvl4pPr marL="1828754" indent="0">
               <a:buNone/>
-              <a:defRPr sz="1400"/>
+              <a:defRPr sz="1333"/>
             </a:lvl4pPr>
-            <a:lvl5pPr marL="2560320" indent="0">
+            <a:lvl5pPr marL="2438339" indent="0">
               <a:buNone/>
-              <a:defRPr sz="1400"/>
+              <a:defRPr sz="1333"/>
             </a:lvl5pPr>
-            <a:lvl6pPr marL="3200400" indent="0">
+            <a:lvl6pPr marL="3047924" indent="0">
               <a:buNone/>
-              <a:defRPr sz="1400"/>
+              <a:defRPr sz="1333"/>
             </a:lvl6pPr>
-            <a:lvl7pPr marL="3840480" indent="0">
+            <a:lvl7pPr marL="3657509" indent="0">
               <a:buNone/>
-              <a:defRPr sz="1400"/>
+              <a:defRPr sz="1333"/>
             </a:lvl7pPr>
-            <a:lvl8pPr marL="4480560" indent="0">
+            <a:lvl8pPr marL="4267093" indent="0">
               <a:buNone/>
-              <a:defRPr sz="1400"/>
+              <a:defRPr sz="1333"/>
             </a:lvl8pPr>
-            <a:lvl9pPr marL="5120640" indent="0">
+            <a:lvl9pPr marL="4876678" indent="0">
               <a:buNone/>
-              <a:defRPr sz="1400"/>
+              <a:defRPr sz="1333"/>
             </a:lvl9pPr>
           </a:lstStyle>
           <a:p>
             <a:pPr lvl="0"/>
             <a:r>
-              <a:rPr lang="es-ES"/>
-              <a:t>Haga clic para modificar los estilos de texto del patrón</a:t>
+              <a:rPr lang="en-US"/>
+              <a:t>Click to edit Master text styles</a:t>
             </a:r>
           </a:p>
         </p:txBody>
@@ -2987,7 +2987,7 @@
     </p:spTree>
     <p:extLst>
       <p:ext uri="{BB962C8B-B14F-4D97-AF65-F5344CB8AC3E}">
-        <p14:creationId xmlns:p14="http://schemas.microsoft.com/office/powerpoint/2010/main" val="4028865416"/>
+        <p14:creationId xmlns:p14="http://schemas.microsoft.com/office/powerpoint/2010/main" val="930588744"/>
       </p:ext>
     </p:extLst>
   </p:cSld>
@@ -2999,7 +2999,7 @@
 
 <file path=ppt/slideLayouts/slideLayout9.xml><?xml version="1.0" encoding="utf-8"?>
 <p:sldLayout xmlns:a="http://schemas.openxmlformats.org/drawingml/2006/main" xmlns:r="http://schemas.openxmlformats.org/officeDocument/2006/relationships" xmlns:p="http://schemas.openxmlformats.org/presentationml/2006/main" type="picTx" preserve="1">
-  <p:cSld name="Imagen con título">
+  <p:cSld name="Picture with Caption">
     <p:spTree>
       <p:nvGrpSpPr>
         <p:cNvPr id="1" name=""/>
@@ -3026,21 +3026,21 @@
         </p:nvSpPr>
         <p:spPr>
           <a:xfrm>
-            <a:off x="881778" y="640080"/>
-            <a:ext cx="4128849" cy="2240280"/>
+            <a:off x="881778" y="609600"/>
+            <a:ext cx="4128849" cy="2133600"/>
           </a:xfrm>
         </p:spPr>
         <p:txBody>
           <a:bodyPr anchor="b"/>
           <a:lstStyle>
             <a:lvl1pPr>
-              <a:defRPr sz="4480"/>
+              <a:defRPr sz="4267"/>
             </a:lvl1pPr>
           </a:lstStyle>
           <a:p>
             <a:r>
-              <a:rPr lang="es-ES"/>
-              <a:t>Haga clic para modificar el estilo de título del patrón</a:t>
+              <a:rPr lang="en-US"/>
+              <a:t>Click to edit Master title style</a:t>
             </a:r>
             <a:endParaRPr lang="en-US" dirty="0"/>
           </a:p>
@@ -3058,8 +3058,8 @@
         </p:nvSpPr>
         <p:spPr>
           <a:xfrm>
-            <a:off x="5442347" y="1382397"/>
-            <a:ext cx="6480810" cy="6823075"/>
+            <a:off x="5442347" y="1316569"/>
+            <a:ext cx="6480810" cy="6498167"/>
           </a:xfrm>
         </p:spPr>
         <p:txBody>
@@ -3067,45 +3067,45 @@
           <a:lstStyle>
             <a:lvl1pPr marL="0" indent="0">
               <a:buNone/>
-              <a:defRPr sz="4480"/>
+              <a:defRPr sz="4267"/>
             </a:lvl1pPr>
-            <a:lvl2pPr marL="640080" indent="0">
+            <a:lvl2pPr marL="609585" indent="0">
               <a:buNone/>
-              <a:defRPr sz="3920"/>
+              <a:defRPr sz="3733"/>
             </a:lvl2pPr>
-            <a:lvl3pPr marL="1280160" indent="0">
+            <a:lvl3pPr marL="1219170" indent="0">
               <a:buNone/>
-              <a:defRPr sz="3360"/>
+              <a:defRPr sz="3200"/>
             </a:lvl3pPr>
-            <a:lvl4pPr marL="1920240" indent="0">
+            <a:lvl4pPr marL="1828754" indent="0">
               <a:buNone/>
-              <a:defRPr sz="2800"/>
+              <a:defRPr sz="2667"/>
             </a:lvl4pPr>
-            <a:lvl5pPr marL="2560320" indent="0">
+            <a:lvl5pPr marL="2438339" indent="0">
               <a:buNone/>
-              <a:defRPr sz="2800"/>
+              <a:defRPr sz="2667"/>
             </a:lvl5pPr>
-            <a:lvl6pPr marL="3200400" indent="0">
+            <a:lvl6pPr marL="3047924" indent="0">
               <a:buNone/>
-              <a:defRPr sz="2800"/>
+              <a:defRPr sz="2667"/>
             </a:lvl6pPr>
-            <a:lvl7pPr marL="3840480" indent="0">
+            <a:lvl7pPr marL="3657509" indent="0">
               <a:buNone/>
-              <a:defRPr sz="2800"/>
+              <a:defRPr sz="2667"/>
             </a:lvl7pPr>
-            <a:lvl8pPr marL="4480560" indent="0">
+            <a:lvl8pPr marL="4267093" indent="0">
               <a:buNone/>
-              <a:defRPr sz="2800"/>
+              <a:defRPr sz="2667"/>
             </a:lvl8pPr>
-            <a:lvl9pPr marL="5120640" indent="0">
+            <a:lvl9pPr marL="4876678" indent="0">
               <a:buNone/>
-              <a:defRPr sz="2800"/>
+              <a:defRPr sz="2667"/>
             </a:lvl9pPr>
           </a:lstStyle>
           <a:p>
             <a:r>
-              <a:rPr lang="es-ES"/>
-              <a:t>Haga clic en el icono para agregar una imagen</a:t>
+              <a:rPr lang="en-US"/>
+              <a:t>Click icon to add picture</a:t>
             </a:r>
             <a:endParaRPr lang="en-US" dirty="0"/>
           </a:p>
@@ -3123,8 +3123,8 @@
         </p:nvSpPr>
         <p:spPr>
           <a:xfrm>
-            <a:off x="881778" y="2880360"/>
-            <a:ext cx="4128849" cy="5336223"/>
+            <a:off x="881778" y="2743200"/>
+            <a:ext cx="4128849" cy="5082117"/>
           </a:xfrm>
         </p:spPr>
         <p:txBody>
@@ -3132,46 +3132,46 @@
           <a:lstStyle>
             <a:lvl1pPr marL="0" indent="0">
               <a:buNone/>
-              <a:defRPr sz="2240"/>
+              <a:defRPr sz="2133"/>
             </a:lvl1pPr>
-            <a:lvl2pPr marL="640080" indent="0">
+            <a:lvl2pPr marL="609585" indent="0">
               <a:buNone/>
-              <a:defRPr sz="1960"/>
+              <a:defRPr sz="1867"/>
             </a:lvl2pPr>
-            <a:lvl3pPr marL="1280160" indent="0">
+            <a:lvl3pPr marL="1219170" indent="0">
               <a:buNone/>
-              <a:defRPr sz="1680"/>
+              <a:defRPr sz="1600"/>
             </a:lvl3pPr>
-            <a:lvl4pPr marL="1920240" indent="0">
+            <a:lvl4pPr marL="1828754" indent="0">
               <a:buNone/>
-              <a:defRPr sz="1400"/>
+              <a:defRPr sz="1333"/>
             </a:lvl4pPr>
-            <a:lvl5pPr marL="2560320" indent="0">
+            <a:lvl5pPr marL="2438339" indent="0">
               <a:buNone/>
-              <a:defRPr sz="1400"/>
+              <a:defRPr sz="1333"/>
             </a:lvl5pPr>
-            <a:lvl6pPr marL="3200400" indent="0">
+            <a:lvl6pPr marL="3047924" indent="0">
               <a:buNone/>
-              <a:defRPr sz="1400"/>
+              <a:defRPr sz="1333"/>
             </a:lvl6pPr>
-            <a:lvl7pPr marL="3840480" indent="0">
+            <a:lvl7pPr marL="3657509" indent="0">
               <a:buNone/>
-              <a:defRPr sz="1400"/>
+              <a:defRPr sz="1333"/>
             </a:lvl7pPr>
-            <a:lvl8pPr marL="4480560" indent="0">
+            <a:lvl8pPr marL="4267093" indent="0">
               <a:buNone/>
-              <a:defRPr sz="1400"/>
+              <a:defRPr sz="1333"/>
             </a:lvl8pPr>
-            <a:lvl9pPr marL="5120640" indent="0">
+            <a:lvl9pPr marL="4876678" indent="0">
               <a:buNone/>
-              <a:defRPr sz="1400"/>
+              <a:defRPr sz="1333"/>
             </a:lvl9pPr>
           </a:lstStyle>
           <a:p>
             <a:pPr lvl="0"/>
             <a:r>
-              <a:rPr lang="es-ES"/>
-              <a:t>Haga clic para modificar los estilos de texto del patrón</a:t>
+              <a:rPr lang="en-US"/>
+              <a:t>Click to edit Master text styles</a:t>
             </a:r>
           </a:p>
         </p:txBody>
@@ -3244,7 +3244,7 @@
     </p:spTree>
     <p:extLst>
       <p:ext uri="{BB962C8B-B14F-4D97-AF65-F5344CB8AC3E}">
-        <p14:creationId xmlns:p14="http://schemas.microsoft.com/office/powerpoint/2010/main" val="2781187933"/>
+        <p14:creationId xmlns:p14="http://schemas.microsoft.com/office/powerpoint/2010/main" val="1034545311"/>
       </p:ext>
     </p:extLst>
   </p:cSld>
@@ -3288,8 +3288,8 @@
         </p:nvSpPr>
         <p:spPr>
           <a:xfrm>
-            <a:off x="880110" y="511177"/>
-            <a:ext cx="11041380" cy="1855788"/>
+            <a:off x="880110" y="486836"/>
+            <a:ext cx="11041380" cy="1767417"/>
           </a:xfrm>
           <a:prstGeom prst="rect">
             <a:avLst/>
@@ -3302,8 +3302,8 @@
           <a:lstStyle/>
           <a:p>
             <a:r>
-              <a:rPr lang="es-ES"/>
-              <a:t>Haga clic para modificar el estilo de título del patrón</a:t>
+              <a:rPr lang="en-US"/>
+              <a:t>Click to edit Master title style</a:t>
             </a:r>
             <a:endParaRPr lang="en-US" dirty="0"/>
           </a:p>
@@ -3321,8 +3321,8 @@
         </p:nvSpPr>
         <p:spPr>
           <a:xfrm>
-            <a:off x="880110" y="2555875"/>
-            <a:ext cx="11041380" cy="6091873"/>
+            <a:off x="880110" y="2434167"/>
+            <a:ext cx="11041380" cy="5801784"/>
           </a:xfrm>
           <a:prstGeom prst="rect">
             <a:avLst/>
@@ -3336,36 +3336,36 @@
           <a:p>
             <a:pPr lvl="0"/>
             <a:r>
-              <a:rPr lang="es-ES"/>
-              <a:t>Haga clic para modificar los estilos de texto del patrón</a:t>
+              <a:rPr lang="en-US"/>
+              <a:t>Click to edit Master text styles</a:t>
             </a:r>
           </a:p>
           <a:p>
             <a:pPr lvl="1"/>
             <a:r>
-              <a:rPr lang="es-ES"/>
-              <a:t>Segundo nivel</a:t>
+              <a:rPr lang="en-US"/>
+              <a:t>Second level</a:t>
             </a:r>
           </a:p>
           <a:p>
             <a:pPr lvl="2"/>
             <a:r>
-              <a:rPr lang="es-ES"/>
-              <a:t>Tercer nivel</a:t>
+              <a:rPr lang="en-US"/>
+              <a:t>Third level</a:t>
             </a:r>
           </a:p>
           <a:p>
             <a:pPr lvl="3"/>
             <a:r>
-              <a:rPr lang="es-ES"/>
-              <a:t>Cuarto nivel</a:t>
+              <a:rPr lang="en-US"/>
+              <a:t>Fourth level</a:t>
             </a:r>
           </a:p>
           <a:p>
             <a:pPr lvl="4"/>
             <a:r>
-              <a:rPr lang="es-ES"/>
-              <a:t>Quinto nivel</a:t>
+              <a:rPr lang="en-US"/>
+              <a:t>Fifth level</a:t>
             </a:r>
             <a:endParaRPr lang="en-US" dirty="0"/>
           </a:p>
@@ -3383,8 +3383,8 @@
         </p:nvSpPr>
         <p:spPr>
           <a:xfrm>
-            <a:off x="880110" y="8898892"/>
-            <a:ext cx="2880360" cy="511175"/>
+            <a:off x="880110" y="8475136"/>
+            <a:ext cx="2880360" cy="486833"/>
           </a:xfrm>
           <a:prstGeom prst="rect">
             <a:avLst/>
@@ -3394,7 +3394,7 @@
           <a:bodyPr vert="horz" lIns="91440" tIns="45720" rIns="91440" bIns="45720" rtlCol="0" anchor="ctr"/>
           <a:lstStyle>
             <a:lvl1pPr algn="l">
-              <a:defRPr sz="1680">
+              <a:defRPr sz="1600">
                 <a:solidFill>
                   <a:schemeClr val="tx1">
                     <a:tint val="75000"/>
@@ -3424,8 +3424,8 @@
         </p:nvSpPr>
         <p:spPr>
           <a:xfrm>
-            <a:off x="4240530" y="8898892"/>
-            <a:ext cx="4320540" cy="511175"/>
+            <a:off x="4240530" y="8475136"/>
+            <a:ext cx="4320540" cy="486833"/>
           </a:xfrm>
           <a:prstGeom prst="rect">
             <a:avLst/>
@@ -3435,7 +3435,7 @@
           <a:bodyPr vert="horz" lIns="91440" tIns="45720" rIns="91440" bIns="45720" rtlCol="0" anchor="ctr"/>
           <a:lstStyle>
             <a:lvl1pPr algn="ctr">
-              <a:defRPr sz="1680">
+              <a:defRPr sz="1600">
                 <a:solidFill>
                   <a:schemeClr val="tx1">
                     <a:tint val="75000"/>
@@ -3461,8 +3461,8 @@
         </p:nvSpPr>
         <p:spPr>
           <a:xfrm>
-            <a:off x="9041130" y="8898892"/>
-            <a:ext cx="2880360" cy="511175"/>
+            <a:off x="9041130" y="8475136"/>
+            <a:ext cx="2880360" cy="486833"/>
           </a:xfrm>
           <a:prstGeom prst="rect">
             <a:avLst/>
@@ -3472,7 +3472,7 @@
           <a:bodyPr vert="horz" lIns="91440" tIns="45720" rIns="91440" bIns="45720" rtlCol="0" anchor="ctr"/>
           <a:lstStyle>
             <a:lvl1pPr algn="r">
-              <a:defRPr sz="1680">
+              <a:defRPr sz="1600">
                 <a:solidFill>
                   <a:schemeClr val="tx1">
                     <a:tint val="75000"/>
@@ -3493,27 +3493,27 @@
     </p:spTree>
     <p:extLst>
       <p:ext uri="{BB962C8B-B14F-4D97-AF65-F5344CB8AC3E}">
-        <p14:creationId xmlns:p14="http://schemas.microsoft.com/office/powerpoint/2010/main" val="778987376"/>
+        <p14:creationId xmlns:p14="http://schemas.microsoft.com/office/powerpoint/2010/main" val="3888175973"/>
       </p:ext>
     </p:extLst>
   </p:cSld>
   <p:clrMap bg1="lt1" tx1="dk1" bg2="lt2" tx2="dk2" accent1="accent1" accent2="accent2" accent3="accent3" accent4="accent4" accent5="accent5" accent6="accent6" hlink="hlink" folHlink="folHlink"/>
   <p:sldLayoutIdLst>
-    <p:sldLayoutId id="2147483673" r:id="rId1"/>
-    <p:sldLayoutId id="2147483674" r:id="rId2"/>
-    <p:sldLayoutId id="2147483675" r:id="rId3"/>
-    <p:sldLayoutId id="2147483676" r:id="rId4"/>
-    <p:sldLayoutId id="2147483677" r:id="rId5"/>
-    <p:sldLayoutId id="2147483678" r:id="rId6"/>
-    <p:sldLayoutId id="2147483679" r:id="rId7"/>
-    <p:sldLayoutId id="2147483680" r:id="rId8"/>
-    <p:sldLayoutId id="2147483681" r:id="rId9"/>
-    <p:sldLayoutId id="2147483682" r:id="rId10"/>
-    <p:sldLayoutId id="2147483683" r:id="rId11"/>
+    <p:sldLayoutId id="2147483685" r:id="rId1"/>
+    <p:sldLayoutId id="2147483686" r:id="rId2"/>
+    <p:sldLayoutId id="2147483687" r:id="rId3"/>
+    <p:sldLayoutId id="2147483688" r:id="rId4"/>
+    <p:sldLayoutId id="2147483689" r:id="rId5"/>
+    <p:sldLayoutId id="2147483690" r:id="rId6"/>
+    <p:sldLayoutId id="2147483691" r:id="rId7"/>
+    <p:sldLayoutId id="2147483692" r:id="rId8"/>
+    <p:sldLayoutId id="2147483693" r:id="rId9"/>
+    <p:sldLayoutId id="2147483694" r:id="rId10"/>
+    <p:sldLayoutId id="2147483695" r:id="rId11"/>
   </p:sldLayoutIdLst>
   <p:txStyles>
     <p:titleStyle>
-      <a:lvl1pPr algn="l" defTabSz="1280160" rtl="0" eaLnBrk="1" latinLnBrk="0" hangingPunct="1">
+      <a:lvl1pPr algn="l" defTabSz="1219170" rtl="0" eaLnBrk="1" latinLnBrk="0" hangingPunct="1">
         <a:lnSpc>
           <a:spcPct val="90000"/>
         </a:lnSpc>
@@ -3521,7 +3521,7 @@
           <a:spcPct val="0"/>
         </a:spcBef>
         <a:buNone/>
-        <a:defRPr sz="6160" kern="1200">
+        <a:defRPr sz="5867" kern="1200">
           <a:solidFill>
             <a:schemeClr val="tx1"/>
           </a:solidFill>
@@ -3532,16 +3532,16 @@
       </a:lvl1pPr>
     </p:titleStyle>
     <p:bodyStyle>
-      <a:lvl1pPr marL="320040" indent="-320040" algn="l" defTabSz="1280160" rtl="0" eaLnBrk="1" latinLnBrk="0" hangingPunct="1">
+      <a:lvl1pPr marL="304792" indent="-304792" algn="l" defTabSz="1219170" rtl="0" eaLnBrk="1" latinLnBrk="0" hangingPunct="1">
         <a:lnSpc>
           <a:spcPct val="90000"/>
         </a:lnSpc>
         <a:spcBef>
-          <a:spcPts val="1400"/>
+          <a:spcPts val="1333"/>
         </a:spcBef>
         <a:buFont typeface="Arial" panose="020B0604020202020204" pitchFamily="34" charset="0"/>
         <a:buChar char="•"/>
-        <a:defRPr sz="3920" kern="1200">
+        <a:defRPr sz="3733" kern="1200">
           <a:solidFill>
             <a:schemeClr val="tx1"/>
           </a:solidFill>
@@ -3550,16 +3550,16 @@
           <a:cs typeface="+mn-cs"/>
         </a:defRPr>
       </a:lvl1pPr>
-      <a:lvl2pPr marL="960120" indent="-320040" algn="l" defTabSz="1280160" rtl="0" eaLnBrk="1" latinLnBrk="0" hangingPunct="1">
+      <a:lvl2pPr marL="914377" indent="-304792" algn="l" defTabSz="1219170" rtl="0" eaLnBrk="1" latinLnBrk="0" hangingPunct="1">
         <a:lnSpc>
           <a:spcPct val="90000"/>
         </a:lnSpc>
         <a:spcBef>
-          <a:spcPts val="700"/>
+          <a:spcPts val="667"/>
         </a:spcBef>
         <a:buFont typeface="Arial" panose="020B0604020202020204" pitchFamily="34" charset="0"/>
         <a:buChar char="•"/>
-        <a:defRPr sz="3360" kern="1200">
+        <a:defRPr sz="3200" kern="1200">
           <a:solidFill>
             <a:schemeClr val="tx1"/>
           </a:solidFill>
@@ -3568,16 +3568,16 @@
           <a:cs typeface="+mn-cs"/>
         </a:defRPr>
       </a:lvl2pPr>
-      <a:lvl3pPr marL="1600200" indent="-320040" algn="l" defTabSz="1280160" rtl="0" eaLnBrk="1" latinLnBrk="0" hangingPunct="1">
+      <a:lvl3pPr marL="1523962" indent="-304792" algn="l" defTabSz="1219170" rtl="0" eaLnBrk="1" latinLnBrk="0" hangingPunct="1">
         <a:lnSpc>
           <a:spcPct val="90000"/>
         </a:lnSpc>
         <a:spcBef>
-          <a:spcPts val="700"/>
+          <a:spcPts val="667"/>
         </a:spcBef>
         <a:buFont typeface="Arial" panose="020B0604020202020204" pitchFamily="34" charset="0"/>
         <a:buChar char="•"/>
-        <a:defRPr sz="2800" kern="1200">
+        <a:defRPr sz="2667" kern="1200">
           <a:solidFill>
             <a:schemeClr val="tx1"/>
           </a:solidFill>
@@ -3586,16 +3586,16 @@
           <a:cs typeface="+mn-cs"/>
         </a:defRPr>
       </a:lvl3pPr>
-      <a:lvl4pPr marL="2240280" indent="-320040" algn="l" defTabSz="1280160" rtl="0" eaLnBrk="1" latinLnBrk="0" hangingPunct="1">
+      <a:lvl4pPr marL="2133547" indent="-304792" algn="l" defTabSz="1219170" rtl="0" eaLnBrk="1" latinLnBrk="0" hangingPunct="1">
         <a:lnSpc>
           <a:spcPct val="90000"/>
         </a:lnSpc>
         <a:spcBef>
-          <a:spcPts val="700"/>
+          <a:spcPts val="667"/>
         </a:spcBef>
         <a:buFont typeface="Arial" panose="020B0604020202020204" pitchFamily="34" charset="0"/>
         <a:buChar char="•"/>
-        <a:defRPr sz="2520" kern="1200">
+        <a:defRPr sz="2400" kern="1200">
           <a:solidFill>
             <a:schemeClr val="tx1"/>
           </a:solidFill>
@@ -3604,16 +3604,16 @@
           <a:cs typeface="+mn-cs"/>
         </a:defRPr>
       </a:lvl4pPr>
-      <a:lvl5pPr marL="2880360" indent="-320040" algn="l" defTabSz="1280160" rtl="0" eaLnBrk="1" latinLnBrk="0" hangingPunct="1">
+      <a:lvl5pPr marL="2743131" indent="-304792" algn="l" defTabSz="1219170" rtl="0" eaLnBrk="1" latinLnBrk="0" hangingPunct="1">
         <a:lnSpc>
           <a:spcPct val="90000"/>
         </a:lnSpc>
         <a:spcBef>
-          <a:spcPts val="700"/>
+          <a:spcPts val="667"/>
         </a:spcBef>
         <a:buFont typeface="Arial" panose="020B0604020202020204" pitchFamily="34" charset="0"/>
         <a:buChar char="•"/>
-        <a:defRPr sz="2520" kern="1200">
+        <a:defRPr sz="2400" kern="1200">
           <a:solidFill>
             <a:schemeClr val="tx1"/>
           </a:solidFill>
@@ -3622,16 +3622,16 @@
           <a:cs typeface="+mn-cs"/>
         </a:defRPr>
       </a:lvl5pPr>
-      <a:lvl6pPr marL="3520440" indent="-320040" algn="l" defTabSz="1280160" rtl="0" eaLnBrk="1" latinLnBrk="0" hangingPunct="1">
+      <a:lvl6pPr marL="3352716" indent="-304792" algn="l" defTabSz="1219170" rtl="0" eaLnBrk="1" latinLnBrk="0" hangingPunct="1">
         <a:lnSpc>
           <a:spcPct val="90000"/>
         </a:lnSpc>
         <a:spcBef>
-          <a:spcPts val="700"/>
+          <a:spcPts val="667"/>
         </a:spcBef>
         <a:buFont typeface="Arial" panose="020B0604020202020204" pitchFamily="34" charset="0"/>
         <a:buChar char="•"/>
-        <a:defRPr sz="2520" kern="1200">
+        <a:defRPr sz="2400" kern="1200">
           <a:solidFill>
             <a:schemeClr val="tx1"/>
           </a:solidFill>
@@ -3640,16 +3640,16 @@
           <a:cs typeface="+mn-cs"/>
         </a:defRPr>
       </a:lvl6pPr>
-      <a:lvl7pPr marL="4160520" indent="-320040" algn="l" defTabSz="1280160" rtl="0" eaLnBrk="1" latinLnBrk="0" hangingPunct="1">
+      <a:lvl7pPr marL="3962301" indent="-304792" algn="l" defTabSz="1219170" rtl="0" eaLnBrk="1" latinLnBrk="0" hangingPunct="1">
         <a:lnSpc>
           <a:spcPct val="90000"/>
         </a:lnSpc>
         <a:spcBef>
-          <a:spcPts val="700"/>
+          <a:spcPts val="667"/>
         </a:spcBef>
         <a:buFont typeface="Arial" panose="020B0604020202020204" pitchFamily="34" charset="0"/>
         <a:buChar char="•"/>
-        <a:defRPr sz="2520" kern="1200">
+        <a:defRPr sz="2400" kern="1200">
           <a:solidFill>
             <a:schemeClr val="tx1"/>
           </a:solidFill>
@@ -3658,16 +3658,16 @@
           <a:cs typeface="+mn-cs"/>
         </a:defRPr>
       </a:lvl7pPr>
-      <a:lvl8pPr marL="4800600" indent="-320040" algn="l" defTabSz="1280160" rtl="0" eaLnBrk="1" latinLnBrk="0" hangingPunct="1">
+      <a:lvl8pPr marL="4571886" indent="-304792" algn="l" defTabSz="1219170" rtl="0" eaLnBrk="1" latinLnBrk="0" hangingPunct="1">
         <a:lnSpc>
           <a:spcPct val="90000"/>
         </a:lnSpc>
         <a:spcBef>
-          <a:spcPts val="700"/>
+          <a:spcPts val="667"/>
         </a:spcBef>
         <a:buFont typeface="Arial" panose="020B0604020202020204" pitchFamily="34" charset="0"/>
         <a:buChar char="•"/>
-        <a:defRPr sz="2520" kern="1200">
+        <a:defRPr sz="2400" kern="1200">
           <a:solidFill>
             <a:schemeClr val="tx1"/>
           </a:solidFill>
@@ -3676,16 +3676,16 @@
           <a:cs typeface="+mn-cs"/>
         </a:defRPr>
       </a:lvl8pPr>
-      <a:lvl9pPr marL="5440680" indent="-320040" algn="l" defTabSz="1280160" rtl="0" eaLnBrk="1" latinLnBrk="0" hangingPunct="1">
+      <a:lvl9pPr marL="5181470" indent="-304792" algn="l" defTabSz="1219170" rtl="0" eaLnBrk="1" latinLnBrk="0" hangingPunct="1">
         <a:lnSpc>
           <a:spcPct val="90000"/>
         </a:lnSpc>
         <a:spcBef>
-          <a:spcPts val="700"/>
+          <a:spcPts val="667"/>
         </a:spcBef>
         <a:buFont typeface="Arial" panose="020B0604020202020204" pitchFamily="34" charset="0"/>
         <a:buChar char="•"/>
-        <a:defRPr sz="2520" kern="1200">
+        <a:defRPr sz="2400" kern="1200">
           <a:solidFill>
             <a:schemeClr val="tx1"/>
           </a:solidFill>
@@ -3699,8 +3699,8 @@
       <a:defPPr>
         <a:defRPr lang="en-US"/>
       </a:defPPr>
-      <a:lvl1pPr marL="0" algn="l" defTabSz="1280160" rtl="0" eaLnBrk="1" latinLnBrk="0" hangingPunct="1">
-        <a:defRPr sz="2520" kern="1200">
+      <a:lvl1pPr marL="0" algn="l" defTabSz="1219170" rtl="0" eaLnBrk="1" latinLnBrk="0" hangingPunct="1">
+        <a:defRPr sz="2400" kern="1200">
           <a:solidFill>
             <a:schemeClr val="tx1"/>
           </a:solidFill>
@@ -3709,8 +3709,8 @@
           <a:cs typeface="+mn-cs"/>
         </a:defRPr>
       </a:lvl1pPr>
-      <a:lvl2pPr marL="640080" algn="l" defTabSz="1280160" rtl="0" eaLnBrk="1" latinLnBrk="0" hangingPunct="1">
-        <a:defRPr sz="2520" kern="1200">
+      <a:lvl2pPr marL="609585" algn="l" defTabSz="1219170" rtl="0" eaLnBrk="1" latinLnBrk="0" hangingPunct="1">
+        <a:defRPr sz="2400" kern="1200">
           <a:solidFill>
             <a:schemeClr val="tx1"/>
           </a:solidFill>
@@ -3719,8 +3719,8 @@
           <a:cs typeface="+mn-cs"/>
         </a:defRPr>
       </a:lvl2pPr>
-      <a:lvl3pPr marL="1280160" algn="l" defTabSz="1280160" rtl="0" eaLnBrk="1" latinLnBrk="0" hangingPunct="1">
-        <a:defRPr sz="2520" kern="1200">
+      <a:lvl3pPr marL="1219170" algn="l" defTabSz="1219170" rtl="0" eaLnBrk="1" latinLnBrk="0" hangingPunct="1">
+        <a:defRPr sz="2400" kern="1200">
           <a:solidFill>
             <a:schemeClr val="tx1"/>
           </a:solidFill>
@@ -3729,8 +3729,8 @@
           <a:cs typeface="+mn-cs"/>
         </a:defRPr>
       </a:lvl3pPr>
-      <a:lvl4pPr marL="1920240" algn="l" defTabSz="1280160" rtl="0" eaLnBrk="1" latinLnBrk="0" hangingPunct="1">
-        <a:defRPr sz="2520" kern="1200">
+      <a:lvl4pPr marL="1828754" algn="l" defTabSz="1219170" rtl="0" eaLnBrk="1" latinLnBrk="0" hangingPunct="1">
+        <a:defRPr sz="2400" kern="1200">
           <a:solidFill>
             <a:schemeClr val="tx1"/>
           </a:solidFill>
@@ -3739,8 +3739,8 @@
           <a:cs typeface="+mn-cs"/>
         </a:defRPr>
       </a:lvl4pPr>
-      <a:lvl5pPr marL="2560320" algn="l" defTabSz="1280160" rtl="0" eaLnBrk="1" latinLnBrk="0" hangingPunct="1">
-        <a:defRPr sz="2520" kern="1200">
+      <a:lvl5pPr marL="2438339" algn="l" defTabSz="1219170" rtl="0" eaLnBrk="1" latinLnBrk="0" hangingPunct="1">
+        <a:defRPr sz="2400" kern="1200">
           <a:solidFill>
             <a:schemeClr val="tx1"/>
           </a:solidFill>
@@ -3749,8 +3749,8 @@
           <a:cs typeface="+mn-cs"/>
         </a:defRPr>
       </a:lvl5pPr>
-      <a:lvl6pPr marL="3200400" algn="l" defTabSz="1280160" rtl="0" eaLnBrk="1" latinLnBrk="0" hangingPunct="1">
-        <a:defRPr sz="2520" kern="1200">
+      <a:lvl6pPr marL="3047924" algn="l" defTabSz="1219170" rtl="0" eaLnBrk="1" latinLnBrk="0" hangingPunct="1">
+        <a:defRPr sz="2400" kern="1200">
           <a:solidFill>
             <a:schemeClr val="tx1"/>
           </a:solidFill>
@@ -3759,8 +3759,8 @@
           <a:cs typeface="+mn-cs"/>
         </a:defRPr>
       </a:lvl6pPr>
-      <a:lvl7pPr marL="3840480" algn="l" defTabSz="1280160" rtl="0" eaLnBrk="1" latinLnBrk="0" hangingPunct="1">
-        <a:defRPr sz="2520" kern="1200">
+      <a:lvl7pPr marL="3657509" algn="l" defTabSz="1219170" rtl="0" eaLnBrk="1" latinLnBrk="0" hangingPunct="1">
+        <a:defRPr sz="2400" kern="1200">
           <a:solidFill>
             <a:schemeClr val="tx1"/>
           </a:solidFill>
@@ -3769,8 +3769,8 @@
           <a:cs typeface="+mn-cs"/>
         </a:defRPr>
       </a:lvl7pPr>
-      <a:lvl8pPr marL="4480560" algn="l" defTabSz="1280160" rtl="0" eaLnBrk="1" latinLnBrk="0" hangingPunct="1">
-        <a:defRPr sz="2520" kern="1200">
+      <a:lvl8pPr marL="4267093" algn="l" defTabSz="1219170" rtl="0" eaLnBrk="1" latinLnBrk="0" hangingPunct="1">
+        <a:defRPr sz="2400" kern="1200">
           <a:solidFill>
             <a:schemeClr val="tx1"/>
           </a:solidFill>
@@ -3779,8 +3779,8 @@
           <a:cs typeface="+mn-cs"/>
         </a:defRPr>
       </a:lvl8pPr>
-      <a:lvl9pPr marL="5120640" algn="l" defTabSz="1280160" rtl="0" eaLnBrk="1" latinLnBrk="0" hangingPunct="1">
-        <a:defRPr sz="2520" kern="1200">
+      <a:lvl9pPr marL="4876678" algn="l" defTabSz="1219170" rtl="0" eaLnBrk="1" latinLnBrk="0" hangingPunct="1">
+        <a:defRPr sz="2400" kern="1200">
           <a:solidFill>
             <a:schemeClr val="tx1"/>
           </a:solidFill>
@@ -3841,7 +3841,7 @@
         </p:blipFill>
         <p:spPr>
           <a:xfrm>
-            <a:off x="279611" y="3203485"/>
+            <a:off x="279611" y="3127286"/>
             <a:ext cx="8789882" cy="1590483"/>
           </a:xfrm>
           <a:prstGeom prst="rect">
@@ -3878,7 +3878,7 @@
         </p:blipFill>
         <p:spPr bwMode="auto">
           <a:xfrm>
-            <a:off x="478478" y="369581"/>
+            <a:off x="478479" y="293382"/>
             <a:ext cx="1767817" cy="1767817"/>
           </a:xfrm>
           <a:prstGeom prst="rect">
@@ -3925,7 +3925,7 @@
         </p:blipFill>
         <p:spPr bwMode="auto">
           <a:xfrm>
-            <a:off x="342891" y="369581"/>
+            <a:off x="342892" y="293382"/>
             <a:ext cx="903311" cy="602861"/>
           </a:xfrm>
           <a:prstGeom prst="rect">
@@ -3954,13 +3954,13 @@
           <p:nvPr>
             <p:extLst>
               <p:ext uri="{D42A27DB-BD31-4B8C-83A1-F6EECF244321}">
-                <p14:modId xmlns:p14="http://schemas.microsoft.com/office/powerpoint/2010/main" val="3709066410"/>
+                <p14:modId xmlns:p14="http://schemas.microsoft.com/office/powerpoint/2010/main" val="544922862"/>
               </p:ext>
             </p:extLst>
           </p:nvPr>
         </p:nvGraphicFramePr>
         <p:xfrm>
-          <a:off x="9304507" y="2765767"/>
+          <a:off x="9304507" y="2689567"/>
           <a:ext cx="3412518" cy="2116734"/>
         </p:xfrm>
         <a:graphic>
@@ -4000,7 +4000,7 @@
         </p:blipFill>
         <p:spPr>
           <a:xfrm>
-            <a:off x="9559582" y="2817751"/>
+            <a:off x="9559583" y="2741552"/>
             <a:ext cx="327119" cy="327119"/>
           </a:xfrm>
           <a:prstGeom prst="rect">
@@ -4039,7 +4039,7 @@
         </p:blipFill>
         <p:spPr>
           <a:xfrm>
-            <a:off x="185851" y="5075458"/>
+            <a:off x="185852" y="4999259"/>
             <a:ext cx="640653" cy="640653"/>
           </a:xfrm>
           <a:prstGeom prst="rect">
@@ -4061,7 +4061,7 @@
         </p:nvSpPr>
         <p:spPr>
           <a:xfrm>
-            <a:off x="869169" y="5222645"/>
+            <a:off x="869169" y="5146445"/>
             <a:ext cx="5940678" cy="369332"/>
           </a:xfrm>
           <a:prstGeom prst="rect">
@@ -4108,7 +4108,7 @@
         </p:nvSpPr>
         <p:spPr>
           <a:xfrm>
-            <a:off x="1276113" y="1195911"/>
+            <a:off x="1276113" y="1119711"/>
             <a:ext cx="172546" cy="115156"/>
           </a:xfrm>
           <a:prstGeom prst="rect">
@@ -4166,7 +4166,7 @@
         </p:nvCxnSpPr>
         <p:spPr>
           <a:xfrm flipH="1" flipV="1">
-            <a:off x="335250" y="972442"/>
+            <a:off x="335250" y="896243"/>
             <a:ext cx="940862" cy="338625"/>
           </a:xfrm>
           <a:prstGeom prst="line">
@@ -4209,7 +4209,7 @@
         </p:nvCxnSpPr>
         <p:spPr>
           <a:xfrm flipH="1" flipV="1">
-            <a:off x="1246202" y="369581"/>
+            <a:off x="1246203" y="293381"/>
             <a:ext cx="202457" cy="826330"/>
           </a:xfrm>
           <a:prstGeom prst="line">
@@ -4250,7 +4250,7 @@
         </p:nvSpPr>
         <p:spPr>
           <a:xfrm>
-            <a:off x="2585166" y="197971"/>
+            <a:off x="2585166" y="121771"/>
             <a:ext cx="6802296" cy="584775"/>
           </a:xfrm>
           <a:prstGeom prst="rect">
@@ -4301,7 +4301,7 @@
         </p:nvCxnSpPr>
         <p:spPr>
           <a:xfrm>
-            <a:off x="2667297" y="782746"/>
+            <a:off x="2667298" y="706546"/>
             <a:ext cx="5975475" cy="0"/>
           </a:xfrm>
           <a:prstGeom prst="line">
@@ -4342,7 +4342,7 @@
         </p:nvSpPr>
         <p:spPr>
           <a:xfrm>
-            <a:off x="709508" y="2634463"/>
+            <a:off x="709508" y="2558263"/>
             <a:ext cx="4705186" cy="369332"/>
           </a:xfrm>
           <a:prstGeom prst="rect">
@@ -4388,7 +4388,7 @@
         </p:nvSpPr>
         <p:spPr>
           <a:xfrm>
-            <a:off x="2667296" y="998486"/>
+            <a:off x="2667297" y="922287"/>
             <a:ext cx="9799053" cy="1646605"/>
           </a:xfrm>
           <a:prstGeom prst="rect">
@@ -4572,7 +4572,7 @@
         </p:nvSpPr>
         <p:spPr>
           <a:xfrm>
-            <a:off x="1164294" y="5957112"/>
+            <a:off x="1164295" y="5819952"/>
             <a:ext cx="11168383" cy="1230756"/>
           </a:xfrm>
           <a:custGeom>
@@ -4754,7 +4754,7 @@
         </p:nvGrpSpPr>
         <p:grpSpPr>
           <a:xfrm>
-            <a:off x="2421856" y="6069250"/>
+            <a:off x="2421856" y="5932091"/>
             <a:ext cx="6290132" cy="1006481"/>
             <a:chOff x="2421856" y="5524896"/>
             <a:chExt cx="6290132" cy="1006481"/>
@@ -4955,7 +4955,7 @@
         </p:nvSpPr>
         <p:spPr>
           <a:xfrm>
-            <a:off x="6712205" y="6627688"/>
+            <a:off x="6712206" y="6490528"/>
             <a:ext cx="2051983" cy="253916"/>
           </a:xfrm>
           <a:prstGeom prst="rect">
@@ -4996,7 +4996,7 @@
         </p:nvSpPr>
         <p:spPr>
           <a:xfrm>
-            <a:off x="4514461" y="6539925"/>
+            <a:off x="4514462" y="6402766"/>
             <a:ext cx="2074049" cy="577081"/>
           </a:xfrm>
           <a:prstGeom prst="rect">
@@ -5037,7 +5037,7 @@
         </p:nvSpPr>
         <p:spPr>
           <a:xfrm>
-            <a:off x="2398975" y="6626486"/>
+            <a:off x="2398975" y="6489326"/>
             <a:ext cx="2048364" cy="415498"/>
           </a:xfrm>
           <a:prstGeom prst="rect">
@@ -5102,7 +5102,7 @@
         </p:nvSpPr>
         <p:spPr>
           <a:xfrm>
-            <a:off x="406049" y="6335132"/>
+            <a:off x="406049" y="6197972"/>
             <a:ext cx="481470" cy="474716"/>
           </a:xfrm>
           <a:prstGeom prst="ellipse">
@@ -5174,7 +5174,7 @@
         </p:blipFill>
         <p:spPr>
           <a:xfrm>
-            <a:off x="1334727" y="6138779"/>
+            <a:off x="1334727" y="6001619"/>
             <a:ext cx="867422" cy="867422"/>
           </a:xfrm>
           <a:prstGeom prst="rect">
@@ -5213,7 +5213,7 @@
         </p:blipFill>
         <p:spPr>
           <a:xfrm>
-            <a:off x="5336200" y="6151526"/>
+            <a:off x="5336201" y="6014367"/>
             <a:ext cx="430569" cy="430569"/>
           </a:xfrm>
           <a:prstGeom prst="rect">
@@ -5252,7 +5252,7 @@
         </p:blipFill>
         <p:spPr>
           <a:xfrm>
-            <a:off x="7482926" y="6135999"/>
+            <a:off x="7482927" y="5998840"/>
             <a:ext cx="461623" cy="461623"/>
           </a:xfrm>
           <a:prstGeom prst="rect">
@@ -5274,7 +5274,7 @@
         </p:nvGrpSpPr>
         <p:grpSpPr>
           <a:xfrm>
-            <a:off x="3188213" y="6159062"/>
+            <a:off x="3188214" y="6021903"/>
             <a:ext cx="511185" cy="415497"/>
             <a:chOff x="4132813" y="5943600"/>
             <a:chExt cx="1124987" cy="914400"/>
@@ -5516,7 +5516,7 @@
         </p:blipFill>
         <p:spPr>
           <a:xfrm>
-            <a:off x="9632184" y="6278919"/>
+            <a:off x="9632185" y="6141760"/>
             <a:ext cx="587143" cy="587143"/>
           </a:xfrm>
           <a:prstGeom prst="rect">
@@ -5538,7 +5538,7 @@
         </p:nvSpPr>
         <p:spPr>
           <a:xfrm>
-            <a:off x="10230017" y="6095437"/>
+            <a:off x="10230018" y="5958278"/>
             <a:ext cx="2260609" cy="954107"/>
           </a:xfrm>
           <a:prstGeom prst="rect">
@@ -5578,7 +5578,7 @@
         </p:nvSpPr>
         <p:spPr>
           <a:xfrm>
-            <a:off x="9021527" y="6249325"/>
+            <a:off x="9021527" y="6112166"/>
             <a:ext cx="314074" cy="646331"/>
           </a:xfrm>
           <a:prstGeom prst="rect">
@@ -5618,7 +5618,7 @@
         </p:nvGrpSpPr>
         <p:grpSpPr>
           <a:xfrm>
-            <a:off x="406049" y="8259235"/>
+            <a:off x="406050" y="8122076"/>
             <a:ext cx="11930773" cy="704279"/>
             <a:chOff x="406049" y="7332319"/>
             <a:chExt cx="11930773" cy="704279"/>
@@ -6127,7 +6127,7 @@
         </p:blipFill>
         <p:spPr>
           <a:xfrm>
-            <a:off x="248127" y="2614313"/>
+            <a:off x="248127" y="2538113"/>
             <a:ext cx="460702" cy="460702"/>
           </a:xfrm>
           <a:prstGeom prst="rect">
@@ -6149,7 +6149,7 @@
         </p:nvGrpSpPr>
         <p:grpSpPr>
           <a:xfrm>
-            <a:off x="406049" y="7363511"/>
+            <a:off x="406050" y="7226352"/>
             <a:ext cx="11930773" cy="720081"/>
             <a:chOff x="406049" y="6748981"/>
             <a:chExt cx="11930773" cy="720081"/>
@@ -6647,6 +6647,45 @@
           <a:chExt cx="0" cy="0"/>
         </a:xfrm>
       </p:grpSpPr>
+      <p:pic>
+        <p:nvPicPr>
+          <p:cNvPr id="11" name="Graphic 10" descr="Bar chart with solid fill">
+            <a:extLst>
+              <a:ext uri="{FF2B5EF4-FFF2-40B4-BE49-F238E27FC236}">
+                <a16:creationId xmlns:a16="http://schemas.microsoft.com/office/drawing/2014/main" id="{30A07BAE-8B72-45AF-24B0-5DF626132BDF}"/>
+              </a:ext>
+            </a:extLst>
+          </p:cNvPr>
+          <p:cNvPicPr>
+            <a:picLocks noChangeAspect="1"/>
+          </p:cNvPicPr>
+          <p:nvPr/>
+        </p:nvPicPr>
+        <p:blipFill>
+          <a:blip r:embed="rId2">
+            <a:extLst>
+              <a:ext uri="{28A0092B-C50C-407E-A947-70E740481C1C}">
+                <a14:useLocalDpi xmlns:a14="http://schemas.microsoft.com/office/drawing/2010/main" val="0"/>
+              </a:ext>
+              <a:ext uri="{96DAC541-7B7A-43D3-8B79-37D633B846F1}">
+                <asvg:svgBlip xmlns:asvg="http://schemas.microsoft.com/office/drawing/2016/SVG/main" r:embed="rId3"/>
+              </a:ext>
+            </a:extLst>
+          </a:blip>
+          <a:stretch>
+            <a:fillRect/>
+          </a:stretch>
+        </p:blipFill>
+        <p:spPr>
+          <a:xfrm>
+            <a:off x="283450" y="223570"/>
+            <a:ext cx="595023" cy="595023"/>
+          </a:xfrm>
+          <a:prstGeom prst="rect">
+            <a:avLst/>
+          </a:prstGeom>
+        </p:spPr>
+      </p:pic>
       <p:grpSp>
         <p:nvGrpSpPr>
           <p:cNvPr id="36" name="Graphic 44" descr="Family with two children with solid fill">
@@ -6661,13 +6700,13 @@
         </p:nvGrpSpPr>
         <p:grpSpPr>
           <a:xfrm>
-            <a:off x="5386545" y="3903964"/>
+            <a:off x="5386545" y="3509608"/>
             <a:ext cx="2324254" cy="1585416"/>
             <a:chOff x="5351633" y="4009723"/>
             <a:chExt cx="2324254" cy="1585416"/>
           </a:xfrm>
           <a:solidFill>
-            <a:srgbClr val="002060"/>
+            <a:srgbClr val="FFFFFF"/>
           </a:solidFill>
         </p:grpSpPr>
         <p:sp>
@@ -7859,8 +7898,8 @@
         </p:nvSpPr>
         <p:spPr>
           <a:xfrm>
-            <a:off x="1064524" y="4518534"/>
-            <a:ext cx="2132062" cy="1001807"/>
+            <a:off x="58293" y="3850922"/>
+            <a:ext cx="3080062" cy="1077218"/>
           </a:xfrm>
           <a:prstGeom prst="rect">
             <a:avLst/>
@@ -7875,14 +7914,22 @@
           <a:p>
             <a:pPr algn="r"/>
             <a:r>
-              <a:rPr lang="en-GB" sz="1050" dirty="0">
-                <a:latin typeface="Calibri" panose="020F0502020204030204" pitchFamily="34" charset="0"/>
+              <a:rPr lang="es-ES" sz="1600" dirty="0">
+                <a:solidFill>
+                  <a:srgbClr val="FFFFFF"/>
+                </a:solidFill>
+                <a:latin typeface="Abadi" panose="020B0604020104020204" pitchFamily="34" charset="0"/>
                 <a:ea typeface="DengXian" panose="02010600030101010101" pitchFamily="2" charset="-122"/>
                 <a:cs typeface="Times New Roman" panose="02020603050405020304" pitchFamily="18" charset="0"/>
               </a:rPr>
-              <a:t>child health and nutrition, including child height and weight, and one measure of child cognitive development, the TVIP</a:t>
+              <a:t>Salud y nutrición infantil, incluidos el peso y la altura del niño, y desarrollo cognitivo infantil (TVIP)</a:t>
             </a:r>
-            <a:endParaRPr lang="es-ES" sz="1050" dirty="0"/>
+            <a:endParaRPr lang="es-ES" sz="1600" dirty="0">
+              <a:solidFill>
+                <a:srgbClr val="FFFFFF"/>
+              </a:solidFill>
+              <a:latin typeface="Abadi" panose="020B0604020104020204" pitchFamily="34" charset="0"/>
+            </a:endParaRPr>
           </a:p>
         </p:txBody>
       </p:sp>
@@ -7900,8 +7947,8 @@
         </p:nvSpPr>
         <p:spPr>
           <a:xfrm>
-            <a:off x="1098890" y="2078504"/>
-            <a:ext cx="3230901" cy="642184"/>
+            <a:off x="826504" y="1542353"/>
+            <a:ext cx="3460622" cy="830997"/>
           </a:xfrm>
           <a:prstGeom prst="rect">
             <a:avLst/>
@@ -7916,14 +7963,22 @@
           <a:p>
             <a:pPr algn="r"/>
             <a:r>
-              <a:rPr lang="en-GB" sz="1050" dirty="0">
-                <a:latin typeface="Calibri" panose="020F0502020204030204" pitchFamily="34" charset="0"/>
+              <a:rPr lang="es-ES" sz="1600" dirty="0">
+                <a:solidFill>
+                  <a:srgbClr val="FFFFFF"/>
+                </a:solidFill>
+                <a:latin typeface="Abadi" panose="020B0604020104020204" pitchFamily="34" charset="0"/>
                 <a:ea typeface="DengXian" panose="02010600030101010101" pitchFamily="2" charset="-122"/>
                 <a:cs typeface="Times New Roman" panose="02020603050405020304" pitchFamily="18" charset="0"/>
               </a:rPr>
-              <a:t>comprehensive information on household socioeconomic status, including detailed expenditure modules</a:t>
+              <a:t>Información completa sobre el estado socioeconómico del hogar, incluidos módulos de gastos detallados</a:t>
             </a:r>
-            <a:endParaRPr lang="es-ES" sz="1050" dirty="0"/>
+            <a:endParaRPr lang="es-ES" sz="1600" dirty="0">
+              <a:solidFill>
+                <a:srgbClr val="FFFFFF"/>
+              </a:solidFill>
+              <a:latin typeface="Abadi" panose="020B0604020104020204" pitchFamily="34" charset="0"/>
+            </a:endParaRPr>
           </a:p>
         </p:txBody>
       </p:sp>
@@ -7941,7 +7996,7 @@
         </p:nvSpPr>
         <p:spPr>
           <a:xfrm>
-            <a:off x="4558257" y="2056562"/>
+            <a:off x="4558258" y="1662206"/>
             <a:ext cx="667757" cy="572376"/>
           </a:xfrm>
           <a:custGeom>
@@ -8670,7 +8725,7 @@
         </p:nvSpPr>
         <p:spPr>
           <a:xfrm>
-            <a:off x="4434935" y="1920719"/>
+            <a:off x="4434935" y="1526363"/>
             <a:ext cx="914400" cy="914400"/>
           </a:xfrm>
           <a:prstGeom prst="ellipse">
@@ -8723,13 +8778,13 @@
           <p:nvPr/>
         </p:nvPicPr>
         <p:blipFill>
-          <a:blip r:embed="rId2">
+          <a:blip r:embed="rId4">
             <a:extLst>
               <a:ext uri="{28A0092B-C50C-407E-A947-70E740481C1C}">
                 <a14:useLocalDpi xmlns:a14="http://schemas.microsoft.com/office/drawing/2010/main" val="0"/>
               </a:ext>
               <a:ext uri="{96DAC541-7B7A-43D3-8B79-37D633B846F1}">
-                <asvg:svgBlip xmlns:asvg="http://schemas.microsoft.com/office/drawing/2016/SVG/main" r:embed="rId3"/>
+                <asvg:svgBlip xmlns:asvg="http://schemas.microsoft.com/office/drawing/2016/SVG/main" r:embed="rId5"/>
               </a:ext>
             </a:extLst>
           </a:blip>
@@ -8739,7 +8794,7 @@
         </p:blipFill>
         <p:spPr>
           <a:xfrm>
-            <a:off x="3310010" y="4419015"/>
+            <a:off x="3310010" y="4024659"/>
             <a:ext cx="763168" cy="763168"/>
           </a:xfrm>
           <a:prstGeom prst="rect">
@@ -8761,7 +8816,7 @@
         </p:nvSpPr>
         <p:spPr>
           <a:xfrm>
-            <a:off x="3234394" y="4343399"/>
+            <a:off x="3234394" y="3949043"/>
             <a:ext cx="914400" cy="914400"/>
           </a:xfrm>
           <a:prstGeom prst="ellipse">
@@ -8813,7 +8868,7 @@
         </p:nvGrpSpPr>
         <p:grpSpPr>
           <a:xfrm>
-            <a:off x="7668240" y="1925743"/>
+            <a:off x="7668240" y="1531387"/>
             <a:ext cx="914400" cy="914400"/>
             <a:chOff x="7587049" y="1662014"/>
             <a:chExt cx="914400" cy="914400"/>
@@ -8834,13 +8889,13 @@
             <p:nvPr/>
           </p:nvPicPr>
           <p:blipFill>
-            <a:blip r:embed="rId4">
+            <a:blip r:embed="rId6">
               <a:extLst>
                 <a:ext uri="{28A0092B-C50C-407E-A947-70E740481C1C}">
                   <a14:useLocalDpi xmlns:a14="http://schemas.microsoft.com/office/drawing/2010/main" val="0"/>
                 </a:ext>
                 <a:ext uri="{96DAC541-7B7A-43D3-8B79-37D633B846F1}">
-                  <asvg:svgBlip xmlns:asvg="http://schemas.microsoft.com/office/drawing/2016/SVG/main" r:embed="rId5"/>
+                  <asvg:svgBlip xmlns:asvg="http://schemas.microsoft.com/office/drawing/2016/SVG/main" r:embed="rId7"/>
                 </a:ext>
               </a:extLst>
             </a:blip>
@@ -8925,7 +8980,7 @@
         </p:nvGrpSpPr>
         <p:grpSpPr>
           <a:xfrm>
-            <a:off x="8872196" y="4342036"/>
+            <a:off x="8870505" y="3946337"/>
             <a:ext cx="914400" cy="914400"/>
             <a:chOff x="8637795" y="3405244"/>
             <a:chExt cx="914400" cy="914400"/>
@@ -8946,13 +9001,13 @@
             <p:nvPr/>
           </p:nvPicPr>
           <p:blipFill>
-            <a:blip r:embed="rId6">
+            <a:blip r:embed="rId8">
               <a:extLst>
                 <a:ext uri="{28A0092B-C50C-407E-A947-70E740481C1C}">
                   <a14:useLocalDpi xmlns:a14="http://schemas.microsoft.com/office/drawing/2010/main" val="0"/>
                 </a:ext>
                 <a:ext uri="{96DAC541-7B7A-43D3-8B79-37D633B846F1}">
-                  <asvg:svgBlip xmlns:asvg="http://schemas.microsoft.com/office/drawing/2016/SVG/main" r:embed="rId7"/>
+                  <asvg:svgBlip xmlns:asvg="http://schemas.microsoft.com/office/drawing/2016/SVG/main" r:embed="rId9"/>
                 </a:ext>
               </a:extLst>
             </a:blip>
@@ -9023,131 +9078,58 @@
           </p:txBody>
         </p:sp>
       </p:grpSp>
-      <p:grpSp>
-        <p:nvGrpSpPr>
-          <p:cNvPr id="55" name="Grupo 54">
+      <p:sp>
+        <p:nvSpPr>
+          <p:cNvPr id="32" name="Elipse 31">
             <a:extLst>
               <a:ext uri="{FF2B5EF4-FFF2-40B4-BE49-F238E27FC236}">
-                <a16:creationId xmlns:a16="http://schemas.microsoft.com/office/drawing/2014/main" id="{19EF483A-3FBC-AD8B-D41C-39F9CC56C8F5}"/>
+                <a16:creationId xmlns:a16="http://schemas.microsoft.com/office/drawing/2014/main" id="{8F8677E8-6C80-7ABD-882A-FC538623BD3E}"/>
               </a:ext>
             </a:extLst>
           </p:cNvPr>
-          <p:cNvGrpSpPr/>
+          <p:cNvSpPr/>
           <p:nvPr/>
-        </p:nvGrpSpPr>
-        <p:grpSpPr>
+        </p:nvSpPr>
+        <p:spPr>
           <a:xfrm>
-            <a:off x="4446658" y="6726645"/>
+            <a:off x="4446658" y="6332289"/>
             <a:ext cx="914400" cy="914400"/>
-            <a:chOff x="4416878" y="6483557"/>
-            <a:chExt cx="914400" cy="914400"/>
           </a:xfrm>
-        </p:grpSpPr>
-        <p:pic>
-          <p:nvPicPr>
-            <p:cNvPr id="2050" name="Picture 2" descr="rod of Asclepius Icon - Download rod of Asclepius Icon 362032 | Noun Project">
-              <a:extLst>
-                <a:ext uri="{FF2B5EF4-FFF2-40B4-BE49-F238E27FC236}">
-                  <a16:creationId xmlns:a16="http://schemas.microsoft.com/office/drawing/2014/main" id="{3900EB50-1667-D8C3-355E-8954C23AC421}"/>
-                </a:ext>
-              </a:extLst>
-            </p:cNvPr>
-            <p:cNvPicPr>
-              <a:picLocks noChangeAspect="1" noChangeArrowheads="1"/>
-            </p:cNvPicPr>
-            <p:nvPr/>
-          </p:nvPicPr>
-          <p:blipFill>
-            <a:blip r:embed="rId8">
-              <a:extLst>
-                <a:ext uri="{28A0092B-C50C-407E-A947-70E740481C1C}">
-                  <a14:useLocalDpi xmlns:a14="http://schemas.microsoft.com/office/drawing/2010/main" val="0"/>
-                </a:ext>
-              </a:extLst>
-            </a:blip>
-            <a:srcRect/>
-            <a:stretch>
-              <a:fillRect/>
-            </a:stretch>
-          </p:blipFill>
-          <p:spPr bwMode="auto">
-            <a:xfrm>
-              <a:off x="4434936" y="6501615"/>
-              <a:ext cx="878285" cy="878285"/>
-            </a:xfrm>
-            <a:prstGeom prst="rect">
-              <a:avLst/>
-            </a:prstGeom>
-            <a:noFill/>
-            <a:ln>
-              <a:solidFill>
-                <a:srgbClr val="2C8AE0"/>
-              </a:solidFill>
-            </a:ln>
-            <a:extLst>
-              <a:ext uri="{909E8E84-426E-40DD-AFC4-6F175D3DCCD1}">
-                <a14:hiddenFill xmlns:a14="http://schemas.microsoft.com/office/drawing/2010/main">
-                  <a:solidFill>
-                    <a:srgbClr val="FFFFFF"/>
-                  </a:solidFill>
-                </a14:hiddenFill>
-              </a:ext>
-            </a:extLst>
-          </p:spPr>
-        </p:pic>
-        <p:sp>
-          <p:nvSpPr>
-            <p:cNvPr id="32" name="Elipse 31">
-              <a:extLst>
-                <a:ext uri="{FF2B5EF4-FFF2-40B4-BE49-F238E27FC236}">
-                  <a16:creationId xmlns:a16="http://schemas.microsoft.com/office/drawing/2014/main" id="{8F8677E8-6C80-7ABD-882A-FC538623BD3E}"/>
-                </a:ext>
-              </a:extLst>
-            </p:cNvPr>
-            <p:cNvSpPr/>
-            <p:nvPr/>
-          </p:nvSpPr>
-          <p:spPr>
-            <a:xfrm>
-              <a:off x="4416878" y="6483557"/>
-              <a:ext cx="914400" cy="914400"/>
-            </a:xfrm>
-            <a:prstGeom prst="ellipse">
-              <a:avLst/>
-            </a:prstGeom>
-            <a:noFill/>
-            <a:ln w="57150">
-              <a:solidFill>
-                <a:srgbClr val="2C8AE0"/>
-              </a:solidFill>
-            </a:ln>
-          </p:spPr>
-          <p:style>
-            <a:lnRef idx="2">
-              <a:schemeClr val="accent1">
-                <a:shade val="50000"/>
-              </a:schemeClr>
-            </a:lnRef>
-            <a:fillRef idx="1">
-              <a:schemeClr val="accent1"/>
-            </a:fillRef>
-            <a:effectRef idx="0">
-              <a:schemeClr val="accent1"/>
-            </a:effectRef>
-            <a:fontRef idx="minor">
-              <a:schemeClr val="lt1"/>
-            </a:fontRef>
-          </p:style>
-          <p:txBody>
-            <a:bodyPr rtlCol="0" anchor="ctr"/>
-            <a:lstStyle/>
-            <a:p>
-              <a:pPr algn="ctr"/>
-              <a:endParaRPr lang="es-ES" sz="1350"/>
-            </a:p>
-          </p:txBody>
-        </p:sp>
-      </p:grpSp>
+          <a:prstGeom prst="ellipse">
+            <a:avLst/>
+          </a:prstGeom>
+          <a:noFill/>
+          <a:ln w="57150">
+            <a:solidFill>
+              <a:srgbClr val="2C8AE0"/>
+            </a:solidFill>
+          </a:ln>
+        </p:spPr>
+        <p:style>
+          <a:lnRef idx="2">
+            <a:schemeClr val="accent1">
+              <a:shade val="50000"/>
+            </a:schemeClr>
+          </a:lnRef>
+          <a:fillRef idx="1">
+            <a:schemeClr val="accent1"/>
+          </a:fillRef>
+          <a:effectRef idx="0">
+            <a:schemeClr val="accent1"/>
+          </a:effectRef>
+          <a:fontRef idx="minor">
+            <a:schemeClr val="lt1"/>
+          </a:fontRef>
+        </p:style>
+        <p:txBody>
+          <a:bodyPr rtlCol="0" anchor="ctr"/>
+          <a:lstStyle/>
+          <a:p>
+            <a:pPr algn="ctr"/>
+            <a:endParaRPr lang="es-ES" sz="1350"/>
+          </a:p>
+        </p:txBody>
+      </p:sp>
       <p:grpSp>
         <p:nvGrpSpPr>
           <p:cNvPr id="54" name="Grupo 53">
@@ -9162,7 +9144,7 @@
         </p:nvGrpSpPr>
         <p:grpSpPr>
           <a:xfrm>
-            <a:off x="7674460" y="6721782"/>
+            <a:off x="7674460" y="6327426"/>
             <a:ext cx="914400" cy="914400"/>
             <a:chOff x="8104979" y="5962078"/>
             <a:chExt cx="914400" cy="914400"/>
@@ -9235,13 +9217,13 @@
             <p:nvPr/>
           </p:nvPicPr>
           <p:blipFill>
-            <a:blip r:embed="rId9">
+            <a:blip r:embed="rId10">
               <a:extLst>
                 <a:ext uri="{28A0092B-C50C-407E-A947-70E740481C1C}">
                   <a14:useLocalDpi xmlns:a14="http://schemas.microsoft.com/office/drawing/2010/main" val="0"/>
                 </a:ext>
                 <a:ext uri="{96DAC541-7B7A-43D3-8B79-37D633B846F1}">
-                  <asvg:svgBlip xmlns:asvg="http://schemas.microsoft.com/office/drawing/2016/SVG/main" r:embed="rId10"/>
+                  <asvg:svgBlip xmlns:asvg="http://schemas.microsoft.com/office/drawing/2016/SVG/main" r:embed="rId11"/>
                 </a:ext>
               </a:extLst>
             </a:blip>
@@ -9274,8 +9256,8 @@
         </p:nvSpPr>
         <p:spPr>
           <a:xfrm>
-            <a:off x="8637795" y="1495013"/>
-            <a:ext cx="2132062" cy="1061829"/>
+            <a:off x="8637795" y="1526364"/>
+            <a:ext cx="3952790" cy="830997"/>
           </a:xfrm>
           <a:prstGeom prst="rect">
             <a:avLst/>
@@ -9289,31 +9271,22 @@
           <a:lstStyle/>
           <a:p>
             <a:r>
-              <a:rPr lang="en-GB" sz="1050" dirty="0">
-                <a:latin typeface="Calibri" panose="020F0502020204030204" pitchFamily="34" charset="0"/>
+              <a:rPr lang="es-ES" sz="1600" dirty="0">
+                <a:solidFill>
+                  <a:srgbClr val="FFFFFF"/>
+                </a:solidFill>
+                <a:latin typeface="Abadi" panose="020B0604020104020204" pitchFamily="34" charset="0"/>
                 <a:ea typeface="DengXian" panose="02010600030101010101" pitchFamily="2" charset="-122"/>
                 <a:cs typeface="Times New Roman" panose="02020603050405020304" pitchFamily="18" charset="0"/>
               </a:rPr>
-              <a:t>and caregivers' mental health.</a:t>
+              <a:t>Salud mental de los cuidadores, educación y comportamiento parental (versión abreviada de la puntuación HOME)</a:t>
             </a:r>
-          </a:p>
-          <a:p>
-            <a:endParaRPr lang="en-GB" sz="1050" dirty="0">
-              <a:latin typeface="Calibri" panose="020F0502020204030204" pitchFamily="34" charset="0"/>
-              <a:ea typeface="DengXian" panose="02010600030101010101" pitchFamily="2" charset="-122"/>
-              <a:cs typeface="Times New Roman" panose="02020603050405020304" pitchFamily="18" charset="0"/>
+            <a:endParaRPr lang="es-ES" sz="1600" dirty="0">
+              <a:solidFill>
+                <a:srgbClr val="FFFFFF"/>
+              </a:solidFill>
+              <a:latin typeface="Abadi" panose="020B0604020104020204" pitchFamily="34" charset="0"/>
             </a:endParaRPr>
-          </a:p>
-          <a:p>
-            <a:r>
-              <a:rPr lang="en-GB" sz="1050" dirty="0">
-                <a:latin typeface="Calibri" panose="020F0502020204030204" pitchFamily="34" charset="0"/>
-                <a:ea typeface="DengXian" panose="02010600030101010101" pitchFamily="2" charset="-122"/>
-                <a:cs typeface="Times New Roman" panose="02020603050405020304" pitchFamily="18" charset="0"/>
-              </a:rPr>
-              <a:t>Finally, caregivers' observed parenting behaviour was registered through a shortened version of the HOME score</a:t>
-            </a:r>
-            <a:endParaRPr lang="es-ES" sz="1050" dirty="0"/>
           </a:p>
         </p:txBody>
       </p:sp>
@@ -9331,8 +9304,8 @@
         </p:nvSpPr>
         <p:spPr>
           <a:xfrm>
-            <a:off x="9998995" y="4336106"/>
-            <a:ext cx="2132062" cy="948978"/>
+            <a:off x="9860521" y="3834949"/>
+            <a:ext cx="2730064" cy="1397306"/>
           </a:xfrm>
           <a:prstGeom prst="rect">
             <a:avLst/>
@@ -9354,13 +9327,46 @@
               </a:spcAft>
             </a:pPr>
             <a:r>
-              <a:rPr lang="en-GB" sz="1050" dirty="0">
-                <a:latin typeface="Calibri" panose="020F0502020204030204" pitchFamily="34" charset="0"/>
+              <a:rPr lang="es-ES" sz="1600" dirty="0">
+                <a:solidFill>
+                  <a:srgbClr val="FFFFFF"/>
+                </a:solidFill>
+                <a:latin typeface="Abadi" panose="020B0604020104020204" pitchFamily="34" charset="0"/>
                 <a:ea typeface="DengXian" panose="02010600030101010101" pitchFamily="2" charset="-122"/>
                 <a:cs typeface="Times New Roman" panose="02020603050405020304" pitchFamily="18" charset="0"/>
               </a:rPr>
-              <a:t>Social-personal, language, fine motor, and gross motor skills for all children using the four sub-scales of the Denver Developmental Screening Test </a:t>
+              <a:t>Habilidades </a:t>
             </a:r>
+            <a:r>
+              <a:rPr lang="es-ES" sz="1600" dirty="0" err="1">
+                <a:solidFill>
+                  <a:srgbClr val="FFFFFF"/>
+                </a:solidFill>
+                <a:latin typeface="Abadi" panose="020B0604020104020204" pitchFamily="34" charset="0"/>
+                <a:ea typeface="DengXian" panose="02010600030101010101" pitchFamily="2" charset="-122"/>
+                <a:cs typeface="Times New Roman" panose="02020603050405020304" pitchFamily="18" charset="0"/>
+              </a:rPr>
+              <a:t>sociopersonales</a:t>
+            </a:r>
+            <a:r>
+              <a:rPr lang="es-ES" sz="1600" dirty="0">
+                <a:solidFill>
+                  <a:srgbClr val="FFFFFF"/>
+                </a:solidFill>
+                <a:latin typeface="Abadi" panose="020B0604020104020204" pitchFamily="34" charset="0"/>
+                <a:ea typeface="DengXian" panose="02010600030101010101" pitchFamily="2" charset="-122"/>
+                <a:cs typeface="Times New Roman" panose="02020603050405020304" pitchFamily="18" charset="0"/>
+              </a:rPr>
+              <a:t>, lingüísticas, motrices finas y motrices gruesas (Prueba de detección del desarrollo de Denver)</a:t>
+            </a:r>
+            <a:endParaRPr lang="en-GB" sz="1600" dirty="0">
+              <a:solidFill>
+                <a:srgbClr val="FFFFFF"/>
+              </a:solidFill>
+              <a:latin typeface="Abadi" panose="020B0604020104020204" pitchFamily="34" charset="0"/>
+              <a:ea typeface="DengXian" panose="02010600030101010101" pitchFamily="2" charset="-122"/>
+              <a:cs typeface="Times New Roman" panose="02020603050405020304" pitchFamily="18" charset="0"/>
+            </a:endParaRPr>
           </a:p>
         </p:txBody>
       </p:sp>
@@ -9378,8 +9384,8 @@
         </p:nvSpPr>
         <p:spPr>
           <a:xfrm>
-            <a:off x="8699164" y="6768674"/>
-            <a:ext cx="3891421" cy="1102866"/>
+            <a:off x="8699164" y="6183929"/>
+            <a:ext cx="3891421" cy="1888337"/>
           </a:xfrm>
           <a:prstGeom prst="rect">
             <a:avLst/>
@@ -9401,65 +9407,138 @@
               </a:spcAft>
             </a:pPr>
             <a:r>
-              <a:rPr lang="en-GB" sz="1050" dirty="0">
-                <a:latin typeface="Calibri" panose="020F0502020204030204" pitchFamily="34" charset="0"/>
+              <a:rPr lang="es-ES" sz="1300" dirty="0">
+                <a:solidFill>
+                  <a:srgbClr val="FFFFFF"/>
+                </a:solidFill>
+                <a:latin typeface="Abadi" panose="020B0604020104020204" pitchFamily="34" charset="0"/>
                 <a:ea typeface="DengXian" panose="02010600030101010101" pitchFamily="2" charset="-122"/>
                 <a:cs typeface="Times New Roman" panose="02020603050405020304" pitchFamily="18" charset="0"/>
               </a:rPr>
-              <a:t>For children age 36 months and older, we applied five additional tests. The first of these is the TVIP. We also use a short-term memory test from the McCarthy test battery</a:t>
+              <a:t>Para mayores de 36 meses:</a:t>
             </a:r>
           </a:p>
           <a:p>
-            <a:pPr>
+            <a:pPr marL="171450" indent="-171450">
               <a:lnSpc>
                 <a:spcPct val="107000"/>
               </a:lnSpc>
               <a:spcAft>
                 <a:spcPts val="600"/>
               </a:spcAft>
+              <a:buFontTx/>
+              <a:buChar char="-"/>
             </a:pPr>
             <a:r>
-              <a:rPr lang="en-GB" sz="1050" dirty="0">
-                <a:latin typeface="Calibri" panose="020F0502020204030204" pitchFamily="34" charset="0"/>
+              <a:rPr lang="es-ES" sz="1300" dirty="0">
+                <a:solidFill>
+                  <a:srgbClr val="FFFFFF"/>
+                </a:solidFill>
+                <a:latin typeface="Abadi" panose="020B0604020104020204" pitchFamily="34" charset="0"/>
                 <a:ea typeface="DengXian" panose="02010600030101010101" pitchFamily="2" charset="-122"/>
                 <a:cs typeface="Times New Roman" panose="02020603050405020304" pitchFamily="18" charset="0"/>
               </a:rPr>
-              <a:t>test of leg motor development from the McCarthy test battery </a:t>
+              <a:t>Test de Vocabulario en Imágenes </a:t>
             </a:r>
-          </a:p>
-          <a:p>
-            <a:pPr>
+            <a:r>
+              <a:rPr lang="es-ES" sz="1300" dirty="0" err="1">
+                <a:solidFill>
+                  <a:srgbClr val="FFFFFF"/>
+                </a:solidFill>
+                <a:latin typeface="Abadi" panose="020B0604020104020204" pitchFamily="34" charset="0"/>
+                <a:ea typeface="DengXian" panose="02010600030101010101" pitchFamily="2" charset="-122"/>
+                <a:cs typeface="Times New Roman" panose="02020603050405020304" pitchFamily="18" charset="0"/>
+              </a:rPr>
+              <a:t>Peabody</a:t>
+            </a:r>
+            <a:r>
+              <a:rPr lang="es-ES" sz="1300" dirty="0">
+                <a:solidFill>
+                  <a:srgbClr val="FFFFFF"/>
+                </a:solidFill>
+                <a:latin typeface="Abadi" panose="020B0604020104020204" pitchFamily="34" charset="0"/>
+                <a:ea typeface="DengXian" panose="02010600030101010101" pitchFamily="2" charset="-122"/>
+                <a:cs typeface="Times New Roman" panose="02020603050405020304" pitchFamily="18" charset="0"/>
+              </a:rPr>
+              <a:t> (TVIP)</a:t>
+            </a:r>
+          </a:p>
+          <a:p>
+            <a:pPr marL="171450" indent="-171450">
               <a:lnSpc>
                 <a:spcPct val="107000"/>
               </a:lnSpc>
               <a:spcAft>
                 <a:spcPts val="600"/>
               </a:spcAft>
+              <a:buFontTx/>
+              <a:buChar char="-"/>
             </a:pPr>
             <a:r>
-              <a:rPr lang="en-GB" sz="1050" dirty="0">
-                <a:latin typeface="Calibri" panose="020F0502020204030204" pitchFamily="34" charset="0"/>
+              <a:rPr lang="es-ES" sz="1300" dirty="0">
+                <a:solidFill>
+                  <a:srgbClr val="FFFFFF"/>
+                </a:solidFill>
+                <a:latin typeface="Abadi" panose="020B0604020104020204" pitchFamily="34" charset="0"/>
                 <a:ea typeface="DengXian" panose="02010600030101010101" pitchFamily="2" charset="-122"/>
                 <a:cs typeface="Times New Roman" panose="02020603050405020304" pitchFamily="18" charset="0"/>
               </a:rPr>
-              <a:t>The final test we use is the </a:t>
+              <a:t>Prueba de memoria a corto plazo (batería de McCarthy)</a:t>
             </a:r>
+          </a:p>
+          <a:p>
+            <a:pPr marL="171450" indent="-171450">
+              <a:lnSpc>
+                <a:spcPct val="107000"/>
+              </a:lnSpc>
+              <a:spcAft>
+                <a:spcPts val="600"/>
+              </a:spcAft>
+              <a:buFontTx/>
+              <a:buChar char="-"/>
+            </a:pPr>
             <a:r>
-              <a:rPr lang="en-GB" sz="1050" dirty="0" err="1">
-                <a:latin typeface="Calibri" panose="020F0502020204030204" pitchFamily="34" charset="0"/>
+              <a:rPr lang="es-ES" sz="1300" dirty="0">
+                <a:solidFill>
+                  <a:srgbClr val="FFFFFF"/>
+                </a:solidFill>
+                <a:latin typeface="Abadi" panose="020B0604020104020204" pitchFamily="34" charset="0"/>
                 <a:ea typeface="DengXian" panose="02010600030101010101" pitchFamily="2" charset="-122"/>
                 <a:cs typeface="Times New Roman" panose="02020603050405020304" pitchFamily="18" charset="0"/>
               </a:rPr>
-              <a:t>Behavior</a:t>
+              <a:t>Prueba de desarrollo motor de las piernas (batería de McCarthy)</a:t>
             </a:r>
+          </a:p>
+          <a:p>
+            <a:pPr marL="171450" indent="-171450">
+              <a:lnSpc>
+                <a:spcPct val="107000"/>
+              </a:lnSpc>
+              <a:spcAft>
+                <a:spcPts val="600"/>
+              </a:spcAft>
+              <a:buFontTx/>
+              <a:buChar char="-"/>
+            </a:pPr>
             <a:r>
-              <a:rPr lang="en-GB" sz="1050" dirty="0">
-                <a:latin typeface="Calibri" panose="020F0502020204030204" pitchFamily="34" charset="0"/>
+              <a:rPr lang="es-ES" sz="1300" dirty="0">
+                <a:solidFill>
+                  <a:srgbClr val="FFFFFF"/>
+                </a:solidFill>
+                <a:latin typeface="Abadi" panose="020B0604020104020204" pitchFamily="34" charset="0"/>
                 <a:ea typeface="DengXian" panose="02010600030101010101" pitchFamily="2" charset="-122"/>
                 <a:cs typeface="Times New Roman" panose="02020603050405020304" pitchFamily="18" charset="0"/>
               </a:rPr>
-              <a:t> Problem Index (BPI), </a:t>
+              <a:t>Índice de problemas de comportamiento (BPI)</a:t>
             </a:r>
+            <a:endParaRPr lang="en-GB" sz="1300" dirty="0">
+              <a:solidFill>
+                <a:srgbClr val="FFFFFF"/>
+              </a:solidFill>
+              <a:latin typeface="Abadi" panose="020B0604020104020204" pitchFamily="34" charset="0"/>
+              <a:ea typeface="DengXian" panose="02010600030101010101" pitchFamily="2" charset="-122"/>
+              <a:cs typeface="Times New Roman" panose="02020603050405020304" pitchFamily="18" charset="0"/>
+            </a:endParaRPr>
           </a:p>
         </p:txBody>
       </p:sp>
@@ -9477,8 +9556,8 @@
         </p:nvSpPr>
         <p:spPr>
           <a:xfrm>
-            <a:off x="2258357" y="7005728"/>
-            <a:ext cx="2132062" cy="577081"/>
+            <a:off x="1020185" y="6439140"/>
+            <a:ext cx="3281867" cy="830997"/>
           </a:xfrm>
           <a:prstGeom prst="rect">
             <a:avLst/>
@@ -9493,14 +9572,22 @@
           <a:p>
             <a:pPr algn="r"/>
             <a:r>
-              <a:rPr lang="en-GB" sz="1050" dirty="0">
-                <a:latin typeface="Calibri" panose="020F0502020204030204" pitchFamily="34" charset="0"/>
+              <a:rPr lang="es-ES" sz="1600" dirty="0">
+                <a:solidFill>
+                  <a:srgbClr val="FFFFFF"/>
+                </a:solidFill>
+                <a:latin typeface="Abadi" panose="020B0604020104020204" pitchFamily="34" charset="0"/>
                 <a:ea typeface="DengXian" panose="02010600030101010101" pitchFamily="2" charset="-122"/>
                 <a:cs typeface="Times New Roman" panose="02020603050405020304" pitchFamily="18" charset="0"/>
               </a:rPr>
-              <a:t>The two follow-up surveys also include information on stimulation, birthweight, preventive health care,</a:t>
+              <a:t>Información sobre estimulación, peso al nacer, atención médica preventiva, etc.</a:t>
             </a:r>
-            <a:endParaRPr lang="es-ES" sz="1050" dirty="0"/>
+            <a:endParaRPr lang="es-ES" sz="1600" dirty="0">
+              <a:solidFill>
+                <a:srgbClr val="FFFFFF"/>
+              </a:solidFill>
+              <a:latin typeface="Abadi" panose="020B0604020104020204" pitchFamily="34" charset="0"/>
+            </a:endParaRPr>
           </a:p>
         </p:txBody>
       </p:sp>
@@ -9518,7 +9605,7 @@
         </p:nvSpPr>
         <p:spPr>
           <a:xfrm>
-            <a:off x="5137936" y="3428340"/>
+            <a:off x="5137936" y="3033984"/>
             <a:ext cx="2744518" cy="2744518"/>
           </a:xfrm>
           <a:prstGeom prst="ellipse">
@@ -9527,7 +9614,7 @@
           <a:noFill/>
           <a:ln w="76200">
             <a:solidFill>
-              <a:srgbClr val="002060"/>
+              <a:srgbClr val="FFFFFF"/>
             </a:solidFill>
           </a:ln>
         </p:spPr>
@@ -9572,7 +9659,7 @@
         </p:nvCxnSpPr>
         <p:spPr>
           <a:xfrm>
-            <a:off x="5126213" y="2811673"/>
+            <a:off x="5126214" y="2417318"/>
             <a:ext cx="416677" cy="600679"/>
           </a:xfrm>
           <a:prstGeom prst="line">
@@ -9616,7 +9703,7 @@
         </p:nvCxnSpPr>
         <p:spPr>
           <a:xfrm rot="4192146">
-            <a:off x="7474381" y="2810310"/>
+            <a:off x="7474382" y="2415955"/>
             <a:ext cx="416677" cy="600679"/>
           </a:xfrm>
           <a:prstGeom prst="line">
@@ -9660,7 +9747,7 @@
         </p:nvCxnSpPr>
         <p:spPr>
           <a:xfrm flipV="1">
-            <a:off x="5126213" y="6170134"/>
+            <a:off x="5126214" y="5775779"/>
             <a:ext cx="416677" cy="600679"/>
           </a:xfrm>
           <a:prstGeom prst="line">
@@ -9704,7 +9791,7 @@
         </p:nvCxnSpPr>
         <p:spPr>
           <a:xfrm rot="17407854" flipV="1">
-            <a:off x="7474381" y="6171497"/>
+            <a:off x="7474382" y="5777142"/>
             <a:ext cx="416677" cy="600679"/>
           </a:xfrm>
           <a:prstGeom prst="line">
@@ -9748,7 +9835,7 @@
         </p:nvCxnSpPr>
         <p:spPr>
           <a:xfrm flipH="1">
-            <a:off x="8181016" y="4810595"/>
+            <a:off x="8181017" y="4416239"/>
             <a:ext cx="658273" cy="0"/>
           </a:xfrm>
           <a:prstGeom prst="line">
@@ -9792,7 +9879,7 @@
         </p:nvCxnSpPr>
         <p:spPr>
           <a:xfrm>
-            <a:off x="4162393" y="4756629"/>
+            <a:off x="4162394" y="4362273"/>
             <a:ext cx="658273" cy="0"/>
           </a:xfrm>
           <a:prstGeom prst="line">
@@ -9820,6 +9907,2376 @@
           </a:fontRef>
         </p:style>
       </p:cxnSp>
+      <p:sp>
+        <p:nvSpPr>
+          <p:cNvPr id="45" name="TextBox 44">
+            <a:extLst>
+              <a:ext uri="{FF2B5EF4-FFF2-40B4-BE49-F238E27FC236}">
+                <a16:creationId xmlns:a16="http://schemas.microsoft.com/office/drawing/2014/main" id="{524FDF92-7BBF-5770-110C-FF1FA13A85F7}"/>
+              </a:ext>
+            </a:extLst>
+          </p:cNvPr>
+          <p:cNvSpPr txBox="1"/>
+          <p:nvPr/>
+        </p:nvSpPr>
+        <p:spPr>
+          <a:xfrm>
+            <a:off x="869169" y="364005"/>
+            <a:ext cx="5940678" cy="369332"/>
+          </a:xfrm>
+          <a:prstGeom prst="rect">
+            <a:avLst/>
+          </a:prstGeom>
+          <a:noFill/>
+        </p:spPr>
+        <p:txBody>
+          <a:bodyPr wrap="square" rtlCol="0">
+            <a:spAutoFit/>
+          </a:bodyPr>
+          <a:lstStyle>
+            <a:defPPr>
+              <a:defRPr lang="en-US"/>
+            </a:defPPr>
+            <a:lvl1pPr>
+              <a:defRPr>
+                <a:solidFill>
+                  <a:schemeClr val="bg1"/>
+                </a:solidFill>
+                <a:latin typeface="Abadi" panose="020B0604020104020204" pitchFamily="34" charset="0"/>
+              </a:defRPr>
+            </a:lvl1pPr>
+          </a:lstStyle>
+          <a:p>
+            <a:r>
+              <a:rPr lang="es-ES" dirty="0"/>
+              <a:t>INFORMACIÓN RECOGIDA</a:t>
+            </a:r>
+          </a:p>
+        </p:txBody>
+      </p:sp>
+      <p:sp>
+        <p:nvSpPr>
+          <p:cNvPr id="4" name="Graphic 2">
+            <a:extLst>
+              <a:ext uri="{FF2B5EF4-FFF2-40B4-BE49-F238E27FC236}">
+                <a16:creationId xmlns:a16="http://schemas.microsoft.com/office/drawing/2014/main" id="{A6C73867-BB1F-C863-7233-8ABBD6016B96}"/>
+              </a:ext>
+            </a:extLst>
+          </p:cNvPr>
+          <p:cNvSpPr/>
+          <p:nvPr/>
+        </p:nvSpPr>
+        <p:spPr>
+          <a:xfrm>
+            <a:off x="4747285" y="6399112"/>
+            <a:ext cx="295493" cy="801509"/>
+          </a:xfrm>
+          <a:custGeom>
+            <a:avLst/>
+            <a:gdLst>
+              <a:gd name="connsiteX0" fmla="*/ 1120660 w 2251707"/>
+              <a:gd name="connsiteY0" fmla="*/ 5989224 h 6107644"/>
+              <a:gd name="connsiteX1" fmla="*/ 1096440 w 2251707"/>
+              <a:gd name="connsiteY1" fmla="*/ 5218355 h 6107644"/>
+              <a:gd name="connsiteX2" fmla="*/ 1145206 w 2251707"/>
+              <a:gd name="connsiteY2" fmla="*/ 4755821 h 6107644"/>
+              <a:gd name="connsiteX3" fmla="*/ 1169426 w 2251707"/>
+              <a:gd name="connsiteY3" fmla="*/ 5526691 h 6107644"/>
+              <a:gd name="connsiteX4" fmla="*/ 1120660 w 2251707"/>
+              <a:gd name="connsiteY4" fmla="*/ 5989224 h 6107644"/>
+              <a:gd name="connsiteX5" fmla="*/ 1406268 w 2251707"/>
+              <a:gd name="connsiteY5" fmla="*/ 5230839 h 6107644"/>
+              <a:gd name="connsiteX6" fmla="*/ 873322 w 2251707"/>
+              <a:gd name="connsiteY6" fmla="*/ 4512401 h 6107644"/>
+              <a:gd name="connsiteX7" fmla="*/ 372670 w 2251707"/>
+              <a:gd name="connsiteY7" fmla="*/ 4073550 h 6107644"/>
+              <a:gd name="connsiteX8" fmla="*/ 767561 w 2251707"/>
+              <a:gd name="connsiteY8" fmla="*/ 3606624 h 6107644"/>
+              <a:gd name="connsiteX9" fmla="*/ 965034 w 2251707"/>
+              <a:gd name="connsiteY9" fmla="*/ 3583339 h 6107644"/>
+              <a:gd name="connsiteX10" fmla="*/ 965034 w 2251707"/>
+              <a:gd name="connsiteY10" fmla="*/ 3704523 h 6107644"/>
+              <a:gd name="connsiteX11" fmla="*/ 839172 w 2251707"/>
+              <a:gd name="connsiteY11" fmla="*/ 3845833 h 6107644"/>
+              <a:gd name="connsiteX12" fmla="*/ 618417 w 2251707"/>
+              <a:gd name="connsiteY12" fmla="*/ 4058780 h 6107644"/>
+              <a:gd name="connsiteX13" fmla="*/ 977204 w 2251707"/>
+              <a:gd name="connsiteY13" fmla="*/ 4295274 h 6107644"/>
+              <a:gd name="connsiteX14" fmla="*/ 1589208 w 2251707"/>
+              <a:gd name="connsiteY14" fmla="*/ 5005851 h 6107644"/>
+              <a:gd name="connsiteX15" fmla="*/ 1450933 w 2251707"/>
+              <a:gd name="connsiteY15" fmla="*/ 5345337 h 6107644"/>
+              <a:gd name="connsiteX16" fmla="*/ 1406268 w 2251707"/>
+              <a:gd name="connsiteY16" fmla="*/ 5230839 h 6107644"/>
+              <a:gd name="connsiteX17" fmla="*/ 1121077 w 2251707"/>
+              <a:gd name="connsiteY17" fmla="*/ 4257386 h 6107644"/>
+              <a:gd name="connsiteX18" fmla="*/ 1063588 w 2251707"/>
+              <a:gd name="connsiteY18" fmla="*/ 3633069 h 6107644"/>
+              <a:gd name="connsiteX19" fmla="*/ 1063588 w 2251707"/>
+              <a:gd name="connsiteY19" fmla="*/ 3041065 h 6107644"/>
+              <a:gd name="connsiteX20" fmla="*/ 1137504 w 2251707"/>
+              <a:gd name="connsiteY20" fmla="*/ 3051557 h 6107644"/>
+              <a:gd name="connsiteX21" fmla="*/ 1220274 w 2251707"/>
+              <a:gd name="connsiteY21" fmla="*/ 3292024 h 6107644"/>
+              <a:gd name="connsiteX22" fmla="*/ 1203849 w 2251707"/>
+              <a:gd name="connsiteY22" fmla="*/ 3905843 h 6107644"/>
+              <a:gd name="connsiteX23" fmla="*/ 1121077 w 2251707"/>
+              <a:gd name="connsiteY23" fmla="*/ 4257380 h 6107644"/>
+              <a:gd name="connsiteX24" fmla="*/ 1318185 w 2251707"/>
+              <a:gd name="connsiteY24" fmla="*/ 3880747 h 6107644"/>
+              <a:gd name="connsiteX25" fmla="*/ 1293547 w 2251707"/>
+              <a:gd name="connsiteY25" fmla="*/ 3733184 h 6107644"/>
+              <a:gd name="connsiteX26" fmla="*/ 1293547 w 2251707"/>
+              <a:gd name="connsiteY26" fmla="*/ 3610364 h 6107644"/>
+              <a:gd name="connsiteX27" fmla="*/ 1487723 w 2251707"/>
+              <a:gd name="connsiteY27" fmla="*/ 3627971 h 6107644"/>
+              <a:gd name="connsiteX28" fmla="*/ 1950571 w 2251707"/>
+              <a:gd name="connsiteY28" fmla="*/ 3408072 h 6107644"/>
+              <a:gd name="connsiteX29" fmla="*/ 1472523 w 2251707"/>
+              <a:gd name="connsiteY29" fmla="*/ 3050682 h 6107644"/>
+              <a:gd name="connsiteX30" fmla="*/ 414704 w 2251707"/>
+              <a:gd name="connsiteY30" fmla="*/ 2661146 h 6107644"/>
+              <a:gd name="connsiteX31" fmla="*/ 115368 w 2251707"/>
+              <a:gd name="connsiteY31" fmla="*/ 1510750 h 6107644"/>
+              <a:gd name="connsiteX32" fmla="*/ 841843 w 2251707"/>
+              <a:gd name="connsiteY32" fmla="*/ 1042330 h 6107644"/>
+              <a:gd name="connsiteX33" fmla="*/ 932183 w 2251707"/>
+              <a:gd name="connsiteY33" fmla="*/ 1235603 h 6107644"/>
+              <a:gd name="connsiteX34" fmla="*/ 932183 w 2251707"/>
+              <a:gd name="connsiteY34" fmla="*/ 1429598 h 6107644"/>
+              <a:gd name="connsiteX35" fmla="*/ 786500 w 2251707"/>
+              <a:gd name="connsiteY35" fmla="*/ 1514979 h 6107644"/>
+              <a:gd name="connsiteX36" fmla="*/ 496158 w 2251707"/>
+              <a:gd name="connsiteY36" fmla="*/ 1934376 h 6107644"/>
+              <a:gd name="connsiteX37" fmla="*/ 1150449 w 2251707"/>
+              <a:gd name="connsiteY37" fmla="*/ 2536787 h 6107644"/>
+              <a:gd name="connsiteX38" fmla="*/ 2251707 w 2251707"/>
+              <a:gd name="connsiteY38" fmla="*/ 3390589 h 6107644"/>
+              <a:gd name="connsiteX39" fmla="*/ 2041408 w 2251707"/>
+              <a:gd name="connsiteY39" fmla="*/ 3806873 h 6107644"/>
+              <a:gd name="connsiteX40" fmla="*/ 1638484 w 2251707"/>
+              <a:gd name="connsiteY40" fmla="*/ 3894436 h 6107644"/>
+              <a:gd name="connsiteX41" fmla="*/ 1318185 w 2251707"/>
+              <a:gd name="connsiteY41" fmla="*/ 3880747 h 6107644"/>
+              <a:gd name="connsiteX42" fmla="*/ 1125603 w 2251707"/>
+              <a:gd name="connsiteY42" fmla="*/ 2443795 h 6107644"/>
+              <a:gd name="connsiteX43" fmla="*/ 1039787 w 2251707"/>
+              <a:gd name="connsiteY43" fmla="*/ 2411928 h 6107644"/>
+              <a:gd name="connsiteX44" fmla="*/ 1015892 w 2251707"/>
+              <a:gd name="connsiteY44" fmla="*/ 1556702 h 6107644"/>
+              <a:gd name="connsiteX45" fmla="*/ 917260 w 2251707"/>
+              <a:gd name="connsiteY45" fmla="*/ 642686 h 6107644"/>
+              <a:gd name="connsiteX46" fmla="*/ 1178568 w 2251707"/>
+              <a:gd name="connsiteY46" fmla="*/ 2988 h 6107644"/>
+              <a:gd name="connsiteX47" fmla="*/ 1490655 w 2251707"/>
+              <a:gd name="connsiteY47" fmla="*/ 351072 h 6107644"/>
+              <a:gd name="connsiteX48" fmla="*/ 1383888 w 2251707"/>
+              <a:gd name="connsiteY48" fmla="*/ 602374 h 6107644"/>
+              <a:gd name="connsiteX49" fmla="*/ 1277122 w 2251707"/>
+              <a:gd name="connsiteY49" fmla="*/ 723926 h 6107644"/>
+              <a:gd name="connsiteX50" fmla="*/ 1260695 w 2251707"/>
+              <a:gd name="connsiteY50" fmla="*/ 1586371 h 6107644"/>
+              <a:gd name="connsiteX51" fmla="*/ 1227844 w 2251707"/>
+              <a:gd name="connsiteY51" fmla="*/ 2462239 h 6107644"/>
+              <a:gd name="connsiteX52" fmla="*/ 1125603 w 2251707"/>
+              <a:gd name="connsiteY52" fmla="*/ 2443795 h 6107644"/>
+              <a:gd name="connsiteX53" fmla="*/ 1572783 w 2251707"/>
+              <a:gd name="connsiteY53" fmla="*/ 2457322 h 6107644"/>
+              <a:gd name="connsiteX54" fmla="*/ 1347422 w 2251707"/>
+              <a:gd name="connsiteY54" fmla="*/ 2124178 h 6107644"/>
+              <a:gd name="connsiteX55" fmla="*/ 1609704 w 2251707"/>
+              <a:gd name="connsiteY55" fmla="*/ 1729971 h 6107644"/>
+              <a:gd name="connsiteX56" fmla="*/ 1485306 w 2251707"/>
+              <a:gd name="connsiteY56" fmla="*/ 1430358 h 6107644"/>
+              <a:gd name="connsiteX57" fmla="*/ 1359249 w 2251707"/>
+              <a:gd name="connsiteY57" fmla="*/ 1216472 h 6107644"/>
+              <a:gd name="connsiteX58" fmla="*/ 1449590 w 2251707"/>
+              <a:gd name="connsiteY58" fmla="*/ 1061371 h 6107644"/>
+              <a:gd name="connsiteX59" fmla="*/ 2171377 w 2251707"/>
+              <a:gd name="connsiteY59" fmla="*/ 1816593 h 6107644"/>
+              <a:gd name="connsiteX60" fmla="*/ 2102034 w 2251707"/>
+              <a:gd name="connsiteY60" fmla="*/ 2170551 h 6107644"/>
+              <a:gd name="connsiteX61" fmla="*/ 1930657 w 2251707"/>
+              <a:gd name="connsiteY61" fmla="*/ 2404268 h 6107644"/>
+              <a:gd name="connsiteX62" fmla="*/ 1572783 w 2251707"/>
+              <a:gd name="connsiteY62" fmla="*/ 2457322 h 6107644"/>
+            </a:gdLst>
+            <a:ahLst/>
+            <a:cxnLst>
+              <a:cxn ang="0">
+                <a:pos x="connsiteX0" y="connsiteY0"/>
+              </a:cxn>
+              <a:cxn ang="0">
+                <a:pos x="connsiteX1" y="connsiteY1"/>
+              </a:cxn>
+              <a:cxn ang="0">
+                <a:pos x="connsiteX2" y="connsiteY2"/>
+              </a:cxn>
+              <a:cxn ang="0">
+                <a:pos x="connsiteX3" y="connsiteY3"/>
+              </a:cxn>
+              <a:cxn ang="0">
+                <a:pos x="connsiteX4" y="connsiteY4"/>
+              </a:cxn>
+              <a:cxn ang="0">
+                <a:pos x="connsiteX5" y="connsiteY5"/>
+              </a:cxn>
+              <a:cxn ang="0">
+                <a:pos x="connsiteX6" y="connsiteY6"/>
+              </a:cxn>
+              <a:cxn ang="0">
+                <a:pos x="connsiteX7" y="connsiteY7"/>
+              </a:cxn>
+              <a:cxn ang="0">
+                <a:pos x="connsiteX8" y="connsiteY8"/>
+              </a:cxn>
+              <a:cxn ang="0">
+                <a:pos x="connsiteX9" y="connsiteY9"/>
+              </a:cxn>
+              <a:cxn ang="0">
+                <a:pos x="connsiteX10" y="connsiteY10"/>
+              </a:cxn>
+              <a:cxn ang="0">
+                <a:pos x="connsiteX11" y="connsiteY11"/>
+              </a:cxn>
+              <a:cxn ang="0">
+                <a:pos x="connsiteX12" y="connsiteY12"/>
+              </a:cxn>
+              <a:cxn ang="0">
+                <a:pos x="connsiteX13" y="connsiteY13"/>
+              </a:cxn>
+              <a:cxn ang="0">
+                <a:pos x="connsiteX14" y="connsiteY14"/>
+              </a:cxn>
+              <a:cxn ang="0">
+                <a:pos x="connsiteX15" y="connsiteY15"/>
+              </a:cxn>
+              <a:cxn ang="0">
+                <a:pos x="connsiteX16" y="connsiteY16"/>
+              </a:cxn>
+              <a:cxn ang="0">
+                <a:pos x="connsiteX17" y="connsiteY17"/>
+              </a:cxn>
+              <a:cxn ang="0">
+                <a:pos x="connsiteX18" y="connsiteY18"/>
+              </a:cxn>
+              <a:cxn ang="0">
+                <a:pos x="connsiteX19" y="connsiteY19"/>
+              </a:cxn>
+              <a:cxn ang="0">
+                <a:pos x="connsiteX20" y="connsiteY20"/>
+              </a:cxn>
+              <a:cxn ang="0">
+                <a:pos x="connsiteX21" y="connsiteY21"/>
+              </a:cxn>
+              <a:cxn ang="0">
+                <a:pos x="connsiteX22" y="connsiteY22"/>
+              </a:cxn>
+              <a:cxn ang="0">
+                <a:pos x="connsiteX23" y="connsiteY23"/>
+              </a:cxn>
+              <a:cxn ang="0">
+                <a:pos x="connsiteX24" y="connsiteY24"/>
+              </a:cxn>
+              <a:cxn ang="0">
+                <a:pos x="connsiteX25" y="connsiteY25"/>
+              </a:cxn>
+              <a:cxn ang="0">
+                <a:pos x="connsiteX26" y="connsiteY26"/>
+              </a:cxn>
+              <a:cxn ang="0">
+                <a:pos x="connsiteX27" y="connsiteY27"/>
+              </a:cxn>
+              <a:cxn ang="0">
+                <a:pos x="connsiteX28" y="connsiteY28"/>
+              </a:cxn>
+              <a:cxn ang="0">
+                <a:pos x="connsiteX29" y="connsiteY29"/>
+              </a:cxn>
+              <a:cxn ang="0">
+                <a:pos x="connsiteX30" y="connsiteY30"/>
+              </a:cxn>
+              <a:cxn ang="0">
+                <a:pos x="connsiteX31" y="connsiteY31"/>
+              </a:cxn>
+              <a:cxn ang="0">
+                <a:pos x="connsiteX32" y="connsiteY32"/>
+              </a:cxn>
+              <a:cxn ang="0">
+                <a:pos x="connsiteX33" y="connsiteY33"/>
+              </a:cxn>
+              <a:cxn ang="0">
+                <a:pos x="connsiteX34" y="connsiteY34"/>
+              </a:cxn>
+              <a:cxn ang="0">
+                <a:pos x="connsiteX35" y="connsiteY35"/>
+              </a:cxn>
+              <a:cxn ang="0">
+                <a:pos x="connsiteX36" y="connsiteY36"/>
+              </a:cxn>
+              <a:cxn ang="0">
+                <a:pos x="connsiteX37" y="connsiteY37"/>
+              </a:cxn>
+              <a:cxn ang="0">
+                <a:pos x="connsiteX38" y="connsiteY38"/>
+              </a:cxn>
+              <a:cxn ang="0">
+                <a:pos x="connsiteX39" y="connsiteY39"/>
+              </a:cxn>
+              <a:cxn ang="0">
+                <a:pos x="connsiteX40" y="connsiteY40"/>
+              </a:cxn>
+              <a:cxn ang="0">
+                <a:pos x="connsiteX41" y="connsiteY41"/>
+              </a:cxn>
+              <a:cxn ang="0">
+                <a:pos x="connsiteX42" y="connsiteY42"/>
+              </a:cxn>
+              <a:cxn ang="0">
+                <a:pos x="connsiteX43" y="connsiteY43"/>
+              </a:cxn>
+              <a:cxn ang="0">
+                <a:pos x="connsiteX44" y="connsiteY44"/>
+              </a:cxn>
+              <a:cxn ang="0">
+                <a:pos x="connsiteX45" y="connsiteY45"/>
+              </a:cxn>
+              <a:cxn ang="0">
+                <a:pos x="connsiteX46" y="connsiteY46"/>
+              </a:cxn>
+              <a:cxn ang="0">
+                <a:pos x="connsiteX47" y="connsiteY47"/>
+              </a:cxn>
+              <a:cxn ang="0">
+                <a:pos x="connsiteX48" y="connsiteY48"/>
+              </a:cxn>
+              <a:cxn ang="0">
+                <a:pos x="connsiteX49" y="connsiteY49"/>
+              </a:cxn>
+              <a:cxn ang="0">
+                <a:pos x="connsiteX50" y="connsiteY50"/>
+              </a:cxn>
+              <a:cxn ang="0">
+                <a:pos x="connsiteX51" y="connsiteY51"/>
+              </a:cxn>
+              <a:cxn ang="0">
+                <a:pos x="connsiteX52" y="connsiteY52"/>
+              </a:cxn>
+              <a:cxn ang="0">
+                <a:pos x="connsiteX53" y="connsiteY53"/>
+              </a:cxn>
+              <a:cxn ang="0">
+                <a:pos x="connsiteX54" y="connsiteY54"/>
+              </a:cxn>
+              <a:cxn ang="0">
+                <a:pos x="connsiteX55" y="connsiteY55"/>
+              </a:cxn>
+              <a:cxn ang="0">
+                <a:pos x="connsiteX56" y="connsiteY56"/>
+              </a:cxn>
+              <a:cxn ang="0">
+                <a:pos x="connsiteX57" y="connsiteY57"/>
+              </a:cxn>
+              <a:cxn ang="0">
+                <a:pos x="connsiteX58" y="connsiteY58"/>
+              </a:cxn>
+              <a:cxn ang="0">
+                <a:pos x="connsiteX59" y="connsiteY59"/>
+              </a:cxn>
+              <a:cxn ang="0">
+                <a:pos x="connsiteX60" y="connsiteY60"/>
+              </a:cxn>
+              <a:cxn ang="0">
+                <a:pos x="connsiteX61" y="connsiteY61"/>
+              </a:cxn>
+              <a:cxn ang="0">
+                <a:pos x="connsiteX62" y="connsiteY62"/>
+              </a:cxn>
+            </a:cxnLst>
+            <a:rect l="l" t="t" r="r" b="b"/>
+            <a:pathLst>
+              <a:path w="2251707" h="6107644">
+                <a:moveTo>
+                  <a:pt x="1120660" y="5989224"/>
+                </a:moveTo>
+                <a:cubicBezTo>
+                  <a:pt x="1107339" y="5846463"/>
+                  <a:pt x="1096440" y="5499571"/>
+                  <a:pt x="1096440" y="5218355"/>
+                </a:cubicBezTo>
+                <a:cubicBezTo>
+                  <a:pt x="1096440" y="4766244"/>
+                  <a:pt x="1102089" y="4712697"/>
+                  <a:pt x="1145206" y="4755821"/>
+                </a:cubicBezTo>
+                <a:cubicBezTo>
+                  <a:pt x="1186906" y="4797523"/>
+                  <a:pt x="1190414" y="4909225"/>
+                  <a:pt x="1169426" y="5526691"/>
+                </a:cubicBezTo>
+                <a:cubicBezTo>
+                  <a:pt x="1148218" y="6150607"/>
+                  <a:pt x="1141586" y="6213498"/>
+                  <a:pt x="1120660" y="5989224"/>
+                </a:cubicBezTo>
+                <a:close/>
+                <a:moveTo>
+                  <a:pt x="1406268" y="5230839"/>
+                </a:moveTo>
+                <a:cubicBezTo>
+                  <a:pt x="1462421" y="4931494"/>
+                  <a:pt x="1265482" y="4666010"/>
+                  <a:pt x="873322" y="4512401"/>
+                </a:cubicBezTo>
+                <a:cubicBezTo>
+                  <a:pt x="588329" y="4400770"/>
+                  <a:pt x="428812" y="4260943"/>
+                  <a:pt x="372670" y="4073550"/>
+                </a:cubicBezTo>
+                <a:cubicBezTo>
+                  <a:pt x="292694" y="3806599"/>
+                  <a:pt x="427950" y="3646670"/>
+                  <a:pt x="767561" y="3606624"/>
+                </a:cubicBezTo>
+                <a:lnTo>
+                  <a:pt x="965034" y="3583339"/>
+                </a:lnTo>
+                <a:lnTo>
+                  <a:pt x="965034" y="3704523"/>
+                </a:lnTo>
+                <a:cubicBezTo>
+                  <a:pt x="965034" y="3819609"/>
+                  <a:pt x="958702" y="3826718"/>
+                  <a:pt x="839172" y="3845833"/>
+                </a:cubicBezTo>
+                <a:cubicBezTo>
+                  <a:pt x="688788" y="3869881"/>
+                  <a:pt x="589012" y="3966130"/>
+                  <a:pt x="618417" y="4058780"/>
+                </a:cubicBezTo>
+                <a:cubicBezTo>
+                  <a:pt x="644444" y="4140788"/>
+                  <a:pt x="749634" y="4210124"/>
+                  <a:pt x="977204" y="4295274"/>
+                </a:cubicBezTo>
+                <a:cubicBezTo>
+                  <a:pt x="1349881" y="4434716"/>
+                  <a:pt x="1589208" y="4712592"/>
+                  <a:pt x="1589208" y="5005851"/>
+                </a:cubicBezTo>
+                <a:cubicBezTo>
+                  <a:pt x="1589208" y="5200958"/>
+                  <a:pt x="1530401" y="5345337"/>
+                  <a:pt x="1450933" y="5345337"/>
+                </a:cubicBezTo>
+                <a:cubicBezTo>
+                  <a:pt x="1393185" y="5345337"/>
+                  <a:pt x="1387515" y="5330803"/>
+                  <a:pt x="1406268" y="5230839"/>
+                </a:cubicBezTo>
+                <a:close/>
+                <a:moveTo>
+                  <a:pt x="1121077" y="4257386"/>
+                </a:moveTo>
+                <a:cubicBezTo>
+                  <a:pt x="1069648" y="4228479"/>
+                  <a:pt x="1063588" y="4162671"/>
+                  <a:pt x="1063588" y="3633069"/>
+                </a:cubicBezTo>
+                <a:lnTo>
+                  <a:pt x="1063588" y="3041065"/>
+                </a:lnTo>
+                <a:lnTo>
+                  <a:pt x="1137504" y="3051557"/>
+                </a:lnTo>
+                <a:cubicBezTo>
+                  <a:pt x="1205104" y="3061155"/>
+                  <a:pt x="1212175" y="3081700"/>
+                  <a:pt x="1220274" y="3292024"/>
+                </a:cubicBezTo>
+                <a:cubicBezTo>
+                  <a:pt x="1225141" y="3418508"/>
+                  <a:pt x="1217753" y="3694727"/>
+                  <a:pt x="1203849" y="3905843"/>
+                </a:cubicBezTo>
+                <a:cubicBezTo>
+                  <a:pt x="1180649" y="4258095"/>
+                  <a:pt x="1173835" y="4287031"/>
+                  <a:pt x="1121077" y="4257380"/>
+                </a:cubicBezTo>
+                <a:close/>
+                <a:moveTo>
+                  <a:pt x="1318185" y="3880747"/>
+                </a:moveTo>
+                <a:cubicBezTo>
+                  <a:pt x="1304634" y="3867140"/>
+                  <a:pt x="1293547" y="3800735"/>
+                  <a:pt x="1293547" y="3733184"/>
+                </a:cubicBezTo>
+                <a:lnTo>
+                  <a:pt x="1293547" y="3610364"/>
+                </a:lnTo>
+                <a:lnTo>
+                  <a:pt x="1487723" y="3627971"/>
+                </a:lnTo>
+                <a:cubicBezTo>
+                  <a:pt x="1805738" y="3656810"/>
+                  <a:pt x="1950571" y="3588001"/>
+                  <a:pt x="1950571" y="3408072"/>
+                </a:cubicBezTo>
+                <a:cubicBezTo>
+                  <a:pt x="1950571" y="3265181"/>
+                  <a:pt x="1780589" y="3138101"/>
+                  <a:pt x="1472523" y="3050682"/>
+                </a:cubicBezTo>
+                <a:cubicBezTo>
+                  <a:pt x="769202" y="2851099"/>
+                  <a:pt x="574553" y="2779422"/>
+                  <a:pt x="414704" y="2661146"/>
+                </a:cubicBezTo>
+                <a:cubicBezTo>
+                  <a:pt x="8273" y="2360422"/>
+                  <a:pt x="-115577" y="1884445"/>
+                  <a:pt x="115368" y="1510750"/>
+                </a:cubicBezTo>
+                <a:cubicBezTo>
+                  <a:pt x="248583" y="1295192"/>
+                  <a:pt x="638227" y="1043955"/>
+                  <a:pt x="841843" y="1042330"/>
+                </a:cubicBezTo>
+                <a:cubicBezTo>
+                  <a:pt x="930279" y="1041584"/>
+                  <a:pt x="932183" y="1045694"/>
+                  <a:pt x="932183" y="1235603"/>
+                </a:cubicBezTo>
+                <a:lnTo>
+                  <a:pt x="932183" y="1429598"/>
+                </a:lnTo>
+                <a:lnTo>
+                  <a:pt x="786500" y="1514979"/>
+                </a:lnTo>
+                <a:cubicBezTo>
+                  <a:pt x="593787" y="1627923"/>
+                  <a:pt x="496158" y="1768947"/>
+                  <a:pt x="496158" y="1934376"/>
+                </a:cubicBezTo>
+                <a:cubicBezTo>
+                  <a:pt x="496158" y="2170683"/>
+                  <a:pt x="732466" y="2388253"/>
+                  <a:pt x="1150449" y="2536787"/>
+                </a:cubicBezTo>
+                <a:cubicBezTo>
+                  <a:pt x="2017759" y="2844993"/>
+                  <a:pt x="2251707" y="3026373"/>
+                  <a:pt x="2251707" y="3390589"/>
+                </a:cubicBezTo>
+                <a:cubicBezTo>
+                  <a:pt x="2251707" y="3566235"/>
+                  <a:pt x="2180128" y="3707926"/>
+                  <a:pt x="2041408" y="3806873"/>
+                </a:cubicBezTo>
+                <a:cubicBezTo>
+                  <a:pt x="1952148" y="3870542"/>
+                  <a:pt x="1884525" y="3885237"/>
+                  <a:pt x="1638484" y="3894436"/>
+                </a:cubicBezTo>
+                <a:cubicBezTo>
+                  <a:pt x="1475871" y="3900520"/>
+                  <a:pt x="1331737" y="3894371"/>
+                  <a:pt x="1318185" y="3880747"/>
+                </a:cubicBezTo>
+                <a:close/>
+                <a:moveTo>
+                  <a:pt x="1125603" y="2443795"/>
+                </a:moveTo>
+                <a:lnTo>
+                  <a:pt x="1039787" y="2411928"/>
+                </a:lnTo>
+                <a:lnTo>
+                  <a:pt x="1015892" y="1556702"/>
+                </a:lnTo>
+                <a:cubicBezTo>
+                  <a:pt x="992510" y="719814"/>
+                  <a:pt x="990395" y="700217"/>
+                  <a:pt x="917260" y="642686"/>
+                </a:cubicBezTo>
+                <a:cubicBezTo>
+                  <a:pt x="630620" y="417202"/>
+                  <a:pt x="817897" y="-41267"/>
+                  <a:pt x="1178568" y="2988"/>
+                </a:cubicBezTo>
+                <a:cubicBezTo>
+                  <a:pt x="1358596" y="25077"/>
+                  <a:pt x="1490655" y="172368"/>
+                  <a:pt x="1490655" y="351072"/>
+                </a:cubicBezTo>
+                <a:cubicBezTo>
+                  <a:pt x="1490655" y="450621"/>
+                  <a:pt x="1465804" y="509114"/>
+                  <a:pt x="1383888" y="602374"/>
+                </a:cubicBezTo>
+                <a:lnTo>
+                  <a:pt x="1277122" y="723926"/>
+                </a:lnTo>
+                <a:lnTo>
+                  <a:pt x="1260695" y="1586371"/>
+                </a:lnTo>
+                <a:cubicBezTo>
+                  <a:pt x="1251656" y="2060715"/>
+                  <a:pt x="1236878" y="2454857"/>
+                  <a:pt x="1227844" y="2462239"/>
+                </a:cubicBezTo>
+                <a:cubicBezTo>
+                  <a:pt x="1218805" y="2469627"/>
+                  <a:pt x="1172802" y="2461369"/>
+                  <a:pt x="1125603" y="2443795"/>
+                </a:cubicBezTo>
+                <a:close/>
+                <a:moveTo>
+                  <a:pt x="1572783" y="2457322"/>
+                </a:moveTo>
+                <a:cubicBezTo>
+                  <a:pt x="1437408" y="2398173"/>
+                  <a:pt x="1343865" y="2259890"/>
+                  <a:pt x="1347422" y="2124178"/>
+                </a:cubicBezTo>
+                <a:cubicBezTo>
+                  <a:pt x="1351309" y="1976008"/>
+                  <a:pt x="1482937" y="1778170"/>
+                  <a:pt x="1609704" y="1729971"/>
+                </a:cubicBezTo>
+                <a:cubicBezTo>
+                  <a:pt x="1786071" y="1662913"/>
+                  <a:pt x="1718529" y="1500238"/>
+                  <a:pt x="1485306" y="1430358"/>
+                </a:cubicBezTo>
+                <a:cubicBezTo>
+                  <a:pt x="1359505" y="1392666"/>
+                  <a:pt x="1359249" y="1392233"/>
+                  <a:pt x="1359249" y="1216472"/>
+                </a:cubicBezTo>
+                <a:cubicBezTo>
+                  <a:pt x="1359249" y="1041152"/>
+                  <a:pt x="1359621" y="1040451"/>
+                  <a:pt x="1449590" y="1061371"/>
+                </a:cubicBezTo>
+                <a:cubicBezTo>
+                  <a:pt x="1870361" y="1159251"/>
+                  <a:pt x="2131764" y="1432763"/>
+                  <a:pt x="2171377" y="1816593"/>
+                </a:cubicBezTo>
+                <a:cubicBezTo>
+                  <a:pt x="2186456" y="1962692"/>
+                  <a:pt x="2174916" y="2021564"/>
+                  <a:pt x="2102034" y="2170551"/>
+                </a:cubicBezTo>
+                <a:cubicBezTo>
+                  <a:pt x="2053947" y="2268842"/>
+                  <a:pt x="1976827" y="2374015"/>
+                  <a:pt x="1930657" y="2404268"/>
+                </a:cubicBezTo>
+                <a:cubicBezTo>
+                  <a:pt x="1828265" y="2471361"/>
+                  <a:pt x="1661497" y="2496085"/>
+                  <a:pt x="1572783" y="2457322"/>
+                </a:cubicBezTo>
+                <a:close/>
+              </a:path>
+            </a:pathLst>
+          </a:custGeom>
+          <a:solidFill>
+            <a:srgbClr val="2C8AE0"/>
+          </a:solidFill>
+          <a:ln w="32819" cap="flat">
+            <a:noFill/>
+            <a:prstDash val="solid"/>
+            <a:miter/>
+          </a:ln>
+        </p:spPr>
+        <p:txBody>
+          <a:bodyPr rot="0" spcFirstLastPara="0" vertOverflow="overflow" horzOverflow="overflow" vert="horz" wrap="square" lIns="91440" tIns="45720" rIns="91440" bIns="45720" numCol="1" spcCol="0" rtlCol="0" fromWordArt="0" anchor="ctr" anchorCtr="0" forceAA="0" compatLnSpc="1">
+            <a:prstTxWarp prst="textNoShape">
+              <a:avLst/>
+            </a:prstTxWarp>
+            <a:noAutofit/>
+          </a:bodyPr>
+          <a:lstStyle/>
+          <a:p>
+            <a:endParaRPr lang="es-ES"/>
+          </a:p>
+        </p:txBody>
+      </p:sp>
+      <p:sp>
+        <p:nvSpPr>
+          <p:cNvPr id="5" name="Rectangle 4">
+            <a:extLst>
+              <a:ext uri="{FF2B5EF4-FFF2-40B4-BE49-F238E27FC236}">
+                <a16:creationId xmlns:a16="http://schemas.microsoft.com/office/drawing/2014/main" id="{585DB407-76C1-BC41-2355-95BCE1ACC074}"/>
+              </a:ext>
+            </a:extLst>
+          </p:cNvPr>
+          <p:cNvSpPr/>
+          <p:nvPr/>
+        </p:nvSpPr>
+        <p:spPr>
+          <a:xfrm>
+            <a:off x="5506037" y="472702"/>
+            <a:ext cx="249041" cy="249041"/>
+          </a:xfrm>
+          <a:prstGeom prst="rect">
+            <a:avLst/>
+          </a:prstGeom>
+          <a:solidFill>
+            <a:srgbClr val="32A505"/>
+          </a:solidFill>
+          <a:ln>
+            <a:noFill/>
+          </a:ln>
+        </p:spPr>
+        <p:style>
+          <a:lnRef idx="2">
+            <a:schemeClr val="accent1">
+              <a:shade val="50000"/>
+            </a:schemeClr>
+          </a:lnRef>
+          <a:fillRef idx="1">
+            <a:schemeClr val="accent1"/>
+          </a:fillRef>
+          <a:effectRef idx="0">
+            <a:schemeClr val="accent1"/>
+          </a:effectRef>
+          <a:fontRef idx="minor">
+            <a:schemeClr val="lt1"/>
+          </a:fontRef>
+        </p:style>
+        <p:txBody>
+          <a:bodyPr rtlCol="0" anchor="ctr"/>
+          <a:lstStyle/>
+          <a:p>
+            <a:pPr algn="ctr"/>
+            <a:endParaRPr lang="es-ES" sz="1400"/>
+          </a:p>
+        </p:txBody>
+      </p:sp>
+      <p:sp>
+        <p:nvSpPr>
+          <p:cNvPr id="7" name="TextBox 6">
+            <a:extLst>
+              <a:ext uri="{FF2B5EF4-FFF2-40B4-BE49-F238E27FC236}">
+                <a16:creationId xmlns:a16="http://schemas.microsoft.com/office/drawing/2014/main" id="{8E3ABE4C-6808-0727-C93E-22DB16BF7F1E}"/>
+              </a:ext>
+            </a:extLst>
+          </p:cNvPr>
+          <p:cNvSpPr txBox="1"/>
+          <p:nvPr/>
+        </p:nvSpPr>
+        <p:spPr>
+          <a:xfrm>
+            <a:off x="5349335" y="184348"/>
+            <a:ext cx="2628640" cy="307777"/>
+          </a:xfrm>
+          <a:prstGeom prst="rect">
+            <a:avLst/>
+          </a:prstGeom>
+          <a:noFill/>
+        </p:spPr>
+        <p:txBody>
+          <a:bodyPr wrap="square" rtlCol="0">
+            <a:spAutoFit/>
+          </a:bodyPr>
+          <a:lstStyle/>
+          <a:p>
+            <a:r>
+              <a:rPr lang="es-ES" sz="1400" dirty="0">
+                <a:solidFill>
+                  <a:srgbClr val="FFFFFF"/>
+                </a:solidFill>
+                <a:latin typeface="Abadi" panose="020B0604020104020204" pitchFamily="34" charset="0"/>
+              </a:rPr>
+              <a:t>Información principal en:</a:t>
+            </a:r>
+          </a:p>
+        </p:txBody>
+      </p:sp>
+      <p:sp>
+        <p:nvSpPr>
+          <p:cNvPr id="49" name="Rectangle 48">
+            <a:extLst>
+              <a:ext uri="{FF2B5EF4-FFF2-40B4-BE49-F238E27FC236}">
+                <a16:creationId xmlns:a16="http://schemas.microsoft.com/office/drawing/2014/main" id="{D1296EE1-0D73-93F1-423D-03848695213B}"/>
+              </a:ext>
+            </a:extLst>
+          </p:cNvPr>
+          <p:cNvSpPr/>
+          <p:nvPr/>
+        </p:nvSpPr>
+        <p:spPr>
+          <a:xfrm>
+            <a:off x="5506037" y="794379"/>
+            <a:ext cx="249041" cy="249041"/>
+          </a:xfrm>
+          <a:prstGeom prst="rect">
+            <a:avLst/>
+          </a:prstGeom>
+          <a:solidFill>
+            <a:srgbClr val="2C8AE0"/>
+          </a:solidFill>
+          <a:ln>
+            <a:noFill/>
+          </a:ln>
+        </p:spPr>
+        <p:style>
+          <a:lnRef idx="2">
+            <a:schemeClr val="accent1">
+              <a:shade val="50000"/>
+            </a:schemeClr>
+          </a:lnRef>
+          <a:fillRef idx="1">
+            <a:schemeClr val="accent1"/>
+          </a:fillRef>
+          <a:effectRef idx="0">
+            <a:schemeClr val="accent1"/>
+          </a:effectRef>
+          <a:fontRef idx="minor">
+            <a:schemeClr val="lt1"/>
+          </a:fontRef>
+        </p:style>
+        <p:txBody>
+          <a:bodyPr rtlCol="0" anchor="ctr"/>
+          <a:lstStyle/>
+          <a:p>
+            <a:pPr algn="ctr"/>
+            <a:endParaRPr lang="es-ES" sz="1400"/>
+          </a:p>
+        </p:txBody>
+      </p:sp>
+      <p:sp>
+        <p:nvSpPr>
+          <p:cNvPr id="50" name="TextBox 49">
+            <a:extLst>
+              <a:ext uri="{FF2B5EF4-FFF2-40B4-BE49-F238E27FC236}">
+                <a16:creationId xmlns:a16="http://schemas.microsoft.com/office/drawing/2014/main" id="{5F2FAA25-7C3A-D3E6-A19E-D33F3605A0B8}"/>
+              </a:ext>
+            </a:extLst>
+          </p:cNvPr>
+          <p:cNvSpPr txBox="1"/>
+          <p:nvPr/>
+        </p:nvSpPr>
+        <p:spPr>
+          <a:xfrm>
+            <a:off x="5852453" y="443334"/>
+            <a:ext cx="2628640" cy="307777"/>
+          </a:xfrm>
+          <a:prstGeom prst="rect">
+            <a:avLst/>
+          </a:prstGeom>
+          <a:noFill/>
+        </p:spPr>
+        <p:txBody>
+          <a:bodyPr wrap="square" rtlCol="0">
+            <a:spAutoFit/>
+          </a:bodyPr>
+          <a:lstStyle/>
+          <a:p>
+            <a:r>
+              <a:rPr lang="es-ES" sz="1400" dirty="0">
+                <a:solidFill>
+                  <a:srgbClr val="FFFFFF"/>
+                </a:solidFill>
+                <a:latin typeface="Abadi" panose="020B0604020104020204" pitchFamily="34" charset="0"/>
+              </a:rPr>
+              <a:t>Encuesta preliminar</a:t>
+            </a:r>
+          </a:p>
+        </p:txBody>
+      </p:sp>
+      <p:sp>
+        <p:nvSpPr>
+          <p:cNvPr id="51" name="TextBox 50">
+            <a:extLst>
+              <a:ext uri="{FF2B5EF4-FFF2-40B4-BE49-F238E27FC236}">
+                <a16:creationId xmlns:a16="http://schemas.microsoft.com/office/drawing/2014/main" id="{522EB276-47F0-15CE-C941-F78B31947F9A}"/>
+              </a:ext>
+            </a:extLst>
+          </p:cNvPr>
+          <p:cNvSpPr txBox="1"/>
+          <p:nvPr/>
+        </p:nvSpPr>
+        <p:spPr>
+          <a:xfrm>
+            <a:off x="5852454" y="765011"/>
+            <a:ext cx="3382195" cy="307777"/>
+          </a:xfrm>
+          <a:prstGeom prst="rect">
+            <a:avLst/>
+          </a:prstGeom>
+          <a:noFill/>
+        </p:spPr>
+        <p:txBody>
+          <a:bodyPr wrap="square" rtlCol="0">
+            <a:spAutoFit/>
+          </a:bodyPr>
+          <a:lstStyle/>
+          <a:p>
+            <a:r>
+              <a:rPr lang="es-ES" sz="1400" dirty="0">
+                <a:solidFill>
+                  <a:srgbClr val="FFFFFF"/>
+                </a:solidFill>
+                <a:latin typeface="Abadi" panose="020B0604020104020204" pitchFamily="34" charset="0"/>
+              </a:rPr>
+              <a:t>Encuestas de seguimiento</a:t>
+            </a:r>
+          </a:p>
+        </p:txBody>
+      </p:sp>
+      <p:sp>
+        <p:nvSpPr>
+          <p:cNvPr id="69" name="Freeform: Shape 68">
+            <a:extLst>
+              <a:ext uri="{FF2B5EF4-FFF2-40B4-BE49-F238E27FC236}">
+                <a16:creationId xmlns:a16="http://schemas.microsoft.com/office/drawing/2014/main" id="{1471F08E-94AE-4E5C-0097-4116FDEA3BA0}"/>
+              </a:ext>
+            </a:extLst>
+          </p:cNvPr>
+          <p:cNvSpPr/>
+          <p:nvPr/>
+        </p:nvSpPr>
+        <p:spPr>
+          <a:xfrm>
+            <a:off x="6616456" y="3309033"/>
+            <a:ext cx="6083860" cy="5069494"/>
+          </a:xfrm>
+          <a:custGeom>
+            <a:avLst/>
+            <a:gdLst>
+              <a:gd name="connsiteX0" fmla="*/ 2665177 w 6083860"/>
+              <a:gd name="connsiteY0" fmla="*/ 0 h 5069494"/>
+              <a:gd name="connsiteX1" fmla="*/ 5400107 w 6083860"/>
+              <a:gd name="connsiteY1" fmla="*/ 0 h 5069494"/>
+              <a:gd name="connsiteX2" fmla="*/ 6083860 w 6083860"/>
+              <a:gd name="connsiteY2" fmla="*/ 683753 h 5069494"/>
+              <a:gd name="connsiteX3" fmla="*/ 6083860 w 6083860"/>
+              <a:gd name="connsiteY3" fmla="*/ 4113162 h 5069494"/>
+              <a:gd name="connsiteX4" fmla="*/ 6083860 w 6083860"/>
+              <a:gd name="connsiteY4" fmla="*/ 4160496 h 5069494"/>
+              <a:gd name="connsiteX5" fmla="*/ 6083860 w 6083860"/>
+              <a:gd name="connsiteY5" fmla="*/ 4385741 h 5069494"/>
+              <a:gd name="connsiteX6" fmla="*/ 6083859 w 6083860"/>
+              <a:gd name="connsiteY6" fmla="*/ 4385751 h 5069494"/>
+              <a:gd name="connsiteX7" fmla="*/ 6083859 w 6083860"/>
+              <a:gd name="connsiteY7" fmla="*/ 4438859 h 5069494"/>
+              <a:gd name="connsiteX8" fmla="*/ 5453225 w 6083860"/>
+              <a:gd name="connsiteY8" fmla="*/ 5069493 h 5069494"/>
+              <a:gd name="connsiteX9" fmla="*/ 5400117 w 6083860"/>
+              <a:gd name="connsiteY9" fmla="*/ 5069493 h 5069494"/>
+              <a:gd name="connsiteX10" fmla="*/ 5400107 w 6083860"/>
+              <a:gd name="connsiteY10" fmla="*/ 5069494 h 5069494"/>
+              <a:gd name="connsiteX11" fmla="*/ 2665177 w 6083860"/>
+              <a:gd name="connsiteY11" fmla="*/ 5069494 h 5069494"/>
+              <a:gd name="connsiteX12" fmla="*/ 2665164 w 6083860"/>
+              <a:gd name="connsiteY12" fmla="*/ 5069493 h 5069494"/>
+              <a:gd name="connsiteX13" fmla="*/ 630634 w 6083860"/>
+              <a:gd name="connsiteY13" fmla="*/ 5069493 h 5069494"/>
+              <a:gd name="connsiteX14" fmla="*/ 0 w 6083860"/>
+              <a:gd name="connsiteY14" fmla="*/ 4438859 h 5069494"/>
+              <a:gd name="connsiteX15" fmla="*/ 0 w 6083860"/>
+              <a:gd name="connsiteY15" fmla="*/ 4160496 h 5069494"/>
+              <a:gd name="connsiteX16" fmla="*/ 0 w 6083860"/>
+              <a:gd name="connsiteY16" fmla="*/ 4113162 h 5069494"/>
+              <a:gd name="connsiteX17" fmla="*/ 0 w 6083860"/>
+              <a:gd name="connsiteY17" fmla="*/ 3750426 h 5069494"/>
+              <a:gd name="connsiteX18" fmla="*/ 503539 w 6083860"/>
+              <a:gd name="connsiteY18" fmla="*/ 3132604 h 5069494"/>
+              <a:gd name="connsiteX19" fmla="*/ 540220 w 6083860"/>
+              <a:gd name="connsiteY19" fmla="*/ 3128907 h 5069494"/>
+              <a:gd name="connsiteX20" fmla="*/ 653628 w 6083860"/>
+              <a:gd name="connsiteY20" fmla="*/ 3089216 h 5069494"/>
+              <a:gd name="connsiteX21" fmla="*/ 1963233 w 6083860"/>
+              <a:gd name="connsiteY21" fmla="*/ 1477159 h 5069494"/>
+              <a:gd name="connsiteX22" fmla="*/ 1981424 w 6083860"/>
+              <a:gd name="connsiteY22" fmla="*/ 1330210 h 5069494"/>
+              <a:gd name="connsiteX23" fmla="*/ 1981424 w 6083860"/>
+              <a:gd name="connsiteY23" fmla="*/ 683753 h 5069494"/>
+              <a:gd name="connsiteX24" fmla="*/ 2665177 w 6083860"/>
+              <a:gd name="connsiteY24" fmla="*/ 0 h 5069494"/>
+              <a:gd name="connsiteX0" fmla="*/ 2665177 w 6083860"/>
+              <a:gd name="connsiteY0" fmla="*/ 0 h 5069494"/>
+              <a:gd name="connsiteX1" fmla="*/ 5400107 w 6083860"/>
+              <a:gd name="connsiteY1" fmla="*/ 0 h 5069494"/>
+              <a:gd name="connsiteX2" fmla="*/ 6083860 w 6083860"/>
+              <a:gd name="connsiteY2" fmla="*/ 683753 h 5069494"/>
+              <a:gd name="connsiteX3" fmla="*/ 6083860 w 6083860"/>
+              <a:gd name="connsiteY3" fmla="*/ 4113162 h 5069494"/>
+              <a:gd name="connsiteX4" fmla="*/ 6083860 w 6083860"/>
+              <a:gd name="connsiteY4" fmla="*/ 4160496 h 5069494"/>
+              <a:gd name="connsiteX5" fmla="*/ 6083860 w 6083860"/>
+              <a:gd name="connsiteY5" fmla="*/ 4385741 h 5069494"/>
+              <a:gd name="connsiteX6" fmla="*/ 6083859 w 6083860"/>
+              <a:gd name="connsiteY6" fmla="*/ 4385751 h 5069494"/>
+              <a:gd name="connsiteX7" fmla="*/ 6083859 w 6083860"/>
+              <a:gd name="connsiteY7" fmla="*/ 4438859 h 5069494"/>
+              <a:gd name="connsiteX8" fmla="*/ 5453225 w 6083860"/>
+              <a:gd name="connsiteY8" fmla="*/ 5069493 h 5069494"/>
+              <a:gd name="connsiteX9" fmla="*/ 5400117 w 6083860"/>
+              <a:gd name="connsiteY9" fmla="*/ 5069493 h 5069494"/>
+              <a:gd name="connsiteX10" fmla="*/ 5400107 w 6083860"/>
+              <a:gd name="connsiteY10" fmla="*/ 5069494 h 5069494"/>
+              <a:gd name="connsiteX11" fmla="*/ 2665177 w 6083860"/>
+              <a:gd name="connsiteY11" fmla="*/ 5069494 h 5069494"/>
+              <a:gd name="connsiteX12" fmla="*/ 2665164 w 6083860"/>
+              <a:gd name="connsiteY12" fmla="*/ 5069493 h 5069494"/>
+              <a:gd name="connsiteX13" fmla="*/ 630634 w 6083860"/>
+              <a:gd name="connsiteY13" fmla="*/ 5069493 h 5069494"/>
+              <a:gd name="connsiteX14" fmla="*/ 0 w 6083860"/>
+              <a:gd name="connsiteY14" fmla="*/ 4438859 h 5069494"/>
+              <a:gd name="connsiteX15" fmla="*/ 0 w 6083860"/>
+              <a:gd name="connsiteY15" fmla="*/ 4160496 h 5069494"/>
+              <a:gd name="connsiteX16" fmla="*/ 0 w 6083860"/>
+              <a:gd name="connsiteY16" fmla="*/ 4113162 h 5069494"/>
+              <a:gd name="connsiteX17" fmla="*/ 0 w 6083860"/>
+              <a:gd name="connsiteY17" fmla="*/ 3750426 h 5069494"/>
+              <a:gd name="connsiteX18" fmla="*/ 503539 w 6083860"/>
+              <a:gd name="connsiteY18" fmla="*/ 3132604 h 5069494"/>
+              <a:gd name="connsiteX19" fmla="*/ 653628 w 6083860"/>
+              <a:gd name="connsiteY19" fmla="*/ 3089216 h 5069494"/>
+              <a:gd name="connsiteX20" fmla="*/ 1963233 w 6083860"/>
+              <a:gd name="connsiteY20" fmla="*/ 1477159 h 5069494"/>
+              <a:gd name="connsiteX21" fmla="*/ 1981424 w 6083860"/>
+              <a:gd name="connsiteY21" fmla="*/ 1330210 h 5069494"/>
+              <a:gd name="connsiteX22" fmla="*/ 1981424 w 6083860"/>
+              <a:gd name="connsiteY22" fmla="*/ 683753 h 5069494"/>
+              <a:gd name="connsiteX23" fmla="*/ 2665177 w 6083860"/>
+              <a:gd name="connsiteY23" fmla="*/ 0 h 5069494"/>
+            </a:gdLst>
+            <a:ahLst/>
+            <a:cxnLst>
+              <a:cxn ang="0">
+                <a:pos x="connsiteX0" y="connsiteY0"/>
+              </a:cxn>
+              <a:cxn ang="0">
+                <a:pos x="connsiteX1" y="connsiteY1"/>
+              </a:cxn>
+              <a:cxn ang="0">
+                <a:pos x="connsiteX2" y="connsiteY2"/>
+              </a:cxn>
+              <a:cxn ang="0">
+                <a:pos x="connsiteX3" y="connsiteY3"/>
+              </a:cxn>
+              <a:cxn ang="0">
+                <a:pos x="connsiteX4" y="connsiteY4"/>
+              </a:cxn>
+              <a:cxn ang="0">
+                <a:pos x="connsiteX5" y="connsiteY5"/>
+              </a:cxn>
+              <a:cxn ang="0">
+                <a:pos x="connsiteX6" y="connsiteY6"/>
+              </a:cxn>
+              <a:cxn ang="0">
+                <a:pos x="connsiteX7" y="connsiteY7"/>
+              </a:cxn>
+              <a:cxn ang="0">
+                <a:pos x="connsiteX8" y="connsiteY8"/>
+              </a:cxn>
+              <a:cxn ang="0">
+                <a:pos x="connsiteX9" y="connsiteY9"/>
+              </a:cxn>
+              <a:cxn ang="0">
+                <a:pos x="connsiteX10" y="connsiteY10"/>
+              </a:cxn>
+              <a:cxn ang="0">
+                <a:pos x="connsiteX11" y="connsiteY11"/>
+              </a:cxn>
+              <a:cxn ang="0">
+                <a:pos x="connsiteX12" y="connsiteY12"/>
+              </a:cxn>
+              <a:cxn ang="0">
+                <a:pos x="connsiteX13" y="connsiteY13"/>
+              </a:cxn>
+              <a:cxn ang="0">
+                <a:pos x="connsiteX14" y="connsiteY14"/>
+              </a:cxn>
+              <a:cxn ang="0">
+                <a:pos x="connsiteX15" y="connsiteY15"/>
+              </a:cxn>
+              <a:cxn ang="0">
+                <a:pos x="connsiteX16" y="connsiteY16"/>
+              </a:cxn>
+              <a:cxn ang="0">
+                <a:pos x="connsiteX17" y="connsiteY17"/>
+              </a:cxn>
+              <a:cxn ang="0">
+                <a:pos x="connsiteX18" y="connsiteY18"/>
+              </a:cxn>
+              <a:cxn ang="0">
+                <a:pos x="connsiteX19" y="connsiteY19"/>
+              </a:cxn>
+              <a:cxn ang="0">
+                <a:pos x="connsiteX20" y="connsiteY20"/>
+              </a:cxn>
+              <a:cxn ang="0">
+                <a:pos x="connsiteX21" y="connsiteY21"/>
+              </a:cxn>
+              <a:cxn ang="0">
+                <a:pos x="connsiteX22" y="connsiteY22"/>
+              </a:cxn>
+              <a:cxn ang="0">
+                <a:pos x="connsiteX23" y="connsiteY23"/>
+              </a:cxn>
+            </a:cxnLst>
+            <a:rect l="l" t="t" r="r" b="b"/>
+            <a:pathLst>
+              <a:path w="6083860" h="5069494">
+                <a:moveTo>
+                  <a:pt x="2665177" y="0"/>
+                </a:moveTo>
+                <a:lnTo>
+                  <a:pt x="5400107" y="0"/>
+                </a:lnTo>
+                <a:cubicBezTo>
+                  <a:pt x="5777733" y="0"/>
+                  <a:pt x="6083860" y="306127"/>
+                  <a:pt x="6083860" y="683753"/>
+                </a:cubicBezTo>
+                <a:lnTo>
+                  <a:pt x="6083860" y="4113162"/>
+                </a:lnTo>
+                <a:lnTo>
+                  <a:pt x="6083860" y="4160496"/>
+                </a:lnTo>
+                <a:lnTo>
+                  <a:pt x="6083860" y="4385741"/>
+                </a:lnTo>
+                <a:cubicBezTo>
+                  <a:pt x="6083860" y="4385744"/>
+                  <a:pt x="6083859" y="4385748"/>
+                  <a:pt x="6083859" y="4385751"/>
+                </a:cubicBezTo>
+                <a:lnTo>
+                  <a:pt x="6083859" y="4438859"/>
+                </a:lnTo>
+                <a:cubicBezTo>
+                  <a:pt x="6083859" y="4787149"/>
+                  <a:pt x="5801515" y="5069493"/>
+                  <a:pt x="5453225" y="5069493"/>
+                </a:cubicBezTo>
+                <a:lnTo>
+                  <a:pt x="5400117" y="5069493"/>
+                </a:lnTo>
+                <a:cubicBezTo>
+                  <a:pt x="5400114" y="5069493"/>
+                  <a:pt x="5400110" y="5069494"/>
+                  <a:pt x="5400107" y="5069494"/>
+                </a:cubicBezTo>
+                <a:lnTo>
+                  <a:pt x="2665177" y="5069494"/>
+                </a:lnTo>
+                <a:cubicBezTo>
+                  <a:pt x="2665173" y="5069494"/>
+                  <a:pt x="2665168" y="5069493"/>
+                  <a:pt x="2665164" y="5069493"/>
+                </a:cubicBezTo>
+                <a:lnTo>
+                  <a:pt x="630634" y="5069493"/>
+                </a:lnTo>
+                <a:cubicBezTo>
+                  <a:pt x="282344" y="5069493"/>
+                  <a:pt x="0" y="4787149"/>
+                  <a:pt x="0" y="4438859"/>
+                </a:cubicBezTo>
+                <a:lnTo>
+                  <a:pt x="0" y="4160496"/>
+                </a:lnTo>
+                <a:lnTo>
+                  <a:pt x="0" y="4113162"/>
+                </a:lnTo>
+                <a:lnTo>
+                  <a:pt x="0" y="3750426"/>
+                </a:lnTo>
+                <a:cubicBezTo>
+                  <a:pt x="0" y="3445673"/>
+                  <a:pt x="216169" y="3191409"/>
+                  <a:pt x="503539" y="3132604"/>
+                </a:cubicBezTo>
+                <a:lnTo>
+                  <a:pt x="653628" y="3089216"/>
+                </a:lnTo>
+                <a:cubicBezTo>
+                  <a:pt x="1333171" y="2824268"/>
+                  <a:pt x="1840852" y="2215770"/>
+                  <a:pt x="1963233" y="1477159"/>
+                </a:cubicBezTo>
+                <a:lnTo>
+                  <a:pt x="1981424" y="1330210"/>
+                </a:lnTo>
+                <a:lnTo>
+                  <a:pt x="1981424" y="683753"/>
+                </a:lnTo>
+                <a:cubicBezTo>
+                  <a:pt x="1981424" y="306127"/>
+                  <a:pt x="2287551" y="0"/>
+                  <a:pt x="2665177" y="0"/>
+                </a:cubicBezTo>
+                <a:close/>
+              </a:path>
+            </a:pathLst>
+          </a:custGeom>
+          <a:noFill/>
+          <a:ln w="38100">
+            <a:solidFill>
+              <a:schemeClr val="bg1">
+                <a:lumMod val="85000"/>
+                <a:alpha val="25098"/>
+              </a:schemeClr>
+            </a:solidFill>
+          </a:ln>
+        </p:spPr>
+        <p:style>
+          <a:lnRef idx="2">
+            <a:schemeClr val="accent1">
+              <a:shade val="50000"/>
+            </a:schemeClr>
+          </a:lnRef>
+          <a:fillRef idx="1">
+            <a:schemeClr val="accent1"/>
+          </a:fillRef>
+          <a:effectRef idx="0">
+            <a:schemeClr val="accent1"/>
+          </a:effectRef>
+          <a:fontRef idx="minor">
+            <a:schemeClr val="lt1"/>
+          </a:fontRef>
+        </p:style>
+        <p:txBody>
+          <a:bodyPr wrap="square" rtlCol="0" anchor="ctr">
+            <a:noAutofit/>
+          </a:bodyPr>
+          <a:lstStyle/>
+          <a:p>
+            <a:pPr algn="ctr"/>
+            <a:endParaRPr lang="es-ES" dirty="0"/>
+          </a:p>
+        </p:txBody>
+      </p:sp>
+      <p:sp>
+        <p:nvSpPr>
+          <p:cNvPr id="70" name="Freeform: Shape 69">
+            <a:extLst>
+              <a:ext uri="{FF2B5EF4-FFF2-40B4-BE49-F238E27FC236}">
+                <a16:creationId xmlns:a16="http://schemas.microsoft.com/office/drawing/2014/main" id="{1B7CF748-568F-2E88-0CF2-853F7D87851A}"/>
+              </a:ext>
+            </a:extLst>
+          </p:cNvPr>
+          <p:cNvSpPr/>
+          <p:nvPr/>
+        </p:nvSpPr>
+        <p:spPr>
+          <a:xfrm>
+            <a:off x="153026" y="1253153"/>
+            <a:ext cx="12547290" cy="7125374"/>
+          </a:xfrm>
+          <a:custGeom>
+            <a:avLst/>
+            <a:gdLst>
+              <a:gd name="connsiteX0" fmla="*/ 647935 w 12547290"/>
+              <a:gd name="connsiteY0" fmla="*/ 0 h 7125374"/>
+              <a:gd name="connsiteX1" fmla="*/ 672548 w 12547290"/>
+              <a:gd name="connsiteY1" fmla="*/ 0 h 7125374"/>
+              <a:gd name="connsiteX2" fmla="*/ 4337864 w 12547290"/>
+              <a:gd name="connsiteY2" fmla="*/ 0 h 7125374"/>
+              <a:gd name="connsiteX3" fmla="*/ 11899356 w 12547290"/>
+              <a:gd name="connsiteY3" fmla="*/ 0 h 7125374"/>
+              <a:gd name="connsiteX4" fmla="*/ 12547290 w 12547290"/>
+              <a:gd name="connsiteY4" fmla="*/ 647934 h 7125374"/>
+              <a:gd name="connsiteX5" fmla="*/ 12547290 w 12547290"/>
+              <a:gd name="connsiteY5" fmla="*/ 1169859 h 7125374"/>
+              <a:gd name="connsiteX6" fmla="*/ 11899356 w 12547290"/>
+              <a:gd name="connsiteY6" fmla="*/ 1817793 h 7125374"/>
+              <a:gd name="connsiteX7" fmla="*/ 8238854 w 12547290"/>
+              <a:gd name="connsiteY7" fmla="*/ 1817793 h 7125374"/>
+              <a:gd name="connsiteX8" fmla="*/ 8116656 w 12547290"/>
+              <a:gd name="connsiteY8" fmla="*/ 1805474 h 7125374"/>
+              <a:gd name="connsiteX9" fmla="*/ 7944449 w 12547290"/>
+              <a:gd name="connsiteY9" fmla="*/ 1763554 h 7125374"/>
+              <a:gd name="connsiteX10" fmla="*/ 7828393 w 12547290"/>
+              <a:gd name="connsiteY10" fmla="*/ 1679654 h 7125374"/>
+              <a:gd name="connsiteX11" fmla="*/ 7819389 w 12547290"/>
+              <a:gd name="connsiteY11" fmla="*/ 1671114 h 7125374"/>
+              <a:gd name="connsiteX12" fmla="*/ 7819382 w 12547290"/>
+              <a:gd name="connsiteY12" fmla="*/ 1671106 h 7125374"/>
+              <a:gd name="connsiteX13" fmla="*/ 7819336 w 12547290"/>
+              <a:gd name="connsiteY13" fmla="*/ 1671064 h 7125374"/>
+              <a:gd name="connsiteX14" fmla="*/ 7708709 w 12547290"/>
+              <a:gd name="connsiteY14" fmla="*/ 1568082 h 7125374"/>
+              <a:gd name="connsiteX15" fmla="*/ 7685163 w 12547290"/>
+              <a:gd name="connsiteY15" fmla="*/ 1549119 h 7125374"/>
+              <a:gd name="connsiteX16" fmla="*/ 7670195 w 12547290"/>
+              <a:gd name="connsiteY16" fmla="*/ 1535516 h 7125374"/>
+              <a:gd name="connsiteX17" fmla="*/ 7643283 w 12547290"/>
+              <a:gd name="connsiteY17" fmla="*/ 1515391 h 7125374"/>
+              <a:gd name="connsiteX18" fmla="*/ 7590834 w 12547290"/>
+              <a:gd name="connsiteY18" fmla="*/ 1473151 h 7125374"/>
+              <a:gd name="connsiteX19" fmla="*/ 7535546 w 12547290"/>
+              <a:gd name="connsiteY19" fmla="*/ 1434827 h 7125374"/>
+              <a:gd name="connsiteX20" fmla="*/ 7508468 w 12547290"/>
+              <a:gd name="connsiteY20" fmla="*/ 1414578 h 7125374"/>
+              <a:gd name="connsiteX21" fmla="*/ 7491206 w 12547290"/>
+              <a:gd name="connsiteY21" fmla="*/ 1404091 h 7125374"/>
+              <a:gd name="connsiteX22" fmla="*/ 7466201 w 12547290"/>
+              <a:gd name="connsiteY22" fmla="*/ 1386758 h 7125374"/>
+              <a:gd name="connsiteX23" fmla="*/ 7335291 w 12547290"/>
+              <a:gd name="connsiteY23" fmla="*/ 1309371 h 7125374"/>
+              <a:gd name="connsiteX24" fmla="*/ 7335256 w 12547290"/>
+              <a:gd name="connsiteY24" fmla="*/ 1309350 h 7125374"/>
+              <a:gd name="connsiteX25" fmla="*/ 6333885 w 12547290"/>
+              <a:gd name="connsiteY25" fmla="*/ 1055793 h 7125374"/>
+              <a:gd name="connsiteX26" fmla="*/ 4233076 w 12547290"/>
+              <a:gd name="connsiteY26" fmla="*/ 3156602 h 7125374"/>
+              <a:gd name="connsiteX27" fmla="*/ 5709169 w 12547290"/>
+              <a:gd name="connsiteY27" fmla="*/ 5162963 h 7125374"/>
+              <a:gd name="connsiteX28" fmla="*/ 5765176 w 12547290"/>
+              <a:gd name="connsiteY28" fmla="*/ 5177364 h 7125374"/>
+              <a:gd name="connsiteX29" fmla="*/ 5765176 w 12547290"/>
+              <a:gd name="connsiteY29" fmla="*/ 5202474 h 7125374"/>
+              <a:gd name="connsiteX30" fmla="*/ 5791497 w 12547290"/>
+              <a:gd name="connsiteY30" fmla="*/ 5210645 h 7125374"/>
+              <a:gd name="connsiteX31" fmla="*/ 6181734 w 12547290"/>
+              <a:gd name="connsiteY31" fmla="*/ 5799376 h 7125374"/>
+              <a:gd name="connsiteX32" fmla="*/ 6181734 w 12547290"/>
+              <a:gd name="connsiteY32" fmla="*/ 6169042 h 7125374"/>
+              <a:gd name="connsiteX33" fmla="*/ 6181734 w 12547290"/>
+              <a:gd name="connsiteY33" fmla="*/ 6216377 h 7125374"/>
+              <a:gd name="connsiteX34" fmla="*/ 6181734 w 12547290"/>
+              <a:gd name="connsiteY34" fmla="*/ 6486431 h 7125374"/>
+              <a:gd name="connsiteX35" fmla="*/ 5542791 w 12547290"/>
+              <a:gd name="connsiteY35" fmla="*/ 7125374 h 7125374"/>
+              <a:gd name="connsiteX36" fmla="*/ 4337864 w 12547290"/>
+              <a:gd name="connsiteY36" fmla="*/ 7125374 h 7125374"/>
+              <a:gd name="connsiteX37" fmla="*/ 672548 w 12547290"/>
+              <a:gd name="connsiteY37" fmla="*/ 7125374 h 7125374"/>
+              <a:gd name="connsiteX38" fmla="*/ 638943 w 12547290"/>
+              <a:gd name="connsiteY38" fmla="*/ 7125374 h 7125374"/>
+              <a:gd name="connsiteX39" fmla="*/ 0 w 12547290"/>
+              <a:gd name="connsiteY39" fmla="*/ 6486431 h 7125374"/>
+              <a:gd name="connsiteX40" fmla="*/ 0 w 12547290"/>
+              <a:gd name="connsiteY40" fmla="*/ 6216377 h 7125374"/>
+              <a:gd name="connsiteX41" fmla="*/ 0 w 12547290"/>
+              <a:gd name="connsiteY41" fmla="*/ 6169042 h 7125374"/>
+              <a:gd name="connsiteX42" fmla="*/ 0 w 12547290"/>
+              <a:gd name="connsiteY42" fmla="*/ 5799376 h 7125374"/>
+              <a:gd name="connsiteX43" fmla="*/ 1 w 12547290"/>
+              <a:gd name="connsiteY43" fmla="*/ 5799373 h 7125374"/>
+              <a:gd name="connsiteX44" fmla="*/ 1 w 12547290"/>
+              <a:gd name="connsiteY44" fmla="*/ 1169859 h 7125374"/>
+              <a:gd name="connsiteX45" fmla="*/ 1 w 12547290"/>
+              <a:gd name="connsiteY45" fmla="*/ 672547 h 7125374"/>
+              <a:gd name="connsiteX46" fmla="*/ 1 w 12547290"/>
+              <a:gd name="connsiteY46" fmla="*/ 647934 h 7125374"/>
+              <a:gd name="connsiteX47" fmla="*/ 647935 w 12547290"/>
+              <a:gd name="connsiteY47" fmla="*/ 0 h 7125374"/>
+              <a:gd name="connsiteX0" fmla="*/ 647935 w 12547290"/>
+              <a:gd name="connsiteY0" fmla="*/ 0 h 7125374"/>
+              <a:gd name="connsiteX1" fmla="*/ 672548 w 12547290"/>
+              <a:gd name="connsiteY1" fmla="*/ 0 h 7125374"/>
+              <a:gd name="connsiteX2" fmla="*/ 4337864 w 12547290"/>
+              <a:gd name="connsiteY2" fmla="*/ 0 h 7125374"/>
+              <a:gd name="connsiteX3" fmla="*/ 11899356 w 12547290"/>
+              <a:gd name="connsiteY3" fmla="*/ 0 h 7125374"/>
+              <a:gd name="connsiteX4" fmla="*/ 12547290 w 12547290"/>
+              <a:gd name="connsiteY4" fmla="*/ 647934 h 7125374"/>
+              <a:gd name="connsiteX5" fmla="*/ 12547290 w 12547290"/>
+              <a:gd name="connsiteY5" fmla="*/ 1169859 h 7125374"/>
+              <a:gd name="connsiteX6" fmla="*/ 11899356 w 12547290"/>
+              <a:gd name="connsiteY6" fmla="*/ 1817793 h 7125374"/>
+              <a:gd name="connsiteX7" fmla="*/ 8238854 w 12547290"/>
+              <a:gd name="connsiteY7" fmla="*/ 1817793 h 7125374"/>
+              <a:gd name="connsiteX8" fmla="*/ 8116656 w 12547290"/>
+              <a:gd name="connsiteY8" fmla="*/ 1805474 h 7125374"/>
+              <a:gd name="connsiteX9" fmla="*/ 7944449 w 12547290"/>
+              <a:gd name="connsiteY9" fmla="*/ 1763554 h 7125374"/>
+              <a:gd name="connsiteX10" fmla="*/ 7828393 w 12547290"/>
+              <a:gd name="connsiteY10" fmla="*/ 1679654 h 7125374"/>
+              <a:gd name="connsiteX11" fmla="*/ 7819389 w 12547290"/>
+              <a:gd name="connsiteY11" fmla="*/ 1671114 h 7125374"/>
+              <a:gd name="connsiteX12" fmla="*/ 7819382 w 12547290"/>
+              <a:gd name="connsiteY12" fmla="*/ 1671106 h 7125374"/>
+              <a:gd name="connsiteX13" fmla="*/ 7819336 w 12547290"/>
+              <a:gd name="connsiteY13" fmla="*/ 1671064 h 7125374"/>
+              <a:gd name="connsiteX14" fmla="*/ 7708709 w 12547290"/>
+              <a:gd name="connsiteY14" fmla="*/ 1568082 h 7125374"/>
+              <a:gd name="connsiteX15" fmla="*/ 7685163 w 12547290"/>
+              <a:gd name="connsiteY15" fmla="*/ 1549119 h 7125374"/>
+              <a:gd name="connsiteX16" fmla="*/ 7670195 w 12547290"/>
+              <a:gd name="connsiteY16" fmla="*/ 1535516 h 7125374"/>
+              <a:gd name="connsiteX17" fmla="*/ 7643283 w 12547290"/>
+              <a:gd name="connsiteY17" fmla="*/ 1515391 h 7125374"/>
+              <a:gd name="connsiteX18" fmla="*/ 7590834 w 12547290"/>
+              <a:gd name="connsiteY18" fmla="*/ 1473151 h 7125374"/>
+              <a:gd name="connsiteX19" fmla="*/ 7535546 w 12547290"/>
+              <a:gd name="connsiteY19" fmla="*/ 1434827 h 7125374"/>
+              <a:gd name="connsiteX20" fmla="*/ 7508468 w 12547290"/>
+              <a:gd name="connsiteY20" fmla="*/ 1414578 h 7125374"/>
+              <a:gd name="connsiteX21" fmla="*/ 7491206 w 12547290"/>
+              <a:gd name="connsiteY21" fmla="*/ 1404091 h 7125374"/>
+              <a:gd name="connsiteX22" fmla="*/ 7466201 w 12547290"/>
+              <a:gd name="connsiteY22" fmla="*/ 1386758 h 7125374"/>
+              <a:gd name="connsiteX23" fmla="*/ 7335291 w 12547290"/>
+              <a:gd name="connsiteY23" fmla="*/ 1309371 h 7125374"/>
+              <a:gd name="connsiteX24" fmla="*/ 7335256 w 12547290"/>
+              <a:gd name="connsiteY24" fmla="*/ 1309350 h 7125374"/>
+              <a:gd name="connsiteX25" fmla="*/ 6333885 w 12547290"/>
+              <a:gd name="connsiteY25" fmla="*/ 1055793 h 7125374"/>
+              <a:gd name="connsiteX26" fmla="*/ 4233076 w 12547290"/>
+              <a:gd name="connsiteY26" fmla="*/ 3156602 h 7125374"/>
+              <a:gd name="connsiteX27" fmla="*/ 5709169 w 12547290"/>
+              <a:gd name="connsiteY27" fmla="*/ 5162963 h 7125374"/>
+              <a:gd name="connsiteX28" fmla="*/ 5765176 w 12547290"/>
+              <a:gd name="connsiteY28" fmla="*/ 5177364 h 7125374"/>
+              <a:gd name="connsiteX29" fmla="*/ 5791497 w 12547290"/>
+              <a:gd name="connsiteY29" fmla="*/ 5210645 h 7125374"/>
+              <a:gd name="connsiteX30" fmla="*/ 6181734 w 12547290"/>
+              <a:gd name="connsiteY30" fmla="*/ 5799376 h 7125374"/>
+              <a:gd name="connsiteX31" fmla="*/ 6181734 w 12547290"/>
+              <a:gd name="connsiteY31" fmla="*/ 6169042 h 7125374"/>
+              <a:gd name="connsiteX32" fmla="*/ 6181734 w 12547290"/>
+              <a:gd name="connsiteY32" fmla="*/ 6216377 h 7125374"/>
+              <a:gd name="connsiteX33" fmla="*/ 6181734 w 12547290"/>
+              <a:gd name="connsiteY33" fmla="*/ 6486431 h 7125374"/>
+              <a:gd name="connsiteX34" fmla="*/ 5542791 w 12547290"/>
+              <a:gd name="connsiteY34" fmla="*/ 7125374 h 7125374"/>
+              <a:gd name="connsiteX35" fmla="*/ 4337864 w 12547290"/>
+              <a:gd name="connsiteY35" fmla="*/ 7125374 h 7125374"/>
+              <a:gd name="connsiteX36" fmla="*/ 672548 w 12547290"/>
+              <a:gd name="connsiteY36" fmla="*/ 7125374 h 7125374"/>
+              <a:gd name="connsiteX37" fmla="*/ 638943 w 12547290"/>
+              <a:gd name="connsiteY37" fmla="*/ 7125374 h 7125374"/>
+              <a:gd name="connsiteX38" fmla="*/ 0 w 12547290"/>
+              <a:gd name="connsiteY38" fmla="*/ 6486431 h 7125374"/>
+              <a:gd name="connsiteX39" fmla="*/ 0 w 12547290"/>
+              <a:gd name="connsiteY39" fmla="*/ 6216377 h 7125374"/>
+              <a:gd name="connsiteX40" fmla="*/ 0 w 12547290"/>
+              <a:gd name="connsiteY40" fmla="*/ 6169042 h 7125374"/>
+              <a:gd name="connsiteX41" fmla="*/ 0 w 12547290"/>
+              <a:gd name="connsiteY41" fmla="*/ 5799376 h 7125374"/>
+              <a:gd name="connsiteX42" fmla="*/ 1 w 12547290"/>
+              <a:gd name="connsiteY42" fmla="*/ 5799373 h 7125374"/>
+              <a:gd name="connsiteX43" fmla="*/ 1 w 12547290"/>
+              <a:gd name="connsiteY43" fmla="*/ 1169859 h 7125374"/>
+              <a:gd name="connsiteX44" fmla="*/ 1 w 12547290"/>
+              <a:gd name="connsiteY44" fmla="*/ 672547 h 7125374"/>
+              <a:gd name="connsiteX45" fmla="*/ 1 w 12547290"/>
+              <a:gd name="connsiteY45" fmla="*/ 647934 h 7125374"/>
+              <a:gd name="connsiteX46" fmla="*/ 647935 w 12547290"/>
+              <a:gd name="connsiteY46" fmla="*/ 0 h 7125374"/>
+              <a:gd name="connsiteX0" fmla="*/ 647935 w 12547290"/>
+              <a:gd name="connsiteY0" fmla="*/ 0 h 7125374"/>
+              <a:gd name="connsiteX1" fmla="*/ 672548 w 12547290"/>
+              <a:gd name="connsiteY1" fmla="*/ 0 h 7125374"/>
+              <a:gd name="connsiteX2" fmla="*/ 4337864 w 12547290"/>
+              <a:gd name="connsiteY2" fmla="*/ 0 h 7125374"/>
+              <a:gd name="connsiteX3" fmla="*/ 11899356 w 12547290"/>
+              <a:gd name="connsiteY3" fmla="*/ 0 h 7125374"/>
+              <a:gd name="connsiteX4" fmla="*/ 12547290 w 12547290"/>
+              <a:gd name="connsiteY4" fmla="*/ 647934 h 7125374"/>
+              <a:gd name="connsiteX5" fmla="*/ 12547290 w 12547290"/>
+              <a:gd name="connsiteY5" fmla="*/ 1169859 h 7125374"/>
+              <a:gd name="connsiteX6" fmla="*/ 11899356 w 12547290"/>
+              <a:gd name="connsiteY6" fmla="*/ 1817793 h 7125374"/>
+              <a:gd name="connsiteX7" fmla="*/ 8238854 w 12547290"/>
+              <a:gd name="connsiteY7" fmla="*/ 1817793 h 7125374"/>
+              <a:gd name="connsiteX8" fmla="*/ 8116656 w 12547290"/>
+              <a:gd name="connsiteY8" fmla="*/ 1805474 h 7125374"/>
+              <a:gd name="connsiteX9" fmla="*/ 7944449 w 12547290"/>
+              <a:gd name="connsiteY9" fmla="*/ 1763554 h 7125374"/>
+              <a:gd name="connsiteX10" fmla="*/ 7828393 w 12547290"/>
+              <a:gd name="connsiteY10" fmla="*/ 1679654 h 7125374"/>
+              <a:gd name="connsiteX11" fmla="*/ 7819389 w 12547290"/>
+              <a:gd name="connsiteY11" fmla="*/ 1671114 h 7125374"/>
+              <a:gd name="connsiteX12" fmla="*/ 7819382 w 12547290"/>
+              <a:gd name="connsiteY12" fmla="*/ 1671106 h 7125374"/>
+              <a:gd name="connsiteX13" fmla="*/ 7819336 w 12547290"/>
+              <a:gd name="connsiteY13" fmla="*/ 1671064 h 7125374"/>
+              <a:gd name="connsiteX14" fmla="*/ 7708709 w 12547290"/>
+              <a:gd name="connsiteY14" fmla="*/ 1568082 h 7125374"/>
+              <a:gd name="connsiteX15" fmla="*/ 7685163 w 12547290"/>
+              <a:gd name="connsiteY15" fmla="*/ 1549119 h 7125374"/>
+              <a:gd name="connsiteX16" fmla="*/ 7670195 w 12547290"/>
+              <a:gd name="connsiteY16" fmla="*/ 1535516 h 7125374"/>
+              <a:gd name="connsiteX17" fmla="*/ 7643283 w 12547290"/>
+              <a:gd name="connsiteY17" fmla="*/ 1515391 h 7125374"/>
+              <a:gd name="connsiteX18" fmla="*/ 7590834 w 12547290"/>
+              <a:gd name="connsiteY18" fmla="*/ 1473151 h 7125374"/>
+              <a:gd name="connsiteX19" fmla="*/ 7535546 w 12547290"/>
+              <a:gd name="connsiteY19" fmla="*/ 1434827 h 7125374"/>
+              <a:gd name="connsiteX20" fmla="*/ 7508468 w 12547290"/>
+              <a:gd name="connsiteY20" fmla="*/ 1414578 h 7125374"/>
+              <a:gd name="connsiteX21" fmla="*/ 7491206 w 12547290"/>
+              <a:gd name="connsiteY21" fmla="*/ 1404091 h 7125374"/>
+              <a:gd name="connsiteX22" fmla="*/ 7466201 w 12547290"/>
+              <a:gd name="connsiteY22" fmla="*/ 1386758 h 7125374"/>
+              <a:gd name="connsiteX23" fmla="*/ 7335291 w 12547290"/>
+              <a:gd name="connsiteY23" fmla="*/ 1309371 h 7125374"/>
+              <a:gd name="connsiteX24" fmla="*/ 7335256 w 12547290"/>
+              <a:gd name="connsiteY24" fmla="*/ 1309350 h 7125374"/>
+              <a:gd name="connsiteX25" fmla="*/ 6333885 w 12547290"/>
+              <a:gd name="connsiteY25" fmla="*/ 1055793 h 7125374"/>
+              <a:gd name="connsiteX26" fmla="*/ 4233076 w 12547290"/>
+              <a:gd name="connsiteY26" fmla="*/ 3156602 h 7125374"/>
+              <a:gd name="connsiteX27" fmla="*/ 5709169 w 12547290"/>
+              <a:gd name="connsiteY27" fmla="*/ 5162963 h 7125374"/>
+              <a:gd name="connsiteX28" fmla="*/ 5791497 w 12547290"/>
+              <a:gd name="connsiteY28" fmla="*/ 5210645 h 7125374"/>
+              <a:gd name="connsiteX29" fmla="*/ 6181734 w 12547290"/>
+              <a:gd name="connsiteY29" fmla="*/ 5799376 h 7125374"/>
+              <a:gd name="connsiteX30" fmla="*/ 6181734 w 12547290"/>
+              <a:gd name="connsiteY30" fmla="*/ 6169042 h 7125374"/>
+              <a:gd name="connsiteX31" fmla="*/ 6181734 w 12547290"/>
+              <a:gd name="connsiteY31" fmla="*/ 6216377 h 7125374"/>
+              <a:gd name="connsiteX32" fmla="*/ 6181734 w 12547290"/>
+              <a:gd name="connsiteY32" fmla="*/ 6486431 h 7125374"/>
+              <a:gd name="connsiteX33" fmla="*/ 5542791 w 12547290"/>
+              <a:gd name="connsiteY33" fmla="*/ 7125374 h 7125374"/>
+              <a:gd name="connsiteX34" fmla="*/ 4337864 w 12547290"/>
+              <a:gd name="connsiteY34" fmla="*/ 7125374 h 7125374"/>
+              <a:gd name="connsiteX35" fmla="*/ 672548 w 12547290"/>
+              <a:gd name="connsiteY35" fmla="*/ 7125374 h 7125374"/>
+              <a:gd name="connsiteX36" fmla="*/ 638943 w 12547290"/>
+              <a:gd name="connsiteY36" fmla="*/ 7125374 h 7125374"/>
+              <a:gd name="connsiteX37" fmla="*/ 0 w 12547290"/>
+              <a:gd name="connsiteY37" fmla="*/ 6486431 h 7125374"/>
+              <a:gd name="connsiteX38" fmla="*/ 0 w 12547290"/>
+              <a:gd name="connsiteY38" fmla="*/ 6216377 h 7125374"/>
+              <a:gd name="connsiteX39" fmla="*/ 0 w 12547290"/>
+              <a:gd name="connsiteY39" fmla="*/ 6169042 h 7125374"/>
+              <a:gd name="connsiteX40" fmla="*/ 0 w 12547290"/>
+              <a:gd name="connsiteY40" fmla="*/ 5799376 h 7125374"/>
+              <a:gd name="connsiteX41" fmla="*/ 1 w 12547290"/>
+              <a:gd name="connsiteY41" fmla="*/ 5799373 h 7125374"/>
+              <a:gd name="connsiteX42" fmla="*/ 1 w 12547290"/>
+              <a:gd name="connsiteY42" fmla="*/ 1169859 h 7125374"/>
+              <a:gd name="connsiteX43" fmla="*/ 1 w 12547290"/>
+              <a:gd name="connsiteY43" fmla="*/ 672547 h 7125374"/>
+              <a:gd name="connsiteX44" fmla="*/ 1 w 12547290"/>
+              <a:gd name="connsiteY44" fmla="*/ 647934 h 7125374"/>
+              <a:gd name="connsiteX45" fmla="*/ 647935 w 12547290"/>
+              <a:gd name="connsiteY45" fmla="*/ 0 h 7125374"/>
+              <a:gd name="connsiteX0" fmla="*/ 647935 w 12547290"/>
+              <a:gd name="connsiteY0" fmla="*/ 0 h 7125374"/>
+              <a:gd name="connsiteX1" fmla="*/ 672548 w 12547290"/>
+              <a:gd name="connsiteY1" fmla="*/ 0 h 7125374"/>
+              <a:gd name="connsiteX2" fmla="*/ 4337864 w 12547290"/>
+              <a:gd name="connsiteY2" fmla="*/ 0 h 7125374"/>
+              <a:gd name="connsiteX3" fmla="*/ 11899356 w 12547290"/>
+              <a:gd name="connsiteY3" fmla="*/ 0 h 7125374"/>
+              <a:gd name="connsiteX4" fmla="*/ 12547290 w 12547290"/>
+              <a:gd name="connsiteY4" fmla="*/ 647934 h 7125374"/>
+              <a:gd name="connsiteX5" fmla="*/ 12547290 w 12547290"/>
+              <a:gd name="connsiteY5" fmla="*/ 1169859 h 7125374"/>
+              <a:gd name="connsiteX6" fmla="*/ 11899356 w 12547290"/>
+              <a:gd name="connsiteY6" fmla="*/ 1817793 h 7125374"/>
+              <a:gd name="connsiteX7" fmla="*/ 8238854 w 12547290"/>
+              <a:gd name="connsiteY7" fmla="*/ 1817793 h 7125374"/>
+              <a:gd name="connsiteX8" fmla="*/ 8116656 w 12547290"/>
+              <a:gd name="connsiteY8" fmla="*/ 1805474 h 7125374"/>
+              <a:gd name="connsiteX9" fmla="*/ 7944449 w 12547290"/>
+              <a:gd name="connsiteY9" fmla="*/ 1763554 h 7125374"/>
+              <a:gd name="connsiteX10" fmla="*/ 7828393 w 12547290"/>
+              <a:gd name="connsiteY10" fmla="*/ 1679654 h 7125374"/>
+              <a:gd name="connsiteX11" fmla="*/ 7819389 w 12547290"/>
+              <a:gd name="connsiteY11" fmla="*/ 1671114 h 7125374"/>
+              <a:gd name="connsiteX12" fmla="*/ 7819382 w 12547290"/>
+              <a:gd name="connsiteY12" fmla="*/ 1671106 h 7125374"/>
+              <a:gd name="connsiteX13" fmla="*/ 7819336 w 12547290"/>
+              <a:gd name="connsiteY13" fmla="*/ 1671064 h 7125374"/>
+              <a:gd name="connsiteX14" fmla="*/ 7708709 w 12547290"/>
+              <a:gd name="connsiteY14" fmla="*/ 1568082 h 7125374"/>
+              <a:gd name="connsiteX15" fmla="*/ 7685163 w 12547290"/>
+              <a:gd name="connsiteY15" fmla="*/ 1549119 h 7125374"/>
+              <a:gd name="connsiteX16" fmla="*/ 7670195 w 12547290"/>
+              <a:gd name="connsiteY16" fmla="*/ 1535516 h 7125374"/>
+              <a:gd name="connsiteX17" fmla="*/ 7643283 w 12547290"/>
+              <a:gd name="connsiteY17" fmla="*/ 1515391 h 7125374"/>
+              <a:gd name="connsiteX18" fmla="*/ 7590834 w 12547290"/>
+              <a:gd name="connsiteY18" fmla="*/ 1473151 h 7125374"/>
+              <a:gd name="connsiteX19" fmla="*/ 7535546 w 12547290"/>
+              <a:gd name="connsiteY19" fmla="*/ 1434827 h 7125374"/>
+              <a:gd name="connsiteX20" fmla="*/ 7508468 w 12547290"/>
+              <a:gd name="connsiteY20" fmla="*/ 1414578 h 7125374"/>
+              <a:gd name="connsiteX21" fmla="*/ 7491206 w 12547290"/>
+              <a:gd name="connsiteY21" fmla="*/ 1404091 h 7125374"/>
+              <a:gd name="connsiteX22" fmla="*/ 7466201 w 12547290"/>
+              <a:gd name="connsiteY22" fmla="*/ 1386758 h 7125374"/>
+              <a:gd name="connsiteX23" fmla="*/ 7335291 w 12547290"/>
+              <a:gd name="connsiteY23" fmla="*/ 1309371 h 7125374"/>
+              <a:gd name="connsiteX24" fmla="*/ 7335256 w 12547290"/>
+              <a:gd name="connsiteY24" fmla="*/ 1309350 h 7125374"/>
+              <a:gd name="connsiteX25" fmla="*/ 6333885 w 12547290"/>
+              <a:gd name="connsiteY25" fmla="*/ 1055793 h 7125374"/>
+              <a:gd name="connsiteX26" fmla="*/ 4233076 w 12547290"/>
+              <a:gd name="connsiteY26" fmla="*/ 3156602 h 7125374"/>
+              <a:gd name="connsiteX27" fmla="*/ 5709169 w 12547290"/>
+              <a:gd name="connsiteY27" fmla="*/ 5162963 h 7125374"/>
+              <a:gd name="connsiteX28" fmla="*/ 5791497 w 12547290"/>
+              <a:gd name="connsiteY28" fmla="*/ 5210645 h 7125374"/>
+              <a:gd name="connsiteX29" fmla="*/ 6181734 w 12547290"/>
+              <a:gd name="connsiteY29" fmla="*/ 5799376 h 7125374"/>
+              <a:gd name="connsiteX30" fmla="*/ 6181734 w 12547290"/>
+              <a:gd name="connsiteY30" fmla="*/ 6169042 h 7125374"/>
+              <a:gd name="connsiteX31" fmla="*/ 6181734 w 12547290"/>
+              <a:gd name="connsiteY31" fmla="*/ 6216377 h 7125374"/>
+              <a:gd name="connsiteX32" fmla="*/ 6181734 w 12547290"/>
+              <a:gd name="connsiteY32" fmla="*/ 6486431 h 7125374"/>
+              <a:gd name="connsiteX33" fmla="*/ 5542791 w 12547290"/>
+              <a:gd name="connsiteY33" fmla="*/ 7125374 h 7125374"/>
+              <a:gd name="connsiteX34" fmla="*/ 4337864 w 12547290"/>
+              <a:gd name="connsiteY34" fmla="*/ 7125374 h 7125374"/>
+              <a:gd name="connsiteX35" fmla="*/ 672548 w 12547290"/>
+              <a:gd name="connsiteY35" fmla="*/ 7125374 h 7125374"/>
+              <a:gd name="connsiteX36" fmla="*/ 638943 w 12547290"/>
+              <a:gd name="connsiteY36" fmla="*/ 7125374 h 7125374"/>
+              <a:gd name="connsiteX37" fmla="*/ 0 w 12547290"/>
+              <a:gd name="connsiteY37" fmla="*/ 6486431 h 7125374"/>
+              <a:gd name="connsiteX38" fmla="*/ 0 w 12547290"/>
+              <a:gd name="connsiteY38" fmla="*/ 6216377 h 7125374"/>
+              <a:gd name="connsiteX39" fmla="*/ 0 w 12547290"/>
+              <a:gd name="connsiteY39" fmla="*/ 6169042 h 7125374"/>
+              <a:gd name="connsiteX40" fmla="*/ 0 w 12547290"/>
+              <a:gd name="connsiteY40" fmla="*/ 5799376 h 7125374"/>
+              <a:gd name="connsiteX41" fmla="*/ 1 w 12547290"/>
+              <a:gd name="connsiteY41" fmla="*/ 5799373 h 7125374"/>
+              <a:gd name="connsiteX42" fmla="*/ 1 w 12547290"/>
+              <a:gd name="connsiteY42" fmla="*/ 1169859 h 7125374"/>
+              <a:gd name="connsiteX43" fmla="*/ 1 w 12547290"/>
+              <a:gd name="connsiteY43" fmla="*/ 672547 h 7125374"/>
+              <a:gd name="connsiteX44" fmla="*/ 1 w 12547290"/>
+              <a:gd name="connsiteY44" fmla="*/ 647934 h 7125374"/>
+              <a:gd name="connsiteX45" fmla="*/ 647935 w 12547290"/>
+              <a:gd name="connsiteY45" fmla="*/ 0 h 7125374"/>
+              <a:gd name="connsiteX0" fmla="*/ 647935 w 12547290"/>
+              <a:gd name="connsiteY0" fmla="*/ 0 h 7125374"/>
+              <a:gd name="connsiteX1" fmla="*/ 672548 w 12547290"/>
+              <a:gd name="connsiteY1" fmla="*/ 0 h 7125374"/>
+              <a:gd name="connsiteX2" fmla="*/ 4337864 w 12547290"/>
+              <a:gd name="connsiteY2" fmla="*/ 0 h 7125374"/>
+              <a:gd name="connsiteX3" fmla="*/ 11899356 w 12547290"/>
+              <a:gd name="connsiteY3" fmla="*/ 0 h 7125374"/>
+              <a:gd name="connsiteX4" fmla="*/ 12547290 w 12547290"/>
+              <a:gd name="connsiteY4" fmla="*/ 647934 h 7125374"/>
+              <a:gd name="connsiteX5" fmla="*/ 12547290 w 12547290"/>
+              <a:gd name="connsiteY5" fmla="*/ 1169859 h 7125374"/>
+              <a:gd name="connsiteX6" fmla="*/ 11899356 w 12547290"/>
+              <a:gd name="connsiteY6" fmla="*/ 1817793 h 7125374"/>
+              <a:gd name="connsiteX7" fmla="*/ 8238854 w 12547290"/>
+              <a:gd name="connsiteY7" fmla="*/ 1817793 h 7125374"/>
+              <a:gd name="connsiteX8" fmla="*/ 8116656 w 12547290"/>
+              <a:gd name="connsiteY8" fmla="*/ 1805474 h 7125374"/>
+              <a:gd name="connsiteX9" fmla="*/ 7944449 w 12547290"/>
+              <a:gd name="connsiteY9" fmla="*/ 1763554 h 7125374"/>
+              <a:gd name="connsiteX10" fmla="*/ 7828393 w 12547290"/>
+              <a:gd name="connsiteY10" fmla="*/ 1679654 h 7125374"/>
+              <a:gd name="connsiteX11" fmla="*/ 7819389 w 12547290"/>
+              <a:gd name="connsiteY11" fmla="*/ 1671114 h 7125374"/>
+              <a:gd name="connsiteX12" fmla="*/ 7819382 w 12547290"/>
+              <a:gd name="connsiteY12" fmla="*/ 1671106 h 7125374"/>
+              <a:gd name="connsiteX13" fmla="*/ 7819336 w 12547290"/>
+              <a:gd name="connsiteY13" fmla="*/ 1671064 h 7125374"/>
+              <a:gd name="connsiteX14" fmla="*/ 7708709 w 12547290"/>
+              <a:gd name="connsiteY14" fmla="*/ 1568082 h 7125374"/>
+              <a:gd name="connsiteX15" fmla="*/ 7685163 w 12547290"/>
+              <a:gd name="connsiteY15" fmla="*/ 1549119 h 7125374"/>
+              <a:gd name="connsiteX16" fmla="*/ 7670195 w 12547290"/>
+              <a:gd name="connsiteY16" fmla="*/ 1535516 h 7125374"/>
+              <a:gd name="connsiteX17" fmla="*/ 7643283 w 12547290"/>
+              <a:gd name="connsiteY17" fmla="*/ 1515391 h 7125374"/>
+              <a:gd name="connsiteX18" fmla="*/ 7590834 w 12547290"/>
+              <a:gd name="connsiteY18" fmla="*/ 1473151 h 7125374"/>
+              <a:gd name="connsiteX19" fmla="*/ 7535546 w 12547290"/>
+              <a:gd name="connsiteY19" fmla="*/ 1434827 h 7125374"/>
+              <a:gd name="connsiteX20" fmla="*/ 7508468 w 12547290"/>
+              <a:gd name="connsiteY20" fmla="*/ 1414578 h 7125374"/>
+              <a:gd name="connsiteX21" fmla="*/ 7491206 w 12547290"/>
+              <a:gd name="connsiteY21" fmla="*/ 1404091 h 7125374"/>
+              <a:gd name="connsiteX22" fmla="*/ 7466201 w 12547290"/>
+              <a:gd name="connsiteY22" fmla="*/ 1386758 h 7125374"/>
+              <a:gd name="connsiteX23" fmla="*/ 7335291 w 12547290"/>
+              <a:gd name="connsiteY23" fmla="*/ 1309371 h 7125374"/>
+              <a:gd name="connsiteX24" fmla="*/ 7335256 w 12547290"/>
+              <a:gd name="connsiteY24" fmla="*/ 1309350 h 7125374"/>
+              <a:gd name="connsiteX25" fmla="*/ 6333885 w 12547290"/>
+              <a:gd name="connsiteY25" fmla="*/ 1055793 h 7125374"/>
+              <a:gd name="connsiteX26" fmla="*/ 4233076 w 12547290"/>
+              <a:gd name="connsiteY26" fmla="*/ 3156602 h 7125374"/>
+              <a:gd name="connsiteX27" fmla="*/ 5709169 w 12547290"/>
+              <a:gd name="connsiteY27" fmla="*/ 5162963 h 7125374"/>
+              <a:gd name="connsiteX28" fmla="*/ 5791497 w 12547290"/>
+              <a:gd name="connsiteY28" fmla="*/ 5197310 h 7125374"/>
+              <a:gd name="connsiteX29" fmla="*/ 6181734 w 12547290"/>
+              <a:gd name="connsiteY29" fmla="*/ 5799376 h 7125374"/>
+              <a:gd name="connsiteX30" fmla="*/ 6181734 w 12547290"/>
+              <a:gd name="connsiteY30" fmla="*/ 6169042 h 7125374"/>
+              <a:gd name="connsiteX31" fmla="*/ 6181734 w 12547290"/>
+              <a:gd name="connsiteY31" fmla="*/ 6216377 h 7125374"/>
+              <a:gd name="connsiteX32" fmla="*/ 6181734 w 12547290"/>
+              <a:gd name="connsiteY32" fmla="*/ 6486431 h 7125374"/>
+              <a:gd name="connsiteX33" fmla="*/ 5542791 w 12547290"/>
+              <a:gd name="connsiteY33" fmla="*/ 7125374 h 7125374"/>
+              <a:gd name="connsiteX34" fmla="*/ 4337864 w 12547290"/>
+              <a:gd name="connsiteY34" fmla="*/ 7125374 h 7125374"/>
+              <a:gd name="connsiteX35" fmla="*/ 672548 w 12547290"/>
+              <a:gd name="connsiteY35" fmla="*/ 7125374 h 7125374"/>
+              <a:gd name="connsiteX36" fmla="*/ 638943 w 12547290"/>
+              <a:gd name="connsiteY36" fmla="*/ 7125374 h 7125374"/>
+              <a:gd name="connsiteX37" fmla="*/ 0 w 12547290"/>
+              <a:gd name="connsiteY37" fmla="*/ 6486431 h 7125374"/>
+              <a:gd name="connsiteX38" fmla="*/ 0 w 12547290"/>
+              <a:gd name="connsiteY38" fmla="*/ 6216377 h 7125374"/>
+              <a:gd name="connsiteX39" fmla="*/ 0 w 12547290"/>
+              <a:gd name="connsiteY39" fmla="*/ 6169042 h 7125374"/>
+              <a:gd name="connsiteX40" fmla="*/ 0 w 12547290"/>
+              <a:gd name="connsiteY40" fmla="*/ 5799376 h 7125374"/>
+              <a:gd name="connsiteX41" fmla="*/ 1 w 12547290"/>
+              <a:gd name="connsiteY41" fmla="*/ 5799373 h 7125374"/>
+              <a:gd name="connsiteX42" fmla="*/ 1 w 12547290"/>
+              <a:gd name="connsiteY42" fmla="*/ 1169859 h 7125374"/>
+              <a:gd name="connsiteX43" fmla="*/ 1 w 12547290"/>
+              <a:gd name="connsiteY43" fmla="*/ 672547 h 7125374"/>
+              <a:gd name="connsiteX44" fmla="*/ 1 w 12547290"/>
+              <a:gd name="connsiteY44" fmla="*/ 647934 h 7125374"/>
+              <a:gd name="connsiteX45" fmla="*/ 647935 w 12547290"/>
+              <a:gd name="connsiteY45" fmla="*/ 0 h 7125374"/>
+              <a:gd name="connsiteX0" fmla="*/ 647935 w 12547290"/>
+              <a:gd name="connsiteY0" fmla="*/ 0 h 7125374"/>
+              <a:gd name="connsiteX1" fmla="*/ 672548 w 12547290"/>
+              <a:gd name="connsiteY1" fmla="*/ 0 h 7125374"/>
+              <a:gd name="connsiteX2" fmla="*/ 4337864 w 12547290"/>
+              <a:gd name="connsiteY2" fmla="*/ 0 h 7125374"/>
+              <a:gd name="connsiteX3" fmla="*/ 11899356 w 12547290"/>
+              <a:gd name="connsiteY3" fmla="*/ 0 h 7125374"/>
+              <a:gd name="connsiteX4" fmla="*/ 12547290 w 12547290"/>
+              <a:gd name="connsiteY4" fmla="*/ 647934 h 7125374"/>
+              <a:gd name="connsiteX5" fmla="*/ 12547290 w 12547290"/>
+              <a:gd name="connsiteY5" fmla="*/ 1169859 h 7125374"/>
+              <a:gd name="connsiteX6" fmla="*/ 11899356 w 12547290"/>
+              <a:gd name="connsiteY6" fmla="*/ 1817793 h 7125374"/>
+              <a:gd name="connsiteX7" fmla="*/ 8238854 w 12547290"/>
+              <a:gd name="connsiteY7" fmla="*/ 1817793 h 7125374"/>
+              <a:gd name="connsiteX8" fmla="*/ 8116656 w 12547290"/>
+              <a:gd name="connsiteY8" fmla="*/ 1805474 h 7125374"/>
+              <a:gd name="connsiteX9" fmla="*/ 7944449 w 12547290"/>
+              <a:gd name="connsiteY9" fmla="*/ 1763554 h 7125374"/>
+              <a:gd name="connsiteX10" fmla="*/ 7828393 w 12547290"/>
+              <a:gd name="connsiteY10" fmla="*/ 1679654 h 7125374"/>
+              <a:gd name="connsiteX11" fmla="*/ 7819389 w 12547290"/>
+              <a:gd name="connsiteY11" fmla="*/ 1671114 h 7125374"/>
+              <a:gd name="connsiteX12" fmla="*/ 7819382 w 12547290"/>
+              <a:gd name="connsiteY12" fmla="*/ 1671106 h 7125374"/>
+              <a:gd name="connsiteX13" fmla="*/ 7819336 w 12547290"/>
+              <a:gd name="connsiteY13" fmla="*/ 1671064 h 7125374"/>
+              <a:gd name="connsiteX14" fmla="*/ 7708709 w 12547290"/>
+              <a:gd name="connsiteY14" fmla="*/ 1568082 h 7125374"/>
+              <a:gd name="connsiteX15" fmla="*/ 7685163 w 12547290"/>
+              <a:gd name="connsiteY15" fmla="*/ 1549119 h 7125374"/>
+              <a:gd name="connsiteX16" fmla="*/ 7670195 w 12547290"/>
+              <a:gd name="connsiteY16" fmla="*/ 1535516 h 7125374"/>
+              <a:gd name="connsiteX17" fmla="*/ 7643283 w 12547290"/>
+              <a:gd name="connsiteY17" fmla="*/ 1515391 h 7125374"/>
+              <a:gd name="connsiteX18" fmla="*/ 7590834 w 12547290"/>
+              <a:gd name="connsiteY18" fmla="*/ 1473151 h 7125374"/>
+              <a:gd name="connsiteX19" fmla="*/ 7535546 w 12547290"/>
+              <a:gd name="connsiteY19" fmla="*/ 1434827 h 7125374"/>
+              <a:gd name="connsiteX20" fmla="*/ 7508468 w 12547290"/>
+              <a:gd name="connsiteY20" fmla="*/ 1414578 h 7125374"/>
+              <a:gd name="connsiteX21" fmla="*/ 7491206 w 12547290"/>
+              <a:gd name="connsiteY21" fmla="*/ 1404091 h 7125374"/>
+              <a:gd name="connsiteX22" fmla="*/ 7466201 w 12547290"/>
+              <a:gd name="connsiteY22" fmla="*/ 1386758 h 7125374"/>
+              <a:gd name="connsiteX23" fmla="*/ 7335291 w 12547290"/>
+              <a:gd name="connsiteY23" fmla="*/ 1309371 h 7125374"/>
+              <a:gd name="connsiteX24" fmla="*/ 7335256 w 12547290"/>
+              <a:gd name="connsiteY24" fmla="*/ 1309350 h 7125374"/>
+              <a:gd name="connsiteX25" fmla="*/ 6333885 w 12547290"/>
+              <a:gd name="connsiteY25" fmla="*/ 1055793 h 7125374"/>
+              <a:gd name="connsiteX26" fmla="*/ 4233076 w 12547290"/>
+              <a:gd name="connsiteY26" fmla="*/ 3156602 h 7125374"/>
+              <a:gd name="connsiteX27" fmla="*/ 5709169 w 12547290"/>
+              <a:gd name="connsiteY27" fmla="*/ 5162963 h 7125374"/>
+              <a:gd name="connsiteX28" fmla="*/ 5791497 w 12547290"/>
+              <a:gd name="connsiteY28" fmla="*/ 5197310 h 7125374"/>
+              <a:gd name="connsiteX29" fmla="*/ 6181734 w 12547290"/>
+              <a:gd name="connsiteY29" fmla="*/ 5799376 h 7125374"/>
+              <a:gd name="connsiteX30" fmla="*/ 6181734 w 12547290"/>
+              <a:gd name="connsiteY30" fmla="*/ 6169042 h 7125374"/>
+              <a:gd name="connsiteX31" fmla="*/ 6181734 w 12547290"/>
+              <a:gd name="connsiteY31" fmla="*/ 6216377 h 7125374"/>
+              <a:gd name="connsiteX32" fmla="*/ 6181734 w 12547290"/>
+              <a:gd name="connsiteY32" fmla="*/ 6486431 h 7125374"/>
+              <a:gd name="connsiteX33" fmla="*/ 5542791 w 12547290"/>
+              <a:gd name="connsiteY33" fmla="*/ 7125374 h 7125374"/>
+              <a:gd name="connsiteX34" fmla="*/ 4337864 w 12547290"/>
+              <a:gd name="connsiteY34" fmla="*/ 7125374 h 7125374"/>
+              <a:gd name="connsiteX35" fmla="*/ 672548 w 12547290"/>
+              <a:gd name="connsiteY35" fmla="*/ 7125374 h 7125374"/>
+              <a:gd name="connsiteX36" fmla="*/ 638943 w 12547290"/>
+              <a:gd name="connsiteY36" fmla="*/ 7125374 h 7125374"/>
+              <a:gd name="connsiteX37" fmla="*/ 0 w 12547290"/>
+              <a:gd name="connsiteY37" fmla="*/ 6486431 h 7125374"/>
+              <a:gd name="connsiteX38" fmla="*/ 0 w 12547290"/>
+              <a:gd name="connsiteY38" fmla="*/ 6216377 h 7125374"/>
+              <a:gd name="connsiteX39" fmla="*/ 0 w 12547290"/>
+              <a:gd name="connsiteY39" fmla="*/ 6169042 h 7125374"/>
+              <a:gd name="connsiteX40" fmla="*/ 0 w 12547290"/>
+              <a:gd name="connsiteY40" fmla="*/ 5799376 h 7125374"/>
+              <a:gd name="connsiteX41" fmla="*/ 1 w 12547290"/>
+              <a:gd name="connsiteY41" fmla="*/ 5799373 h 7125374"/>
+              <a:gd name="connsiteX42" fmla="*/ 1 w 12547290"/>
+              <a:gd name="connsiteY42" fmla="*/ 1169859 h 7125374"/>
+              <a:gd name="connsiteX43" fmla="*/ 1 w 12547290"/>
+              <a:gd name="connsiteY43" fmla="*/ 672547 h 7125374"/>
+              <a:gd name="connsiteX44" fmla="*/ 1 w 12547290"/>
+              <a:gd name="connsiteY44" fmla="*/ 647934 h 7125374"/>
+              <a:gd name="connsiteX45" fmla="*/ 647935 w 12547290"/>
+              <a:gd name="connsiteY45" fmla="*/ 0 h 7125374"/>
+              <a:gd name="connsiteX0" fmla="*/ 647935 w 12547290"/>
+              <a:gd name="connsiteY0" fmla="*/ 0 h 7125374"/>
+              <a:gd name="connsiteX1" fmla="*/ 672548 w 12547290"/>
+              <a:gd name="connsiteY1" fmla="*/ 0 h 7125374"/>
+              <a:gd name="connsiteX2" fmla="*/ 4337864 w 12547290"/>
+              <a:gd name="connsiteY2" fmla="*/ 0 h 7125374"/>
+              <a:gd name="connsiteX3" fmla="*/ 11899356 w 12547290"/>
+              <a:gd name="connsiteY3" fmla="*/ 0 h 7125374"/>
+              <a:gd name="connsiteX4" fmla="*/ 12547290 w 12547290"/>
+              <a:gd name="connsiteY4" fmla="*/ 647934 h 7125374"/>
+              <a:gd name="connsiteX5" fmla="*/ 12547290 w 12547290"/>
+              <a:gd name="connsiteY5" fmla="*/ 1169859 h 7125374"/>
+              <a:gd name="connsiteX6" fmla="*/ 11899356 w 12547290"/>
+              <a:gd name="connsiteY6" fmla="*/ 1817793 h 7125374"/>
+              <a:gd name="connsiteX7" fmla="*/ 8238854 w 12547290"/>
+              <a:gd name="connsiteY7" fmla="*/ 1817793 h 7125374"/>
+              <a:gd name="connsiteX8" fmla="*/ 8116656 w 12547290"/>
+              <a:gd name="connsiteY8" fmla="*/ 1805474 h 7125374"/>
+              <a:gd name="connsiteX9" fmla="*/ 7944449 w 12547290"/>
+              <a:gd name="connsiteY9" fmla="*/ 1763554 h 7125374"/>
+              <a:gd name="connsiteX10" fmla="*/ 7828393 w 12547290"/>
+              <a:gd name="connsiteY10" fmla="*/ 1679654 h 7125374"/>
+              <a:gd name="connsiteX11" fmla="*/ 7819389 w 12547290"/>
+              <a:gd name="connsiteY11" fmla="*/ 1671114 h 7125374"/>
+              <a:gd name="connsiteX12" fmla="*/ 7819382 w 12547290"/>
+              <a:gd name="connsiteY12" fmla="*/ 1671106 h 7125374"/>
+              <a:gd name="connsiteX13" fmla="*/ 7819336 w 12547290"/>
+              <a:gd name="connsiteY13" fmla="*/ 1671064 h 7125374"/>
+              <a:gd name="connsiteX14" fmla="*/ 7708709 w 12547290"/>
+              <a:gd name="connsiteY14" fmla="*/ 1568082 h 7125374"/>
+              <a:gd name="connsiteX15" fmla="*/ 7685163 w 12547290"/>
+              <a:gd name="connsiteY15" fmla="*/ 1549119 h 7125374"/>
+              <a:gd name="connsiteX16" fmla="*/ 7670195 w 12547290"/>
+              <a:gd name="connsiteY16" fmla="*/ 1535516 h 7125374"/>
+              <a:gd name="connsiteX17" fmla="*/ 7643283 w 12547290"/>
+              <a:gd name="connsiteY17" fmla="*/ 1515391 h 7125374"/>
+              <a:gd name="connsiteX18" fmla="*/ 7590834 w 12547290"/>
+              <a:gd name="connsiteY18" fmla="*/ 1473151 h 7125374"/>
+              <a:gd name="connsiteX19" fmla="*/ 7535546 w 12547290"/>
+              <a:gd name="connsiteY19" fmla="*/ 1434827 h 7125374"/>
+              <a:gd name="connsiteX20" fmla="*/ 7508468 w 12547290"/>
+              <a:gd name="connsiteY20" fmla="*/ 1414578 h 7125374"/>
+              <a:gd name="connsiteX21" fmla="*/ 7491206 w 12547290"/>
+              <a:gd name="connsiteY21" fmla="*/ 1404091 h 7125374"/>
+              <a:gd name="connsiteX22" fmla="*/ 7466201 w 12547290"/>
+              <a:gd name="connsiteY22" fmla="*/ 1386758 h 7125374"/>
+              <a:gd name="connsiteX23" fmla="*/ 7335291 w 12547290"/>
+              <a:gd name="connsiteY23" fmla="*/ 1309371 h 7125374"/>
+              <a:gd name="connsiteX24" fmla="*/ 7335256 w 12547290"/>
+              <a:gd name="connsiteY24" fmla="*/ 1309350 h 7125374"/>
+              <a:gd name="connsiteX25" fmla="*/ 6333885 w 12547290"/>
+              <a:gd name="connsiteY25" fmla="*/ 1055793 h 7125374"/>
+              <a:gd name="connsiteX26" fmla="*/ 4233076 w 12547290"/>
+              <a:gd name="connsiteY26" fmla="*/ 3156602 h 7125374"/>
+              <a:gd name="connsiteX27" fmla="*/ 5709169 w 12547290"/>
+              <a:gd name="connsiteY27" fmla="*/ 5162963 h 7125374"/>
+              <a:gd name="connsiteX28" fmla="*/ 5791497 w 12547290"/>
+              <a:gd name="connsiteY28" fmla="*/ 5197310 h 7125374"/>
+              <a:gd name="connsiteX29" fmla="*/ 6181734 w 12547290"/>
+              <a:gd name="connsiteY29" fmla="*/ 5799376 h 7125374"/>
+              <a:gd name="connsiteX30" fmla="*/ 6181734 w 12547290"/>
+              <a:gd name="connsiteY30" fmla="*/ 6169042 h 7125374"/>
+              <a:gd name="connsiteX31" fmla="*/ 6181734 w 12547290"/>
+              <a:gd name="connsiteY31" fmla="*/ 6216377 h 7125374"/>
+              <a:gd name="connsiteX32" fmla="*/ 6181734 w 12547290"/>
+              <a:gd name="connsiteY32" fmla="*/ 6486431 h 7125374"/>
+              <a:gd name="connsiteX33" fmla="*/ 5542791 w 12547290"/>
+              <a:gd name="connsiteY33" fmla="*/ 7125374 h 7125374"/>
+              <a:gd name="connsiteX34" fmla="*/ 4337864 w 12547290"/>
+              <a:gd name="connsiteY34" fmla="*/ 7125374 h 7125374"/>
+              <a:gd name="connsiteX35" fmla="*/ 672548 w 12547290"/>
+              <a:gd name="connsiteY35" fmla="*/ 7125374 h 7125374"/>
+              <a:gd name="connsiteX36" fmla="*/ 638943 w 12547290"/>
+              <a:gd name="connsiteY36" fmla="*/ 7125374 h 7125374"/>
+              <a:gd name="connsiteX37" fmla="*/ 0 w 12547290"/>
+              <a:gd name="connsiteY37" fmla="*/ 6486431 h 7125374"/>
+              <a:gd name="connsiteX38" fmla="*/ 0 w 12547290"/>
+              <a:gd name="connsiteY38" fmla="*/ 6216377 h 7125374"/>
+              <a:gd name="connsiteX39" fmla="*/ 0 w 12547290"/>
+              <a:gd name="connsiteY39" fmla="*/ 6169042 h 7125374"/>
+              <a:gd name="connsiteX40" fmla="*/ 0 w 12547290"/>
+              <a:gd name="connsiteY40" fmla="*/ 5799376 h 7125374"/>
+              <a:gd name="connsiteX41" fmla="*/ 1 w 12547290"/>
+              <a:gd name="connsiteY41" fmla="*/ 5799373 h 7125374"/>
+              <a:gd name="connsiteX42" fmla="*/ 1 w 12547290"/>
+              <a:gd name="connsiteY42" fmla="*/ 1169859 h 7125374"/>
+              <a:gd name="connsiteX43" fmla="*/ 1 w 12547290"/>
+              <a:gd name="connsiteY43" fmla="*/ 672547 h 7125374"/>
+              <a:gd name="connsiteX44" fmla="*/ 1 w 12547290"/>
+              <a:gd name="connsiteY44" fmla="*/ 647934 h 7125374"/>
+              <a:gd name="connsiteX45" fmla="*/ 647935 w 12547290"/>
+              <a:gd name="connsiteY45" fmla="*/ 0 h 7125374"/>
+            </a:gdLst>
+            <a:ahLst/>
+            <a:cxnLst>
+              <a:cxn ang="0">
+                <a:pos x="connsiteX0" y="connsiteY0"/>
+              </a:cxn>
+              <a:cxn ang="0">
+                <a:pos x="connsiteX1" y="connsiteY1"/>
+              </a:cxn>
+              <a:cxn ang="0">
+                <a:pos x="connsiteX2" y="connsiteY2"/>
+              </a:cxn>
+              <a:cxn ang="0">
+                <a:pos x="connsiteX3" y="connsiteY3"/>
+              </a:cxn>
+              <a:cxn ang="0">
+                <a:pos x="connsiteX4" y="connsiteY4"/>
+              </a:cxn>
+              <a:cxn ang="0">
+                <a:pos x="connsiteX5" y="connsiteY5"/>
+              </a:cxn>
+              <a:cxn ang="0">
+                <a:pos x="connsiteX6" y="connsiteY6"/>
+              </a:cxn>
+              <a:cxn ang="0">
+                <a:pos x="connsiteX7" y="connsiteY7"/>
+              </a:cxn>
+              <a:cxn ang="0">
+                <a:pos x="connsiteX8" y="connsiteY8"/>
+              </a:cxn>
+              <a:cxn ang="0">
+                <a:pos x="connsiteX9" y="connsiteY9"/>
+              </a:cxn>
+              <a:cxn ang="0">
+                <a:pos x="connsiteX10" y="connsiteY10"/>
+              </a:cxn>
+              <a:cxn ang="0">
+                <a:pos x="connsiteX11" y="connsiteY11"/>
+              </a:cxn>
+              <a:cxn ang="0">
+                <a:pos x="connsiteX12" y="connsiteY12"/>
+              </a:cxn>
+              <a:cxn ang="0">
+                <a:pos x="connsiteX13" y="connsiteY13"/>
+              </a:cxn>
+              <a:cxn ang="0">
+                <a:pos x="connsiteX14" y="connsiteY14"/>
+              </a:cxn>
+              <a:cxn ang="0">
+                <a:pos x="connsiteX15" y="connsiteY15"/>
+              </a:cxn>
+              <a:cxn ang="0">
+                <a:pos x="connsiteX16" y="connsiteY16"/>
+              </a:cxn>
+              <a:cxn ang="0">
+                <a:pos x="connsiteX17" y="connsiteY17"/>
+              </a:cxn>
+              <a:cxn ang="0">
+                <a:pos x="connsiteX18" y="connsiteY18"/>
+              </a:cxn>
+              <a:cxn ang="0">
+                <a:pos x="connsiteX19" y="connsiteY19"/>
+              </a:cxn>
+              <a:cxn ang="0">
+                <a:pos x="connsiteX20" y="connsiteY20"/>
+              </a:cxn>
+              <a:cxn ang="0">
+                <a:pos x="connsiteX21" y="connsiteY21"/>
+              </a:cxn>
+              <a:cxn ang="0">
+                <a:pos x="connsiteX22" y="connsiteY22"/>
+              </a:cxn>
+              <a:cxn ang="0">
+                <a:pos x="connsiteX23" y="connsiteY23"/>
+              </a:cxn>
+              <a:cxn ang="0">
+                <a:pos x="connsiteX24" y="connsiteY24"/>
+              </a:cxn>
+              <a:cxn ang="0">
+                <a:pos x="connsiteX25" y="connsiteY25"/>
+              </a:cxn>
+              <a:cxn ang="0">
+                <a:pos x="connsiteX26" y="connsiteY26"/>
+              </a:cxn>
+              <a:cxn ang="0">
+                <a:pos x="connsiteX27" y="connsiteY27"/>
+              </a:cxn>
+              <a:cxn ang="0">
+                <a:pos x="connsiteX28" y="connsiteY28"/>
+              </a:cxn>
+              <a:cxn ang="0">
+                <a:pos x="connsiteX29" y="connsiteY29"/>
+              </a:cxn>
+              <a:cxn ang="0">
+                <a:pos x="connsiteX30" y="connsiteY30"/>
+              </a:cxn>
+              <a:cxn ang="0">
+                <a:pos x="connsiteX31" y="connsiteY31"/>
+              </a:cxn>
+              <a:cxn ang="0">
+                <a:pos x="connsiteX32" y="connsiteY32"/>
+              </a:cxn>
+              <a:cxn ang="0">
+                <a:pos x="connsiteX33" y="connsiteY33"/>
+              </a:cxn>
+              <a:cxn ang="0">
+                <a:pos x="connsiteX34" y="connsiteY34"/>
+              </a:cxn>
+              <a:cxn ang="0">
+                <a:pos x="connsiteX35" y="connsiteY35"/>
+              </a:cxn>
+              <a:cxn ang="0">
+                <a:pos x="connsiteX36" y="connsiteY36"/>
+              </a:cxn>
+              <a:cxn ang="0">
+                <a:pos x="connsiteX37" y="connsiteY37"/>
+              </a:cxn>
+              <a:cxn ang="0">
+                <a:pos x="connsiteX38" y="connsiteY38"/>
+              </a:cxn>
+              <a:cxn ang="0">
+                <a:pos x="connsiteX39" y="connsiteY39"/>
+              </a:cxn>
+              <a:cxn ang="0">
+                <a:pos x="connsiteX40" y="connsiteY40"/>
+              </a:cxn>
+              <a:cxn ang="0">
+                <a:pos x="connsiteX41" y="connsiteY41"/>
+              </a:cxn>
+              <a:cxn ang="0">
+                <a:pos x="connsiteX42" y="connsiteY42"/>
+              </a:cxn>
+              <a:cxn ang="0">
+                <a:pos x="connsiteX43" y="connsiteY43"/>
+              </a:cxn>
+              <a:cxn ang="0">
+                <a:pos x="connsiteX44" y="connsiteY44"/>
+              </a:cxn>
+              <a:cxn ang="0">
+                <a:pos x="connsiteX45" y="connsiteY45"/>
+              </a:cxn>
+            </a:cxnLst>
+            <a:rect l="l" t="t" r="r" b="b"/>
+            <a:pathLst>
+              <a:path w="12547290" h="7125374">
+                <a:moveTo>
+                  <a:pt x="647935" y="0"/>
+                </a:moveTo>
+                <a:lnTo>
+                  <a:pt x="672548" y="0"/>
+                </a:lnTo>
+                <a:lnTo>
+                  <a:pt x="4337864" y="0"/>
+                </a:lnTo>
+                <a:lnTo>
+                  <a:pt x="11899356" y="0"/>
+                </a:lnTo>
+                <a:cubicBezTo>
+                  <a:pt x="12257200" y="0"/>
+                  <a:pt x="12547290" y="290090"/>
+                  <a:pt x="12547290" y="647934"/>
+                </a:cubicBezTo>
+                <a:lnTo>
+                  <a:pt x="12547290" y="1169859"/>
+                </a:lnTo>
+                <a:cubicBezTo>
+                  <a:pt x="12547290" y="1527703"/>
+                  <a:pt x="12257200" y="1817793"/>
+                  <a:pt x="11899356" y="1817793"/>
+                </a:cubicBezTo>
+                <a:lnTo>
+                  <a:pt x="8238854" y="1817793"/>
+                </a:lnTo>
+                <a:lnTo>
+                  <a:pt x="8116656" y="1805474"/>
+                </a:lnTo>
+                <a:cubicBezTo>
+                  <a:pt x="8055481" y="1799322"/>
+                  <a:pt x="7993174" y="1787815"/>
+                  <a:pt x="7944449" y="1763554"/>
+                </a:cubicBezTo>
+                <a:cubicBezTo>
+                  <a:pt x="7874968" y="1728958"/>
+                  <a:pt x="7842687" y="1695040"/>
+                  <a:pt x="7828393" y="1679654"/>
+                </a:cubicBezTo>
+                <a:lnTo>
+                  <a:pt x="7819389" y="1671114"/>
+                </a:lnTo>
+                <a:cubicBezTo>
+                  <a:pt x="7819387" y="1671111"/>
+                  <a:pt x="7819384" y="1671109"/>
+                  <a:pt x="7819382" y="1671106"/>
+                </a:cubicBezTo>
+                <a:cubicBezTo>
+                  <a:pt x="7819367" y="1671092"/>
+                  <a:pt x="7819351" y="1671078"/>
+                  <a:pt x="7819336" y="1671064"/>
+                </a:cubicBezTo>
+                <a:lnTo>
+                  <a:pt x="7708709" y="1568082"/>
+                </a:lnTo>
+                <a:lnTo>
+                  <a:pt x="7685163" y="1549119"/>
+                </a:lnTo>
+                <a:lnTo>
+                  <a:pt x="7670195" y="1535516"/>
+                </a:lnTo>
+                <a:lnTo>
+                  <a:pt x="7643283" y="1515391"/>
+                </a:lnTo>
+                <a:lnTo>
+                  <a:pt x="7590834" y="1473151"/>
+                </a:lnTo>
+                <a:lnTo>
+                  <a:pt x="7535546" y="1434827"/>
+                </a:lnTo>
+                <a:lnTo>
+                  <a:pt x="7508468" y="1414578"/>
+                </a:lnTo>
+                <a:lnTo>
+                  <a:pt x="7491206" y="1404091"/>
+                </a:lnTo>
+                <a:lnTo>
+                  <a:pt x="7466201" y="1386758"/>
+                </a:lnTo>
+                <a:lnTo>
+                  <a:pt x="7335291" y="1309371"/>
+                </a:lnTo>
+                <a:cubicBezTo>
+                  <a:pt x="7335279" y="1309364"/>
+                  <a:pt x="7335268" y="1309357"/>
+                  <a:pt x="7335256" y="1309350"/>
+                </a:cubicBezTo>
+                <a:cubicBezTo>
+                  <a:pt x="7037586" y="1147645"/>
+                  <a:pt x="6696462" y="1055793"/>
+                  <a:pt x="6333885" y="1055793"/>
+                </a:cubicBezTo>
+                <a:cubicBezTo>
+                  <a:pt x="5173641" y="1055793"/>
+                  <a:pt x="4233076" y="1996357"/>
+                  <a:pt x="4233076" y="3156602"/>
+                </a:cubicBezTo>
+                <a:cubicBezTo>
+                  <a:pt x="4233076" y="4099301"/>
+                  <a:pt x="4853996" y="4896977"/>
+                  <a:pt x="5709169" y="5162963"/>
+                </a:cubicBezTo>
+                <a:cubicBezTo>
+                  <a:pt x="5768997" y="5194097"/>
+                  <a:pt x="5720239" y="5164271"/>
+                  <a:pt x="5791497" y="5197310"/>
+                </a:cubicBezTo>
+                <a:cubicBezTo>
+                  <a:pt x="6020824" y="5294307"/>
+                  <a:pt x="6181734" y="5534718"/>
+                  <a:pt x="6181734" y="5799376"/>
+                </a:cubicBezTo>
+                <a:lnTo>
+                  <a:pt x="6181734" y="6169042"/>
+                </a:lnTo>
+                <a:lnTo>
+                  <a:pt x="6181734" y="6216377"/>
+                </a:lnTo>
+                <a:lnTo>
+                  <a:pt x="6181734" y="6486431"/>
+                </a:lnTo>
+                <a:cubicBezTo>
+                  <a:pt x="6181734" y="6839309"/>
+                  <a:pt x="5895669" y="7125374"/>
+                  <a:pt x="5542791" y="7125374"/>
+                </a:cubicBezTo>
+                <a:lnTo>
+                  <a:pt x="4337864" y="7125374"/>
+                </a:lnTo>
+                <a:lnTo>
+                  <a:pt x="672548" y="7125374"/>
+                </a:lnTo>
+                <a:lnTo>
+                  <a:pt x="638943" y="7125374"/>
+                </a:lnTo>
+                <a:cubicBezTo>
+                  <a:pt x="286065" y="7125374"/>
+                  <a:pt x="0" y="6839309"/>
+                  <a:pt x="0" y="6486431"/>
+                </a:cubicBezTo>
+                <a:lnTo>
+                  <a:pt x="0" y="6216377"/>
+                </a:lnTo>
+                <a:lnTo>
+                  <a:pt x="0" y="6169042"/>
+                </a:lnTo>
+                <a:lnTo>
+                  <a:pt x="0" y="5799376"/>
+                </a:lnTo>
+                <a:cubicBezTo>
+                  <a:pt x="0" y="5799375"/>
+                  <a:pt x="1" y="5799374"/>
+                  <a:pt x="1" y="5799373"/>
+                </a:cubicBezTo>
+                <a:lnTo>
+                  <a:pt x="1" y="1169859"/>
+                </a:lnTo>
+                <a:lnTo>
+                  <a:pt x="1" y="672547"/>
+                </a:lnTo>
+                <a:lnTo>
+                  <a:pt x="1" y="647934"/>
+                </a:lnTo>
+                <a:cubicBezTo>
+                  <a:pt x="1" y="290090"/>
+                  <a:pt x="290091" y="0"/>
+                  <a:pt x="647935" y="0"/>
+                </a:cubicBezTo>
+                <a:close/>
+              </a:path>
+            </a:pathLst>
+          </a:custGeom>
+          <a:noFill/>
+          <a:ln w="38100">
+            <a:solidFill>
+              <a:schemeClr val="bg1">
+                <a:lumMod val="65000"/>
+                <a:alpha val="25098"/>
+              </a:schemeClr>
+            </a:solidFill>
+            <a:prstDash val="sysDash"/>
+          </a:ln>
+        </p:spPr>
+        <p:style>
+          <a:lnRef idx="2">
+            <a:schemeClr val="accent1">
+              <a:shade val="50000"/>
+            </a:schemeClr>
+          </a:lnRef>
+          <a:fillRef idx="1">
+            <a:schemeClr val="accent1"/>
+          </a:fillRef>
+          <a:effectRef idx="0">
+            <a:schemeClr val="accent1"/>
+          </a:effectRef>
+          <a:fontRef idx="minor">
+            <a:schemeClr val="lt1"/>
+          </a:fontRef>
+        </p:style>
+        <p:txBody>
+          <a:bodyPr wrap="square" rtlCol="0" anchor="ctr">
+            <a:noAutofit/>
+          </a:bodyPr>
+          <a:lstStyle/>
+          <a:p>
+            <a:pPr algn="ctr"/>
+            <a:endParaRPr lang="es-ES"/>
+          </a:p>
+        </p:txBody>
+      </p:sp>
+      <p:sp>
+        <p:nvSpPr>
+          <p:cNvPr id="71" name="TextBox 38">
+            <a:extLst>
+              <a:ext uri="{FF2B5EF4-FFF2-40B4-BE49-F238E27FC236}">
+                <a16:creationId xmlns:a16="http://schemas.microsoft.com/office/drawing/2014/main" id="{7E5C149E-75ED-FAB3-C0B6-E3E28277997A}"/>
+              </a:ext>
+            </a:extLst>
+          </p:cNvPr>
+          <p:cNvSpPr txBox="1"/>
+          <p:nvPr/>
+        </p:nvSpPr>
+        <p:spPr>
+          <a:xfrm>
+            <a:off x="8017452" y="8467513"/>
+            <a:ext cx="3784780" cy="461665"/>
+          </a:xfrm>
+          <a:prstGeom prst="rect">
+            <a:avLst/>
+          </a:prstGeom>
+          <a:noFill/>
+        </p:spPr>
+        <p:txBody>
+          <a:bodyPr wrap="square">
+            <a:spAutoFit/>
+          </a:bodyPr>
+          <a:lstStyle/>
+          <a:p>
+            <a:pPr algn="ctr"/>
+            <a:r>
+              <a:rPr lang="es-ES" sz="2400" dirty="0">
+                <a:solidFill>
+                  <a:srgbClr val="FFFFFF"/>
+                </a:solidFill>
+                <a:latin typeface="Abadi" panose="020B0604020104020204" pitchFamily="34" charset="0"/>
+                <a:ea typeface="DengXian" panose="02010600030101010101" pitchFamily="2" charset="-122"/>
+                <a:cs typeface="Times New Roman" panose="02020603050405020304" pitchFamily="18" charset="0"/>
+              </a:rPr>
+              <a:t>25 Variables de resultado</a:t>
+            </a:r>
+            <a:endParaRPr lang="es-ES" sz="2400" dirty="0">
+              <a:solidFill>
+                <a:srgbClr val="FFFFFF"/>
+              </a:solidFill>
+              <a:latin typeface="Abadi" panose="020B0604020104020204" pitchFamily="34" charset="0"/>
+            </a:endParaRPr>
+          </a:p>
+        </p:txBody>
+      </p:sp>
+      <p:sp>
+        <p:nvSpPr>
+          <p:cNvPr id="72" name="TextBox 38">
+            <a:extLst>
+              <a:ext uri="{FF2B5EF4-FFF2-40B4-BE49-F238E27FC236}">
+                <a16:creationId xmlns:a16="http://schemas.microsoft.com/office/drawing/2014/main" id="{735E9CF6-CF3F-F773-AA61-6A2DD1D25AFB}"/>
+              </a:ext>
+            </a:extLst>
+          </p:cNvPr>
+          <p:cNvSpPr txBox="1"/>
+          <p:nvPr/>
+        </p:nvSpPr>
+        <p:spPr>
+          <a:xfrm>
+            <a:off x="1303501" y="8467513"/>
+            <a:ext cx="3784780" cy="461665"/>
+          </a:xfrm>
+          <a:prstGeom prst="rect">
+            <a:avLst/>
+          </a:prstGeom>
+          <a:noFill/>
+        </p:spPr>
+        <p:txBody>
+          <a:bodyPr wrap="square">
+            <a:spAutoFit/>
+          </a:bodyPr>
+          <a:lstStyle/>
+          <a:p>
+            <a:pPr algn="ctr"/>
+            <a:r>
+              <a:rPr lang="es-ES" sz="2400" dirty="0">
+                <a:solidFill>
+                  <a:srgbClr val="FFFFFF"/>
+                </a:solidFill>
+                <a:latin typeface="Abadi" panose="020B0604020104020204" pitchFamily="34" charset="0"/>
+                <a:ea typeface="DengXian" panose="02010600030101010101" pitchFamily="2" charset="-122"/>
+                <a:cs typeface="Times New Roman" panose="02020603050405020304" pitchFamily="18" charset="0"/>
+              </a:rPr>
+              <a:t>107 Variables de entrada</a:t>
+            </a:r>
+          </a:p>
+        </p:txBody>
+      </p:sp>
     </p:spTree>
     <p:extLst>
       <p:ext uri="{BB962C8B-B14F-4D97-AF65-F5344CB8AC3E}">
@@ -9836,7 +12293,7 @@
 <file path=ppt/theme/theme1.xml><?xml version="1.0" encoding="utf-8"?>
 <a:theme xmlns:a="http://schemas.openxmlformats.org/drawingml/2006/main" name="Office Theme">
   <a:themeElements>
-    <a:clrScheme name="Tema de Office">
+    <a:clrScheme name="Office Theme">
       <a:dk1>
         <a:sysClr val="windowText" lastClr="000000"/>
       </a:dk1>
@@ -9874,7 +12331,7 @@
         <a:srgbClr val="954F72"/>
       </a:folHlink>
     </a:clrScheme>
-    <a:fontScheme name="Tema de Office">
+    <a:fontScheme name="Office Theme">
       <a:majorFont>
         <a:latin typeface="Calibri Light" panose="020F0302020204030204"/>
         <a:ea typeface=""/>
@@ -9946,7 +12403,7 @@
         <a:font script="Geor" typeface="Sylfaen"/>
       </a:minorFont>
     </a:fontScheme>
-    <a:fmtScheme name="Tema de Office">
+    <a:fmtScheme name="Office Theme">
       <a:fillStyleLst>
         <a:solidFill>
           <a:schemeClr val="phClr"/>
